--- a/basic_python.pptx
+++ b/basic_python.pptx
@@ -5,44 +5,48 @@
     <p:sldMasterId id="2147483684" r:id="rId1"/>
   </p:sldMasterIdLst>
   <p:notesMasterIdLst>
-    <p:notesMasterId r:id="rId37"/>
+    <p:notesMasterId r:id="rId41"/>
   </p:notesMasterIdLst>
   <p:sldIdLst>
     <p:sldId id="256" r:id="rId2"/>
     <p:sldId id="257" r:id="rId3"/>
     <p:sldId id="324" r:id="rId4"/>
-    <p:sldId id="289" r:id="rId5"/>
-    <p:sldId id="281" r:id="rId6"/>
-    <p:sldId id="261" r:id="rId7"/>
-    <p:sldId id="282" r:id="rId8"/>
-    <p:sldId id="286" r:id="rId9"/>
-    <p:sldId id="288" r:id="rId10"/>
-    <p:sldId id="287" r:id="rId11"/>
-    <p:sldId id="266" r:id="rId12"/>
-    <p:sldId id="296" r:id="rId13"/>
-    <p:sldId id="323" r:id="rId14"/>
-    <p:sldId id="279" r:id="rId15"/>
-    <p:sldId id="271" r:id="rId16"/>
-    <p:sldId id="278" r:id="rId17"/>
-    <p:sldId id="267" r:id="rId18"/>
-    <p:sldId id="290" r:id="rId19"/>
-    <p:sldId id="292" r:id="rId20"/>
-    <p:sldId id="268" r:id="rId21"/>
-    <p:sldId id="293" r:id="rId22"/>
-    <p:sldId id="269" r:id="rId23"/>
-    <p:sldId id="274" r:id="rId24"/>
-    <p:sldId id="277" r:id="rId25"/>
-    <p:sldId id="294" r:id="rId26"/>
-    <p:sldId id="295" r:id="rId27"/>
-    <p:sldId id="276" r:id="rId28"/>
-    <p:sldId id="298" r:id="rId29"/>
-    <p:sldId id="301" r:id="rId30"/>
-    <p:sldId id="322" r:id="rId31"/>
-    <p:sldId id="303" r:id="rId32"/>
-    <p:sldId id="306" r:id="rId33"/>
-    <p:sldId id="307" r:id="rId34"/>
-    <p:sldId id="308" r:id="rId35"/>
-    <p:sldId id="321" r:id="rId36"/>
+    <p:sldId id="325" r:id="rId5"/>
+    <p:sldId id="289" r:id="rId6"/>
+    <p:sldId id="281" r:id="rId7"/>
+    <p:sldId id="261" r:id="rId8"/>
+    <p:sldId id="282" r:id="rId9"/>
+    <p:sldId id="286" r:id="rId10"/>
+    <p:sldId id="288" r:id="rId11"/>
+    <p:sldId id="287" r:id="rId12"/>
+    <p:sldId id="266" r:id="rId13"/>
+    <p:sldId id="296" r:id="rId14"/>
+    <p:sldId id="323" r:id="rId15"/>
+    <p:sldId id="279" r:id="rId16"/>
+    <p:sldId id="271" r:id="rId17"/>
+    <p:sldId id="278" r:id="rId18"/>
+    <p:sldId id="267" r:id="rId19"/>
+    <p:sldId id="290" r:id="rId20"/>
+    <p:sldId id="292" r:id="rId21"/>
+    <p:sldId id="268" r:id="rId22"/>
+    <p:sldId id="293" r:id="rId23"/>
+    <p:sldId id="269" r:id="rId24"/>
+    <p:sldId id="274" r:id="rId25"/>
+    <p:sldId id="277" r:id="rId26"/>
+    <p:sldId id="294" r:id="rId27"/>
+    <p:sldId id="295" r:id="rId28"/>
+    <p:sldId id="276" r:id="rId29"/>
+    <p:sldId id="298" r:id="rId30"/>
+    <p:sldId id="301" r:id="rId31"/>
+    <p:sldId id="322" r:id="rId32"/>
+    <p:sldId id="303" r:id="rId33"/>
+    <p:sldId id="306" r:id="rId34"/>
+    <p:sldId id="307" r:id="rId35"/>
+    <p:sldId id="308" r:id="rId36"/>
+    <p:sldId id="321" r:id="rId37"/>
+    <p:sldId id="326" r:id="rId38"/>
+    <p:sldId id="327" r:id="rId39"/>
+    <p:sldId id="328" r:id="rId40"/>
   </p:sldIdLst>
   <p:sldSz cx="9144000" cy="6858000" type="screen4x3"/>
   <p:notesSz cx="6858000" cy="9144000"/>
@@ -149,3809 +153,10 @@
 </p:presentation>
 </file>
 
-<file path=ppt/revisionInfo.xml><?xml version="1.0" encoding="utf-8"?>
-<p1510:revInfo xmlns:a="http://schemas.openxmlformats.org/drawingml/2006/main" xmlns:r="http://schemas.openxmlformats.org/officeDocument/2006/relationships" xmlns:p1510="http://schemas.microsoft.com/office/powerpoint/2015/10/main">
-  <p1510:revLst>
-    <p1510:client id="{722E49B8-19C3-49B2-B7E3-ED1328E6F4DE}" v="887" dt="2018-11-23T20:16:36.355"/>
-  </p1510:revLst>
-</p1510:revInfo>
-</file>
-
 <file path=ppt/changesInfos/changesInfo1.xml><?xml version="1.0" encoding="utf-8"?>
 <pc:chgInfo xmlns:a="http://schemas.openxmlformats.org/drawingml/2006/main" xmlns:r="http://schemas.openxmlformats.org/officeDocument/2006/relationships" xmlns:ac="http://schemas.microsoft.com/office/drawing/2013/main/command" xmlns:pc="http://schemas.microsoft.com/office/powerpoint/2013/main/command">
   <pc:docChgLst>
     <pc:chgData name="William Thompson" userId="fa853bc974031eaf" providerId="LiveId" clId="{722E49B8-19C3-49B2-B7E3-ED1328E6F4DE}"/>
-    <pc:docChg chg="undo redo custSel addSld delSld modSld sldOrd modMainMaster">
-      <pc:chgData name="William Thompson" userId="fa853bc974031eaf" providerId="LiveId" clId="{722E49B8-19C3-49B2-B7E3-ED1328E6F4DE}" dt="2018-11-23T20:22:29.645" v="16557" actId="20577"/>
-      <pc:docMkLst>
-        <pc:docMk/>
-      </pc:docMkLst>
-      <pc:sldChg chg="addSp delSp modSp setBg modNotesTx">
-        <pc:chgData name="William Thompson" userId="fa853bc974031eaf" providerId="LiveId" clId="{722E49B8-19C3-49B2-B7E3-ED1328E6F4DE}" dt="2018-11-23T00:50:35.618" v="8815" actId="14100"/>
-        <pc:sldMkLst>
-          <pc:docMk/>
-          <pc:sldMk cId="1604709828" sldId="256"/>
-        </pc:sldMkLst>
-        <pc:spChg chg="mod">
-          <ac:chgData name="William Thompson" userId="fa853bc974031eaf" providerId="LiveId" clId="{722E49B8-19C3-49B2-B7E3-ED1328E6F4DE}" dt="2018-11-23T00:50:27.900" v="8813" actId="1076"/>
-          <ac:spMkLst>
-            <pc:docMk/>
-            <pc:sldMk cId="1604709828" sldId="256"/>
-            <ac:spMk id="2" creationId="{ABD66AC6-339C-4CD9-96E6-E456B338ADE6}"/>
-          </ac:spMkLst>
-        </pc:spChg>
-        <pc:spChg chg="del">
-          <ac:chgData name="William Thompson" userId="fa853bc974031eaf" providerId="LiveId" clId="{722E49B8-19C3-49B2-B7E3-ED1328E6F4DE}" dt="2018-11-15T00:53:44.924" v="0" actId="478"/>
-          <ac:spMkLst>
-            <pc:docMk/>
-            <pc:sldMk cId="1604709828" sldId="256"/>
-            <ac:spMk id="3" creationId="{1A413DE0-6DEA-4157-9DB6-319CE1BD89F4}"/>
-          </ac:spMkLst>
-        </pc:spChg>
-        <pc:spChg chg="add del mod">
-          <ac:chgData name="William Thompson" userId="fa853bc974031eaf" providerId="LiveId" clId="{722E49B8-19C3-49B2-B7E3-ED1328E6F4DE}" dt="2018-11-22T23:50:25.835" v="7054" actId="478"/>
-          <ac:spMkLst>
-            <pc:docMk/>
-            <pc:sldMk cId="1604709828" sldId="256"/>
-            <ac:spMk id="3" creationId="{242D69EF-ECCE-435D-953A-14535D543E04}"/>
-          </ac:spMkLst>
-        </pc:spChg>
-        <pc:spChg chg="add mod">
-          <ac:chgData name="William Thompson" userId="fa853bc974031eaf" providerId="LiveId" clId="{722E49B8-19C3-49B2-B7E3-ED1328E6F4DE}" dt="2018-11-23T00:50:35.618" v="8815" actId="14100"/>
-          <ac:spMkLst>
-            <pc:docMk/>
-            <pc:sldMk cId="1604709828" sldId="256"/>
-            <ac:spMk id="6" creationId="{1C544D8A-4BA0-4E0C-A636-921D3C389DBE}"/>
-          </ac:spMkLst>
-        </pc:spChg>
-        <pc:spChg chg="add del mod">
-          <ac:chgData name="William Thompson" userId="fa853bc974031eaf" providerId="LiveId" clId="{722E49B8-19C3-49B2-B7E3-ED1328E6F4DE}" dt="2018-11-22T23:50:57.671" v="7059" actId="478"/>
-          <ac:spMkLst>
-            <pc:docMk/>
-            <pc:sldMk cId="1604709828" sldId="256"/>
-            <ac:spMk id="7" creationId="{470955C7-1FA8-44F7-96A9-04822F318BEA}"/>
-          </ac:spMkLst>
-        </pc:spChg>
-        <pc:spChg chg="add del mod">
-          <ac:chgData name="William Thompson" userId="fa853bc974031eaf" providerId="LiveId" clId="{722E49B8-19C3-49B2-B7E3-ED1328E6F4DE}" dt="2018-11-22T23:50:59.871" v="7060" actId="478"/>
-          <ac:spMkLst>
-            <pc:docMk/>
-            <pc:sldMk cId="1604709828" sldId="256"/>
-            <ac:spMk id="8" creationId="{14F3227E-96EA-4964-A506-B54D572F9749}"/>
-          </ac:spMkLst>
-        </pc:spChg>
-        <pc:spChg chg="add del mod">
-          <ac:chgData name="William Thompson" userId="fa853bc974031eaf" providerId="LiveId" clId="{722E49B8-19C3-49B2-B7E3-ED1328E6F4DE}" dt="2018-11-22T23:51:02" v="7061" actId="478"/>
-          <ac:spMkLst>
-            <pc:docMk/>
-            <pc:sldMk cId="1604709828" sldId="256"/>
-            <ac:spMk id="9" creationId="{468E0A84-CD2E-4192-A2AB-8BE1882E9FB4}"/>
-          </ac:spMkLst>
-        </pc:spChg>
-        <pc:spChg chg="add del mod">
-          <ac:chgData name="William Thompson" userId="fa853bc974031eaf" providerId="LiveId" clId="{722E49B8-19C3-49B2-B7E3-ED1328E6F4DE}" dt="2018-11-22T23:51:02" v="7061" actId="478"/>
-          <ac:spMkLst>
-            <pc:docMk/>
-            <pc:sldMk cId="1604709828" sldId="256"/>
-            <ac:spMk id="10" creationId="{852CFCA1-EDE7-47C8-B3FD-ED3926CA84DF}"/>
-          </ac:spMkLst>
-        </pc:spChg>
-        <pc:picChg chg="add del mod">
-          <ac:chgData name="William Thompson" userId="fa853bc974031eaf" providerId="LiveId" clId="{722E49B8-19C3-49B2-B7E3-ED1328E6F4DE}" dt="2018-11-18T20:02:06.393" v="2561" actId="478"/>
-          <ac:picMkLst>
-            <pc:docMk/>
-            <pc:sldMk cId="1604709828" sldId="256"/>
-            <ac:picMk id="5" creationId="{07F2C46E-D8B3-401A-9E68-50E760803ECA}"/>
-          </ac:picMkLst>
-        </pc:picChg>
-        <pc:picChg chg="add mod modCrop">
-          <ac:chgData name="William Thompson" userId="fa853bc974031eaf" providerId="LiveId" clId="{722E49B8-19C3-49B2-B7E3-ED1328E6F4DE}" dt="2018-11-23T00:50:24.188" v="8812" actId="1076"/>
-          <ac:picMkLst>
-            <pc:docMk/>
-            <pc:sldMk cId="1604709828" sldId="256"/>
-            <ac:picMk id="11" creationId="{49AA41C5-6C3C-4B3F-A674-BEB2DED17200}"/>
-          </ac:picMkLst>
-        </pc:picChg>
-        <pc:picChg chg="add del">
-          <ac:chgData name="William Thompson" userId="fa853bc974031eaf" providerId="LiveId" clId="{722E49B8-19C3-49B2-B7E3-ED1328E6F4DE}" dt="2018-11-23T00:49:33.930" v="8794"/>
-          <ac:picMkLst>
-            <pc:docMk/>
-            <pc:sldMk cId="1604709828" sldId="256"/>
-            <ac:picMk id="12" creationId="{5E3844F0-22B8-44B0-B380-9ECDD1C06BB5}"/>
-          </ac:picMkLst>
-        </pc:picChg>
-        <pc:picChg chg="add del mod">
-          <ac:chgData name="William Thompson" userId="fa853bc974031eaf" providerId="LiveId" clId="{722E49B8-19C3-49B2-B7E3-ED1328E6F4DE}" dt="2018-11-15T01:11:42.024" v="666" actId="478"/>
-          <ac:picMkLst>
-            <pc:docMk/>
-            <pc:sldMk cId="1604709828" sldId="256"/>
-            <ac:picMk id="12" creationId="{A11CCB72-6452-4A4A-9864-F434A4E3E4B2}"/>
-          </ac:picMkLst>
-        </pc:picChg>
-        <pc:picChg chg="add mod ord">
-          <ac:chgData name="William Thompson" userId="fa853bc974031eaf" providerId="LiveId" clId="{722E49B8-19C3-49B2-B7E3-ED1328E6F4DE}" dt="2018-11-23T00:50:24.188" v="8812" actId="1076"/>
-          <ac:picMkLst>
-            <pc:docMk/>
-            <pc:sldMk cId="1604709828" sldId="256"/>
-            <ac:picMk id="13" creationId="{7E7F3D50-6EA3-42A4-9141-110AAF9D4ED7}"/>
-          </ac:picMkLst>
-        </pc:picChg>
-      </pc:sldChg>
-      <pc:sldChg chg="addSp delSp modSp add setBg">
-        <pc:chgData name="William Thompson" userId="fa853bc974031eaf" providerId="LiveId" clId="{722E49B8-19C3-49B2-B7E3-ED1328E6F4DE}" dt="2018-11-22T23:58:17.288" v="7279" actId="14100"/>
-        <pc:sldMkLst>
-          <pc:docMk/>
-          <pc:sldMk cId="2205402762" sldId="257"/>
-        </pc:sldMkLst>
-        <pc:spChg chg="mod">
-          <ac:chgData name="William Thompson" userId="fa853bc974031eaf" providerId="LiveId" clId="{722E49B8-19C3-49B2-B7E3-ED1328E6F4DE}" dt="2018-11-22T23:54:02.284" v="7143" actId="207"/>
-          <ac:spMkLst>
-            <pc:docMk/>
-            <pc:sldMk cId="2205402762" sldId="257"/>
-            <ac:spMk id="2" creationId="{92E369FC-1C3B-4771-A6E0-107FE61E2513}"/>
-          </ac:spMkLst>
-        </pc:spChg>
-        <pc:spChg chg="mod">
-          <ac:chgData name="William Thompson" userId="fa853bc974031eaf" providerId="LiveId" clId="{722E49B8-19C3-49B2-B7E3-ED1328E6F4DE}" dt="2018-11-22T23:58:17.288" v="7279" actId="14100"/>
-          <ac:spMkLst>
-            <pc:docMk/>
-            <pc:sldMk cId="2205402762" sldId="257"/>
-            <ac:spMk id="3" creationId="{A8CA56B2-C12D-42F3-A4E1-395CB6CEBECC}"/>
-          </ac:spMkLst>
-        </pc:spChg>
-        <pc:spChg chg="add del">
-          <ac:chgData name="William Thompson" userId="fa853bc974031eaf" providerId="LiveId" clId="{722E49B8-19C3-49B2-B7E3-ED1328E6F4DE}" dt="2018-11-18T20:11:12.510" v="2727" actId="478"/>
-          <ac:spMkLst>
-            <pc:docMk/>
-            <pc:sldMk cId="2205402762" sldId="257"/>
-            <ac:spMk id="4" creationId="{27EFDEEC-36F0-4B30-A999-59202566AEF7}"/>
-          </ac:spMkLst>
-        </pc:spChg>
-        <pc:spChg chg="add del mod">
-          <ac:chgData name="William Thompson" userId="fa853bc974031eaf" providerId="LiveId" clId="{722E49B8-19C3-49B2-B7E3-ED1328E6F4DE}" dt="2018-11-22T23:56:55.548" v="7238" actId="478"/>
-          <ac:spMkLst>
-            <pc:docMk/>
-            <pc:sldMk cId="2205402762" sldId="257"/>
-            <ac:spMk id="4" creationId="{3B32BBCF-91B0-41CA-8D6F-F252FCB33BC4}"/>
-          </ac:spMkLst>
-        </pc:spChg>
-        <pc:spChg chg="add del mod">
-          <ac:chgData name="William Thompson" userId="fa853bc974031eaf" providerId="LiveId" clId="{722E49B8-19C3-49B2-B7E3-ED1328E6F4DE}" dt="2018-11-22T23:52:07.967" v="7077" actId="478"/>
-          <ac:spMkLst>
-            <pc:docMk/>
-            <pc:sldMk cId="2205402762" sldId="257"/>
-            <ac:spMk id="5" creationId="{B7D02B0E-7EC2-4B03-9CEC-86D026ED2517}"/>
-          </ac:spMkLst>
-        </pc:spChg>
-        <pc:spChg chg="add del">
-          <ac:chgData name="William Thompson" userId="fa853bc974031eaf" providerId="LiveId" clId="{722E49B8-19C3-49B2-B7E3-ED1328E6F4DE}" dt="2018-11-18T20:11:33.321" v="2753" actId="478"/>
-          <ac:spMkLst>
-            <pc:docMk/>
-            <pc:sldMk cId="2205402762" sldId="257"/>
-            <ac:spMk id="6" creationId="{84B3405C-69E6-4E42-A950-1813554FF86E}"/>
-          </ac:spMkLst>
-        </pc:spChg>
-        <pc:spChg chg="add del mod">
-          <ac:chgData name="William Thompson" userId="fa853bc974031eaf" providerId="LiveId" clId="{722E49B8-19C3-49B2-B7E3-ED1328E6F4DE}" dt="2018-11-22T23:52:07.967" v="7077" actId="478"/>
-          <ac:spMkLst>
-            <pc:docMk/>
-            <pc:sldMk cId="2205402762" sldId="257"/>
-            <ac:spMk id="7" creationId="{BAF6A266-0F8C-4D70-A7E0-B9B582240EDA}"/>
-          </ac:spMkLst>
-        </pc:spChg>
-        <pc:spChg chg="add del mod">
-          <ac:chgData name="William Thompson" userId="fa853bc974031eaf" providerId="LiveId" clId="{722E49B8-19C3-49B2-B7E3-ED1328E6F4DE}" dt="2018-11-22T23:09:32.797" v="6671" actId="478"/>
-          <ac:spMkLst>
-            <pc:docMk/>
-            <pc:sldMk cId="2205402762" sldId="257"/>
-            <ac:spMk id="8" creationId="{23EEDD7F-9E68-4352-B5A8-E19DF2C750F5}"/>
-          </ac:spMkLst>
-        </pc:spChg>
-        <pc:spChg chg="add del">
-          <ac:chgData name="William Thompson" userId="fa853bc974031eaf" providerId="LiveId" clId="{722E49B8-19C3-49B2-B7E3-ED1328E6F4DE}" dt="2018-11-18T20:11:47.752" v="2757"/>
-          <ac:spMkLst>
-            <pc:docMk/>
-            <pc:sldMk cId="2205402762" sldId="257"/>
-            <ac:spMk id="8" creationId="{30FEA7FB-0245-45FB-BDB4-99DD35784CBB}"/>
-          </ac:spMkLst>
-        </pc:spChg>
-        <pc:spChg chg="add del mod">
-          <ac:chgData name="William Thompson" userId="fa853bc974031eaf" providerId="LiveId" clId="{722E49B8-19C3-49B2-B7E3-ED1328E6F4DE}" dt="2018-11-22T23:52:07.967" v="7077" actId="478"/>
-          <ac:spMkLst>
-            <pc:docMk/>
-            <pc:sldMk cId="2205402762" sldId="257"/>
-            <ac:spMk id="9" creationId="{ECA1EB75-CA28-4E9C-80E6-BB4B353B04FF}"/>
-          </ac:spMkLst>
-        </pc:spChg>
-        <pc:spChg chg="add del">
-          <ac:chgData name="William Thompson" userId="fa853bc974031eaf" providerId="LiveId" clId="{722E49B8-19C3-49B2-B7E3-ED1328E6F4DE}" dt="2018-11-22T23:09:33.818" v="6673"/>
-          <ac:spMkLst>
-            <pc:docMk/>
-            <pc:sldMk cId="2205402762" sldId="257"/>
-            <ac:spMk id="10" creationId="{84CA3570-3503-4406-B911-61C8719C48D0}"/>
-          </ac:spMkLst>
-        </pc:spChg>
-        <pc:spChg chg="add del mod">
-          <ac:chgData name="William Thompson" userId="fa853bc974031eaf" providerId="LiveId" clId="{722E49B8-19C3-49B2-B7E3-ED1328E6F4DE}" dt="2018-11-22T23:58:00.737" v="7269" actId="478"/>
-          <ac:spMkLst>
-            <pc:docMk/>
-            <pc:sldMk cId="2205402762" sldId="257"/>
-            <ac:spMk id="11" creationId="{7AF71A37-3B93-46DA-B708-860D9AD14765}"/>
-          </ac:spMkLst>
-        </pc:spChg>
-        <pc:spChg chg="add del mod">
-          <ac:chgData name="William Thompson" userId="fa853bc974031eaf" providerId="LiveId" clId="{722E49B8-19C3-49B2-B7E3-ED1328E6F4DE}" dt="2018-11-22T23:57:57.432" v="7266" actId="478"/>
-          <ac:spMkLst>
-            <pc:docMk/>
-            <pc:sldMk cId="2205402762" sldId="257"/>
-            <ac:spMk id="12" creationId="{D5E476A3-4EDE-4DF1-95D5-66AE62E2A157}"/>
-          </ac:spMkLst>
-        </pc:spChg>
-      </pc:sldChg>
-      <pc:sldChg chg="addSp delSp modSp add del modTransition setBg">
-        <pc:chgData name="William Thompson" userId="fa853bc974031eaf" providerId="LiveId" clId="{722E49B8-19C3-49B2-B7E3-ED1328E6F4DE}" dt="2018-11-23T00:20:29.073" v="7972" actId="2696"/>
-        <pc:sldMkLst>
-          <pc:docMk/>
-          <pc:sldMk cId="1364555436" sldId="258"/>
-        </pc:sldMkLst>
-        <pc:spChg chg="mod">
-          <ac:chgData name="William Thompson" userId="fa853bc974031eaf" providerId="LiveId" clId="{722E49B8-19C3-49B2-B7E3-ED1328E6F4DE}" dt="2018-11-22T23:59:55.664" v="7299" actId="207"/>
-          <ac:spMkLst>
-            <pc:docMk/>
-            <pc:sldMk cId="1364555436" sldId="258"/>
-            <ac:spMk id="2" creationId="{EFDA8272-3B27-40B8-B493-DE8DC17C08D4}"/>
-          </ac:spMkLst>
-        </pc:spChg>
-        <pc:spChg chg="mod">
-          <ac:chgData name="William Thompson" userId="fa853bc974031eaf" providerId="LiveId" clId="{722E49B8-19C3-49B2-B7E3-ED1328E6F4DE}" dt="2018-11-22T23:58:55.593" v="7286" actId="27636"/>
-          <ac:spMkLst>
-            <pc:docMk/>
-            <pc:sldMk cId="1364555436" sldId="258"/>
-            <ac:spMk id="3" creationId="{1E7B0B82-0727-498D-9B76-47A79DB9C447}"/>
-          </ac:spMkLst>
-        </pc:spChg>
-        <pc:spChg chg="add del mod">
-          <ac:chgData name="William Thompson" userId="fa853bc974031eaf" providerId="LiveId" clId="{722E49B8-19C3-49B2-B7E3-ED1328E6F4DE}" dt="2018-11-22T23:58:30.567" v="7280" actId="478"/>
-          <ac:spMkLst>
-            <pc:docMk/>
-            <pc:sldMk cId="1364555436" sldId="258"/>
-            <ac:spMk id="5" creationId="{FACB24E9-CA64-4FE1-A602-0B3CB9E8B634}"/>
-          </ac:spMkLst>
-        </pc:spChg>
-        <pc:spChg chg="add del mod">
-          <ac:chgData name="William Thompson" userId="fa853bc974031eaf" providerId="LiveId" clId="{722E49B8-19C3-49B2-B7E3-ED1328E6F4DE}" dt="2018-11-22T23:58:30.567" v="7280" actId="478"/>
-          <ac:spMkLst>
-            <pc:docMk/>
-            <pc:sldMk cId="1364555436" sldId="258"/>
-            <ac:spMk id="6" creationId="{7D24788F-486B-4EA1-8C91-E64B1E0AF9CB}"/>
-          </ac:spMkLst>
-        </pc:spChg>
-        <pc:spChg chg="add del mod">
-          <ac:chgData name="William Thompson" userId="fa853bc974031eaf" providerId="LiveId" clId="{722E49B8-19C3-49B2-B7E3-ED1328E6F4DE}" dt="2018-11-22T23:58:30.567" v="7280" actId="478"/>
-          <ac:spMkLst>
-            <pc:docMk/>
-            <pc:sldMk cId="1364555436" sldId="258"/>
-            <ac:spMk id="7" creationId="{9FB97E90-77D7-4FC6-A2D2-1AAC0DC8FBE1}"/>
-          </ac:spMkLst>
-        </pc:spChg>
-        <pc:picChg chg="add mod ord modCrop">
-          <ac:chgData name="William Thompson" userId="fa853bc974031eaf" providerId="LiveId" clId="{722E49B8-19C3-49B2-B7E3-ED1328E6F4DE}" dt="2018-11-23T00:00:05.609" v="7300" actId="1076"/>
-          <ac:picMkLst>
-            <pc:docMk/>
-            <pc:sldMk cId="1364555436" sldId="258"/>
-            <ac:picMk id="4" creationId="{747E9A96-8FF7-4577-8D5F-C154E771A201}"/>
-          </ac:picMkLst>
-        </pc:picChg>
-        <pc:picChg chg="add del">
-          <ac:chgData name="William Thompson" userId="fa853bc974031eaf" providerId="LiveId" clId="{722E49B8-19C3-49B2-B7E3-ED1328E6F4DE}" dt="2018-11-15T01:16:55.463" v="1102"/>
-          <ac:picMkLst>
-            <pc:docMk/>
-            <pc:sldMk cId="1364555436" sldId="258"/>
-            <ac:picMk id="1027" creationId="{DDFE51E0-001F-4564-AD04-14FC604E072C}"/>
-          </ac:picMkLst>
-        </pc:picChg>
-      </pc:sldChg>
-      <pc:sldChg chg="addSp delSp modSp add setBg modNotesTx">
-        <pc:chgData name="William Thompson" userId="fa853bc974031eaf" providerId="LiveId" clId="{722E49B8-19C3-49B2-B7E3-ED1328E6F4DE}" dt="2018-11-23T03:28:30.925" v="9640" actId="20577"/>
-        <pc:sldMkLst>
-          <pc:docMk/>
-          <pc:sldMk cId="4178948041" sldId="259"/>
-        </pc:sldMkLst>
-        <pc:spChg chg="mod">
-          <ac:chgData name="William Thompson" userId="fa853bc974031eaf" providerId="LiveId" clId="{722E49B8-19C3-49B2-B7E3-ED1328E6F4DE}" dt="2018-11-23T00:28:37.627" v="8154" actId="20577"/>
-          <ac:spMkLst>
-            <pc:docMk/>
-            <pc:sldMk cId="4178948041" sldId="259"/>
-            <ac:spMk id="2" creationId="{EFDA8272-3B27-40B8-B493-DE8DC17C08D4}"/>
-          </ac:spMkLst>
-        </pc:spChg>
-        <pc:spChg chg="mod">
-          <ac:chgData name="William Thompson" userId="fa853bc974031eaf" providerId="LiveId" clId="{722E49B8-19C3-49B2-B7E3-ED1328E6F4DE}" dt="2018-11-23T00:36:26.383" v="8514" actId="20577"/>
-          <ac:spMkLst>
-            <pc:docMk/>
-            <pc:sldMk cId="4178948041" sldId="259"/>
-            <ac:spMk id="3" creationId="{1E7B0B82-0727-498D-9B76-47A79DB9C447}"/>
-          </ac:spMkLst>
-        </pc:spChg>
-        <pc:spChg chg="add del mod">
-          <ac:chgData name="William Thompson" userId="fa853bc974031eaf" providerId="LiveId" clId="{722E49B8-19C3-49B2-B7E3-ED1328E6F4DE}" dt="2018-11-23T00:27:06.775" v="8140" actId="478"/>
-          <ac:spMkLst>
-            <pc:docMk/>
-            <pc:sldMk cId="4178948041" sldId="259"/>
-            <ac:spMk id="4" creationId="{DAD2CAE5-4F48-4B68-9CED-C7CB51689C4B}"/>
-          </ac:spMkLst>
-        </pc:spChg>
-        <pc:spChg chg="add del mod">
-          <ac:chgData name="William Thompson" userId="fa853bc974031eaf" providerId="LiveId" clId="{722E49B8-19C3-49B2-B7E3-ED1328E6F4DE}" dt="2018-11-23T00:27:06.775" v="8140" actId="478"/>
-          <ac:spMkLst>
-            <pc:docMk/>
-            <pc:sldMk cId="4178948041" sldId="259"/>
-            <ac:spMk id="5" creationId="{F7CCA1B7-F54E-427D-BF09-5F13B7FFB07B}"/>
-          </ac:spMkLst>
-        </pc:spChg>
-        <pc:spChg chg="add del mod">
-          <ac:chgData name="William Thompson" userId="fa853bc974031eaf" providerId="LiveId" clId="{722E49B8-19C3-49B2-B7E3-ED1328E6F4DE}" dt="2018-11-23T00:27:06.775" v="8140" actId="478"/>
-          <ac:spMkLst>
-            <pc:docMk/>
-            <pc:sldMk cId="4178948041" sldId="259"/>
-            <ac:spMk id="6" creationId="{93BD04A9-57E9-4669-B655-F11BD8C33520}"/>
-          </ac:spMkLst>
-        </pc:spChg>
-        <pc:spChg chg="add del mod topLvl">
-          <ac:chgData name="William Thompson" userId="fa853bc974031eaf" providerId="LiveId" clId="{722E49B8-19C3-49B2-B7E3-ED1328E6F4DE}" dt="2018-11-23T00:34:12.900" v="8501"/>
-          <ac:spMkLst>
-            <pc:docMk/>
-            <pc:sldMk cId="4178948041" sldId="259"/>
-            <ac:spMk id="8" creationId="{4488CA8C-A3AA-4C88-8967-20A7465722EE}"/>
-          </ac:spMkLst>
-        </pc:spChg>
-        <pc:spChg chg="add del mod">
-          <ac:chgData name="William Thompson" userId="fa853bc974031eaf" providerId="LiveId" clId="{722E49B8-19C3-49B2-B7E3-ED1328E6F4DE}" dt="2018-11-23T00:33:16.727" v="8400" actId="478"/>
-          <ac:spMkLst>
-            <pc:docMk/>
-            <pc:sldMk cId="4178948041" sldId="259"/>
-            <ac:spMk id="12" creationId="{A724C7EB-05EB-4076-85E8-DB9A1E57FB47}"/>
-          </ac:spMkLst>
-        </pc:spChg>
-        <pc:spChg chg="add del mod">
-          <ac:chgData name="William Thompson" userId="fa853bc974031eaf" providerId="LiveId" clId="{722E49B8-19C3-49B2-B7E3-ED1328E6F4DE}" dt="2018-11-23T00:33:16.727" v="8400" actId="478"/>
-          <ac:spMkLst>
-            <pc:docMk/>
-            <pc:sldMk cId="4178948041" sldId="259"/>
-            <ac:spMk id="14" creationId="{B199CAFE-CE2F-4DC8-B7F8-0DB46224716A}"/>
-          </ac:spMkLst>
-        </pc:spChg>
-        <pc:grpChg chg="add del mod">
-          <ac:chgData name="William Thompson" userId="fa853bc974031eaf" providerId="LiveId" clId="{722E49B8-19C3-49B2-B7E3-ED1328E6F4DE}" dt="2018-11-23T00:33:28.840" v="8406" actId="165"/>
-          <ac:grpSpMkLst>
-            <pc:docMk/>
-            <pc:sldMk cId="4178948041" sldId="259"/>
-            <ac:grpSpMk id="11" creationId="{8CDB4D66-1474-4DEA-B85A-7059ACF64FC2}"/>
-          </ac:grpSpMkLst>
-        </pc:grpChg>
-        <pc:picChg chg="del">
-          <ac:chgData name="William Thompson" userId="fa853bc974031eaf" providerId="LiveId" clId="{722E49B8-19C3-49B2-B7E3-ED1328E6F4DE}" dt="2018-11-15T01:19:20.332" v="1142" actId="478"/>
-          <ac:picMkLst>
-            <pc:docMk/>
-            <pc:sldMk cId="4178948041" sldId="259"/>
-            <ac:picMk id="4" creationId="{747E9A96-8FF7-4577-8D5F-C154E771A201}"/>
-          </ac:picMkLst>
-        </pc:picChg>
-        <pc:picChg chg="add mod topLvl">
-          <ac:chgData name="William Thompson" userId="fa853bc974031eaf" providerId="LiveId" clId="{722E49B8-19C3-49B2-B7E3-ED1328E6F4DE}" dt="2018-11-23T00:36:22.938" v="8511" actId="1076"/>
-          <ac:picMkLst>
-            <pc:docMk/>
-            <pc:sldMk cId="4178948041" sldId="259"/>
-            <ac:picMk id="7" creationId="{A0DBC25B-B8B9-4F03-A7CD-4CBC35876C27}"/>
-          </ac:picMkLst>
-        </pc:picChg>
-        <pc:picChg chg="add del mod modCrop">
-          <ac:chgData name="William Thompson" userId="fa853bc974031eaf" providerId="LiveId" clId="{722E49B8-19C3-49B2-B7E3-ED1328E6F4DE}" dt="2018-11-23T00:32:18.763" v="8340" actId="478"/>
-          <ac:picMkLst>
-            <pc:docMk/>
-            <pc:sldMk cId="4178948041" sldId="259"/>
-            <ac:picMk id="10" creationId="{604F6E37-0409-4225-BCD9-B4D10495FDAB}"/>
-          </ac:picMkLst>
-        </pc:picChg>
-        <pc:picChg chg="add del mod modCrop">
-          <ac:chgData name="William Thompson" userId="fa853bc974031eaf" providerId="LiveId" clId="{722E49B8-19C3-49B2-B7E3-ED1328E6F4DE}" dt="2018-11-23T00:33:14.821" v="8399" actId="478"/>
-          <ac:picMkLst>
-            <pc:docMk/>
-            <pc:sldMk cId="4178948041" sldId="259"/>
-            <ac:picMk id="13" creationId="{590A3974-41BD-44F6-BB1B-99574BC63888}"/>
-          </ac:picMkLst>
-        </pc:picChg>
-        <pc:picChg chg="add mod">
-          <ac:chgData name="William Thompson" userId="fa853bc974031eaf" providerId="LiveId" clId="{722E49B8-19C3-49B2-B7E3-ED1328E6F4DE}" dt="2018-11-23T00:36:21.300" v="8510" actId="1076"/>
-          <ac:picMkLst>
-            <pc:docMk/>
-            <pc:sldMk cId="4178948041" sldId="259"/>
-            <ac:picMk id="15" creationId="{7609B799-C2A4-4290-84FB-0DA3DC9623E2}"/>
-          </ac:picMkLst>
-        </pc:picChg>
-        <pc:picChg chg="add del mod">
-          <ac:chgData name="William Thompson" userId="fa853bc974031eaf" providerId="LiveId" clId="{722E49B8-19C3-49B2-B7E3-ED1328E6F4DE}" dt="2018-11-23T00:35:36.605" v="8505"/>
-          <ac:picMkLst>
-            <pc:docMk/>
-            <pc:sldMk cId="4178948041" sldId="259"/>
-            <ac:picMk id="1027" creationId="{41072BAC-8249-451E-B2A8-A933ADA87103}"/>
-          </ac:picMkLst>
-        </pc:picChg>
-      </pc:sldChg>
-      <pc:sldChg chg="addSp delSp modSp add ord setBg">
-        <pc:chgData name="William Thompson" userId="fa853bc974031eaf" providerId="LiveId" clId="{722E49B8-19C3-49B2-B7E3-ED1328E6F4DE}" dt="2018-11-23T00:51:57.799" v="8835" actId="14100"/>
-        <pc:sldMkLst>
-          <pc:docMk/>
-          <pc:sldMk cId="2038179557" sldId="261"/>
-        </pc:sldMkLst>
-        <pc:spChg chg="mod">
-          <ac:chgData name="William Thompson" userId="fa853bc974031eaf" providerId="LiveId" clId="{722E49B8-19C3-49B2-B7E3-ED1328E6F4DE}" dt="2018-11-23T00:41:32.468" v="8685" actId="403"/>
-          <ac:spMkLst>
-            <pc:docMk/>
-            <pc:sldMk cId="2038179557" sldId="261"/>
-            <ac:spMk id="2" creationId="{EFDA8272-3B27-40B8-B493-DE8DC17C08D4}"/>
-          </ac:spMkLst>
-        </pc:spChg>
-        <pc:spChg chg="mod">
-          <ac:chgData name="William Thompson" userId="fa853bc974031eaf" providerId="LiveId" clId="{722E49B8-19C3-49B2-B7E3-ED1328E6F4DE}" dt="2018-11-23T00:48:37.071" v="8779" actId="27636"/>
-          <ac:spMkLst>
-            <pc:docMk/>
-            <pc:sldMk cId="2038179557" sldId="261"/>
-            <ac:spMk id="3" creationId="{1E7B0B82-0727-498D-9B76-47A79DB9C447}"/>
-          </ac:spMkLst>
-        </pc:spChg>
-        <pc:spChg chg="add del mod">
-          <ac:chgData name="William Thompson" userId="fa853bc974031eaf" providerId="LiveId" clId="{722E49B8-19C3-49B2-B7E3-ED1328E6F4DE}" dt="2018-11-23T00:41:34.377" v="8686" actId="478"/>
-          <ac:spMkLst>
-            <pc:docMk/>
-            <pc:sldMk cId="2038179557" sldId="261"/>
-            <ac:spMk id="5" creationId="{B0C72DF4-5EAC-4314-87CE-7B08C8D4F7C0}"/>
-          </ac:spMkLst>
-        </pc:spChg>
-        <pc:spChg chg="add del">
-          <ac:chgData name="William Thompson" userId="fa853bc974031eaf" providerId="LiveId" clId="{722E49B8-19C3-49B2-B7E3-ED1328E6F4DE}" dt="2018-11-15T01:27:06.260" v="1617"/>
-          <ac:spMkLst>
-            <pc:docMk/>
-            <pc:sldMk cId="2038179557" sldId="261"/>
-            <ac:spMk id="5" creationId="{C439FC09-7EED-435F-BC84-A865DC16C95B}"/>
-          </ac:spMkLst>
-        </pc:spChg>
-        <pc:spChg chg="add del mod">
-          <ac:chgData name="William Thompson" userId="fa853bc974031eaf" providerId="LiveId" clId="{722E49B8-19C3-49B2-B7E3-ED1328E6F4DE}" dt="2018-11-23T00:42:17.484" v="8688" actId="478"/>
-          <ac:spMkLst>
-            <pc:docMk/>
-            <pc:sldMk cId="2038179557" sldId="261"/>
-            <ac:spMk id="6" creationId="{19A4F949-5923-4A7C-86A6-A7A1A1B8E95F}"/>
-          </ac:spMkLst>
-        </pc:spChg>
-        <pc:spChg chg="add del mod">
-          <ac:chgData name="William Thompson" userId="fa853bc974031eaf" providerId="LiveId" clId="{722E49B8-19C3-49B2-B7E3-ED1328E6F4DE}" dt="2018-11-23T00:41:34.377" v="8686" actId="478"/>
-          <ac:spMkLst>
-            <pc:docMk/>
-            <pc:sldMk cId="2038179557" sldId="261"/>
-            <ac:spMk id="7" creationId="{22C938E2-A168-4A86-8E4C-236C37A4B4DA}"/>
-          </ac:spMkLst>
-        </pc:spChg>
-        <pc:spChg chg="add del mod">
-          <ac:chgData name="William Thompson" userId="fa853bc974031eaf" providerId="LiveId" clId="{722E49B8-19C3-49B2-B7E3-ED1328E6F4DE}" dt="2018-11-23T00:41:34.377" v="8686" actId="478"/>
-          <ac:spMkLst>
-            <pc:docMk/>
-            <pc:sldMk cId="2038179557" sldId="261"/>
-            <ac:spMk id="8" creationId="{0BF766BD-E4CC-45D8-B8B3-E30C8FFDA931}"/>
-          </ac:spMkLst>
-        </pc:spChg>
-        <pc:spChg chg="add del mod">
-          <ac:chgData name="William Thompson" userId="fa853bc974031eaf" providerId="LiveId" clId="{722E49B8-19C3-49B2-B7E3-ED1328E6F4DE}" dt="2018-11-23T00:47:36.585" v="8756" actId="478"/>
-          <ac:spMkLst>
-            <pc:docMk/>
-            <pc:sldMk cId="2038179557" sldId="261"/>
-            <ac:spMk id="12" creationId="{451D0A04-273D-4F5A-80D3-10DD60373B21}"/>
-          </ac:spMkLst>
-        </pc:spChg>
-        <pc:picChg chg="del">
-          <ac:chgData name="William Thompson" userId="fa853bc974031eaf" providerId="LiveId" clId="{722E49B8-19C3-49B2-B7E3-ED1328E6F4DE}" dt="2018-11-15T01:26:18.741" v="1544" actId="478"/>
-          <ac:picMkLst>
-            <pc:docMk/>
-            <pc:sldMk cId="2038179557" sldId="261"/>
-            <ac:picMk id="4" creationId="{747E9A96-8FF7-4577-8D5F-C154E771A201}"/>
-          </ac:picMkLst>
-        </pc:picChg>
-        <pc:picChg chg="add del mod modCrop">
-          <ac:chgData name="William Thompson" userId="fa853bc974031eaf" providerId="LiveId" clId="{722E49B8-19C3-49B2-B7E3-ED1328E6F4DE}" dt="2018-11-23T00:49:40.655" v="8798" actId="478"/>
-          <ac:picMkLst>
-            <pc:docMk/>
-            <pc:sldMk cId="2038179557" sldId="261"/>
-            <ac:picMk id="4" creationId="{B6F3F106-5E29-47BB-BD6A-9C22D4B01DC1}"/>
-          </ac:picMkLst>
-        </pc:picChg>
-        <pc:picChg chg="add mod modCrop">
-          <ac:chgData name="William Thompson" userId="fa853bc974031eaf" providerId="LiveId" clId="{722E49B8-19C3-49B2-B7E3-ED1328E6F4DE}" dt="2018-11-23T00:51:53.983" v="8834" actId="14100"/>
-          <ac:picMkLst>
-            <pc:docMk/>
-            <pc:sldMk cId="2038179557" sldId="261"/>
-            <ac:picMk id="10" creationId="{877E5243-8223-434D-B64B-7D9CA2F32EDF}"/>
-          </ac:picMkLst>
-        </pc:picChg>
-        <pc:picChg chg="add mod">
-          <ac:chgData name="William Thompson" userId="fa853bc974031eaf" providerId="LiveId" clId="{722E49B8-19C3-49B2-B7E3-ED1328E6F4DE}" dt="2018-11-23T00:51:53.983" v="8834" actId="14100"/>
-          <ac:picMkLst>
-            <pc:docMk/>
-            <pc:sldMk cId="2038179557" sldId="261"/>
-            <ac:picMk id="11" creationId="{906C1431-8E70-4DAD-8466-D606DD1E4EA1}"/>
-          </ac:picMkLst>
-        </pc:picChg>
-        <pc:picChg chg="add mod">
-          <ac:chgData name="William Thompson" userId="fa853bc974031eaf" providerId="LiveId" clId="{722E49B8-19C3-49B2-B7E3-ED1328E6F4DE}" dt="2018-11-23T00:51:53.983" v="8834" actId="14100"/>
-          <ac:picMkLst>
-            <pc:docMk/>
-            <pc:sldMk cId="2038179557" sldId="261"/>
-            <ac:picMk id="14" creationId="{7E73ECF6-FE7F-4B6F-947F-D0F2B8171904}"/>
-          </ac:picMkLst>
-        </pc:picChg>
-        <pc:picChg chg="add mod">
-          <ac:chgData name="William Thompson" userId="fa853bc974031eaf" providerId="LiveId" clId="{722E49B8-19C3-49B2-B7E3-ED1328E6F4DE}" dt="2018-11-23T00:51:53.983" v="8834" actId="14100"/>
-          <ac:picMkLst>
-            <pc:docMk/>
-            <pc:sldMk cId="2038179557" sldId="261"/>
-            <ac:picMk id="15" creationId="{E5DF4DD3-DCBD-4AF0-8781-CB66925A8A17}"/>
-          </ac:picMkLst>
-        </pc:picChg>
-        <pc:picChg chg="add mod ord">
-          <ac:chgData name="William Thompson" userId="fa853bc974031eaf" providerId="LiveId" clId="{722E49B8-19C3-49B2-B7E3-ED1328E6F4DE}" dt="2018-11-23T00:51:53.983" v="8834" actId="14100"/>
-          <ac:picMkLst>
-            <pc:docMk/>
-            <pc:sldMk cId="2038179557" sldId="261"/>
-            <ac:picMk id="16" creationId="{D0AE672A-794E-4875-8822-5D6A2C98B815}"/>
-          </ac:picMkLst>
-        </pc:picChg>
-        <pc:picChg chg="add mod modCrop">
-          <ac:chgData name="William Thompson" userId="fa853bc974031eaf" providerId="LiveId" clId="{722E49B8-19C3-49B2-B7E3-ED1328E6F4DE}" dt="2018-11-23T00:49:17.060" v="8790" actId="1076"/>
-          <ac:picMkLst>
-            <pc:docMk/>
-            <pc:sldMk cId="2038179557" sldId="261"/>
-            <ac:picMk id="17" creationId="{104C66BB-B138-4EF2-B61A-E8B4E0414065}"/>
-          </ac:picMkLst>
-        </pc:picChg>
-        <pc:picChg chg="add mod">
-          <ac:chgData name="William Thompson" userId="fa853bc974031eaf" providerId="LiveId" clId="{722E49B8-19C3-49B2-B7E3-ED1328E6F4DE}" dt="2018-11-23T00:46:52.605" v="8745" actId="571"/>
-          <ac:picMkLst>
-            <pc:docMk/>
-            <pc:sldMk cId="2038179557" sldId="261"/>
-            <ac:picMk id="18" creationId="{C6748B94-4BB4-4C9B-9446-3512B0755162}"/>
-          </ac:picMkLst>
-        </pc:picChg>
-        <pc:picChg chg="add del mod">
-          <ac:chgData name="William Thompson" userId="fa853bc974031eaf" providerId="LiveId" clId="{722E49B8-19C3-49B2-B7E3-ED1328E6F4DE}" dt="2018-11-23T00:48:08.615" v="8764"/>
-          <ac:picMkLst>
-            <pc:docMk/>
-            <pc:sldMk cId="2038179557" sldId="261"/>
-            <ac:picMk id="20" creationId="{01AAB8B5-BDA2-4C80-806E-8E17A00DA51B}"/>
-          </ac:picMkLst>
-        </pc:picChg>
-        <pc:picChg chg="add del">
-          <ac:chgData name="William Thompson" userId="fa853bc974031eaf" providerId="LiveId" clId="{722E49B8-19C3-49B2-B7E3-ED1328E6F4DE}" dt="2018-11-23T00:48:11.287" v="8766"/>
-          <ac:picMkLst>
-            <pc:docMk/>
-            <pc:sldMk cId="2038179557" sldId="261"/>
-            <ac:picMk id="21" creationId="{6450B3BA-4E2A-465A-A2BD-5D81D100A759}"/>
-          </ac:picMkLst>
-        </pc:picChg>
-        <pc:picChg chg="add mod modCrop">
-          <ac:chgData name="William Thompson" userId="fa853bc974031eaf" providerId="LiveId" clId="{722E49B8-19C3-49B2-B7E3-ED1328E6F4DE}" dt="2018-11-23T00:48:39.192" v="8780" actId="1076"/>
-          <ac:picMkLst>
-            <pc:docMk/>
-            <pc:sldMk cId="2038179557" sldId="261"/>
-            <ac:picMk id="23" creationId="{CBD8E76F-0B8A-4D34-93BD-F5661A788968}"/>
-          </ac:picMkLst>
-        </pc:picChg>
-        <pc:picChg chg="add mod modCrop">
-          <ac:chgData name="William Thompson" userId="fa853bc974031eaf" providerId="LiveId" clId="{722E49B8-19C3-49B2-B7E3-ED1328E6F4DE}" dt="2018-11-23T00:48:45.967" v="8783" actId="1076"/>
-          <ac:picMkLst>
-            <pc:docMk/>
-            <pc:sldMk cId="2038179557" sldId="261"/>
-            <ac:picMk id="26" creationId="{7DE37DF1-49BA-4748-914E-53BAACCB8736}"/>
-          </ac:picMkLst>
-        </pc:picChg>
-        <pc:picChg chg="add del mod">
-          <ac:chgData name="William Thompson" userId="fa853bc974031eaf" providerId="LiveId" clId="{722E49B8-19C3-49B2-B7E3-ED1328E6F4DE}" dt="2018-11-23T00:46:32.392" v="8738"/>
-          <ac:picMkLst>
-            <pc:docMk/>
-            <pc:sldMk cId="2038179557" sldId="261"/>
-            <ac:picMk id="2051" creationId="{97D60E14-67EF-475B-B6F9-BA1BAE55042E}"/>
-          </ac:picMkLst>
-        </pc:picChg>
-        <pc:picChg chg="add del">
-          <ac:chgData name="William Thompson" userId="fa853bc974031eaf" providerId="LiveId" clId="{722E49B8-19C3-49B2-B7E3-ED1328E6F4DE}" dt="2018-11-23T00:46:53.153" v="8746"/>
-          <ac:picMkLst>
-            <pc:docMk/>
-            <pc:sldMk cId="2038179557" sldId="261"/>
-            <ac:picMk id="2053" creationId="{3CA822C0-1856-4A5B-BA52-F0C636E0D988}"/>
-          </ac:picMkLst>
-        </pc:picChg>
-        <pc:cxnChg chg="add mod">
-          <ac:chgData name="William Thompson" userId="fa853bc974031eaf" providerId="LiveId" clId="{722E49B8-19C3-49B2-B7E3-ED1328E6F4DE}" dt="2018-11-23T00:51:57.799" v="8835" actId="14100"/>
-          <ac:cxnSpMkLst>
-            <pc:docMk/>
-            <pc:sldMk cId="2038179557" sldId="261"/>
-            <ac:cxnSpMk id="25" creationId="{1A1E37B2-B5F7-49E4-9BE3-88D75D5FD3EC}"/>
-          </ac:cxnSpMkLst>
-        </pc:cxnChg>
-      </pc:sldChg>
-      <pc:sldChg chg="addSp delSp modSp add del modTransition modNotesTx">
-        <pc:chgData name="William Thompson" userId="fa853bc974031eaf" providerId="LiveId" clId="{722E49B8-19C3-49B2-B7E3-ED1328E6F4DE}" dt="2018-11-23T00:57:14.090" v="8916" actId="2696"/>
-        <pc:sldMkLst>
-          <pc:docMk/>
-          <pc:sldMk cId="184318295" sldId="262"/>
-        </pc:sldMkLst>
-        <pc:spChg chg="mod">
-          <ac:chgData name="William Thompson" userId="fa853bc974031eaf" providerId="LiveId" clId="{722E49B8-19C3-49B2-B7E3-ED1328E6F4DE}" dt="2018-11-23T00:52:56.598" v="8882" actId="403"/>
-          <ac:spMkLst>
-            <pc:docMk/>
-            <pc:sldMk cId="184318295" sldId="262"/>
-            <ac:spMk id="2" creationId="{0D53B860-A63D-4129-89D7-9BAD17BA6B66}"/>
-          </ac:spMkLst>
-        </pc:spChg>
-        <pc:spChg chg="del mod">
-          <ac:chgData name="William Thompson" userId="fa853bc974031eaf" providerId="LiveId" clId="{722E49B8-19C3-49B2-B7E3-ED1328E6F4DE}" dt="2018-11-15T01:40:06.467" v="1994" actId="478"/>
-          <ac:spMkLst>
-            <pc:docMk/>
-            <pc:sldMk cId="184318295" sldId="262"/>
-            <ac:spMk id="3" creationId="{F6336A44-6422-445A-BA17-D4C16F43D8D3}"/>
-          </ac:spMkLst>
-        </pc:spChg>
-        <pc:spChg chg="add del mod">
-          <ac:chgData name="William Thompson" userId="fa853bc974031eaf" providerId="LiveId" clId="{722E49B8-19C3-49B2-B7E3-ED1328E6F4DE}" dt="2018-11-23T00:53:11.457" v="8886" actId="478"/>
-          <ac:spMkLst>
-            <pc:docMk/>
-            <pc:sldMk cId="184318295" sldId="262"/>
-            <ac:spMk id="5" creationId="{7E51DEF6-E050-498F-ABF4-98B26239A99F}"/>
-          </ac:spMkLst>
-        </pc:spChg>
-        <pc:spChg chg="add mod">
-          <ac:chgData name="William Thompson" userId="fa853bc974031eaf" providerId="LiveId" clId="{722E49B8-19C3-49B2-B7E3-ED1328E6F4DE}" dt="2018-11-23T00:53:11.457" v="8886" actId="478"/>
-          <ac:spMkLst>
-            <pc:docMk/>
-            <pc:sldMk cId="184318295" sldId="262"/>
-            <ac:spMk id="6" creationId="{07D384C6-7A31-4EBF-AE74-659F837E76C1}"/>
-          </ac:spMkLst>
-        </pc:spChg>
-        <pc:spChg chg="add del mod">
-          <ac:chgData name="William Thompson" userId="fa853bc974031eaf" providerId="LiveId" clId="{722E49B8-19C3-49B2-B7E3-ED1328E6F4DE}" dt="2018-11-20T23:39:35.023" v="2792" actId="478"/>
-          <ac:spMkLst>
-            <pc:docMk/>
-            <pc:sldMk cId="184318295" sldId="262"/>
-            <ac:spMk id="6" creationId="{0A80B4AB-14E4-4D64-8A08-5A16A44574C9}"/>
-          </ac:spMkLst>
-        </pc:spChg>
-        <pc:spChg chg="add del mod">
-          <ac:chgData name="William Thompson" userId="fa853bc974031eaf" providerId="LiveId" clId="{722E49B8-19C3-49B2-B7E3-ED1328E6F4DE}" dt="2018-11-23T00:52:08.165" v="8836" actId="478"/>
-          <ac:spMkLst>
-            <pc:docMk/>
-            <pc:sldMk cId="184318295" sldId="262"/>
-            <ac:spMk id="7" creationId="{E438F2D9-63AE-44B1-9687-2A85ECD48D7D}"/>
-          </ac:spMkLst>
-        </pc:spChg>
-        <pc:spChg chg="add del mod">
-          <ac:chgData name="William Thompson" userId="fa853bc974031eaf" providerId="LiveId" clId="{722E49B8-19C3-49B2-B7E3-ED1328E6F4DE}" dt="2018-11-23T00:52:08.165" v="8836" actId="478"/>
-          <ac:spMkLst>
-            <pc:docMk/>
-            <pc:sldMk cId="184318295" sldId="262"/>
-            <ac:spMk id="8" creationId="{0F1CAD96-E363-4CA7-814D-8B54245F28F2}"/>
-          </ac:spMkLst>
-        </pc:spChg>
-        <pc:spChg chg="add del mod">
-          <ac:chgData name="William Thompson" userId="fa853bc974031eaf" providerId="LiveId" clId="{722E49B8-19C3-49B2-B7E3-ED1328E6F4DE}" dt="2018-11-23T00:52:08.165" v="8836" actId="478"/>
-          <ac:spMkLst>
-            <pc:docMk/>
-            <pc:sldMk cId="184318295" sldId="262"/>
-            <ac:spMk id="9" creationId="{BCFCFA27-F34E-4D43-823C-259FF1A7025E}"/>
-          </ac:spMkLst>
-        </pc:spChg>
-        <pc:picChg chg="add del mod">
-          <ac:chgData name="William Thompson" userId="fa853bc974031eaf" providerId="LiveId" clId="{722E49B8-19C3-49B2-B7E3-ED1328E6F4DE}" dt="2018-11-23T00:53:08.824" v="8885" actId="478"/>
-          <ac:picMkLst>
-            <pc:docMk/>
-            <pc:sldMk cId="184318295" sldId="262"/>
-            <ac:picMk id="3" creationId="{BBFCCF40-0901-4E88-B884-6223796B9C9C}"/>
-          </ac:picMkLst>
-        </pc:picChg>
-        <pc:picChg chg="add mod modCrop">
-          <ac:chgData name="William Thompson" userId="fa853bc974031eaf" providerId="LiveId" clId="{722E49B8-19C3-49B2-B7E3-ED1328E6F4DE}" dt="2018-11-23T00:55:04.504" v="8902" actId="1076"/>
-          <ac:picMkLst>
-            <pc:docMk/>
-            <pc:sldMk cId="184318295" sldId="262"/>
-            <ac:picMk id="11" creationId="{425AB42C-6A84-48EC-A5DB-CF8178CACC40}"/>
-          </ac:picMkLst>
-        </pc:picChg>
-        <pc:picChg chg="add del mod">
-          <ac:chgData name="William Thompson" userId="fa853bc974031eaf" providerId="LiveId" clId="{722E49B8-19C3-49B2-B7E3-ED1328E6F4DE}" dt="2018-11-23T00:54:15.459" v="8890"/>
-          <ac:picMkLst>
-            <pc:docMk/>
-            <pc:sldMk cId="184318295" sldId="262"/>
-            <ac:picMk id="13" creationId="{4F3AF875-D4BA-404E-92F6-087A2DC58C1C}"/>
-          </ac:picMkLst>
-        </pc:picChg>
-      </pc:sldChg>
-      <pc:sldChg chg="addSp modSp add del">
-        <pc:chgData name="William Thompson" userId="fa853bc974031eaf" providerId="LiveId" clId="{722E49B8-19C3-49B2-B7E3-ED1328E6F4DE}" dt="2018-11-23T17:51:53.258" v="14885" actId="2696"/>
-        <pc:sldMkLst>
-          <pc:docMk/>
-          <pc:sldMk cId="4046444845" sldId="263"/>
-        </pc:sldMkLst>
-        <pc:spChg chg="mod">
-          <ac:chgData name="William Thompson" userId="fa853bc974031eaf" providerId="LiveId" clId="{722E49B8-19C3-49B2-B7E3-ED1328E6F4DE}" dt="2018-11-22T23:06:14.173" v="6595" actId="207"/>
-          <ac:spMkLst>
-            <pc:docMk/>
-            <pc:sldMk cId="4046444845" sldId="263"/>
-            <ac:spMk id="2" creationId="{EFFCB2BC-BDB9-415A-9CCD-02C6CF615615}"/>
-          </ac:spMkLst>
-        </pc:spChg>
-        <pc:spChg chg="mod">
-          <ac:chgData name="William Thompson" userId="fa853bc974031eaf" providerId="LiveId" clId="{722E49B8-19C3-49B2-B7E3-ED1328E6F4DE}" dt="2018-11-22T23:53:27.167" v="7126" actId="27636"/>
-          <ac:spMkLst>
-            <pc:docMk/>
-            <pc:sldMk cId="4046444845" sldId="263"/>
-            <ac:spMk id="3" creationId="{EC4D73C8-AF71-44C7-BEB1-58F8342CCE66}"/>
-          </ac:spMkLst>
-        </pc:spChg>
-        <pc:spChg chg="add mod">
-          <ac:chgData name="William Thompson" userId="fa853bc974031eaf" providerId="LiveId" clId="{722E49B8-19C3-49B2-B7E3-ED1328E6F4DE}" dt="2018-11-22T23:06:14.173" v="6595" actId="207"/>
-          <ac:spMkLst>
-            <pc:docMk/>
-            <pc:sldMk cId="4046444845" sldId="263"/>
-            <ac:spMk id="4" creationId="{1A9DDD92-72A0-41BE-81C9-DED8CBCA5CE5}"/>
-          </ac:spMkLst>
-        </pc:spChg>
-        <pc:spChg chg="add mod">
-          <ac:chgData name="William Thompson" userId="fa853bc974031eaf" providerId="LiveId" clId="{722E49B8-19C3-49B2-B7E3-ED1328E6F4DE}" dt="2018-11-22T23:06:14.173" v="6595" actId="207"/>
-          <ac:spMkLst>
-            <pc:docMk/>
-            <pc:sldMk cId="4046444845" sldId="263"/>
-            <ac:spMk id="5" creationId="{5D140C65-3058-447A-9464-16E07B123787}"/>
-          </ac:spMkLst>
-        </pc:spChg>
-        <pc:spChg chg="add mod">
-          <ac:chgData name="William Thompson" userId="fa853bc974031eaf" providerId="LiveId" clId="{722E49B8-19C3-49B2-B7E3-ED1328E6F4DE}" dt="2018-11-22T23:06:14.173" v="6595" actId="207"/>
-          <ac:spMkLst>
-            <pc:docMk/>
-            <pc:sldMk cId="4046444845" sldId="263"/>
-            <ac:spMk id="6" creationId="{DB29F427-C743-4823-91D0-DBA61760CC06}"/>
-          </ac:spMkLst>
-        </pc:spChg>
-      </pc:sldChg>
-      <pc:sldChg chg="addSp delSp modSp add del ord">
-        <pc:chgData name="William Thompson" userId="fa853bc974031eaf" providerId="LiveId" clId="{722E49B8-19C3-49B2-B7E3-ED1328E6F4DE}" dt="2018-11-23T17:51:49.276" v="14884" actId="2696"/>
-        <pc:sldMkLst>
-          <pc:docMk/>
-          <pc:sldMk cId="3272904605" sldId="264"/>
-        </pc:sldMkLst>
-        <pc:spChg chg="mod">
-          <ac:chgData name="William Thompson" userId="fa853bc974031eaf" providerId="LiveId" clId="{722E49B8-19C3-49B2-B7E3-ED1328E6F4DE}" dt="2018-11-22T23:06:17.178" v="6596" actId="207"/>
-          <ac:spMkLst>
-            <pc:docMk/>
-            <pc:sldMk cId="3272904605" sldId="264"/>
-            <ac:spMk id="2" creationId="{0D53B860-A63D-4129-89D7-9BAD17BA6B66}"/>
-          </ac:spMkLst>
-        </pc:spChg>
-        <pc:spChg chg="add mod">
-          <ac:chgData name="William Thompson" userId="fa853bc974031eaf" providerId="LiveId" clId="{722E49B8-19C3-49B2-B7E3-ED1328E6F4DE}" dt="2018-11-22T23:06:17.178" v="6596" actId="207"/>
-          <ac:spMkLst>
-            <pc:docMk/>
-            <pc:sldMk cId="3272904605" sldId="264"/>
-            <ac:spMk id="4" creationId="{BBC4186C-2DB2-472D-81D0-1EE455E511A5}"/>
-          </ac:spMkLst>
-        </pc:spChg>
-        <pc:spChg chg="mod">
-          <ac:chgData name="William Thompson" userId="fa853bc974031eaf" providerId="LiveId" clId="{722E49B8-19C3-49B2-B7E3-ED1328E6F4DE}" dt="2018-11-22T23:06:17.178" v="6596" actId="207"/>
-          <ac:spMkLst>
-            <pc:docMk/>
-            <pc:sldMk cId="3272904605" sldId="264"/>
-            <ac:spMk id="5" creationId="{7E51DEF6-E050-498F-ABF4-98B26239A99F}"/>
-          </ac:spMkLst>
-        </pc:spChg>
-        <pc:spChg chg="del mod">
-          <ac:chgData name="William Thompson" userId="fa853bc974031eaf" providerId="LiveId" clId="{722E49B8-19C3-49B2-B7E3-ED1328E6F4DE}" dt="2018-11-15T02:05:49.661" v="2462" actId="478"/>
-          <ac:spMkLst>
-            <pc:docMk/>
-            <pc:sldMk cId="3272904605" sldId="264"/>
-            <ac:spMk id="6" creationId="{0A80B4AB-14E4-4D64-8A08-5A16A44574C9}"/>
-          </ac:spMkLst>
-        </pc:spChg>
-        <pc:spChg chg="add mod">
-          <ac:chgData name="William Thompson" userId="fa853bc974031eaf" providerId="LiveId" clId="{722E49B8-19C3-49B2-B7E3-ED1328E6F4DE}" dt="2018-11-22T23:06:17.178" v="6596" actId="207"/>
-          <ac:spMkLst>
-            <pc:docMk/>
-            <pc:sldMk cId="3272904605" sldId="264"/>
-            <ac:spMk id="6" creationId="{47B45AC6-5C6B-4660-83B8-3BE46F4AFF37}"/>
-          </ac:spMkLst>
-        </pc:spChg>
-        <pc:spChg chg="add mod">
-          <ac:chgData name="William Thompson" userId="fa853bc974031eaf" providerId="LiveId" clId="{722E49B8-19C3-49B2-B7E3-ED1328E6F4DE}" dt="2018-11-22T23:06:17.178" v="6596" actId="207"/>
-          <ac:spMkLst>
-            <pc:docMk/>
-            <pc:sldMk cId="3272904605" sldId="264"/>
-            <ac:spMk id="7" creationId="{F511FE4E-ECB6-4690-A835-0D5CB91B89B0}"/>
-          </ac:spMkLst>
-        </pc:spChg>
-      </pc:sldChg>
-      <pc:sldChg chg="addSp modSp add del">
-        <pc:chgData name="William Thompson" userId="fa853bc974031eaf" providerId="LiveId" clId="{722E49B8-19C3-49B2-B7E3-ED1328E6F4DE}" dt="2018-11-23T17:59:45.226" v="15058" actId="2696"/>
-        <pc:sldMkLst>
-          <pc:docMk/>
-          <pc:sldMk cId="4205973520" sldId="265"/>
-        </pc:sldMkLst>
-        <pc:spChg chg="mod">
-          <ac:chgData name="William Thompson" userId="fa853bc974031eaf" providerId="LiveId" clId="{722E49B8-19C3-49B2-B7E3-ED1328E6F4DE}" dt="2018-11-22T23:06:20.644" v="6597" actId="207"/>
-          <ac:spMkLst>
-            <pc:docMk/>
-            <pc:sldMk cId="4205973520" sldId="265"/>
-            <ac:spMk id="2" creationId="{0D53B860-A63D-4129-89D7-9BAD17BA6B66}"/>
-          </ac:spMkLst>
-        </pc:spChg>
-        <pc:spChg chg="add mod">
-          <ac:chgData name="William Thompson" userId="fa853bc974031eaf" providerId="LiveId" clId="{722E49B8-19C3-49B2-B7E3-ED1328E6F4DE}" dt="2018-11-22T23:06:20.644" v="6597" actId="207"/>
-          <ac:spMkLst>
-            <pc:docMk/>
-            <pc:sldMk cId="4205973520" sldId="265"/>
-            <ac:spMk id="4" creationId="{E95F3B05-72E2-49F7-A401-D0D54F600BBA}"/>
-          </ac:spMkLst>
-        </pc:spChg>
-        <pc:spChg chg="mod">
-          <ac:chgData name="William Thompson" userId="fa853bc974031eaf" providerId="LiveId" clId="{722E49B8-19C3-49B2-B7E3-ED1328E6F4DE}" dt="2018-11-22T23:07:24.240" v="6611"/>
-          <ac:spMkLst>
-            <pc:docMk/>
-            <pc:sldMk cId="4205973520" sldId="265"/>
-            <ac:spMk id="5" creationId="{7E51DEF6-E050-498F-ABF4-98B26239A99F}"/>
-          </ac:spMkLst>
-        </pc:spChg>
-        <pc:spChg chg="add mod">
-          <ac:chgData name="William Thompson" userId="fa853bc974031eaf" providerId="LiveId" clId="{722E49B8-19C3-49B2-B7E3-ED1328E6F4DE}" dt="2018-11-22T23:06:20.644" v="6597" actId="207"/>
-          <ac:spMkLst>
-            <pc:docMk/>
-            <pc:sldMk cId="4205973520" sldId="265"/>
-            <ac:spMk id="6" creationId="{271FAC0B-D814-4C1D-965A-E10FE97BD919}"/>
-          </ac:spMkLst>
-        </pc:spChg>
-        <pc:spChg chg="add mod">
-          <ac:chgData name="William Thompson" userId="fa853bc974031eaf" providerId="LiveId" clId="{722E49B8-19C3-49B2-B7E3-ED1328E6F4DE}" dt="2018-11-22T23:06:20.644" v="6597" actId="207"/>
-          <ac:spMkLst>
-            <pc:docMk/>
-            <pc:sldMk cId="4205973520" sldId="265"/>
-            <ac:spMk id="7" creationId="{D2CF6C73-3778-44E8-8936-5DC01BA3E22D}"/>
-          </ac:spMkLst>
-        </pc:spChg>
-      </pc:sldChg>
-      <pc:sldChg chg="addSp delSp modSp add modNotesTx">
-        <pc:chgData name="William Thompson" userId="fa853bc974031eaf" providerId="LiveId" clId="{722E49B8-19C3-49B2-B7E3-ED1328E6F4DE}" dt="2018-11-23T18:24:00.272" v="15887" actId="20577"/>
-        <pc:sldMkLst>
-          <pc:docMk/>
-          <pc:sldMk cId="539743136" sldId="266"/>
-        </pc:sldMkLst>
-        <pc:spChg chg="del">
-          <ac:chgData name="William Thompson" userId="fa853bc974031eaf" providerId="LiveId" clId="{722E49B8-19C3-49B2-B7E3-ED1328E6F4DE}" dt="2018-11-20T23:42:52.649" v="2828" actId="478"/>
-          <ac:spMkLst>
-            <pc:docMk/>
-            <pc:sldMk cId="539743136" sldId="266"/>
-            <ac:spMk id="2" creationId="{0D53B860-A63D-4129-89D7-9BAD17BA6B66}"/>
-          </ac:spMkLst>
-        </pc:spChg>
-        <pc:spChg chg="mod">
-          <ac:chgData name="William Thompson" userId="fa853bc974031eaf" providerId="LiveId" clId="{722E49B8-19C3-49B2-B7E3-ED1328E6F4DE}" dt="2018-11-23T18:24:00.272" v="15887" actId="20577"/>
-          <ac:spMkLst>
-            <pc:docMk/>
-            <pc:sldMk cId="539743136" sldId="266"/>
-            <ac:spMk id="5" creationId="{7E51DEF6-E050-498F-ABF4-98B26239A99F}"/>
-          </ac:spMkLst>
-        </pc:spChg>
-        <pc:spChg chg="add mod">
-          <ac:chgData name="William Thompson" userId="fa853bc974031eaf" providerId="LiveId" clId="{722E49B8-19C3-49B2-B7E3-ED1328E6F4DE}" dt="2018-11-23T17:02:01.574" v="10711" actId="404"/>
-          <ac:spMkLst>
-            <pc:docMk/>
-            <pc:sldMk cId="539743136" sldId="266"/>
-            <ac:spMk id="6" creationId="{E3B730E1-5111-49DF-AFD9-B32CF91F7404}"/>
-          </ac:spMkLst>
-        </pc:spChg>
-        <pc:spChg chg="del mod">
-          <ac:chgData name="William Thompson" userId="fa853bc974031eaf" providerId="LiveId" clId="{722E49B8-19C3-49B2-B7E3-ED1328E6F4DE}" dt="2018-11-23T01:01:06.722" v="9002" actId="478"/>
-          <ac:spMkLst>
-            <pc:docMk/>
-            <pc:sldMk cId="539743136" sldId="266"/>
-            <ac:spMk id="7" creationId="{E438F2D9-63AE-44B1-9687-2A85ECD48D7D}"/>
-          </ac:spMkLst>
-        </pc:spChg>
-        <pc:spChg chg="del mod">
-          <ac:chgData name="William Thompson" userId="fa853bc974031eaf" providerId="LiveId" clId="{722E49B8-19C3-49B2-B7E3-ED1328E6F4DE}" dt="2018-11-23T01:01:06.722" v="9002" actId="478"/>
-          <ac:spMkLst>
-            <pc:docMk/>
-            <pc:sldMk cId="539743136" sldId="266"/>
-            <ac:spMk id="8" creationId="{0F1CAD96-E363-4CA7-814D-8B54245F28F2}"/>
-          </ac:spMkLst>
-        </pc:spChg>
-        <pc:spChg chg="del mod">
-          <ac:chgData name="William Thompson" userId="fa853bc974031eaf" providerId="LiveId" clId="{722E49B8-19C3-49B2-B7E3-ED1328E6F4DE}" dt="2018-11-23T01:01:06.722" v="9002" actId="478"/>
-          <ac:spMkLst>
-            <pc:docMk/>
-            <pc:sldMk cId="539743136" sldId="266"/>
-            <ac:spMk id="9" creationId="{BCFCFA27-F34E-4D43-823C-259FF1A7025E}"/>
-          </ac:spMkLst>
-        </pc:spChg>
-        <pc:picChg chg="del">
-          <ac:chgData name="William Thompson" userId="fa853bc974031eaf" providerId="LiveId" clId="{722E49B8-19C3-49B2-B7E3-ED1328E6F4DE}" dt="2018-11-20T23:44:15.711" v="2925" actId="478"/>
-          <ac:picMkLst>
-            <pc:docMk/>
-            <pc:sldMk cId="539743136" sldId="266"/>
-            <ac:picMk id="3" creationId="{BBFCCF40-0901-4E88-B884-6223796B9C9C}"/>
-          </ac:picMkLst>
-        </pc:picChg>
-        <pc:picChg chg="add del mod">
-          <ac:chgData name="William Thompson" userId="fa853bc974031eaf" providerId="LiveId" clId="{722E49B8-19C3-49B2-B7E3-ED1328E6F4DE}" dt="2018-11-23T03:41:31.523" v="9824" actId="478"/>
-          <ac:picMkLst>
-            <pc:docMk/>
-            <pc:sldMk cId="539743136" sldId="266"/>
-            <ac:picMk id="10" creationId="{A78C652A-EBEA-48F6-8F3F-538AB601DCE4}"/>
-          </ac:picMkLst>
-        </pc:picChg>
-      </pc:sldChg>
-      <pc:sldChg chg="addSp delSp modSp add modNotesTx">
-        <pc:chgData name="William Thompson" userId="fa853bc974031eaf" providerId="LiveId" clId="{722E49B8-19C3-49B2-B7E3-ED1328E6F4DE}" dt="2018-11-23T17:02:22.681" v="10723" actId="404"/>
-        <pc:sldMkLst>
-          <pc:docMk/>
-          <pc:sldMk cId="1143921777" sldId="267"/>
-        </pc:sldMkLst>
-        <pc:spChg chg="add del mod">
-          <ac:chgData name="William Thompson" userId="fa853bc974031eaf" providerId="LiveId" clId="{722E49B8-19C3-49B2-B7E3-ED1328E6F4DE}" dt="2018-11-23T01:02:30.541" v="9053"/>
-          <ac:spMkLst>
-            <pc:docMk/>
-            <pc:sldMk cId="1143921777" sldId="267"/>
-            <ac:spMk id="4" creationId="{D34A8CCE-DFA9-4529-B7DD-7A101F5E7CD2}"/>
-          </ac:spMkLst>
-        </pc:spChg>
-        <pc:spChg chg="mod">
-          <ac:chgData name="William Thompson" userId="fa853bc974031eaf" providerId="LiveId" clId="{722E49B8-19C3-49B2-B7E3-ED1328E6F4DE}" dt="2018-11-23T01:04:16.138" v="9154" actId="27636"/>
-          <ac:spMkLst>
-            <pc:docMk/>
-            <pc:sldMk cId="1143921777" sldId="267"/>
-            <ac:spMk id="5" creationId="{7E51DEF6-E050-498F-ABF4-98B26239A99F}"/>
-          </ac:spMkLst>
-        </pc:spChg>
-        <pc:spChg chg="del mod">
-          <ac:chgData name="William Thompson" userId="fa853bc974031eaf" providerId="LiveId" clId="{722E49B8-19C3-49B2-B7E3-ED1328E6F4DE}" dt="2018-11-23T01:02:28.735" v="9052" actId="478"/>
-          <ac:spMkLst>
-            <pc:docMk/>
-            <pc:sldMk cId="1143921777" sldId="267"/>
-            <ac:spMk id="6" creationId="{E3B730E1-5111-49DF-AFD9-B32CF91F7404}"/>
-          </ac:spMkLst>
-        </pc:spChg>
-        <pc:spChg chg="del mod">
-          <ac:chgData name="William Thompson" userId="fa853bc974031eaf" providerId="LiveId" clId="{722E49B8-19C3-49B2-B7E3-ED1328E6F4DE}" dt="2018-11-23T01:02:28.735" v="9052" actId="478"/>
-          <ac:spMkLst>
-            <pc:docMk/>
-            <pc:sldMk cId="1143921777" sldId="267"/>
-            <ac:spMk id="7" creationId="{E438F2D9-63AE-44B1-9687-2A85ECD48D7D}"/>
-          </ac:spMkLst>
-        </pc:spChg>
-        <pc:spChg chg="del mod">
-          <ac:chgData name="William Thompson" userId="fa853bc974031eaf" providerId="LiveId" clId="{722E49B8-19C3-49B2-B7E3-ED1328E6F4DE}" dt="2018-11-23T01:02:28.735" v="9052" actId="478"/>
-          <ac:spMkLst>
-            <pc:docMk/>
-            <pc:sldMk cId="1143921777" sldId="267"/>
-            <ac:spMk id="8" creationId="{0F1CAD96-E363-4CA7-814D-8B54245F28F2}"/>
-          </ac:spMkLst>
-        </pc:spChg>
-        <pc:spChg chg="del mod">
-          <ac:chgData name="William Thompson" userId="fa853bc974031eaf" providerId="LiveId" clId="{722E49B8-19C3-49B2-B7E3-ED1328E6F4DE}" dt="2018-11-23T01:02:28.735" v="9052" actId="478"/>
-          <ac:spMkLst>
-            <pc:docMk/>
-            <pc:sldMk cId="1143921777" sldId="267"/>
-            <ac:spMk id="9" creationId="{BCFCFA27-F34E-4D43-823C-259FF1A7025E}"/>
-          </ac:spMkLst>
-        </pc:spChg>
-        <pc:spChg chg="add mod">
-          <ac:chgData name="William Thompson" userId="fa853bc974031eaf" providerId="LiveId" clId="{722E49B8-19C3-49B2-B7E3-ED1328E6F4DE}" dt="2018-11-23T17:02:22.681" v="10723" actId="404"/>
-          <ac:spMkLst>
-            <pc:docMk/>
-            <pc:sldMk cId="1143921777" sldId="267"/>
-            <ac:spMk id="10" creationId="{6B80F68C-3408-4258-B4DE-92BD7C97B1E4}"/>
-          </ac:spMkLst>
-        </pc:spChg>
-        <pc:picChg chg="add del mod modCrop">
-          <ac:chgData name="William Thompson" userId="fa853bc974031eaf" providerId="LiveId" clId="{722E49B8-19C3-49B2-B7E3-ED1328E6F4DE}" dt="2018-11-23T01:02:45.988" v="9058" actId="478"/>
-          <ac:picMkLst>
-            <pc:docMk/>
-            <pc:sldMk cId="1143921777" sldId="267"/>
-            <ac:picMk id="2" creationId="{5415BDCD-0108-4F16-8F11-A3DDEB430B24}"/>
-          </ac:picMkLst>
-        </pc:picChg>
-        <pc:picChg chg="del">
-          <ac:chgData name="William Thompson" userId="fa853bc974031eaf" providerId="LiveId" clId="{722E49B8-19C3-49B2-B7E3-ED1328E6F4DE}" dt="2018-11-20T23:50:31.318" v="3145" actId="478"/>
-          <ac:picMkLst>
-            <pc:docMk/>
-            <pc:sldMk cId="1143921777" sldId="267"/>
-            <ac:picMk id="10" creationId="{A78C652A-EBEA-48F6-8F3F-538AB601DCE4}"/>
-          </ac:picMkLst>
-        </pc:picChg>
-        <pc:picChg chg="add del mod">
-          <ac:chgData name="William Thompson" userId="fa853bc974031eaf" providerId="LiveId" clId="{722E49B8-19C3-49B2-B7E3-ED1328E6F4DE}" dt="2018-11-23T01:05:03.223" v="9163" actId="478"/>
-          <ac:picMkLst>
-            <pc:docMk/>
-            <pc:sldMk cId="1143921777" sldId="267"/>
-            <ac:picMk id="12" creationId="{8E0DA4B0-CF52-47DE-A9DE-1CE29965EC93}"/>
-          </ac:picMkLst>
-        </pc:picChg>
-      </pc:sldChg>
-      <pc:sldChg chg="addSp delSp modSp add modTransition modNotesTx">
-        <pc:chgData name="William Thompson" userId="fa853bc974031eaf" providerId="LiveId" clId="{722E49B8-19C3-49B2-B7E3-ED1328E6F4DE}" dt="2018-11-23T17:02:42.258" v="10731" actId="404"/>
-        <pc:sldMkLst>
-          <pc:docMk/>
-          <pc:sldMk cId="1977849987" sldId="268"/>
-        </pc:sldMkLst>
-        <pc:spChg chg="add mod ord">
-          <ac:chgData name="William Thompson" userId="fa853bc974031eaf" providerId="LiveId" clId="{722E49B8-19C3-49B2-B7E3-ED1328E6F4DE}" dt="2018-11-23T01:11:27.281" v="9253" actId="403"/>
-          <ac:spMkLst>
-            <pc:docMk/>
-            <pc:sldMk cId="1977849987" sldId="268"/>
-            <ac:spMk id="3" creationId="{325C760B-B93B-4FFD-8542-86626875851D}"/>
-          </ac:spMkLst>
-        </pc:spChg>
-        <pc:spChg chg="mod">
-          <ac:chgData name="William Thompson" userId="fa853bc974031eaf" providerId="LiveId" clId="{722E49B8-19C3-49B2-B7E3-ED1328E6F4DE}" dt="2018-11-23T01:11:06.203" v="9244" actId="14100"/>
-          <ac:spMkLst>
-            <pc:docMk/>
-            <pc:sldMk cId="1977849987" sldId="268"/>
-            <ac:spMk id="5" creationId="{7E51DEF6-E050-498F-ABF4-98B26239A99F}"/>
-          </ac:spMkLst>
-        </pc:spChg>
-        <pc:spChg chg="mod">
-          <ac:chgData name="William Thompson" userId="fa853bc974031eaf" providerId="LiveId" clId="{722E49B8-19C3-49B2-B7E3-ED1328E6F4DE}" dt="2018-11-23T17:02:42.258" v="10731" actId="404"/>
-          <ac:spMkLst>
-            <pc:docMk/>
-            <pc:sldMk cId="1977849987" sldId="268"/>
-            <ac:spMk id="6" creationId="{E3B730E1-5111-49DF-AFD9-B32CF91F7404}"/>
-          </ac:spMkLst>
-        </pc:spChg>
-        <pc:spChg chg="del mod">
-          <ac:chgData name="William Thompson" userId="fa853bc974031eaf" providerId="LiveId" clId="{722E49B8-19C3-49B2-B7E3-ED1328E6F4DE}" dt="2018-11-23T01:09:41.740" v="9211" actId="478"/>
-          <ac:spMkLst>
-            <pc:docMk/>
-            <pc:sldMk cId="1977849987" sldId="268"/>
-            <ac:spMk id="7" creationId="{E438F2D9-63AE-44B1-9687-2A85ECD48D7D}"/>
-          </ac:spMkLst>
-        </pc:spChg>
-        <pc:spChg chg="del mod">
-          <ac:chgData name="William Thompson" userId="fa853bc974031eaf" providerId="LiveId" clId="{722E49B8-19C3-49B2-B7E3-ED1328E6F4DE}" dt="2018-11-23T01:09:41.740" v="9211" actId="478"/>
-          <ac:spMkLst>
-            <pc:docMk/>
-            <pc:sldMk cId="1977849987" sldId="268"/>
-            <ac:spMk id="8" creationId="{0F1CAD96-E363-4CA7-814D-8B54245F28F2}"/>
-          </ac:spMkLst>
-        </pc:spChg>
-        <pc:spChg chg="del mod">
-          <ac:chgData name="William Thompson" userId="fa853bc974031eaf" providerId="LiveId" clId="{722E49B8-19C3-49B2-B7E3-ED1328E6F4DE}" dt="2018-11-23T01:09:41.740" v="9211" actId="478"/>
-          <ac:spMkLst>
-            <pc:docMk/>
-            <pc:sldMk cId="1977849987" sldId="268"/>
-            <ac:spMk id="9" creationId="{BCFCFA27-F34E-4D43-823C-259FF1A7025E}"/>
-          </ac:spMkLst>
-        </pc:spChg>
-        <pc:spChg chg="add del mod">
-          <ac:chgData name="William Thompson" userId="fa853bc974031eaf" providerId="LiveId" clId="{722E49B8-19C3-49B2-B7E3-ED1328E6F4DE}" dt="2018-11-23T01:10:51.339" v="9240" actId="478"/>
-          <ac:spMkLst>
-            <pc:docMk/>
-            <pc:sldMk cId="1977849987" sldId="268"/>
-            <ac:spMk id="13" creationId="{656A7CF9-DBA3-4824-BC2C-CEA0589A6BF9}"/>
-          </ac:spMkLst>
-        </pc:spChg>
-        <pc:spChg chg="add del mod">
-          <ac:chgData name="William Thompson" userId="fa853bc974031eaf" providerId="LiveId" clId="{722E49B8-19C3-49B2-B7E3-ED1328E6F4DE}" dt="2018-11-23T01:10:51.339" v="9240" actId="478"/>
-          <ac:spMkLst>
-            <pc:docMk/>
-            <pc:sldMk cId="1977849987" sldId="268"/>
-            <ac:spMk id="14" creationId="{18D87D2F-68B5-437B-A435-0713EAEDC4DF}"/>
-          </ac:spMkLst>
-        </pc:spChg>
-        <pc:picChg chg="add del mod modCrop">
-          <ac:chgData name="William Thompson" userId="fa853bc974031eaf" providerId="LiveId" clId="{722E49B8-19C3-49B2-B7E3-ED1328E6F4DE}" dt="2018-11-21T00:21:46.508" v="4515" actId="478"/>
-          <ac:picMkLst>
-            <pc:docMk/>
-            <pc:sldMk cId="1977849987" sldId="268"/>
-            <ac:picMk id="2" creationId="{B4A3AEED-AF7F-42F3-81DE-53003F739C79}"/>
-          </ac:picMkLst>
-        </pc:picChg>
-        <pc:picChg chg="add del mod ord">
-          <ac:chgData name="William Thompson" userId="fa853bc974031eaf" providerId="LiveId" clId="{722E49B8-19C3-49B2-B7E3-ED1328E6F4DE}" dt="2018-11-23T01:10:51.339" v="9240" actId="478"/>
-          <ac:picMkLst>
-            <pc:docMk/>
-            <pc:sldMk cId="1977849987" sldId="268"/>
-            <ac:picMk id="4" creationId="{8F80EBD1-7D5F-4A05-937B-7C7296508616}"/>
-          </ac:picMkLst>
-        </pc:picChg>
-        <pc:picChg chg="add mod ord">
-          <ac:chgData name="William Thompson" userId="fa853bc974031eaf" providerId="LiveId" clId="{722E49B8-19C3-49B2-B7E3-ED1328E6F4DE}" dt="2018-11-23T01:11:14.433" v="9247" actId="1076"/>
-          <ac:picMkLst>
-            <pc:docMk/>
-            <pc:sldMk cId="1977849987" sldId="268"/>
-            <ac:picMk id="10" creationId="{64CEFE1A-9019-41DB-9B3A-3438445764BB}"/>
-          </ac:picMkLst>
-        </pc:picChg>
-        <pc:picChg chg="add del mod">
-          <ac:chgData name="William Thompson" userId="fa853bc974031eaf" providerId="LiveId" clId="{722E49B8-19C3-49B2-B7E3-ED1328E6F4DE}" dt="2018-11-21T00:22:28.824" v="4524" actId="478"/>
-          <ac:picMkLst>
-            <pc:docMk/>
-            <pc:sldMk cId="1977849987" sldId="268"/>
-            <ac:picMk id="11" creationId="{9B9DBF6E-5099-44B8-8E8F-4CA1AA871965}"/>
-          </ac:picMkLst>
-        </pc:picChg>
-        <pc:picChg chg="add del mod ord">
-          <ac:chgData name="William Thompson" userId="fa853bc974031eaf" providerId="LiveId" clId="{722E49B8-19C3-49B2-B7E3-ED1328E6F4DE}" dt="2018-11-23T01:10:51.339" v="9240" actId="478"/>
-          <ac:picMkLst>
-            <pc:docMk/>
-            <pc:sldMk cId="1977849987" sldId="268"/>
-            <ac:picMk id="12" creationId="{EFF10F64-A84E-4EC8-95AC-0DF3EDA53BA5}"/>
-          </ac:picMkLst>
-        </pc:picChg>
-      </pc:sldChg>
-      <pc:sldChg chg="addSp delSp modSp add modAnim modNotesTx">
-        <pc:chgData name="William Thompson" userId="fa853bc974031eaf" providerId="LiveId" clId="{722E49B8-19C3-49B2-B7E3-ED1328E6F4DE}" dt="2018-11-23T01:22:03.143" v="9467" actId="2085"/>
-        <pc:sldMkLst>
-          <pc:docMk/>
-          <pc:sldMk cId="1980371668" sldId="269"/>
-        </pc:sldMkLst>
-        <pc:spChg chg="add mod">
-          <ac:chgData name="William Thompson" userId="fa853bc974031eaf" providerId="LiveId" clId="{722E49B8-19C3-49B2-B7E3-ED1328E6F4DE}" dt="2018-11-23T01:22:03.143" v="9467" actId="2085"/>
-          <ac:spMkLst>
-            <pc:docMk/>
-            <pc:sldMk cId="1980371668" sldId="269"/>
-            <ac:spMk id="3" creationId="{F6617021-2242-41D4-8464-1C77F72E792B}"/>
-          </ac:spMkLst>
-        </pc:spChg>
-        <pc:spChg chg="mod">
-          <ac:chgData name="William Thompson" userId="fa853bc974031eaf" providerId="LiveId" clId="{722E49B8-19C3-49B2-B7E3-ED1328E6F4DE}" dt="2018-11-22T23:05:48.269" v="6588" actId="207"/>
-          <ac:spMkLst>
-            <pc:docMk/>
-            <pc:sldMk cId="1980371668" sldId="269"/>
-            <ac:spMk id="5" creationId="{7E51DEF6-E050-498F-ABF4-98B26239A99F}"/>
-          </ac:spMkLst>
-        </pc:spChg>
-        <pc:spChg chg="mod">
-          <ac:chgData name="William Thompson" userId="fa853bc974031eaf" providerId="LiveId" clId="{722E49B8-19C3-49B2-B7E3-ED1328E6F4DE}" dt="2018-11-23T01:21:30.031" v="9460" actId="20577"/>
-          <ac:spMkLst>
-            <pc:docMk/>
-            <pc:sldMk cId="1980371668" sldId="269"/>
-            <ac:spMk id="6" creationId="{E3B730E1-5111-49DF-AFD9-B32CF91F7404}"/>
-          </ac:spMkLst>
-        </pc:spChg>
-        <pc:spChg chg="del mod">
-          <ac:chgData name="William Thompson" userId="fa853bc974031eaf" providerId="LiveId" clId="{722E49B8-19C3-49B2-B7E3-ED1328E6F4DE}" dt="2018-11-23T01:21:32.454" v="9461" actId="478"/>
-          <ac:spMkLst>
-            <pc:docMk/>
-            <pc:sldMk cId="1980371668" sldId="269"/>
-            <ac:spMk id="7" creationId="{E438F2D9-63AE-44B1-9687-2A85ECD48D7D}"/>
-          </ac:spMkLst>
-        </pc:spChg>
-        <pc:spChg chg="del mod">
-          <ac:chgData name="William Thompson" userId="fa853bc974031eaf" providerId="LiveId" clId="{722E49B8-19C3-49B2-B7E3-ED1328E6F4DE}" dt="2018-11-23T01:21:32.454" v="9461" actId="478"/>
-          <ac:spMkLst>
-            <pc:docMk/>
-            <pc:sldMk cId="1980371668" sldId="269"/>
-            <ac:spMk id="8" creationId="{0F1CAD96-E363-4CA7-814D-8B54245F28F2}"/>
-          </ac:spMkLst>
-        </pc:spChg>
-        <pc:spChg chg="del mod">
-          <ac:chgData name="William Thompson" userId="fa853bc974031eaf" providerId="LiveId" clId="{722E49B8-19C3-49B2-B7E3-ED1328E6F4DE}" dt="2018-11-23T01:21:32.454" v="9461" actId="478"/>
-          <ac:spMkLst>
-            <pc:docMk/>
-            <pc:sldMk cId="1980371668" sldId="269"/>
-            <ac:spMk id="9" creationId="{BCFCFA27-F34E-4D43-823C-259FF1A7025E}"/>
-          </ac:spMkLst>
-        </pc:spChg>
-        <pc:spChg chg="add mod">
-          <ac:chgData name="William Thompson" userId="fa853bc974031eaf" providerId="LiveId" clId="{722E49B8-19C3-49B2-B7E3-ED1328E6F4DE}" dt="2018-11-23T01:22:03.143" v="9467" actId="2085"/>
-          <ac:spMkLst>
-            <pc:docMk/>
-            <pc:sldMk cId="1980371668" sldId="269"/>
-            <ac:spMk id="10" creationId="{6DF71592-2A91-486B-A49C-4248EAA41124}"/>
-          </ac:spMkLst>
-        </pc:spChg>
-        <pc:picChg chg="add mod">
-          <ac:chgData name="William Thompson" userId="fa853bc974031eaf" providerId="LiveId" clId="{722E49B8-19C3-49B2-B7E3-ED1328E6F4DE}" dt="2018-11-22T23:05:48.269" v="6588" actId="207"/>
-          <ac:picMkLst>
-            <pc:docMk/>
-            <pc:sldMk cId="1980371668" sldId="269"/>
-            <ac:picMk id="2" creationId="{4EDD00CF-C41D-412D-860E-E877DDF16C2E}"/>
-          </ac:picMkLst>
-        </pc:picChg>
-      </pc:sldChg>
-      <pc:sldChg chg="addSp delSp modSp add">
-        <pc:chgData name="William Thompson" userId="fa853bc974031eaf" providerId="LiveId" clId="{722E49B8-19C3-49B2-B7E3-ED1328E6F4DE}" dt="2018-11-23T17:02:11.394" v="10717" actId="404"/>
-        <pc:sldMkLst>
-          <pc:docMk/>
-          <pc:sldMk cId="3302055566" sldId="270"/>
-        </pc:sldMkLst>
-        <pc:spChg chg="add mod">
-          <ac:chgData name="William Thompson" userId="fa853bc974031eaf" providerId="LiveId" clId="{722E49B8-19C3-49B2-B7E3-ED1328E6F4DE}" dt="2018-11-22T23:08:48.135" v="6649" actId="2711"/>
-          <ac:spMkLst>
-            <pc:docMk/>
-            <pc:sldMk cId="3302055566" sldId="270"/>
-            <ac:spMk id="3" creationId="{01BB04D4-B155-4BB5-8419-8E0E0AFB0551}"/>
-          </ac:spMkLst>
-        </pc:spChg>
-        <pc:spChg chg="mod">
-          <ac:chgData name="William Thompson" userId="fa853bc974031eaf" providerId="LiveId" clId="{722E49B8-19C3-49B2-B7E3-ED1328E6F4DE}" dt="2018-11-22T23:08:48.135" v="6649" actId="2711"/>
-          <ac:spMkLst>
-            <pc:docMk/>
-            <pc:sldMk cId="3302055566" sldId="270"/>
-            <ac:spMk id="5" creationId="{7E51DEF6-E050-498F-ABF4-98B26239A99F}"/>
-          </ac:spMkLst>
-        </pc:spChg>
-        <pc:spChg chg="del mod">
-          <ac:chgData name="William Thompson" userId="fa853bc974031eaf" providerId="LiveId" clId="{722E49B8-19C3-49B2-B7E3-ED1328E6F4DE}" dt="2018-11-23T01:01:32.859" v="9004" actId="478"/>
-          <ac:spMkLst>
-            <pc:docMk/>
-            <pc:sldMk cId="3302055566" sldId="270"/>
-            <ac:spMk id="6" creationId="{E3B730E1-5111-49DF-AFD9-B32CF91F7404}"/>
-          </ac:spMkLst>
-        </pc:spChg>
-        <pc:spChg chg="del mod">
-          <ac:chgData name="William Thompson" userId="fa853bc974031eaf" providerId="LiveId" clId="{722E49B8-19C3-49B2-B7E3-ED1328E6F4DE}" dt="2018-11-23T01:01:32.859" v="9004" actId="478"/>
-          <ac:spMkLst>
-            <pc:docMk/>
-            <pc:sldMk cId="3302055566" sldId="270"/>
-            <ac:spMk id="7" creationId="{E438F2D9-63AE-44B1-9687-2A85ECD48D7D}"/>
-          </ac:spMkLst>
-        </pc:spChg>
-        <pc:spChg chg="del mod">
-          <ac:chgData name="William Thompson" userId="fa853bc974031eaf" providerId="LiveId" clId="{722E49B8-19C3-49B2-B7E3-ED1328E6F4DE}" dt="2018-11-23T01:01:32.859" v="9004" actId="478"/>
-          <ac:spMkLst>
-            <pc:docMk/>
-            <pc:sldMk cId="3302055566" sldId="270"/>
-            <ac:spMk id="8" creationId="{0F1CAD96-E363-4CA7-814D-8B54245F28F2}"/>
-          </ac:spMkLst>
-        </pc:spChg>
-        <pc:spChg chg="del mod">
-          <ac:chgData name="William Thompson" userId="fa853bc974031eaf" providerId="LiveId" clId="{722E49B8-19C3-49B2-B7E3-ED1328E6F4DE}" dt="2018-11-23T01:01:32.859" v="9004" actId="478"/>
-          <ac:spMkLst>
-            <pc:docMk/>
-            <pc:sldMk cId="3302055566" sldId="270"/>
-            <ac:spMk id="9" creationId="{BCFCFA27-F34E-4D43-823C-259FF1A7025E}"/>
-          </ac:spMkLst>
-        </pc:spChg>
-        <pc:spChg chg="add del mod">
-          <ac:chgData name="William Thompson" userId="fa853bc974031eaf" providerId="LiveId" clId="{722E49B8-19C3-49B2-B7E3-ED1328E6F4DE}" dt="2018-11-23T01:01:35.322" v="9009" actId="478"/>
-          <ac:spMkLst>
-            <pc:docMk/>
-            <pc:sldMk cId="3302055566" sldId="270"/>
-            <ac:spMk id="10" creationId="{1973F5A3-1D82-4E47-B523-2DC4992D8D5D}"/>
-          </ac:spMkLst>
-        </pc:spChg>
-        <pc:spChg chg="add del mod">
-          <ac:chgData name="William Thompson" userId="fa853bc974031eaf" providerId="LiveId" clId="{722E49B8-19C3-49B2-B7E3-ED1328E6F4DE}" dt="2018-11-23T01:01:34.059" v="9008"/>
-          <ac:spMkLst>
-            <pc:docMk/>
-            <pc:sldMk cId="3302055566" sldId="270"/>
-            <ac:spMk id="11" creationId="{E7AF6F8F-0D40-4134-8169-1D8D005AD987}"/>
-          </ac:spMkLst>
-        </pc:spChg>
-        <pc:spChg chg="add mod">
-          <ac:chgData name="William Thompson" userId="fa853bc974031eaf" providerId="LiveId" clId="{722E49B8-19C3-49B2-B7E3-ED1328E6F4DE}" dt="2018-11-23T17:02:11.394" v="10717" actId="404"/>
-          <ac:spMkLst>
-            <pc:docMk/>
-            <pc:sldMk cId="3302055566" sldId="270"/>
-            <ac:spMk id="12" creationId="{77523D1A-482C-4000-980A-F4BF5665F7D5}"/>
-          </ac:spMkLst>
-        </pc:spChg>
-        <pc:picChg chg="add mod">
-          <ac:chgData name="William Thompson" userId="fa853bc974031eaf" providerId="LiveId" clId="{722E49B8-19C3-49B2-B7E3-ED1328E6F4DE}" dt="2018-11-22T23:05:30.627" v="6582" actId="207"/>
-          <ac:picMkLst>
-            <pc:docMk/>
-            <pc:sldMk cId="3302055566" sldId="270"/>
-            <ac:picMk id="2" creationId="{0B1F65ED-7438-4A9D-91D5-D160E782ABCB}"/>
-          </ac:picMkLst>
-        </pc:picChg>
-        <pc:picChg chg="del">
-          <ac:chgData name="William Thompson" userId="fa853bc974031eaf" providerId="LiveId" clId="{722E49B8-19C3-49B2-B7E3-ED1328E6F4DE}" dt="2018-11-20T23:52:52.065" v="3491" actId="478"/>
-          <ac:picMkLst>
-            <pc:docMk/>
-            <pc:sldMk cId="3302055566" sldId="270"/>
-            <ac:picMk id="10" creationId="{A78C652A-EBEA-48F6-8F3F-538AB601DCE4}"/>
-          </ac:picMkLst>
-        </pc:picChg>
-      </pc:sldChg>
-      <pc:sldChg chg="addSp delSp modSp add">
-        <pc:chgData name="William Thompson" userId="fa853bc974031eaf" providerId="LiveId" clId="{722E49B8-19C3-49B2-B7E3-ED1328E6F4DE}" dt="2018-11-23T01:02:02.126" v="9030" actId="20577"/>
-        <pc:sldMkLst>
-          <pc:docMk/>
-          <pc:sldMk cId="1249580751" sldId="271"/>
-        </pc:sldMkLst>
-        <pc:spChg chg="del">
-          <ac:chgData name="William Thompson" userId="fa853bc974031eaf" providerId="LiveId" clId="{722E49B8-19C3-49B2-B7E3-ED1328E6F4DE}" dt="2018-11-21T00:05:52.396" v="4001" actId="478"/>
-          <ac:spMkLst>
-            <pc:docMk/>
-            <pc:sldMk cId="1249580751" sldId="271"/>
-            <ac:spMk id="3" creationId="{01BB04D4-B155-4BB5-8419-8E0E0AFB0551}"/>
-          </ac:spMkLst>
-        </pc:spChg>
-        <pc:spChg chg="add del mod">
-          <ac:chgData name="William Thompson" userId="fa853bc974031eaf" providerId="LiveId" clId="{722E49B8-19C3-49B2-B7E3-ED1328E6F4DE}" dt="2018-11-23T01:01:52.914" v="9027"/>
-          <ac:spMkLst>
-            <pc:docMk/>
-            <pc:sldMk cId="1249580751" sldId="271"/>
-            <ac:spMk id="3" creationId="{1E0B180C-D1EB-4E41-9BC8-939BD0CE6967}"/>
-          </ac:spMkLst>
-        </pc:spChg>
-        <pc:spChg chg="mod">
-          <ac:chgData name="William Thompson" userId="fa853bc974031eaf" providerId="LiveId" clId="{722E49B8-19C3-49B2-B7E3-ED1328E6F4DE}" dt="2018-11-22T23:05:32.752" v="6583" actId="207"/>
-          <ac:spMkLst>
-            <pc:docMk/>
-            <pc:sldMk cId="1249580751" sldId="271"/>
-            <ac:spMk id="5" creationId="{7E51DEF6-E050-498F-ABF4-98B26239A99F}"/>
-          </ac:spMkLst>
-        </pc:spChg>
-        <pc:spChg chg="del mod">
-          <ac:chgData name="William Thompson" userId="fa853bc974031eaf" providerId="LiveId" clId="{722E49B8-19C3-49B2-B7E3-ED1328E6F4DE}" dt="2018-11-23T01:01:50.275" v="9022" actId="478"/>
-          <ac:spMkLst>
-            <pc:docMk/>
-            <pc:sldMk cId="1249580751" sldId="271"/>
-            <ac:spMk id="6" creationId="{E3B730E1-5111-49DF-AFD9-B32CF91F7404}"/>
-          </ac:spMkLst>
-        </pc:spChg>
-        <pc:spChg chg="del mod">
-          <ac:chgData name="William Thompson" userId="fa853bc974031eaf" providerId="LiveId" clId="{722E49B8-19C3-49B2-B7E3-ED1328E6F4DE}" dt="2018-11-23T01:01:50.275" v="9022" actId="478"/>
-          <ac:spMkLst>
-            <pc:docMk/>
-            <pc:sldMk cId="1249580751" sldId="271"/>
-            <ac:spMk id="7" creationId="{E438F2D9-63AE-44B1-9687-2A85ECD48D7D}"/>
-          </ac:spMkLst>
-        </pc:spChg>
-        <pc:spChg chg="del mod">
-          <ac:chgData name="William Thompson" userId="fa853bc974031eaf" providerId="LiveId" clId="{722E49B8-19C3-49B2-B7E3-ED1328E6F4DE}" dt="2018-11-23T01:01:50.275" v="9022" actId="478"/>
-          <ac:spMkLst>
-            <pc:docMk/>
-            <pc:sldMk cId="1249580751" sldId="271"/>
-            <ac:spMk id="8" creationId="{0F1CAD96-E363-4CA7-814D-8B54245F28F2}"/>
-          </ac:spMkLst>
-        </pc:spChg>
-        <pc:spChg chg="del mod">
-          <ac:chgData name="William Thompson" userId="fa853bc974031eaf" providerId="LiveId" clId="{722E49B8-19C3-49B2-B7E3-ED1328E6F4DE}" dt="2018-11-23T01:01:50.275" v="9022" actId="478"/>
-          <ac:spMkLst>
-            <pc:docMk/>
-            <pc:sldMk cId="1249580751" sldId="271"/>
-            <ac:spMk id="9" creationId="{BCFCFA27-F34E-4D43-823C-259FF1A7025E}"/>
-          </ac:spMkLst>
-        </pc:spChg>
-        <pc:spChg chg="add del mod">
-          <ac:chgData name="William Thompson" userId="fa853bc974031eaf" providerId="LiveId" clId="{722E49B8-19C3-49B2-B7E3-ED1328E6F4DE}" dt="2018-11-23T01:01:51.259" v="9026"/>
-          <ac:spMkLst>
-            <pc:docMk/>
-            <pc:sldMk cId="1249580751" sldId="271"/>
-            <ac:spMk id="10" creationId="{4984769C-B0C2-44B7-9D04-2F4C827562FD}"/>
-          </ac:spMkLst>
-        </pc:spChg>
-        <pc:spChg chg="add mod">
-          <ac:chgData name="William Thompson" userId="fa853bc974031eaf" providerId="LiveId" clId="{722E49B8-19C3-49B2-B7E3-ED1328E6F4DE}" dt="2018-11-23T01:02:02.126" v="9030" actId="20577"/>
-          <ac:spMkLst>
-            <pc:docMk/>
-            <pc:sldMk cId="1249580751" sldId="271"/>
-            <ac:spMk id="11" creationId="{CCA6F2F2-10B9-4AB7-9F64-D352F47D2BC7}"/>
-          </ac:spMkLst>
-        </pc:spChg>
-        <pc:picChg chg="del">
-          <ac:chgData name="William Thompson" userId="fa853bc974031eaf" providerId="LiveId" clId="{722E49B8-19C3-49B2-B7E3-ED1328E6F4DE}" dt="2018-11-21T00:05:46.892" v="3999" actId="478"/>
-          <ac:picMkLst>
-            <pc:docMk/>
-            <pc:sldMk cId="1249580751" sldId="271"/>
-            <ac:picMk id="2" creationId="{0B1F65ED-7438-4A9D-91D5-D160E782ABCB}"/>
-          </ac:picMkLst>
-        </pc:picChg>
-        <pc:picChg chg="add mod">
-          <ac:chgData name="William Thompson" userId="fa853bc974031eaf" providerId="LiveId" clId="{722E49B8-19C3-49B2-B7E3-ED1328E6F4DE}" dt="2018-11-22T23:05:32.752" v="6583" actId="207"/>
-          <ac:picMkLst>
-            <pc:docMk/>
-            <pc:sldMk cId="1249580751" sldId="271"/>
-            <ac:picMk id="4" creationId="{FF6B4569-87CE-4CCF-A35E-6AB1E658B336}"/>
-          </ac:picMkLst>
-        </pc:picChg>
-      </pc:sldChg>
-      <pc:sldChg chg="modSp add del">
-        <pc:chgData name="William Thompson" userId="fa853bc974031eaf" providerId="LiveId" clId="{722E49B8-19C3-49B2-B7E3-ED1328E6F4DE}" dt="2018-11-23T18:10:41.582" v="15081" actId="2696"/>
-        <pc:sldMkLst>
-          <pc:docMk/>
-          <pc:sldMk cId="2242355921" sldId="272"/>
-        </pc:sldMkLst>
-        <pc:spChg chg="mod">
-          <ac:chgData name="William Thompson" userId="fa853bc974031eaf" providerId="LiveId" clId="{722E49B8-19C3-49B2-B7E3-ED1328E6F4DE}" dt="2018-11-22T23:06:11.497" v="6594" actId="207"/>
-          <ac:spMkLst>
-            <pc:docMk/>
-            <pc:sldMk cId="2242355921" sldId="272"/>
-            <ac:spMk id="5" creationId="{7E51DEF6-E050-498F-ABF4-98B26239A99F}"/>
-          </ac:spMkLst>
-        </pc:spChg>
-        <pc:spChg chg="mod">
-          <ac:chgData name="William Thompson" userId="fa853bc974031eaf" providerId="LiveId" clId="{722E49B8-19C3-49B2-B7E3-ED1328E6F4DE}" dt="2018-11-22T23:06:11.497" v="6594" actId="207"/>
-          <ac:spMkLst>
-            <pc:docMk/>
-            <pc:sldMk cId="2242355921" sldId="272"/>
-            <ac:spMk id="6" creationId="{E3B730E1-5111-49DF-AFD9-B32CF91F7404}"/>
-          </ac:spMkLst>
-        </pc:spChg>
-        <pc:spChg chg="mod">
-          <ac:chgData name="William Thompson" userId="fa853bc974031eaf" providerId="LiveId" clId="{722E49B8-19C3-49B2-B7E3-ED1328E6F4DE}" dt="2018-11-22T23:06:11.497" v="6594" actId="207"/>
-          <ac:spMkLst>
-            <pc:docMk/>
-            <pc:sldMk cId="2242355921" sldId="272"/>
-            <ac:spMk id="7" creationId="{E438F2D9-63AE-44B1-9687-2A85ECD48D7D}"/>
-          </ac:spMkLst>
-        </pc:spChg>
-        <pc:spChg chg="mod">
-          <ac:chgData name="William Thompson" userId="fa853bc974031eaf" providerId="LiveId" clId="{722E49B8-19C3-49B2-B7E3-ED1328E6F4DE}" dt="2018-11-22T23:06:11.497" v="6594" actId="207"/>
-          <ac:spMkLst>
-            <pc:docMk/>
-            <pc:sldMk cId="2242355921" sldId="272"/>
-            <ac:spMk id="8" creationId="{0F1CAD96-E363-4CA7-814D-8B54245F28F2}"/>
-          </ac:spMkLst>
-        </pc:spChg>
-        <pc:spChg chg="mod">
-          <ac:chgData name="William Thompson" userId="fa853bc974031eaf" providerId="LiveId" clId="{722E49B8-19C3-49B2-B7E3-ED1328E6F4DE}" dt="2018-11-22T23:06:11.497" v="6594" actId="207"/>
-          <ac:spMkLst>
-            <pc:docMk/>
-            <pc:sldMk cId="2242355921" sldId="272"/>
-            <ac:spMk id="9" creationId="{BCFCFA27-F34E-4D43-823C-259FF1A7025E}"/>
-          </ac:spMkLst>
-        </pc:spChg>
-      </pc:sldChg>
-      <pc:sldChg chg="addSp delSp modSp add">
-        <pc:chgData name="William Thompson" userId="fa853bc974031eaf" providerId="LiveId" clId="{722E49B8-19C3-49B2-B7E3-ED1328E6F4DE}" dt="2018-11-23T01:23:29.436" v="9476" actId="27636"/>
-        <pc:sldMkLst>
-          <pc:docMk/>
-          <pc:sldMk cId="2686202352" sldId="273"/>
-        </pc:sldMkLst>
-        <pc:spChg chg="mod">
-          <ac:chgData name="William Thompson" userId="fa853bc974031eaf" providerId="LiveId" clId="{722E49B8-19C3-49B2-B7E3-ED1328E6F4DE}" dt="2018-11-22T23:06:01.311" v="6591" actId="207"/>
-          <ac:spMkLst>
-            <pc:docMk/>
-            <pc:sldMk cId="2686202352" sldId="273"/>
-            <ac:spMk id="5" creationId="{7E51DEF6-E050-498F-ABF4-98B26239A99F}"/>
-          </ac:spMkLst>
-        </pc:spChg>
-        <pc:spChg chg="mod">
-          <ac:chgData name="William Thompson" userId="fa853bc974031eaf" providerId="LiveId" clId="{722E49B8-19C3-49B2-B7E3-ED1328E6F4DE}" dt="2018-11-23T01:23:29.436" v="9476" actId="27636"/>
-          <ac:spMkLst>
-            <pc:docMk/>
-            <pc:sldMk cId="2686202352" sldId="273"/>
-            <ac:spMk id="6" creationId="{E3B730E1-5111-49DF-AFD9-B32CF91F7404}"/>
-          </ac:spMkLst>
-        </pc:spChg>
-        <pc:spChg chg="del mod">
-          <ac:chgData name="William Thompson" userId="fa853bc974031eaf" providerId="LiveId" clId="{722E49B8-19C3-49B2-B7E3-ED1328E6F4DE}" dt="2018-11-23T01:23:27.315" v="9474" actId="478"/>
-          <ac:spMkLst>
-            <pc:docMk/>
-            <pc:sldMk cId="2686202352" sldId="273"/>
-            <ac:spMk id="7" creationId="{E438F2D9-63AE-44B1-9687-2A85ECD48D7D}"/>
-          </ac:spMkLst>
-        </pc:spChg>
-        <pc:spChg chg="del mod">
-          <ac:chgData name="William Thompson" userId="fa853bc974031eaf" providerId="LiveId" clId="{722E49B8-19C3-49B2-B7E3-ED1328E6F4DE}" dt="2018-11-23T01:23:27.315" v="9474" actId="478"/>
-          <ac:spMkLst>
-            <pc:docMk/>
-            <pc:sldMk cId="2686202352" sldId="273"/>
-            <ac:spMk id="8" creationId="{0F1CAD96-E363-4CA7-814D-8B54245F28F2}"/>
-          </ac:spMkLst>
-        </pc:spChg>
-        <pc:spChg chg="del mod">
-          <ac:chgData name="William Thompson" userId="fa853bc974031eaf" providerId="LiveId" clId="{722E49B8-19C3-49B2-B7E3-ED1328E6F4DE}" dt="2018-11-23T01:23:27.315" v="9474" actId="478"/>
-          <ac:spMkLst>
-            <pc:docMk/>
-            <pc:sldMk cId="2686202352" sldId="273"/>
-            <ac:spMk id="9" creationId="{BCFCFA27-F34E-4D43-823C-259FF1A7025E}"/>
-          </ac:spMkLst>
-        </pc:spChg>
-        <pc:picChg chg="del">
-          <ac:chgData name="William Thompson" userId="fa853bc974031eaf" providerId="LiveId" clId="{722E49B8-19C3-49B2-B7E3-ED1328E6F4DE}" dt="2018-11-21T00:26:26.307" v="4737" actId="478"/>
-          <ac:picMkLst>
-            <pc:docMk/>
-            <pc:sldMk cId="2686202352" sldId="273"/>
-            <ac:picMk id="2" creationId="{4EDD00CF-C41D-412D-860E-E877DDF16C2E}"/>
-          </ac:picMkLst>
-        </pc:picChg>
-        <pc:picChg chg="add del">
-          <ac:chgData name="William Thompson" userId="fa853bc974031eaf" providerId="LiveId" clId="{722E49B8-19C3-49B2-B7E3-ED1328E6F4DE}" dt="2018-11-21T00:29:53.521" v="4813"/>
-          <ac:picMkLst>
-            <pc:docMk/>
-            <pc:sldMk cId="2686202352" sldId="273"/>
-            <ac:picMk id="3" creationId="{58C4EC9B-EFAB-4C7A-AD42-21DA4209F382}"/>
-          </ac:picMkLst>
-        </pc:picChg>
-      </pc:sldChg>
-      <pc:sldChg chg="addSp delSp modSp add">
-        <pc:chgData name="William Thompson" userId="fa853bc974031eaf" providerId="LiveId" clId="{722E49B8-19C3-49B2-B7E3-ED1328E6F4DE}" dt="2018-11-23T01:23:16.894" v="9470" actId="478"/>
-        <pc:sldMkLst>
-          <pc:docMk/>
-          <pc:sldMk cId="2929110921" sldId="274"/>
-        </pc:sldMkLst>
-        <pc:spChg chg="mod">
-          <ac:chgData name="William Thompson" userId="fa853bc974031eaf" providerId="LiveId" clId="{722E49B8-19C3-49B2-B7E3-ED1328E6F4DE}" dt="2018-11-22T23:05:53.414" v="6589" actId="207"/>
-          <ac:spMkLst>
-            <pc:docMk/>
-            <pc:sldMk cId="2929110921" sldId="274"/>
-            <ac:spMk id="5" creationId="{7E51DEF6-E050-498F-ABF4-98B26239A99F}"/>
-          </ac:spMkLst>
-        </pc:spChg>
-        <pc:spChg chg="mod">
-          <ac:chgData name="William Thompson" userId="fa853bc974031eaf" providerId="LiveId" clId="{722E49B8-19C3-49B2-B7E3-ED1328E6F4DE}" dt="2018-11-23T01:23:15.131" v="9469" actId="27636"/>
-          <ac:spMkLst>
-            <pc:docMk/>
-            <pc:sldMk cId="2929110921" sldId="274"/>
-            <ac:spMk id="6" creationId="{E3B730E1-5111-49DF-AFD9-B32CF91F7404}"/>
-          </ac:spMkLst>
-        </pc:spChg>
-        <pc:spChg chg="del mod">
-          <ac:chgData name="William Thompson" userId="fa853bc974031eaf" providerId="LiveId" clId="{722E49B8-19C3-49B2-B7E3-ED1328E6F4DE}" dt="2018-11-23T01:23:16.894" v="9470" actId="478"/>
-          <ac:spMkLst>
-            <pc:docMk/>
-            <pc:sldMk cId="2929110921" sldId="274"/>
-            <ac:spMk id="7" creationId="{E438F2D9-63AE-44B1-9687-2A85ECD48D7D}"/>
-          </ac:spMkLst>
-        </pc:spChg>
-        <pc:spChg chg="del mod">
-          <ac:chgData name="William Thompson" userId="fa853bc974031eaf" providerId="LiveId" clId="{722E49B8-19C3-49B2-B7E3-ED1328E6F4DE}" dt="2018-11-23T01:23:16.894" v="9470" actId="478"/>
-          <ac:spMkLst>
-            <pc:docMk/>
-            <pc:sldMk cId="2929110921" sldId="274"/>
-            <ac:spMk id="8" creationId="{0F1CAD96-E363-4CA7-814D-8B54245F28F2}"/>
-          </ac:spMkLst>
-        </pc:spChg>
-        <pc:spChg chg="del mod">
-          <ac:chgData name="William Thompson" userId="fa853bc974031eaf" providerId="LiveId" clId="{722E49B8-19C3-49B2-B7E3-ED1328E6F4DE}" dt="2018-11-23T01:23:16.894" v="9470" actId="478"/>
-          <ac:spMkLst>
-            <pc:docMk/>
-            <pc:sldMk cId="2929110921" sldId="274"/>
-            <ac:spMk id="9" creationId="{BCFCFA27-F34E-4D43-823C-259FF1A7025E}"/>
-          </ac:spMkLst>
-        </pc:spChg>
-        <pc:picChg chg="del">
-          <ac:chgData name="William Thompson" userId="fa853bc974031eaf" providerId="LiveId" clId="{722E49B8-19C3-49B2-B7E3-ED1328E6F4DE}" dt="2018-11-21T00:29:04.497" v="4806" actId="478"/>
-          <ac:picMkLst>
-            <pc:docMk/>
-            <pc:sldMk cId="2929110921" sldId="274"/>
-            <ac:picMk id="2" creationId="{4EDD00CF-C41D-412D-860E-E877DDF16C2E}"/>
-          </ac:picMkLst>
-        </pc:picChg>
-        <pc:picChg chg="add mod">
-          <ac:chgData name="William Thompson" userId="fa853bc974031eaf" providerId="LiveId" clId="{722E49B8-19C3-49B2-B7E3-ED1328E6F4DE}" dt="2018-11-22T23:05:53.414" v="6589" actId="207"/>
-          <ac:picMkLst>
-            <pc:docMk/>
-            <pc:sldMk cId="2929110921" sldId="274"/>
-            <ac:picMk id="3" creationId="{D64F0205-CFCB-46E6-AC57-7316D1C900F3}"/>
-          </ac:picMkLst>
-        </pc:picChg>
-      </pc:sldChg>
-      <pc:sldChg chg="addSp delSp modSp add modTransition">
-        <pc:chgData name="William Thompson" userId="fa853bc974031eaf" providerId="LiveId" clId="{722E49B8-19C3-49B2-B7E3-ED1328E6F4DE}" dt="2018-11-23T18:03:44.258" v="15078" actId="1076"/>
-        <pc:sldMkLst>
-          <pc:docMk/>
-          <pc:sldMk cId="730376070" sldId="276"/>
-        </pc:sldMkLst>
-        <pc:spChg chg="del">
-          <ac:chgData name="William Thompson" userId="fa853bc974031eaf" providerId="LiveId" clId="{722E49B8-19C3-49B2-B7E3-ED1328E6F4DE}" dt="2018-11-21T00:32:28.024" v="4860" actId="478"/>
-          <ac:spMkLst>
-            <pc:docMk/>
-            <pc:sldMk cId="730376070" sldId="276"/>
-            <ac:spMk id="3" creationId="{325C760B-B93B-4FFD-8542-86626875851D}"/>
-          </ac:spMkLst>
-        </pc:spChg>
-        <pc:spChg chg="mod">
-          <ac:chgData name="William Thompson" userId="fa853bc974031eaf" providerId="LiveId" clId="{722E49B8-19C3-49B2-B7E3-ED1328E6F4DE}" dt="2018-11-23T18:03:37.755" v="15074" actId="1076"/>
-          <ac:spMkLst>
-            <pc:docMk/>
-            <pc:sldMk cId="730376070" sldId="276"/>
-            <ac:spMk id="5" creationId="{7E51DEF6-E050-498F-ABF4-98B26239A99F}"/>
-          </ac:spMkLst>
-        </pc:spChg>
-        <pc:spChg chg="mod">
-          <ac:chgData name="William Thompson" userId="fa853bc974031eaf" providerId="LiveId" clId="{722E49B8-19C3-49B2-B7E3-ED1328E6F4DE}" dt="2018-11-23T17:03:17.823" v="10749" actId="20577"/>
-          <ac:spMkLst>
-            <pc:docMk/>
-            <pc:sldMk cId="730376070" sldId="276"/>
-            <ac:spMk id="6" creationId="{E3B730E1-5111-49DF-AFD9-B32CF91F7404}"/>
-          </ac:spMkLst>
-        </pc:spChg>
-        <pc:spChg chg="del mod">
-          <ac:chgData name="William Thompson" userId="fa853bc974031eaf" providerId="LiveId" clId="{722E49B8-19C3-49B2-B7E3-ED1328E6F4DE}" dt="2018-11-23T01:24:21.115" v="9553" actId="478"/>
-          <ac:spMkLst>
-            <pc:docMk/>
-            <pc:sldMk cId="730376070" sldId="276"/>
-            <ac:spMk id="7" creationId="{E438F2D9-63AE-44B1-9687-2A85ECD48D7D}"/>
-          </ac:spMkLst>
-        </pc:spChg>
-        <pc:spChg chg="del mod">
-          <ac:chgData name="William Thompson" userId="fa853bc974031eaf" providerId="LiveId" clId="{722E49B8-19C3-49B2-B7E3-ED1328E6F4DE}" dt="2018-11-23T01:24:21.115" v="9553" actId="478"/>
-          <ac:spMkLst>
-            <pc:docMk/>
-            <pc:sldMk cId="730376070" sldId="276"/>
-            <ac:spMk id="8" creationId="{0F1CAD96-E363-4CA7-814D-8B54245F28F2}"/>
-          </ac:spMkLst>
-        </pc:spChg>
-        <pc:spChg chg="del mod">
-          <ac:chgData name="William Thompson" userId="fa853bc974031eaf" providerId="LiveId" clId="{722E49B8-19C3-49B2-B7E3-ED1328E6F4DE}" dt="2018-11-23T01:24:21.115" v="9553" actId="478"/>
-          <ac:spMkLst>
-            <pc:docMk/>
-            <pc:sldMk cId="730376070" sldId="276"/>
-            <ac:spMk id="9" creationId="{BCFCFA27-F34E-4D43-823C-259FF1A7025E}"/>
-          </ac:spMkLst>
-        </pc:spChg>
-        <pc:spChg chg="del mod">
-          <ac:chgData name="William Thompson" userId="fa853bc974031eaf" providerId="LiveId" clId="{722E49B8-19C3-49B2-B7E3-ED1328E6F4DE}" dt="2018-11-21T00:32:23.972" v="4857" actId="478"/>
-          <ac:spMkLst>
-            <pc:docMk/>
-            <pc:sldMk cId="730376070" sldId="276"/>
-            <ac:spMk id="13" creationId="{656A7CF9-DBA3-4824-BC2C-CEA0589A6BF9}"/>
-          </ac:spMkLst>
-        </pc:spChg>
-        <pc:spChg chg="del">
-          <ac:chgData name="William Thompson" userId="fa853bc974031eaf" providerId="LiveId" clId="{722E49B8-19C3-49B2-B7E3-ED1328E6F4DE}" dt="2018-11-21T00:32:25.530" v="4859" actId="478"/>
-          <ac:spMkLst>
-            <pc:docMk/>
-            <pc:sldMk cId="730376070" sldId="276"/>
-            <ac:spMk id="14" creationId="{18D87D2F-68B5-437B-A435-0713EAEDC4DF}"/>
-          </ac:spMkLst>
-        </pc:spChg>
-        <pc:picChg chg="add mod">
-          <ac:chgData name="William Thompson" userId="fa853bc974031eaf" providerId="LiveId" clId="{722E49B8-19C3-49B2-B7E3-ED1328E6F4DE}" dt="2018-11-23T18:03:44.258" v="15078" actId="1076"/>
-          <ac:picMkLst>
-            <pc:docMk/>
-            <pc:sldMk cId="730376070" sldId="276"/>
-            <ac:picMk id="2" creationId="{3FC96AB2-3ED5-462E-AC17-979245305908}"/>
-          </ac:picMkLst>
-        </pc:picChg>
-        <pc:picChg chg="del">
-          <ac:chgData name="William Thompson" userId="fa853bc974031eaf" providerId="LiveId" clId="{722E49B8-19C3-49B2-B7E3-ED1328E6F4DE}" dt="2018-11-21T00:32:21.529" v="4855" actId="478"/>
-          <ac:picMkLst>
-            <pc:docMk/>
-            <pc:sldMk cId="730376070" sldId="276"/>
-            <ac:picMk id="4" creationId="{8F80EBD1-7D5F-4A05-937B-7C7296508616}"/>
-          </ac:picMkLst>
-        </pc:picChg>
-        <pc:picChg chg="del">
-          <ac:chgData name="William Thompson" userId="fa853bc974031eaf" providerId="LiveId" clId="{722E49B8-19C3-49B2-B7E3-ED1328E6F4DE}" dt="2018-11-21T00:32:20.455" v="4854" actId="478"/>
-          <ac:picMkLst>
-            <pc:docMk/>
-            <pc:sldMk cId="730376070" sldId="276"/>
-            <ac:picMk id="10" creationId="{64CEFE1A-9019-41DB-9B3A-3438445764BB}"/>
-          </ac:picMkLst>
-        </pc:picChg>
-        <pc:picChg chg="del">
-          <ac:chgData name="William Thompson" userId="fa853bc974031eaf" providerId="LiveId" clId="{722E49B8-19C3-49B2-B7E3-ED1328E6F4DE}" dt="2018-11-21T00:32:24.587" v="4858" actId="478"/>
-          <ac:picMkLst>
-            <pc:docMk/>
-            <pc:sldMk cId="730376070" sldId="276"/>
-            <ac:picMk id="12" creationId="{EFF10F64-A84E-4EC8-95AC-0DF3EDA53BA5}"/>
-          </ac:picMkLst>
-        </pc:picChg>
-      </pc:sldChg>
-      <pc:sldChg chg="addSp delSp modSp add">
-        <pc:chgData name="William Thompson" userId="fa853bc974031eaf" providerId="LiveId" clId="{722E49B8-19C3-49B2-B7E3-ED1328E6F4DE}" dt="2018-11-23T17:01:26.823" v="10662"/>
-        <pc:sldMkLst>
-          <pc:docMk/>
-          <pc:sldMk cId="975108357" sldId="277"/>
-        </pc:sldMkLst>
-        <pc:spChg chg="add mod">
-          <ac:chgData name="William Thompson" userId="fa853bc974031eaf" providerId="LiveId" clId="{722E49B8-19C3-49B2-B7E3-ED1328E6F4DE}" dt="2018-11-23T17:01:26.823" v="10662"/>
-          <ac:spMkLst>
-            <pc:docMk/>
-            <pc:sldMk cId="975108357" sldId="277"/>
-            <ac:spMk id="3" creationId="{5816A942-4745-416D-87DF-E1901CC50FE6}"/>
-          </ac:spMkLst>
-        </pc:spChg>
-        <pc:spChg chg="mod">
-          <ac:chgData name="William Thompson" userId="fa853bc974031eaf" providerId="LiveId" clId="{722E49B8-19C3-49B2-B7E3-ED1328E6F4DE}" dt="2018-11-22T23:05:58.557" v="6590" actId="207"/>
-          <ac:spMkLst>
-            <pc:docMk/>
-            <pc:sldMk cId="975108357" sldId="277"/>
-            <ac:spMk id="5" creationId="{7E51DEF6-E050-498F-ABF4-98B26239A99F}"/>
-          </ac:spMkLst>
-        </pc:spChg>
-        <pc:spChg chg="del mod">
-          <ac:chgData name="William Thompson" userId="fa853bc974031eaf" providerId="LiveId" clId="{722E49B8-19C3-49B2-B7E3-ED1328E6F4DE}" dt="2018-11-23T01:23:20.765" v="9471" actId="478"/>
-          <ac:spMkLst>
-            <pc:docMk/>
-            <pc:sldMk cId="975108357" sldId="277"/>
-            <ac:spMk id="6" creationId="{E3B730E1-5111-49DF-AFD9-B32CF91F7404}"/>
-          </ac:spMkLst>
-        </pc:spChg>
-        <pc:spChg chg="del mod">
-          <ac:chgData name="William Thompson" userId="fa853bc974031eaf" providerId="LiveId" clId="{722E49B8-19C3-49B2-B7E3-ED1328E6F4DE}" dt="2018-11-23T01:23:20.765" v="9471" actId="478"/>
-          <ac:spMkLst>
-            <pc:docMk/>
-            <pc:sldMk cId="975108357" sldId="277"/>
-            <ac:spMk id="7" creationId="{E438F2D9-63AE-44B1-9687-2A85ECD48D7D}"/>
-          </ac:spMkLst>
-        </pc:spChg>
-        <pc:spChg chg="del mod">
-          <ac:chgData name="William Thompson" userId="fa853bc974031eaf" providerId="LiveId" clId="{722E49B8-19C3-49B2-B7E3-ED1328E6F4DE}" dt="2018-11-23T01:23:20.765" v="9471" actId="478"/>
-          <ac:spMkLst>
-            <pc:docMk/>
-            <pc:sldMk cId="975108357" sldId="277"/>
-            <ac:spMk id="8" creationId="{0F1CAD96-E363-4CA7-814D-8B54245F28F2}"/>
-          </ac:spMkLst>
-        </pc:spChg>
-        <pc:spChg chg="del mod">
-          <ac:chgData name="William Thompson" userId="fa853bc974031eaf" providerId="LiveId" clId="{722E49B8-19C3-49B2-B7E3-ED1328E6F4DE}" dt="2018-11-23T01:23:20.765" v="9471" actId="478"/>
-          <ac:spMkLst>
-            <pc:docMk/>
-            <pc:sldMk cId="975108357" sldId="277"/>
-            <ac:spMk id="9" creationId="{BCFCFA27-F34E-4D43-823C-259FF1A7025E}"/>
-          </ac:spMkLst>
-        </pc:spChg>
-        <pc:picChg chg="add del mod">
-          <ac:chgData name="William Thompson" userId="fa853bc974031eaf" providerId="LiveId" clId="{722E49B8-19C3-49B2-B7E3-ED1328E6F4DE}" dt="2018-11-21T00:52:05.801" v="5464" actId="478"/>
-          <ac:picMkLst>
-            <pc:docMk/>
-            <pc:sldMk cId="975108357" sldId="277"/>
-            <ac:picMk id="2" creationId="{D4D88C5A-295D-4633-A231-EBADFEEBB210}"/>
-          </ac:picMkLst>
-        </pc:picChg>
-        <pc:picChg chg="del">
-          <ac:chgData name="William Thompson" userId="fa853bc974031eaf" providerId="LiveId" clId="{722E49B8-19C3-49B2-B7E3-ED1328E6F4DE}" dt="2018-11-21T00:48:22.604" v="5410" actId="478"/>
-          <ac:picMkLst>
-            <pc:docMk/>
-            <pc:sldMk cId="975108357" sldId="277"/>
-            <ac:picMk id="3" creationId="{D64F0205-CFCB-46E6-AC57-7316D1C900F3}"/>
-          </ac:picMkLst>
-        </pc:picChg>
-        <pc:picChg chg="add mod">
-          <ac:chgData name="William Thompson" userId="fa853bc974031eaf" providerId="LiveId" clId="{722E49B8-19C3-49B2-B7E3-ED1328E6F4DE}" dt="2018-11-22T23:05:58.557" v="6590" actId="207"/>
-          <ac:picMkLst>
-            <pc:docMk/>
-            <pc:sldMk cId="975108357" sldId="277"/>
-            <ac:picMk id="4" creationId="{A6BA7FA0-FC83-454B-A0E6-02C306031E25}"/>
-          </ac:picMkLst>
-        </pc:picChg>
-      </pc:sldChg>
-      <pc:sldChg chg="addSp delSp modSp add">
-        <pc:chgData name="William Thompson" userId="fa853bc974031eaf" providerId="LiveId" clId="{722E49B8-19C3-49B2-B7E3-ED1328E6F4DE}" dt="2018-11-23T17:02:18.437" v="10721" actId="404"/>
-        <pc:sldMkLst>
-          <pc:docMk/>
-          <pc:sldMk cId="2148845142" sldId="278"/>
-        </pc:sldMkLst>
-        <pc:spChg chg="add del mod">
-          <ac:chgData name="William Thompson" userId="fa853bc974031eaf" providerId="LiveId" clId="{722E49B8-19C3-49B2-B7E3-ED1328E6F4DE}" dt="2018-11-21T01:00:37.056" v="5745" actId="478"/>
-          <ac:spMkLst>
-            <pc:docMk/>
-            <pc:sldMk cId="2148845142" sldId="278"/>
-            <ac:spMk id="3" creationId="{80C86F9C-522E-4B95-AFE8-168CE8ADDD5E}"/>
-          </ac:spMkLst>
-        </pc:spChg>
-        <pc:spChg chg="add del mod">
-          <ac:chgData name="William Thompson" userId="fa853bc974031eaf" providerId="LiveId" clId="{722E49B8-19C3-49B2-B7E3-ED1328E6F4DE}" dt="2018-11-23T01:02:18.597" v="9042"/>
-          <ac:spMkLst>
-            <pc:docMk/>
-            <pc:sldMk cId="2148845142" sldId="278"/>
-            <ac:spMk id="3" creationId="{B42B9401-1EE0-4B5C-BE16-4F5F025DDE08}"/>
-          </ac:spMkLst>
-        </pc:spChg>
-        <pc:spChg chg="mod">
-          <ac:chgData name="William Thompson" userId="fa853bc974031eaf" providerId="LiveId" clId="{722E49B8-19C3-49B2-B7E3-ED1328E6F4DE}" dt="2018-11-22T23:05:39.460" v="6585" actId="207"/>
-          <ac:spMkLst>
-            <pc:docMk/>
-            <pc:sldMk cId="2148845142" sldId="278"/>
-            <ac:spMk id="5" creationId="{7E51DEF6-E050-498F-ABF4-98B26239A99F}"/>
-          </ac:spMkLst>
-        </pc:spChg>
-        <pc:spChg chg="del mod">
-          <ac:chgData name="William Thompson" userId="fa853bc974031eaf" providerId="LiveId" clId="{722E49B8-19C3-49B2-B7E3-ED1328E6F4DE}" dt="2018-11-23T01:02:16.794" v="9037" actId="478"/>
-          <ac:spMkLst>
-            <pc:docMk/>
-            <pc:sldMk cId="2148845142" sldId="278"/>
-            <ac:spMk id="6" creationId="{E3B730E1-5111-49DF-AFD9-B32CF91F7404}"/>
-          </ac:spMkLst>
-        </pc:spChg>
-        <pc:spChg chg="del mod">
-          <ac:chgData name="William Thompson" userId="fa853bc974031eaf" providerId="LiveId" clId="{722E49B8-19C3-49B2-B7E3-ED1328E6F4DE}" dt="2018-11-23T01:02:16.794" v="9037" actId="478"/>
-          <ac:spMkLst>
-            <pc:docMk/>
-            <pc:sldMk cId="2148845142" sldId="278"/>
-            <ac:spMk id="7" creationId="{E438F2D9-63AE-44B1-9687-2A85ECD48D7D}"/>
-          </ac:spMkLst>
-        </pc:spChg>
-        <pc:spChg chg="del mod">
-          <ac:chgData name="William Thompson" userId="fa853bc974031eaf" providerId="LiveId" clId="{722E49B8-19C3-49B2-B7E3-ED1328E6F4DE}" dt="2018-11-23T01:02:16.794" v="9037" actId="478"/>
-          <ac:spMkLst>
-            <pc:docMk/>
-            <pc:sldMk cId="2148845142" sldId="278"/>
-            <ac:spMk id="8" creationId="{0F1CAD96-E363-4CA7-814D-8B54245F28F2}"/>
-          </ac:spMkLst>
-        </pc:spChg>
-        <pc:spChg chg="del mod">
-          <ac:chgData name="William Thompson" userId="fa853bc974031eaf" providerId="LiveId" clId="{722E49B8-19C3-49B2-B7E3-ED1328E6F4DE}" dt="2018-11-23T01:02:16.794" v="9037" actId="478"/>
-          <ac:spMkLst>
-            <pc:docMk/>
-            <pc:sldMk cId="2148845142" sldId="278"/>
-            <ac:spMk id="9" creationId="{BCFCFA27-F34E-4D43-823C-259FF1A7025E}"/>
-          </ac:spMkLst>
-        </pc:spChg>
-        <pc:spChg chg="add del mod">
-          <ac:chgData name="William Thompson" userId="fa853bc974031eaf" providerId="LiveId" clId="{722E49B8-19C3-49B2-B7E3-ED1328E6F4DE}" dt="2018-11-21T00:56:52.184" v="5477" actId="478"/>
-          <ac:spMkLst>
-            <pc:docMk/>
-            <pc:sldMk cId="2148845142" sldId="278"/>
-            <ac:spMk id="10" creationId="{961E6BCC-3983-458E-B597-F198B14C04FF}"/>
-          </ac:spMkLst>
-        </pc:spChg>
-        <pc:spChg chg="add mod">
-          <ac:chgData name="William Thompson" userId="fa853bc974031eaf" providerId="LiveId" clId="{722E49B8-19C3-49B2-B7E3-ED1328E6F4DE}" dt="2018-11-22T23:05:39.460" v="6585" actId="207"/>
-          <ac:spMkLst>
-            <pc:docMk/>
-            <pc:sldMk cId="2148845142" sldId="278"/>
-            <ac:spMk id="12" creationId="{62D3C401-B7F0-4F6B-BE9C-A05458DE4316}"/>
-          </ac:spMkLst>
-        </pc:spChg>
-        <pc:spChg chg="add del mod">
-          <ac:chgData name="William Thompson" userId="fa853bc974031eaf" providerId="LiveId" clId="{722E49B8-19C3-49B2-B7E3-ED1328E6F4DE}" dt="2018-11-23T01:02:17.758" v="9041"/>
-          <ac:spMkLst>
-            <pc:docMk/>
-            <pc:sldMk cId="2148845142" sldId="278"/>
-            <ac:spMk id="13" creationId="{EA4E1293-A6EA-4ECC-A388-00015F2264A7}"/>
-          </ac:spMkLst>
-        </pc:spChg>
-        <pc:spChg chg="add mod">
-          <ac:chgData name="William Thompson" userId="fa853bc974031eaf" providerId="LiveId" clId="{722E49B8-19C3-49B2-B7E3-ED1328E6F4DE}" dt="2018-11-23T17:02:18.437" v="10721" actId="404"/>
-          <ac:spMkLst>
-            <pc:docMk/>
-            <pc:sldMk cId="2148845142" sldId="278"/>
-            <ac:spMk id="14" creationId="{3AE317E5-A4F3-4D55-B79E-2869D744C0BC}"/>
-          </ac:spMkLst>
-        </pc:spChg>
-        <pc:picChg chg="add del mod modCrop">
-          <ac:chgData name="William Thompson" userId="fa853bc974031eaf" providerId="LiveId" clId="{722E49B8-19C3-49B2-B7E3-ED1328E6F4DE}" dt="2018-11-21T01:00:35.984" v="5744" actId="478"/>
-          <ac:picMkLst>
-            <pc:docMk/>
-            <pc:sldMk cId="2148845142" sldId="278"/>
-            <ac:picMk id="2" creationId="{D3C8AA7D-CE4A-4285-9D32-FAAE21FF9D82}"/>
-          </ac:picMkLst>
-        </pc:picChg>
-        <pc:picChg chg="del">
-          <ac:chgData name="William Thompson" userId="fa853bc974031eaf" providerId="LiveId" clId="{722E49B8-19C3-49B2-B7E3-ED1328E6F4DE}" dt="2018-11-21T00:50:51.588" v="5463" actId="478"/>
-          <ac:picMkLst>
-            <pc:docMk/>
-            <pc:sldMk cId="2148845142" sldId="278"/>
-            <ac:picMk id="4" creationId="{FF6B4569-87CE-4CCF-A35E-6AB1E658B336}"/>
-          </ac:picMkLst>
-        </pc:picChg>
-        <pc:picChg chg="add mod">
-          <ac:chgData name="William Thompson" userId="fa853bc974031eaf" providerId="LiveId" clId="{722E49B8-19C3-49B2-B7E3-ED1328E6F4DE}" dt="2018-11-22T23:05:39.460" v="6585" actId="207"/>
-          <ac:picMkLst>
-            <pc:docMk/>
-            <pc:sldMk cId="2148845142" sldId="278"/>
-            <ac:picMk id="11" creationId="{33B26686-B1F8-47E4-B35E-E9C2B79101EC}"/>
-          </ac:picMkLst>
-        </pc:picChg>
-      </pc:sldChg>
-      <pc:sldChg chg="addSp delSp modSp add ord">
-        <pc:chgData name="William Thompson" userId="fa853bc974031eaf" providerId="LiveId" clId="{722E49B8-19C3-49B2-B7E3-ED1328E6F4DE}" dt="2018-11-23T17:02:14.333" v="10719" actId="404"/>
-        <pc:sldMkLst>
-          <pc:docMk/>
-          <pc:sldMk cId="1152349897" sldId="279"/>
-        </pc:sldMkLst>
-        <pc:spChg chg="mod">
-          <ac:chgData name="William Thompson" userId="fa853bc974031eaf" providerId="LiveId" clId="{722E49B8-19C3-49B2-B7E3-ED1328E6F4DE}" dt="2018-11-22T23:05:36.336" v="6584" actId="207"/>
-          <ac:spMkLst>
-            <pc:docMk/>
-            <pc:sldMk cId="1152349897" sldId="279"/>
-            <ac:spMk id="3" creationId="{80C86F9C-522E-4B95-AFE8-168CE8ADDD5E}"/>
-          </ac:spMkLst>
-        </pc:spChg>
-        <pc:spChg chg="mod">
-          <ac:chgData name="William Thompson" userId="fa853bc974031eaf" providerId="LiveId" clId="{722E49B8-19C3-49B2-B7E3-ED1328E6F4DE}" dt="2018-11-22T23:05:36.336" v="6584" actId="207"/>
-          <ac:spMkLst>
-            <pc:docMk/>
-            <pc:sldMk cId="1152349897" sldId="279"/>
-            <ac:spMk id="5" creationId="{7E51DEF6-E050-498F-ABF4-98B26239A99F}"/>
-          </ac:spMkLst>
-        </pc:spChg>
-        <pc:spChg chg="del mod">
-          <ac:chgData name="William Thompson" userId="fa853bc974031eaf" providerId="LiveId" clId="{722E49B8-19C3-49B2-B7E3-ED1328E6F4DE}" dt="2018-11-23T01:02:06.907" v="9031" actId="478"/>
-          <ac:spMkLst>
-            <pc:docMk/>
-            <pc:sldMk cId="1152349897" sldId="279"/>
-            <ac:spMk id="6" creationId="{E3B730E1-5111-49DF-AFD9-B32CF91F7404}"/>
-          </ac:spMkLst>
-        </pc:spChg>
-        <pc:spChg chg="del mod">
-          <ac:chgData name="William Thompson" userId="fa853bc974031eaf" providerId="LiveId" clId="{722E49B8-19C3-49B2-B7E3-ED1328E6F4DE}" dt="2018-11-23T01:02:06.907" v="9031" actId="478"/>
-          <ac:spMkLst>
-            <pc:docMk/>
-            <pc:sldMk cId="1152349897" sldId="279"/>
-            <ac:spMk id="7" creationId="{E438F2D9-63AE-44B1-9687-2A85ECD48D7D}"/>
-          </ac:spMkLst>
-        </pc:spChg>
-        <pc:spChg chg="del mod">
-          <ac:chgData name="William Thompson" userId="fa853bc974031eaf" providerId="LiveId" clId="{722E49B8-19C3-49B2-B7E3-ED1328E6F4DE}" dt="2018-11-23T01:02:06.907" v="9031" actId="478"/>
-          <ac:spMkLst>
-            <pc:docMk/>
-            <pc:sldMk cId="1152349897" sldId="279"/>
-            <ac:spMk id="8" creationId="{0F1CAD96-E363-4CA7-814D-8B54245F28F2}"/>
-          </ac:spMkLst>
-        </pc:spChg>
-        <pc:spChg chg="del mod">
-          <ac:chgData name="William Thompson" userId="fa853bc974031eaf" providerId="LiveId" clId="{722E49B8-19C3-49B2-B7E3-ED1328E6F4DE}" dt="2018-11-23T01:02:06.907" v="9031" actId="478"/>
-          <ac:spMkLst>
-            <pc:docMk/>
-            <pc:sldMk cId="1152349897" sldId="279"/>
-            <ac:spMk id="9" creationId="{BCFCFA27-F34E-4D43-823C-259FF1A7025E}"/>
-          </ac:spMkLst>
-        </pc:spChg>
-        <pc:spChg chg="add del mod">
-          <ac:chgData name="William Thompson" userId="fa853bc974031eaf" providerId="LiveId" clId="{722E49B8-19C3-49B2-B7E3-ED1328E6F4DE}" dt="2018-11-23T01:02:08.647" v="9036"/>
-          <ac:spMkLst>
-            <pc:docMk/>
-            <pc:sldMk cId="1152349897" sldId="279"/>
-            <ac:spMk id="10" creationId="{948CCDE2-21EA-46BB-8421-647A52B0D5B4}"/>
-          </ac:spMkLst>
-        </pc:spChg>
-        <pc:spChg chg="add del mod">
-          <ac:chgData name="William Thompson" userId="fa853bc974031eaf" providerId="LiveId" clId="{722E49B8-19C3-49B2-B7E3-ED1328E6F4DE}" dt="2018-11-23T01:02:07.965" v="9035"/>
-          <ac:spMkLst>
-            <pc:docMk/>
-            <pc:sldMk cId="1152349897" sldId="279"/>
-            <ac:spMk id="11" creationId="{9E9CF2E0-D4FF-4DA7-87D6-C6A038B014CB}"/>
-          </ac:spMkLst>
-        </pc:spChg>
-        <pc:spChg chg="add mod">
-          <ac:chgData name="William Thompson" userId="fa853bc974031eaf" providerId="LiveId" clId="{722E49B8-19C3-49B2-B7E3-ED1328E6F4DE}" dt="2018-11-23T17:02:14.333" v="10719" actId="404"/>
-          <ac:spMkLst>
-            <pc:docMk/>
-            <pc:sldMk cId="1152349897" sldId="279"/>
-            <ac:spMk id="12" creationId="{E60EC2FE-44FA-4706-BDBB-D9E05B031832}"/>
-          </ac:spMkLst>
-        </pc:spChg>
-        <pc:picChg chg="mod">
-          <ac:chgData name="William Thompson" userId="fa853bc974031eaf" providerId="LiveId" clId="{722E49B8-19C3-49B2-B7E3-ED1328E6F4DE}" dt="2018-11-22T23:05:36.336" v="6584" actId="207"/>
-          <ac:picMkLst>
-            <pc:docMk/>
-            <pc:sldMk cId="1152349897" sldId="279"/>
-            <ac:picMk id="2" creationId="{D3C8AA7D-CE4A-4285-9D32-FAAE21FF9D82}"/>
-          </ac:picMkLst>
-        </pc:picChg>
-      </pc:sldChg>
-      <pc:sldChg chg="modSp add del ord modTransition">
-        <pc:chgData name="William Thompson" userId="fa853bc974031eaf" providerId="LiveId" clId="{722E49B8-19C3-49B2-B7E3-ED1328E6F4DE}" dt="2018-11-23T18:10:38.042" v="15080" actId="2696"/>
-        <pc:sldMkLst>
-          <pc:docMk/>
-          <pc:sldMk cId="1390258631" sldId="280"/>
-        </pc:sldMkLst>
-        <pc:spChg chg="mod">
-          <ac:chgData name="William Thompson" userId="fa853bc974031eaf" providerId="LiveId" clId="{722E49B8-19C3-49B2-B7E3-ED1328E6F4DE}" dt="2018-11-22T23:10:12.481" v="6683"/>
-          <ac:spMkLst>
-            <pc:docMk/>
-            <pc:sldMk cId="1390258631" sldId="280"/>
-            <ac:spMk id="5" creationId="{7E51DEF6-E050-498F-ABF4-98B26239A99F}"/>
-          </ac:spMkLst>
-        </pc:spChg>
-        <pc:spChg chg="mod">
-          <ac:chgData name="William Thompson" userId="fa853bc974031eaf" providerId="LiveId" clId="{722E49B8-19C3-49B2-B7E3-ED1328E6F4DE}" dt="2018-11-22T23:10:14.675" v="6685" actId="20577"/>
-          <ac:spMkLst>
-            <pc:docMk/>
-            <pc:sldMk cId="1390258631" sldId="280"/>
-            <ac:spMk id="6" creationId="{E3B730E1-5111-49DF-AFD9-B32CF91F7404}"/>
-          </ac:spMkLst>
-        </pc:spChg>
-        <pc:spChg chg="mod">
-          <ac:chgData name="William Thompson" userId="fa853bc974031eaf" providerId="LiveId" clId="{722E49B8-19C3-49B2-B7E3-ED1328E6F4DE}" dt="2018-11-22T23:06:06.762" v="6593" actId="207"/>
-          <ac:spMkLst>
-            <pc:docMk/>
-            <pc:sldMk cId="1390258631" sldId="280"/>
-            <ac:spMk id="7" creationId="{E438F2D9-63AE-44B1-9687-2A85ECD48D7D}"/>
-          </ac:spMkLst>
-        </pc:spChg>
-        <pc:spChg chg="mod">
-          <ac:chgData name="William Thompson" userId="fa853bc974031eaf" providerId="LiveId" clId="{722E49B8-19C3-49B2-B7E3-ED1328E6F4DE}" dt="2018-11-22T23:06:06.762" v="6593" actId="207"/>
-          <ac:spMkLst>
-            <pc:docMk/>
-            <pc:sldMk cId="1390258631" sldId="280"/>
-            <ac:spMk id="8" creationId="{0F1CAD96-E363-4CA7-814D-8B54245F28F2}"/>
-          </ac:spMkLst>
-        </pc:spChg>
-        <pc:spChg chg="mod">
-          <ac:chgData name="William Thompson" userId="fa853bc974031eaf" providerId="LiveId" clId="{722E49B8-19C3-49B2-B7E3-ED1328E6F4DE}" dt="2018-11-22T23:06:06.762" v="6593" actId="207"/>
-          <ac:spMkLst>
-            <pc:docMk/>
-            <pc:sldMk cId="1390258631" sldId="280"/>
-            <ac:spMk id="9" creationId="{BCFCFA27-F34E-4D43-823C-259FF1A7025E}"/>
-          </ac:spMkLst>
-        </pc:spChg>
-      </pc:sldChg>
-      <pc:sldChg chg="addSp delSp modSp add modTransition modNotesTx">
-        <pc:chgData name="William Thompson" userId="fa853bc974031eaf" providerId="LiveId" clId="{722E49B8-19C3-49B2-B7E3-ED1328E6F4DE}" dt="2018-11-23T01:00:29.833" v="8968"/>
-        <pc:sldMkLst>
-          <pc:docMk/>
-          <pc:sldMk cId="780215566" sldId="281"/>
-        </pc:sldMkLst>
-        <pc:spChg chg="mod">
-          <ac:chgData name="William Thompson" userId="fa853bc974031eaf" providerId="LiveId" clId="{722E49B8-19C3-49B2-B7E3-ED1328E6F4DE}" dt="2018-11-23T00:23:43.764" v="8020"/>
-          <ac:spMkLst>
-            <pc:docMk/>
-            <pc:sldMk cId="780215566" sldId="281"/>
-            <ac:spMk id="3" creationId="{1E7B0B82-0727-498D-9B76-47A79DB9C447}"/>
-          </ac:spMkLst>
-        </pc:spChg>
-        <pc:spChg chg="add mod">
-          <ac:chgData name="William Thompson" userId="fa853bc974031eaf" providerId="LiveId" clId="{722E49B8-19C3-49B2-B7E3-ED1328E6F4DE}" dt="2018-11-23T00:07:48.942" v="7672" actId="164"/>
-          <ac:spMkLst>
-            <pc:docMk/>
-            <pc:sldMk cId="780215566" sldId="281"/>
-            <ac:spMk id="5" creationId="{9D9FB446-3816-4B9B-8B6F-7695DFB51F73}"/>
-          </ac:spMkLst>
-        </pc:spChg>
-        <pc:spChg chg="add del mod">
-          <ac:chgData name="William Thompson" userId="fa853bc974031eaf" providerId="LiveId" clId="{722E49B8-19C3-49B2-B7E3-ED1328E6F4DE}" dt="2018-11-23T00:03:29.325" v="7479" actId="478"/>
-          <ac:spMkLst>
-            <pc:docMk/>
-            <pc:sldMk cId="780215566" sldId="281"/>
-            <ac:spMk id="6" creationId="{14040986-DF76-47DE-9504-2FE7E5F1D518}"/>
-          </ac:spMkLst>
-        </pc:spChg>
-        <pc:spChg chg="add del mod">
-          <ac:chgData name="William Thompson" userId="fa853bc974031eaf" providerId="LiveId" clId="{722E49B8-19C3-49B2-B7E3-ED1328E6F4DE}" dt="2018-11-23T00:22:33.594" v="8016"/>
-          <ac:spMkLst>
-            <pc:docMk/>
-            <pc:sldMk cId="780215566" sldId="281"/>
-            <ac:spMk id="8" creationId="{EFA9A675-677F-4192-952C-8F22A09EB67F}"/>
-          </ac:spMkLst>
-        </pc:spChg>
-        <pc:grpChg chg="add mod">
-          <ac:chgData name="William Thompson" userId="fa853bc974031eaf" providerId="LiveId" clId="{722E49B8-19C3-49B2-B7E3-ED1328E6F4DE}" dt="2018-11-23T00:07:48.942" v="7672" actId="164"/>
-          <ac:grpSpMkLst>
-            <pc:docMk/>
-            <pc:sldMk cId="780215566" sldId="281"/>
-            <ac:grpSpMk id="7" creationId="{93D09C31-FC08-4064-AC87-9D833D5721ED}"/>
-          </ac:grpSpMkLst>
-        </pc:grpChg>
-        <pc:picChg chg="mod">
-          <ac:chgData name="William Thompson" userId="fa853bc974031eaf" providerId="LiveId" clId="{722E49B8-19C3-49B2-B7E3-ED1328E6F4DE}" dt="2018-11-23T00:07:48.942" v="7672" actId="164"/>
-          <ac:picMkLst>
-            <pc:docMk/>
-            <pc:sldMk cId="780215566" sldId="281"/>
-            <ac:picMk id="4" creationId="{747E9A96-8FF7-4577-8D5F-C154E771A201}"/>
-          </ac:picMkLst>
-        </pc:picChg>
-      </pc:sldChg>
-      <pc:sldChg chg="addSp delSp modSp add modTransition modNotesTx">
-        <pc:chgData name="William Thompson" userId="fa853bc974031eaf" providerId="LiveId" clId="{722E49B8-19C3-49B2-B7E3-ED1328E6F4DE}" dt="2018-11-23T03:17:37.805" v="9618"/>
-        <pc:sldMkLst>
-          <pc:docMk/>
-          <pc:sldMk cId="649991061" sldId="282"/>
-        </pc:sldMkLst>
-        <pc:spChg chg="mod">
-          <ac:chgData name="William Thompson" userId="fa853bc974031eaf" providerId="LiveId" clId="{722E49B8-19C3-49B2-B7E3-ED1328E6F4DE}" dt="2018-11-23T00:10:44.179" v="7706" actId="20577"/>
-          <ac:spMkLst>
-            <pc:docMk/>
-            <pc:sldMk cId="649991061" sldId="282"/>
-            <ac:spMk id="2" creationId="{EFDA8272-3B27-40B8-B493-DE8DC17C08D4}"/>
-          </ac:spMkLst>
-        </pc:spChg>
-        <pc:spChg chg="del mod">
-          <ac:chgData name="William Thompson" userId="fa853bc974031eaf" providerId="LiveId" clId="{722E49B8-19C3-49B2-B7E3-ED1328E6F4DE}" dt="2018-11-23T00:24:39.494" v="8029" actId="478"/>
-          <ac:spMkLst>
-            <pc:docMk/>
-            <pc:sldMk cId="649991061" sldId="282"/>
-            <ac:spMk id="3" creationId="{1E7B0B82-0727-498D-9B76-47A79DB9C447}"/>
-          </ac:spMkLst>
-        </pc:spChg>
-        <pc:spChg chg="add mod">
-          <ac:chgData name="William Thompson" userId="fa853bc974031eaf" providerId="LiveId" clId="{722E49B8-19C3-49B2-B7E3-ED1328E6F4DE}" dt="2018-11-23T00:19:48.925" v="7960" actId="1076"/>
-          <ac:spMkLst>
-            <pc:docMk/>
-            <pc:sldMk cId="649991061" sldId="282"/>
-            <ac:spMk id="14" creationId="{86AC6ED1-1F41-425E-A41B-76CDFEEAE861}"/>
-          </ac:spMkLst>
-        </pc:spChg>
-        <pc:spChg chg="add del">
-          <ac:chgData name="William Thompson" userId="fa853bc974031eaf" providerId="LiveId" clId="{722E49B8-19C3-49B2-B7E3-ED1328E6F4DE}" dt="2018-11-23T00:20:17.612" v="7964"/>
-          <ac:spMkLst>
-            <pc:docMk/>
-            <pc:sldMk cId="649991061" sldId="282"/>
-            <ac:spMk id="15" creationId="{5E8A7717-5328-4C0B-A4C1-3961B27DF82E}"/>
-          </ac:spMkLst>
-        </pc:spChg>
-        <pc:spChg chg="add del mod">
-          <ac:chgData name="William Thompson" userId="fa853bc974031eaf" providerId="LiveId" clId="{722E49B8-19C3-49B2-B7E3-ED1328E6F4DE}" dt="2018-11-23T00:20:21.510" v="7968"/>
-          <ac:spMkLst>
-            <pc:docMk/>
-            <pc:sldMk cId="649991061" sldId="282"/>
-            <ac:spMk id="16" creationId="{01D442F0-4626-48FB-8D3C-C24FEE960B8F}"/>
-          </ac:spMkLst>
-        </pc:spChg>
-        <pc:spChg chg="add mod">
-          <ac:chgData name="William Thompson" userId="fa853bc974031eaf" providerId="LiveId" clId="{722E49B8-19C3-49B2-B7E3-ED1328E6F4DE}" dt="2018-11-23T00:24:44.113" v="8035" actId="27636"/>
-          <ac:spMkLst>
-            <pc:docMk/>
-            <pc:sldMk cId="649991061" sldId="282"/>
-            <ac:spMk id="17" creationId="{48B66B9C-5541-4E83-96D3-2A180966B387}"/>
-          </ac:spMkLst>
-        </pc:spChg>
-        <pc:grpChg chg="del">
-          <ac:chgData name="William Thompson" userId="fa853bc974031eaf" providerId="LiveId" clId="{722E49B8-19C3-49B2-B7E3-ED1328E6F4DE}" dt="2018-11-23T00:11:41.706" v="7752" actId="478"/>
-          <ac:grpSpMkLst>
-            <pc:docMk/>
-            <pc:sldMk cId="649991061" sldId="282"/>
-            <ac:grpSpMk id="7" creationId="{93D09C31-FC08-4064-AC87-9D833D5721ED}"/>
-          </ac:grpSpMkLst>
-        </pc:grpChg>
-        <pc:picChg chg="add del mod">
-          <ac:chgData name="William Thompson" userId="fa853bc974031eaf" providerId="LiveId" clId="{722E49B8-19C3-49B2-B7E3-ED1328E6F4DE}" dt="2018-11-23T00:13:21.287" v="7835" actId="478"/>
-          <ac:picMkLst>
-            <pc:docMk/>
-            <pc:sldMk cId="649991061" sldId="282"/>
-            <ac:picMk id="8" creationId="{674D05DE-C5EA-44D9-B6C2-35F882224F7D}"/>
-          </ac:picMkLst>
-        </pc:picChg>
-        <pc:picChg chg="add del mod">
-          <ac:chgData name="William Thompson" userId="fa853bc974031eaf" providerId="LiveId" clId="{722E49B8-19C3-49B2-B7E3-ED1328E6F4DE}" dt="2018-11-23T00:16:33.914" v="7869" actId="478"/>
-          <ac:picMkLst>
-            <pc:docMk/>
-            <pc:sldMk cId="649991061" sldId="282"/>
-            <ac:picMk id="10" creationId="{4E6435CF-7EB2-4F79-A5B2-9EDE5D36D6F9}"/>
-          </ac:picMkLst>
-        </pc:picChg>
-        <pc:picChg chg="add del mod">
-          <ac:chgData name="William Thompson" userId="fa853bc974031eaf" providerId="LiveId" clId="{722E49B8-19C3-49B2-B7E3-ED1328E6F4DE}" dt="2018-11-23T00:17:11.876" v="7872" actId="478"/>
-          <ac:picMkLst>
-            <pc:docMk/>
-            <pc:sldMk cId="649991061" sldId="282"/>
-            <ac:picMk id="12" creationId="{E3B9C80F-9C75-40D1-A54B-C8B8DE3BA49D}"/>
-          </ac:picMkLst>
-        </pc:picChg>
-        <pc:picChg chg="add mod modCrop">
-          <ac:chgData name="William Thompson" userId="fa853bc974031eaf" providerId="LiveId" clId="{722E49B8-19C3-49B2-B7E3-ED1328E6F4DE}" dt="2018-11-23T03:17:37.805" v="9618"/>
-          <ac:picMkLst>
-            <pc:docMk/>
-            <pc:sldMk cId="649991061" sldId="282"/>
-            <ac:picMk id="13" creationId="{B983D08B-BCD0-46D3-B557-D0538363D61E}"/>
-          </ac:picMkLst>
-        </pc:picChg>
-      </pc:sldChg>
-      <pc:sldChg chg="add del">
-        <pc:chgData name="William Thompson" userId="fa853bc974031eaf" providerId="LiveId" clId="{722E49B8-19C3-49B2-B7E3-ED1328E6F4DE}" dt="2018-11-23T00:41:16.365" v="8665" actId="2696"/>
-        <pc:sldMkLst>
-          <pc:docMk/>
-          <pc:sldMk cId="136058149" sldId="283"/>
-        </pc:sldMkLst>
-      </pc:sldChg>
-      <pc:sldChg chg="add del">
-        <pc:chgData name="William Thompson" userId="fa853bc974031eaf" providerId="LiveId" clId="{722E49B8-19C3-49B2-B7E3-ED1328E6F4DE}" dt="2018-11-23T00:41:19.149" v="8666" actId="2696"/>
-        <pc:sldMkLst>
-          <pc:docMk/>
-          <pc:sldMk cId="526907949" sldId="284"/>
-        </pc:sldMkLst>
-      </pc:sldChg>
-      <pc:sldChg chg="addSp delSp modSp add modAnim modNotesTx">
-        <pc:chgData name="William Thompson" userId="fa853bc974031eaf" providerId="LiveId" clId="{722E49B8-19C3-49B2-B7E3-ED1328E6F4DE}" dt="2018-11-23T00:51:10.234" v="8832" actId="20577"/>
-        <pc:sldMkLst>
-          <pc:docMk/>
-          <pc:sldMk cId="2991516749" sldId="285"/>
-        </pc:sldMkLst>
-        <pc:spChg chg="mod">
-          <ac:chgData name="William Thompson" userId="fa853bc974031eaf" providerId="LiveId" clId="{722E49B8-19C3-49B2-B7E3-ED1328E6F4DE}" dt="2018-11-23T00:51:10.234" v="8832" actId="20577"/>
-          <ac:spMkLst>
-            <pc:docMk/>
-            <pc:sldMk cId="2991516749" sldId="285"/>
-            <ac:spMk id="3" creationId="{1E7B0B82-0727-498D-9B76-47A79DB9C447}"/>
-          </ac:spMkLst>
-        </pc:spChg>
-        <pc:grpChg chg="del">
-          <ac:chgData name="William Thompson" userId="fa853bc974031eaf" providerId="LiveId" clId="{722E49B8-19C3-49B2-B7E3-ED1328E6F4DE}" dt="2018-11-23T00:36:34.067" v="8515" actId="478"/>
-          <ac:grpSpMkLst>
-            <pc:docMk/>
-            <pc:sldMk cId="2991516749" sldId="285"/>
-            <ac:grpSpMk id="11" creationId="{8CDB4D66-1474-4DEA-B85A-7059ACF64FC2}"/>
-          </ac:grpSpMkLst>
-        </pc:grpChg>
-        <pc:picChg chg="add mod modCrop">
-          <ac:chgData name="William Thompson" userId="fa853bc974031eaf" providerId="LiveId" clId="{722E49B8-19C3-49B2-B7E3-ED1328E6F4DE}" dt="2018-11-23T00:38:06.370" v="8621" actId="1076"/>
-          <ac:picMkLst>
-            <pc:docMk/>
-            <pc:sldMk cId="2991516749" sldId="285"/>
-            <ac:picMk id="10" creationId="{20FC678E-5CF1-4A2A-8078-3ACB881CBF85}"/>
-          </ac:picMkLst>
-        </pc:picChg>
-      </pc:sldChg>
-      <pc:sldChg chg="addSp delSp modSp add delAnim modNotesTx">
-        <pc:chgData name="William Thompson" userId="fa853bc974031eaf" providerId="LiveId" clId="{722E49B8-19C3-49B2-B7E3-ED1328E6F4DE}" dt="2018-11-23T00:51:45.419" v="8833" actId="6549"/>
-        <pc:sldMkLst>
-          <pc:docMk/>
-          <pc:sldMk cId="3875839499" sldId="286"/>
-        </pc:sldMkLst>
-        <pc:spChg chg="del mod">
-          <ac:chgData name="William Thompson" userId="fa853bc974031eaf" providerId="LiveId" clId="{722E49B8-19C3-49B2-B7E3-ED1328E6F4DE}" dt="2018-11-23T00:40:24.971" v="8630"/>
-          <ac:spMkLst>
-            <pc:docMk/>
-            <pc:sldMk cId="3875839499" sldId="286"/>
-            <ac:spMk id="3" creationId="{1E7B0B82-0727-498D-9B76-47A79DB9C447}"/>
-          </ac:spMkLst>
-        </pc:spChg>
-        <pc:spChg chg="add mod">
-          <ac:chgData name="William Thompson" userId="fa853bc974031eaf" providerId="LiveId" clId="{722E49B8-19C3-49B2-B7E3-ED1328E6F4DE}" dt="2018-11-23T00:41:00.909" v="8664" actId="403"/>
-          <ac:spMkLst>
-            <pc:docMk/>
-            <pc:sldMk cId="3875839499" sldId="286"/>
-            <ac:spMk id="5" creationId="{B8AE3869-5639-40A3-B500-FF7BB0D98BC6}"/>
-          </ac:spMkLst>
-        </pc:spChg>
-        <pc:spChg chg="del">
-          <ac:chgData name="William Thompson" userId="fa853bc974031eaf" providerId="LiveId" clId="{722E49B8-19C3-49B2-B7E3-ED1328E6F4DE}" dt="2018-11-23T00:40:33.317" v="8634" actId="478"/>
-          <ac:spMkLst>
-            <pc:docMk/>
-            <pc:sldMk cId="3875839499" sldId="286"/>
-            <ac:spMk id="12" creationId="{A724C7EB-05EB-4076-85E8-DB9A1E57FB47}"/>
-          </ac:spMkLst>
-        </pc:spChg>
-        <pc:spChg chg="del">
-          <ac:chgData name="William Thompson" userId="fa853bc974031eaf" providerId="LiveId" clId="{722E49B8-19C3-49B2-B7E3-ED1328E6F4DE}" dt="2018-11-23T00:40:33.317" v="8634" actId="478"/>
-          <ac:spMkLst>
-            <pc:docMk/>
-            <pc:sldMk cId="3875839499" sldId="286"/>
-            <ac:spMk id="14" creationId="{B199CAFE-CE2F-4DC8-B7F8-0DB46224716A}"/>
-          </ac:spMkLst>
-        </pc:spChg>
-        <pc:picChg chg="add mod">
-          <ac:chgData name="William Thompson" userId="fa853bc974031eaf" providerId="LiveId" clId="{722E49B8-19C3-49B2-B7E3-ED1328E6F4DE}" dt="2018-11-23T00:40:29.405" v="8632" actId="14100"/>
-          <ac:picMkLst>
-            <pc:docMk/>
-            <pc:sldMk cId="3875839499" sldId="286"/>
-            <ac:picMk id="4" creationId="{1A4232BC-6069-4346-A565-4F3FC59F1379}"/>
-          </ac:picMkLst>
-        </pc:picChg>
-        <pc:picChg chg="del">
-          <ac:chgData name="William Thompson" userId="fa853bc974031eaf" providerId="LiveId" clId="{722E49B8-19C3-49B2-B7E3-ED1328E6F4DE}" dt="2018-11-23T00:38:54.292" v="8626" actId="478"/>
-          <ac:picMkLst>
-            <pc:docMk/>
-            <pc:sldMk cId="3875839499" sldId="286"/>
-            <ac:picMk id="10" creationId="{20FC678E-5CF1-4A2A-8078-3ACB881CBF85}"/>
-          </ac:picMkLst>
-        </pc:picChg>
-        <pc:picChg chg="del">
-          <ac:chgData name="William Thompson" userId="fa853bc974031eaf" providerId="LiveId" clId="{722E49B8-19C3-49B2-B7E3-ED1328E6F4DE}" dt="2018-11-23T00:40:30.679" v="8633" actId="478"/>
-          <ac:picMkLst>
-            <pc:docMk/>
-            <pc:sldMk cId="3875839499" sldId="286"/>
-            <ac:picMk id="13" creationId="{590A3974-41BD-44F6-BB1B-99574BC63888}"/>
-          </ac:picMkLst>
-        </pc:picChg>
-      </pc:sldChg>
-      <pc:sldChg chg="addSp delSp modSp add">
-        <pc:chgData name="William Thompson" userId="fa853bc974031eaf" providerId="LiveId" clId="{722E49B8-19C3-49B2-B7E3-ED1328E6F4DE}" dt="2018-11-23T03:37:09.001" v="9822" actId="208"/>
-        <pc:sldMkLst>
-          <pc:docMk/>
-          <pc:sldMk cId="4213508606" sldId="287"/>
-        </pc:sldMkLst>
-        <pc:spChg chg="mod">
-          <ac:chgData name="William Thompson" userId="fa853bc974031eaf" providerId="LiveId" clId="{722E49B8-19C3-49B2-B7E3-ED1328E6F4DE}" dt="2018-11-23T03:32:37.406" v="9795" actId="113"/>
-          <ac:spMkLst>
-            <pc:docMk/>
-            <pc:sldMk cId="4213508606" sldId="287"/>
-            <ac:spMk id="5" creationId="{7E51DEF6-E050-498F-ABF4-98B26239A99F}"/>
-          </ac:spMkLst>
-        </pc:spChg>
-        <pc:spChg chg="add mod">
-          <ac:chgData name="William Thompson" userId="fa853bc974031eaf" providerId="LiveId" clId="{722E49B8-19C3-49B2-B7E3-ED1328E6F4DE}" dt="2018-11-23T03:37:09.001" v="9822" actId="208"/>
-          <ac:spMkLst>
-            <pc:docMk/>
-            <pc:sldMk cId="4213508606" sldId="287"/>
-            <ac:spMk id="9" creationId="{96D8DA3E-7BE2-4C75-858E-C1258E0E16CA}"/>
-          </ac:spMkLst>
-        </pc:spChg>
-        <pc:picChg chg="mod">
-          <ac:chgData name="William Thompson" userId="fa853bc974031eaf" providerId="LiveId" clId="{722E49B8-19C3-49B2-B7E3-ED1328E6F4DE}" dt="2018-11-23T03:35:53.742" v="9808" actId="1076"/>
-          <ac:picMkLst>
-            <pc:docMk/>
-            <pc:sldMk cId="4213508606" sldId="287"/>
-            <ac:picMk id="3" creationId="{BBFCCF40-0901-4E88-B884-6223796B9C9C}"/>
-          </ac:picMkLst>
-        </pc:picChg>
-        <pc:picChg chg="add del mod">
-          <ac:chgData name="William Thompson" userId="fa853bc974031eaf" providerId="LiveId" clId="{722E49B8-19C3-49B2-B7E3-ED1328E6F4DE}" dt="2018-11-23T03:34:30.786" v="9807" actId="478"/>
-          <ac:picMkLst>
-            <pc:docMk/>
-            <pc:sldMk cId="4213508606" sldId="287"/>
-            <ac:picMk id="6" creationId="{02D85660-D009-43AC-9447-155AB7D65B62}"/>
-          </ac:picMkLst>
-        </pc:picChg>
-        <pc:picChg chg="add del mod">
-          <ac:chgData name="William Thompson" userId="fa853bc974031eaf" providerId="LiveId" clId="{722E49B8-19C3-49B2-B7E3-ED1328E6F4DE}" dt="2018-11-23T03:34:30.786" v="9807" actId="478"/>
-          <ac:picMkLst>
-            <pc:docMk/>
-            <pc:sldMk cId="4213508606" sldId="287"/>
-            <ac:picMk id="8" creationId="{8AEFE0CD-7FCF-442E-B058-F46EDD2AA41C}"/>
-          </ac:picMkLst>
-        </pc:picChg>
-      </pc:sldChg>
-      <pc:sldChg chg="addSp delSp modSp add">
-        <pc:chgData name="William Thompson" userId="fa853bc974031eaf" providerId="LiveId" clId="{722E49B8-19C3-49B2-B7E3-ED1328E6F4DE}" dt="2018-11-23T00:57:19.004" v="8917" actId="1076"/>
-        <pc:sldMkLst>
-          <pc:docMk/>
-          <pc:sldMk cId="3896416850" sldId="288"/>
-        </pc:sldMkLst>
-        <pc:picChg chg="add del mod modCrop">
-          <ac:chgData name="William Thompson" userId="fa853bc974031eaf" providerId="LiveId" clId="{722E49B8-19C3-49B2-B7E3-ED1328E6F4DE}" dt="2018-11-23T00:56:26.905" v="8906" actId="478"/>
-          <ac:picMkLst>
-            <pc:docMk/>
-            <pc:sldMk cId="3896416850" sldId="288"/>
-            <ac:picMk id="4" creationId="{5FC28C3C-466E-4159-8F56-0AED2CED1B20}"/>
-          </ac:picMkLst>
-        </pc:picChg>
-        <pc:picChg chg="add mod modCrop">
-          <ac:chgData name="William Thompson" userId="fa853bc974031eaf" providerId="LiveId" clId="{722E49B8-19C3-49B2-B7E3-ED1328E6F4DE}" dt="2018-11-23T00:57:19.004" v="8917" actId="1076"/>
-          <ac:picMkLst>
-            <pc:docMk/>
-            <pc:sldMk cId="3896416850" sldId="288"/>
-            <ac:picMk id="7" creationId="{8BE2BEE9-F689-447A-818E-36F27C02E8C4}"/>
-          </ac:picMkLst>
-        </pc:picChg>
-        <pc:picChg chg="del">
-          <ac:chgData name="William Thompson" userId="fa853bc974031eaf" providerId="LiveId" clId="{722E49B8-19C3-49B2-B7E3-ED1328E6F4DE}" dt="2018-11-23T00:54:19.288" v="8892" actId="478"/>
-          <ac:picMkLst>
-            <pc:docMk/>
-            <pc:sldMk cId="3896416850" sldId="288"/>
-            <ac:picMk id="11" creationId="{425AB42C-6A84-48EC-A5DB-CF8178CACC40}"/>
-          </ac:picMkLst>
-        </pc:picChg>
-      </pc:sldChg>
-      <pc:sldChg chg="addSp delSp modSp add setBg">
-        <pc:chgData name="William Thompson" userId="fa853bc974031eaf" providerId="LiveId" clId="{722E49B8-19C3-49B2-B7E3-ED1328E6F4DE}" dt="2018-11-23T01:00:23.780" v="8967" actId="1076"/>
-        <pc:sldMkLst>
-          <pc:docMk/>
-          <pc:sldMk cId="2057819514" sldId="289"/>
-        </pc:sldMkLst>
-        <pc:spChg chg="mod">
-          <ac:chgData name="William Thompson" userId="fa853bc974031eaf" providerId="LiveId" clId="{722E49B8-19C3-49B2-B7E3-ED1328E6F4DE}" dt="2018-11-23T01:00:17.832" v="8966" actId="20577"/>
-          <ac:spMkLst>
-            <pc:docMk/>
-            <pc:sldMk cId="2057819514" sldId="289"/>
-            <ac:spMk id="2" creationId="{41761D83-4F36-4E6D-9468-F23E60F7DB2D}"/>
-          </ac:spMkLst>
-        </pc:spChg>
-        <pc:picChg chg="add mod">
-          <ac:chgData name="William Thompson" userId="fa853bc974031eaf" providerId="LiveId" clId="{722E49B8-19C3-49B2-B7E3-ED1328E6F4DE}" dt="2018-11-23T01:00:23.780" v="8967" actId="1076"/>
-          <ac:picMkLst>
-            <pc:docMk/>
-            <pc:sldMk cId="2057819514" sldId="289"/>
-            <ac:picMk id="4" creationId="{D681D610-731A-4822-8498-BF72983462D0}"/>
-          </ac:picMkLst>
-        </pc:picChg>
-        <pc:picChg chg="add del">
-          <ac:chgData name="William Thompson" userId="fa853bc974031eaf" providerId="LiveId" clId="{722E49B8-19C3-49B2-B7E3-ED1328E6F4DE}" dt="2018-11-23T00:59:02.127" v="8938"/>
-          <ac:picMkLst>
-            <pc:docMk/>
-            <pc:sldMk cId="2057819514" sldId="289"/>
-            <ac:picMk id="5123" creationId="{58D1F592-92AE-4F9C-96D9-D0E1C7CDB07B}"/>
-          </ac:picMkLst>
-        </pc:picChg>
-      </pc:sldChg>
-      <pc:sldChg chg="addSp delSp modSp add">
-        <pc:chgData name="William Thompson" userId="fa853bc974031eaf" providerId="LiveId" clId="{722E49B8-19C3-49B2-B7E3-ED1328E6F4DE}" dt="2018-11-23T17:02:28.764" v="10727" actId="404"/>
-        <pc:sldMkLst>
-          <pc:docMk/>
-          <pc:sldMk cId="490164464" sldId="290"/>
-        </pc:sldMkLst>
-        <pc:spChg chg="del mod">
-          <ac:chgData name="William Thompson" userId="fa853bc974031eaf" providerId="LiveId" clId="{722E49B8-19C3-49B2-B7E3-ED1328E6F4DE}" dt="2018-11-23T01:05:26.661" v="9172"/>
-          <ac:spMkLst>
-            <pc:docMk/>
-            <pc:sldMk cId="490164464" sldId="290"/>
-            <ac:spMk id="5" creationId="{7E51DEF6-E050-498F-ABF4-98B26239A99F}"/>
-          </ac:spMkLst>
-        </pc:spChg>
-        <pc:spChg chg="mod">
-          <ac:chgData name="William Thompson" userId="fa853bc974031eaf" providerId="LiveId" clId="{722E49B8-19C3-49B2-B7E3-ED1328E6F4DE}" dt="2018-11-23T17:02:28.764" v="10727" actId="404"/>
-          <ac:spMkLst>
-            <pc:docMk/>
-            <pc:sldMk cId="490164464" sldId="290"/>
-            <ac:spMk id="10" creationId="{6B80F68C-3408-4258-B4DE-92BD7C97B1E4}"/>
-          </ac:spMkLst>
-        </pc:spChg>
-        <pc:picChg chg="del">
-          <ac:chgData name="William Thompson" userId="fa853bc974031eaf" providerId="LiveId" clId="{722E49B8-19C3-49B2-B7E3-ED1328E6F4DE}" dt="2018-11-23T01:05:25.853" v="9171"/>
-          <ac:picMkLst>
-            <pc:docMk/>
-            <pc:sldMk cId="490164464" sldId="290"/>
-            <ac:picMk id="2" creationId="{5415BDCD-0108-4F16-8F11-A3DDEB430B24}"/>
-          </ac:picMkLst>
-        </pc:picChg>
-        <pc:picChg chg="add del mod">
-          <ac:chgData name="William Thompson" userId="fa853bc974031eaf" providerId="LiveId" clId="{722E49B8-19C3-49B2-B7E3-ED1328E6F4DE}" dt="2018-11-23T01:09:54.462" v="9213"/>
-          <ac:picMkLst>
-            <pc:docMk/>
-            <pc:sldMk cId="490164464" sldId="290"/>
-            <ac:picMk id="4" creationId="{33DD32F5-BA3C-44F6-AECF-AE8817BB70B8}"/>
-          </ac:picMkLst>
-        </pc:picChg>
-        <pc:picChg chg="add mod">
-          <ac:chgData name="William Thompson" userId="fa853bc974031eaf" providerId="LiveId" clId="{722E49B8-19C3-49B2-B7E3-ED1328E6F4DE}" dt="2018-11-23T01:05:40.862" v="9178" actId="14100"/>
-          <ac:picMkLst>
-            <pc:docMk/>
-            <pc:sldMk cId="490164464" sldId="290"/>
-            <ac:picMk id="6" creationId="{E26EA212-1DB5-4E32-B9BA-FF3BFBE8AA49}"/>
-          </ac:picMkLst>
-        </pc:picChg>
-      </pc:sldChg>
-      <pc:sldChg chg="addSp delSp modSp add ord">
-        <pc:chgData name="William Thompson" userId="fa853bc974031eaf" providerId="LiveId" clId="{722E49B8-19C3-49B2-B7E3-ED1328E6F4DE}" dt="2018-11-23T18:23:55.762" v="15886"/>
-        <pc:sldMkLst>
-          <pc:docMk/>
-          <pc:sldMk cId="1598049809" sldId="291"/>
-        </pc:sldMkLst>
-        <pc:spChg chg="del mod">
-          <ac:chgData name="William Thompson" userId="fa853bc974031eaf" providerId="LiveId" clId="{722E49B8-19C3-49B2-B7E3-ED1328E6F4DE}" dt="2018-11-23T01:05:09.876" v="9168"/>
-          <ac:spMkLst>
-            <pc:docMk/>
-            <pc:sldMk cId="1598049809" sldId="291"/>
-            <ac:spMk id="5" creationId="{7E51DEF6-E050-498F-ABF4-98B26239A99F}"/>
-          </ac:spMkLst>
-        </pc:spChg>
-        <pc:spChg chg="mod">
-          <ac:chgData name="William Thompson" userId="fa853bc974031eaf" providerId="LiveId" clId="{722E49B8-19C3-49B2-B7E3-ED1328E6F4DE}" dt="2018-11-23T17:02:08.955" v="10715" actId="404"/>
-          <ac:spMkLst>
-            <pc:docMk/>
-            <pc:sldMk cId="1598049809" sldId="291"/>
-            <ac:spMk id="10" creationId="{6B80F68C-3408-4258-B4DE-92BD7C97B1E4}"/>
-          </ac:spMkLst>
-        </pc:spChg>
-        <pc:picChg chg="add mod">
-          <ac:chgData name="William Thompson" userId="fa853bc974031eaf" providerId="LiveId" clId="{722E49B8-19C3-49B2-B7E3-ED1328E6F4DE}" dt="2018-11-23T01:05:09.876" v="9168"/>
-          <ac:picMkLst>
-            <pc:docMk/>
-            <pc:sldMk cId="1598049809" sldId="291"/>
-            <ac:picMk id="6" creationId="{915B0FCB-0FE7-4CB1-88D4-8DC3347926E7}"/>
-          </ac:picMkLst>
-        </pc:picChg>
-        <pc:picChg chg="del mod">
-          <ac:chgData name="William Thompson" userId="fa853bc974031eaf" providerId="LiveId" clId="{722E49B8-19C3-49B2-B7E3-ED1328E6F4DE}" dt="2018-11-23T01:05:08.816" v="9167"/>
-          <ac:picMkLst>
-            <pc:docMk/>
-            <pc:sldMk cId="1598049809" sldId="291"/>
-            <ac:picMk id="12" creationId="{8E0DA4B0-CF52-47DE-A9DE-1CE29965EC93}"/>
-          </ac:picMkLst>
-        </pc:picChg>
-      </pc:sldChg>
-      <pc:sldChg chg="addSp delSp modSp add modTransition">
-        <pc:chgData name="William Thompson" userId="fa853bc974031eaf" providerId="LiveId" clId="{722E49B8-19C3-49B2-B7E3-ED1328E6F4DE}" dt="2018-11-23T01:12:33.030" v="9272"/>
-        <pc:sldMkLst>
-          <pc:docMk/>
-          <pc:sldMk cId="3502536707" sldId="292"/>
-        </pc:sldMkLst>
-        <pc:spChg chg="mod">
-          <ac:chgData name="William Thompson" userId="fa853bc974031eaf" providerId="LiveId" clId="{722E49B8-19C3-49B2-B7E3-ED1328E6F4DE}" dt="2018-11-23T01:06:10.548" v="9191" actId="20577"/>
-          <ac:spMkLst>
-            <pc:docMk/>
-            <pc:sldMk cId="3502536707" sldId="292"/>
-            <ac:spMk id="2" creationId="{2E298C6B-FBC4-423E-82C0-0D2E7AC021C6}"/>
-          </ac:spMkLst>
-        </pc:spChg>
-        <pc:picChg chg="add del mod">
-          <ac:chgData name="William Thompson" userId="fa853bc974031eaf" providerId="LiveId" clId="{722E49B8-19C3-49B2-B7E3-ED1328E6F4DE}" dt="2018-11-23T01:08:03.492" v="9197"/>
-          <ac:picMkLst>
-            <pc:docMk/>
-            <pc:sldMk cId="3502536707" sldId="292"/>
-            <ac:picMk id="4" creationId="{C93257D5-C1E0-40A4-97FA-55D99D48C3F2}"/>
-          </ac:picMkLst>
-        </pc:picChg>
-        <pc:picChg chg="add del mod">
-          <ac:chgData name="William Thompson" userId="fa853bc974031eaf" providerId="LiveId" clId="{722E49B8-19C3-49B2-B7E3-ED1328E6F4DE}" dt="2018-11-23T01:08:02.391" v="9195"/>
-          <ac:picMkLst>
-            <pc:docMk/>
-            <pc:sldMk cId="3502536707" sldId="292"/>
-            <ac:picMk id="6" creationId="{FC1C0854-A0B9-4D1C-8840-5E2F4564E706}"/>
-          </ac:picMkLst>
-        </pc:picChg>
-        <pc:picChg chg="add del mod">
-          <ac:chgData name="William Thompson" userId="fa853bc974031eaf" providerId="LiveId" clId="{722E49B8-19C3-49B2-B7E3-ED1328E6F4DE}" dt="2018-11-23T01:08:04.565" v="9199"/>
-          <ac:picMkLst>
-            <pc:docMk/>
-            <pc:sldMk cId="3502536707" sldId="292"/>
-            <ac:picMk id="8" creationId="{E63E174B-21FF-41AF-960D-A89A521F9002}"/>
-          </ac:picMkLst>
-        </pc:picChg>
-        <pc:picChg chg="add mod modCrop">
-          <ac:chgData name="William Thompson" userId="fa853bc974031eaf" providerId="LiveId" clId="{722E49B8-19C3-49B2-B7E3-ED1328E6F4DE}" dt="2018-11-23T01:08:30.379" v="9206" actId="1076"/>
-          <ac:picMkLst>
-            <pc:docMk/>
-            <pc:sldMk cId="3502536707" sldId="292"/>
-            <ac:picMk id="10" creationId="{16118147-E126-4482-889B-66A497DAF9C3}"/>
-          </ac:picMkLst>
-        </pc:picChg>
-      </pc:sldChg>
-      <pc:sldChg chg="delSp modSp add modTransition">
-        <pc:chgData name="William Thompson" userId="fa853bc974031eaf" providerId="LiveId" clId="{722E49B8-19C3-49B2-B7E3-ED1328E6F4DE}" dt="2018-11-23T17:02:49.516" v="10733" actId="403"/>
-        <pc:sldMkLst>
-          <pc:docMk/>
-          <pc:sldMk cId="1324386035" sldId="293"/>
-        </pc:sldMkLst>
-        <pc:spChg chg="del">
-          <ac:chgData name="William Thompson" userId="fa853bc974031eaf" providerId="LiveId" clId="{722E49B8-19C3-49B2-B7E3-ED1328E6F4DE}" dt="2018-11-23T01:11:41.015" v="9254" actId="478"/>
-          <ac:spMkLst>
-            <pc:docMk/>
-            <pc:sldMk cId="1324386035" sldId="293"/>
-            <ac:spMk id="3" creationId="{325C760B-B93B-4FFD-8542-86626875851D}"/>
-          </ac:spMkLst>
-        </pc:spChg>
-        <pc:spChg chg="mod">
-          <ac:chgData name="William Thompson" userId="fa853bc974031eaf" providerId="LiveId" clId="{722E49B8-19C3-49B2-B7E3-ED1328E6F4DE}" dt="2018-11-23T01:12:00.392" v="9258" actId="14100"/>
-          <ac:spMkLst>
-            <pc:docMk/>
-            <pc:sldMk cId="1324386035" sldId="293"/>
-            <ac:spMk id="5" creationId="{7E51DEF6-E050-498F-ABF4-98B26239A99F}"/>
-          </ac:spMkLst>
-        </pc:spChg>
-        <pc:spChg chg="mod">
-          <ac:chgData name="William Thompson" userId="fa853bc974031eaf" providerId="LiveId" clId="{722E49B8-19C3-49B2-B7E3-ED1328E6F4DE}" dt="2018-11-23T17:02:49.516" v="10733" actId="403"/>
-          <ac:spMkLst>
-            <pc:docMk/>
-            <pc:sldMk cId="1324386035" sldId="293"/>
-            <ac:spMk id="6" creationId="{E3B730E1-5111-49DF-AFD9-B32CF91F7404}"/>
-          </ac:spMkLst>
-        </pc:spChg>
-        <pc:spChg chg="mod">
-          <ac:chgData name="William Thompson" userId="fa853bc974031eaf" providerId="LiveId" clId="{722E49B8-19C3-49B2-B7E3-ED1328E6F4DE}" dt="2018-11-23T01:12:12.093" v="9265" actId="1076"/>
-          <ac:spMkLst>
-            <pc:docMk/>
-            <pc:sldMk cId="1324386035" sldId="293"/>
-            <ac:spMk id="13" creationId="{656A7CF9-DBA3-4824-BC2C-CEA0589A6BF9}"/>
-          </ac:spMkLst>
-        </pc:spChg>
-        <pc:spChg chg="mod">
-          <ac:chgData name="William Thompson" userId="fa853bc974031eaf" providerId="LiveId" clId="{722E49B8-19C3-49B2-B7E3-ED1328E6F4DE}" dt="2018-11-23T01:12:12.093" v="9265" actId="1076"/>
-          <ac:spMkLst>
-            <pc:docMk/>
-            <pc:sldMk cId="1324386035" sldId="293"/>
-            <ac:spMk id="14" creationId="{18D87D2F-68B5-437B-A435-0713EAEDC4DF}"/>
-          </ac:spMkLst>
-        </pc:spChg>
-        <pc:picChg chg="mod">
-          <ac:chgData name="William Thompson" userId="fa853bc974031eaf" providerId="LiveId" clId="{722E49B8-19C3-49B2-B7E3-ED1328E6F4DE}" dt="2018-11-23T01:12:16.325" v="9267" actId="1076"/>
-          <ac:picMkLst>
-            <pc:docMk/>
-            <pc:sldMk cId="1324386035" sldId="293"/>
-            <ac:picMk id="4" creationId="{8F80EBD1-7D5F-4A05-937B-7C7296508616}"/>
-          </ac:picMkLst>
-        </pc:picChg>
-        <pc:picChg chg="del">
-          <ac:chgData name="William Thompson" userId="fa853bc974031eaf" providerId="LiveId" clId="{722E49B8-19C3-49B2-B7E3-ED1328E6F4DE}" dt="2018-11-23T01:11:43.294" v="9255" actId="478"/>
-          <ac:picMkLst>
-            <pc:docMk/>
-            <pc:sldMk cId="1324386035" sldId="293"/>
-            <ac:picMk id="10" creationId="{64CEFE1A-9019-41DB-9B3A-3438445764BB}"/>
-          </ac:picMkLst>
-        </pc:picChg>
-        <pc:picChg chg="mod">
-          <ac:chgData name="William Thompson" userId="fa853bc974031eaf" providerId="LiveId" clId="{722E49B8-19C3-49B2-B7E3-ED1328E6F4DE}" dt="2018-11-23T01:12:21.608" v="9269" actId="1076"/>
-          <ac:picMkLst>
-            <pc:docMk/>
-            <pc:sldMk cId="1324386035" sldId="293"/>
-            <ac:picMk id="12" creationId="{EFF10F64-A84E-4EC8-95AC-0DF3EDA53BA5}"/>
-          </ac:picMkLst>
-        </pc:picChg>
-      </pc:sldChg>
-      <pc:sldChg chg="addSp delSp modSp add ord modNotesTx">
-        <pc:chgData name="William Thompson" userId="fa853bc974031eaf" providerId="LiveId" clId="{722E49B8-19C3-49B2-B7E3-ED1328E6F4DE}" dt="2018-11-23T01:24:16.190" v="9552" actId="20577"/>
-        <pc:sldMkLst>
-          <pc:docMk/>
-          <pc:sldMk cId="249352891" sldId="294"/>
-        </pc:sldMkLst>
-        <pc:spChg chg="add mod">
-          <ac:chgData name="William Thompson" userId="fa853bc974031eaf" providerId="LiveId" clId="{722E49B8-19C3-49B2-B7E3-ED1328E6F4DE}" dt="2018-11-23T01:20:08.372" v="9415" actId="20577"/>
-          <ac:spMkLst>
-            <pc:docMk/>
-            <pc:sldMk cId="249352891" sldId="294"/>
-            <ac:spMk id="3" creationId="{E5C7DF74-0068-4721-BAB7-2E492FB38521}"/>
-          </ac:spMkLst>
-        </pc:spChg>
-        <pc:spChg chg="del">
-          <ac:chgData name="William Thompson" userId="fa853bc974031eaf" providerId="LiveId" clId="{722E49B8-19C3-49B2-B7E3-ED1328E6F4DE}" dt="2018-11-23T01:13:18.443" v="9359" actId="478"/>
-          <ac:spMkLst>
-            <pc:docMk/>
-            <pc:sldMk cId="249352891" sldId="294"/>
-            <ac:spMk id="5" creationId="{7E51DEF6-E050-498F-ABF4-98B26239A99F}"/>
-          </ac:spMkLst>
-        </pc:spChg>
-        <pc:spChg chg="mod">
-          <ac:chgData name="William Thompson" userId="fa853bc974031eaf" providerId="LiveId" clId="{722E49B8-19C3-49B2-B7E3-ED1328E6F4DE}" dt="2018-11-23T01:13:13.894" v="9358" actId="6549"/>
-          <ac:spMkLst>
-            <pc:docMk/>
-            <pc:sldMk cId="249352891" sldId="294"/>
-            <ac:spMk id="6" creationId="{E3B730E1-5111-49DF-AFD9-B32CF91F7404}"/>
-          </ac:spMkLst>
-        </pc:spChg>
-        <pc:spChg chg="del">
-          <ac:chgData name="William Thompson" userId="fa853bc974031eaf" providerId="LiveId" clId="{722E49B8-19C3-49B2-B7E3-ED1328E6F4DE}" dt="2018-11-23T01:18:53.157" v="9360" actId="478"/>
-          <ac:spMkLst>
-            <pc:docMk/>
-            <pc:sldMk cId="249352891" sldId="294"/>
-            <ac:spMk id="13" creationId="{656A7CF9-DBA3-4824-BC2C-CEA0589A6BF9}"/>
-          </ac:spMkLst>
-        </pc:spChg>
-        <pc:spChg chg="del">
-          <ac:chgData name="William Thompson" userId="fa853bc974031eaf" providerId="LiveId" clId="{722E49B8-19C3-49B2-B7E3-ED1328E6F4DE}" dt="2018-11-23T01:18:53.157" v="9360" actId="478"/>
-          <ac:spMkLst>
-            <pc:docMk/>
-            <pc:sldMk cId="249352891" sldId="294"/>
-            <ac:spMk id="14" creationId="{18D87D2F-68B5-437B-A435-0713EAEDC4DF}"/>
-          </ac:spMkLst>
-        </pc:spChg>
-        <pc:spChg chg="add mod">
-          <ac:chgData name="William Thompson" userId="fa853bc974031eaf" providerId="LiveId" clId="{722E49B8-19C3-49B2-B7E3-ED1328E6F4DE}" dt="2018-11-23T01:20:50.950" v="9430" actId="1076"/>
-          <ac:spMkLst>
-            <pc:docMk/>
-            <pc:sldMk cId="249352891" sldId="294"/>
-            <ac:spMk id="15" creationId="{9492C07F-261B-41C1-8E77-F85450CC21DE}"/>
-          </ac:spMkLst>
-        </pc:spChg>
-        <pc:picChg chg="del">
-          <ac:chgData name="William Thompson" userId="fa853bc974031eaf" providerId="LiveId" clId="{722E49B8-19C3-49B2-B7E3-ED1328E6F4DE}" dt="2018-11-23T01:18:53.157" v="9360" actId="478"/>
-          <ac:picMkLst>
-            <pc:docMk/>
-            <pc:sldMk cId="249352891" sldId="294"/>
-            <ac:picMk id="4" creationId="{8F80EBD1-7D5F-4A05-937B-7C7296508616}"/>
-          </ac:picMkLst>
-        </pc:picChg>
-        <pc:picChg chg="add mod modCrop">
-          <ac:chgData name="William Thompson" userId="fa853bc974031eaf" providerId="LiveId" clId="{722E49B8-19C3-49B2-B7E3-ED1328E6F4DE}" dt="2018-11-23T01:20:14.996" v="9417" actId="14100"/>
-          <ac:picMkLst>
-            <pc:docMk/>
-            <pc:sldMk cId="249352891" sldId="294"/>
-            <ac:picMk id="7" creationId="{84466BF9-1BEC-4218-89C8-BD1B679C1FFB}"/>
-          </ac:picMkLst>
-        </pc:picChg>
-        <pc:picChg chg="add mod modCrop">
-          <ac:chgData name="William Thompson" userId="fa853bc974031eaf" providerId="LiveId" clId="{722E49B8-19C3-49B2-B7E3-ED1328E6F4DE}" dt="2018-11-23T01:20:47.318" v="9429" actId="14100"/>
-          <ac:picMkLst>
-            <pc:docMk/>
-            <pc:sldMk cId="249352891" sldId="294"/>
-            <ac:picMk id="11" creationId="{8DAB2D78-73E8-43B9-95FE-A3A4C7A9A458}"/>
-          </ac:picMkLst>
-        </pc:picChg>
-        <pc:picChg chg="del">
-          <ac:chgData name="William Thompson" userId="fa853bc974031eaf" providerId="LiveId" clId="{722E49B8-19C3-49B2-B7E3-ED1328E6F4DE}" dt="2018-11-23T01:18:53.157" v="9360" actId="478"/>
-          <ac:picMkLst>
-            <pc:docMk/>
-            <pc:sldMk cId="249352891" sldId="294"/>
-            <ac:picMk id="12" creationId="{EFF10F64-A84E-4EC8-95AC-0DF3EDA53BA5}"/>
-          </ac:picMkLst>
-        </pc:picChg>
-      </pc:sldChg>
-      <pc:sldChg chg="addSp modSp add">
-        <pc:chgData name="William Thompson" userId="fa853bc974031eaf" providerId="LiveId" clId="{722E49B8-19C3-49B2-B7E3-ED1328E6F4DE}" dt="2018-11-23T01:26:07.757" v="9617" actId="1076"/>
-        <pc:sldMkLst>
-          <pc:docMk/>
-          <pc:sldMk cId="3604670039" sldId="295"/>
-        </pc:sldMkLst>
-        <pc:spChg chg="mod">
-          <ac:chgData name="William Thompson" userId="fa853bc974031eaf" providerId="LiveId" clId="{722E49B8-19C3-49B2-B7E3-ED1328E6F4DE}" dt="2018-11-23T01:25:34.808" v="9611" actId="20577"/>
-          <ac:spMkLst>
-            <pc:docMk/>
-            <pc:sldMk cId="3604670039" sldId="295"/>
-            <ac:spMk id="2" creationId="{E8E45410-54AE-4D5F-9BB2-E186196C3ACC}"/>
-          </ac:spMkLst>
-        </pc:spChg>
-        <pc:spChg chg="mod">
-          <ac:chgData name="William Thompson" userId="fa853bc974031eaf" providerId="LiveId" clId="{722E49B8-19C3-49B2-B7E3-ED1328E6F4DE}" dt="2018-11-23T01:25:21.108" v="9610" actId="20577"/>
-          <ac:spMkLst>
-            <pc:docMk/>
-            <pc:sldMk cId="3604670039" sldId="295"/>
-            <ac:spMk id="3" creationId="{0BD1822A-671C-40B8-B74F-D8193A3FACFF}"/>
-          </ac:spMkLst>
-        </pc:spChg>
-        <pc:picChg chg="add mod">
-          <ac:chgData name="William Thompson" userId="fa853bc974031eaf" providerId="LiveId" clId="{722E49B8-19C3-49B2-B7E3-ED1328E6F4DE}" dt="2018-11-23T01:26:07.757" v="9617" actId="1076"/>
-          <ac:picMkLst>
-            <pc:docMk/>
-            <pc:sldMk cId="3604670039" sldId="295"/>
-            <ac:picMk id="5" creationId="{515FE0B9-CB3F-4651-86A0-EE5B0D13040D}"/>
-          </ac:picMkLst>
-        </pc:picChg>
-      </pc:sldChg>
-      <pc:sldChg chg="addSp delSp modSp add">
-        <pc:chgData name="William Thompson" userId="fa853bc974031eaf" providerId="LiveId" clId="{722E49B8-19C3-49B2-B7E3-ED1328E6F4DE}" dt="2018-11-23T18:26:05.482" v="15936" actId="14100"/>
-        <pc:sldMkLst>
-          <pc:docMk/>
-          <pc:sldMk cId="1029574824" sldId="296"/>
-        </pc:sldMkLst>
-        <pc:spChg chg="mod">
-          <ac:chgData name="William Thompson" userId="fa853bc974031eaf" providerId="LiveId" clId="{722E49B8-19C3-49B2-B7E3-ED1328E6F4DE}" dt="2018-11-23T18:24:46.864" v="15932" actId="20577"/>
-          <ac:spMkLst>
-            <pc:docMk/>
-            <pc:sldMk cId="1029574824" sldId="296"/>
-            <ac:spMk id="5" creationId="{7E51DEF6-E050-498F-ABF4-98B26239A99F}"/>
-          </ac:spMkLst>
-        </pc:spChg>
-        <pc:spChg chg="mod">
-          <ac:chgData name="William Thompson" userId="fa853bc974031eaf" providerId="LiveId" clId="{722E49B8-19C3-49B2-B7E3-ED1328E6F4DE}" dt="2018-11-23T17:02:04.947" v="10713" actId="404"/>
-          <ac:spMkLst>
-            <pc:docMk/>
-            <pc:sldMk cId="1029574824" sldId="296"/>
-            <ac:spMk id="6" creationId="{E3B730E1-5111-49DF-AFD9-B32CF91F7404}"/>
-          </ac:spMkLst>
-        </pc:spChg>
-        <pc:picChg chg="add del mod">
-          <ac:chgData name="William Thompson" userId="fa853bc974031eaf" providerId="LiveId" clId="{722E49B8-19C3-49B2-B7E3-ED1328E6F4DE}" dt="2018-11-23T18:24:22.665" v="15930" actId="478"/>
-          <ac:picMkLst>
-            <pc:docMk/>
-            <pc:sldMk cId="1029574824" sldId="296"/>
-            <ac:picMk id="2" creationId="{A81B1577-44BD-4E0F-A7F1-41893E36E0DB}"/>
-          </ac:picMkLst>
-        </pc:picChg>
-        <pc:picChg chg="add mod">
-          <ac:chgData name="William Thompson" userId="fa853bc974031eaf" providerId="LiveId" clId="{722E49B8-19C3-49B2-B7E3-ED1328E6F4DE}" dt="2018-11-23T18:26:05.482" v="15936" actId="14100"/>
-          <ac:picMkLst>
-            <pc:docMk/>
-            <pc:sldMk cId="1029574824" sldId="296"/>
-            <ac:picMk id="3" creationId="{D31209BC-8EAD-407E-A5AE-598505E36D73}"/>
-          </ac:picMkLst>
-        </pc:picChg>
-        <pc:picChg chg="del mod">
-          <ac:chgData name="William Thompson" userId="fa853bc974031eaf" providerId="LiveId" clId="{722E49B8-19C3-49B2-B7E3-ED1328E6F4DE}" dt="2018-11-23T16:58:12.966" v="10416" actId="478"/>
-          <ac:picMkLst>
-            <pc:docMk/>
-            <pc:sldMk cId="1029574824" sldId="296"/>
-            <ac:picMk id="10" creationId="{A78C652A-EBEA-48F6-8F3F-538AB601DCE4}"/>
-          </ac:picMkLst>
-        </pc:picChg>
-      </pc:sldChg>
-      <pc:sldChg chg="modSp add">
-        <pc:chgData name="William Thompson" userId="fa853bc974031eaf" providerId="LiveId" clId="{722E49B8-19C3-49B2-B7E3-ED1328E6F4DE}" dt="2018-11-23T17:02:25.844" v="10725" actId="404"/>
-        <pc:sldMkLst>
-          <pc:docMk/>
-          <pc:sldMk cId="3298037574" sldId="297"/>
-        </pc:sldMkLst>
-        <pc:spChg chg="mod">
-          <ac:chgData name="William Thompson" userId="fa853bc974031eaf" providerId="LiveId" clId="{722E49B8-19C3-49B2-B7E3-ED1328E6F4DE}" dt="2018-11-23T04:04:18.794" v="10408" actId="20577"/>
-          <ac:spMkLst>
-            <pc:docMk/>
-            <pc:sldMk cId="3298037574" sldId="297"/>
-            <ac:spMk id="5" creationId="{7E51DEF6-E050-498F-ABF4-98B26239A99F}"/>
-          </ac:spMkLst>
-        </pc:spChg>
-        <pc:spChg chg="mod">
-          <ac:chgData name="William Thompson" userId="fa853bc974031eaf" providerId="LiveId" clId="{722E49B8-19C3-49B2-B7E3-ED1328E6F4DE}" dt="2018-11-23T17:02:25.844" v="10725" actId="404"/>
-          <ac:spMkLst>
-            <pc:docMk/>
-            <pc:sldMk cId="3298037574" sldId="297"/>
-            <ac:spMk id="10" creationId="{6B80F68C-3408-4258-B4DE-92BD7C97B1E4}"/>
-          </ac:spMkLst>
-        </pc:spChg>
-      </pc:sldChg>
-      <pc:sldChg chg="addSp modSp add del modAnim modNotesTx">
-        <pc:chgData name="William Thompson" userId="fa853bc974031eaf" providerId="LiveId" clId="{722E49B8-19C3-49B2-B7E3-ED1328E6F4DE}" dt="2018-11-23T17:20:27.371" v="11925" actId="20577"/>
-        <pc:sldMkLst>
-          <pc:docMk/>
-          <pc:sldMk cId="1208026952" sldId="298"/>
-        </pc:sldMkLst>
-        <pc:spChg chg="mod">
-          <ac:chgData name="William Thompson" userId="fa853bc974031eaf" providerId="LiveId" clId="{722E49B8-19C3-49B2-B7E3-ED1328E6F4DE}" dt="2018-11-23T17:17:42.783" v="11785" actId="20577"/>
-          <ac:spMkLst>
-            <pc:docMk/>
-            <pc:sldMk cId="1208026952" sldId="298"/>
-            <ac:spMk id="5" creationId="{7E51DEF6-E050-498F-ABF4-98B26239A99F}"/>
-          </ac:spMkLst>
-        </pc:spChg>
-        <pc:spChg chg="mod">
-          <ac:chgData name="William Thompson" userId="fa853bc974031eaf" providerId="LiveId" clId="{722E49B8-19C3-49B2-B7E3-ED1328E6F4DE}" dt="2018-11-23T17:03:28.190" v="10776" actId="20577"/>
-          <ac:spMkLst>
-            <pc:docMk/>
-            <pc:sldMk cId="1208026952" sldId="298"/>
-            <ac:spMk id="6" creationId="{E3B730E1-5111-49DF-AFD9-B32CF91F7404}"/>
-          </ac:spMkLst>
-        </pc:spChg>
-        <pc:picChg chg="add mod modCrop">
-          <ac:chgData name="William Thompson" userId="fa853bc974031eaf" providerId="LiveId" clId="{722E49B8-19C3-49B2-B7E3-ED1328E6F4DE}" dt="2018-11-23T17:19:51.514" v="11922" actId="1076"/>
-          <ac:picMkLst>
-            <pc:docMk/>
-            <pc:sldMk cId="1208026952" sldId="298"/>
-            <ac:picMk id="2" creationId="{8834B9EB-996B-4050-9B03-1F15285BD64E}"/>
-          </ac:picMkLst>
-        </pc:picChg>
-        <pc:picChg chg="add mod modCrop">
-          <ac:chgData name="William Thompson" userId="fa853bc974031eaf" providerId="LiveId" clId="{722E49B8-19C3-49B2-B7E3-ED1328E6F4DE}" dt="2018-11-23T17:17:44.395" v="11786" actId="1076"/>
-          <ac:picMkLst>
-            <pc:docMk/>
-            <pc:sldMk cId="1208026952" sldId="298"/>
-            <ac:picMk id="3" creationId="{C4CABA00-D850-4235-A783-C53B4B2AF8A8}"/>
-          </ac:picMkLst>
-        </pc:picChg>
-      </pc:sldChg>
-      <pc:sldChg chg="modSp add modAnim modNotesTx">
-        <pc:chgData name="William Thompson" userId="fa853bc974031eaf" providerId="LiveId" clId="{722E49B8-19C3-49B2-B7E3-ED1328E6F4DE}" dt="2018-11-23T17:26:31.746" v="12254" actId="20577"/>
-        <pc:sldMkLst>
-          <pc:docMk/>
-          <pc:sldMk cId="192434711" sldId="299"/>
-        </pc:sldMkLst>
-        <pc:spChg chg="mod">
-          <ac:chgData name="William Thompson" userId="fa853bc974031eaf" providerId="LiveId" clId="{722E49B8-19C3-49B2-B7E3-ED1328E6F4DE}" dt="2018-11-23T17:26:31.746" v="12254" actId="20577"/>
-          <ac:spMkLst>
-            <pc:docMk/>
-            <pc:sldMk cId="192434711" sldId="299"/>
-            <ac:spMk id="5" creationId="{7E51DEF6-E050-498F-ABF4-98B26239A99F}"/>
-          </ac:spMkLst>
-        </pc:spChg>
-      </pc:sldChg>
-      <pc:sldChg chg="add del">
-        <pc:chgData name="William Thompson" userId="fa853bc974031eaf" providerId="LiveId" clId="{722E49B8-19C3-49B2-B7E3-ED1328E6F4DE}" dt="2018-11-23T17:26:43.969" v="12255" actId="2696"/>
-        <pc:sldMkLst>
-          <pc:docMk/>
-          <pc:sldMk cId="244526187" sldId="300"/>
-        </pc:sldMkLst>
-      </pc:sldChg>
-      <pc:sldChg chg="modSp add">
-        <pc:chgData name="William Thompson" userId="fa853bc974031eaf" providerId="LiveId" clId="{722E49B8-19C3-49B2-B7E3-ED1328E6F4DE}" dt="2018-11-23T17:25:54.242" v="12178" actId="404"/>
-        <pc:sldMkLst>
-          <pc:docMk/>
-          <pc:sldMk cId="3966221228" sldId="301"/>
-        </pc:sldMkLst>
-        <pc:spChg chg="mod">
-          <ac:chgData name="William Thompson" userId="fa853bc974031eaf" providerId="LiveId" clId="{722E49B8-19C3-49B2-B7E3-ED1328E6F4DE}" dt="2018-11-23T17:25:54.242" v="12178" actId="404"/>
-          <ac:spMkLst>
-            <pc:docMk/>
-            <pc:sldMk cId="3966221228" sldId="301"/>
-            <ac:spMk id="5" creationId="{7E51DEF6-E050-498F-ABF4-98B26239A99F}"/>
-          </ac:spMkLst>
-        </pc:spChg>
-      </pc:sldChg>
-      <pc:sldChg chg="addSp delSp modSp add del">
-        <pc:chgData name="William Thompson" userId="fa853bc974031eaf" providerId="LiveId" clId="{722E49B8-19C3-49B2-B7E3-ED1328E6F4DE}" dt="2018-11-23T17:30:07.542" v="12291" actId="2696"/>
-        <pc:sldMkLst>
-          <pc:docMk/>
-          <pc:sldMk cId="216096927" sldId="302"/>
-        </pc:sldMkLst>
-        <pc:spChg chg="add del mod">
-          <ac:chgData name="William Thompson" userId="fa853bc974031eaf" providerId="LiveId" clId="{722E49B8-19C3-49B2-B7E3-ED1328E6F4DE}" dt="2018-11-23T17:28:46.006" v="12274"/>
-          <ac:spMkLst>
-            <pc:docMk/>
-            <pc:sldMk cId="216096927" sldId="302"/>
-            <ac:spMk id="3" creationId="{4224FEB0-CC12-4DA9-B294-7847EA4C161D}"/>
-          </ac:spMkLst>
-        </pc:spChg>
-        <pc:spChg chg="del">
-          <ac:chgData name="William Thompson" userId="fa853bc974031eaf" providerId="LiveId" clId="{722E49B8-19C3-49B2-B7E3-ED1328E6F4DE}" dt="2018-11-23T17:26:59.382" v="12273" actId="478"/>
-          <ac:spMkLst>
-            <pc:docMk/>
-            <pc:sldMk cId="216096927" sldId="302"/>
-            <ac:spMk id="5" creationId="{7E51DEF6-E050-498F-ABF4-98B26239A99F}"/>
-          </ac:spMkLst>
-        </pc:spChg>
-        <pc:spChg chg="mod">
-          <ac:chgData name="William Thompson" userId="fa853bc974031eaf" providerId="LiveId" clId="{722E49B8-19C3-49B2-B7E3-ED1328E6F4DE}" dt="2018-11-23T17:29:01.108" v="12281" actId="20577"/>
-          <ac:spMkLst>
-            <pc:docMk/>
-            <pc:sldMk cId="216096927" sldId="302"/>
-            <ac:spMk id="6" creationId="{E3B730E1-5111-49DF-AFD9-B32CF91F7404}"/>
-          </ac:spMkLst>
-        </pc:spChg>
-        <pc:spChg chg="add mod">
-          <ac:chgData name="William Thompson" userId="fa853bc974031eaf" providerId="LiveId" clId="{722E49B8-19C3-49B2-B7E3-ED1328E6F4DE}" dt="2018-11-23T17:29:43.661" v="12288" actId="207"/>
-          <ac:spMkLst>
-            <pc:docMk/>
-            <pc:sldMk cId="216096927" sldId="302"/>
-            <ac:spMk id="7" creationId="{DFB6EE2A-2452-4C5A-B1E5-7CBF3756D35C}"/>
-          </ac:spMkLst>
-        </pc:spChg>
-        <pc:picChg chg="add mod modCrop">
-          <ac:chgData name="William Thompson" userId="fa853bc974031eaf" providerId="LiveId" clId="{722E49B8-19C3-49B2-B7E3-ED1328E6F4DE}" dt="2018-11-23T17:29:30.544" v="12285" actId="1076"/>
-          <ac:picMkLst>
-            <pc:docMk/>
-            <pc:sldMk cId="216096927" sldId="302"/>
-            <ac:picMk id="4" creationId="{7BF77C2F-0478-4F84-B41A-80CC57D3FCC5}"/>
-          </ac:picMkLst>
-        </pc:picChg>
-      </pc:sldChg>
-      <pc:sldChg chg="add">
-        <pc:chgData name="William Thompson" userId="fa853bc974031eaf" providerId="LiveId" clId="{722E49B8-19C3-49B2-B7E3-ED1328E6F4DE}" dt="2018-11-23T17:30:02.498" v="12289"/>
-        <pc:sldMkLst>
-          <pc:docMk/>
-          <pc:sldMk cId="633598128" sldId="303"/>
-        </pc:sldMkLst>
-      </pc:sldChg>
-      <pc:sldChg chg="addSp delSp modSp add">
-        <pc:chgData name="William Thompson" userId="fa853bc974031eaf" providerId="LiveId" clId="{722E49B8-19C3-49B2-B7E3-ED1328E6F4DE}" dt="2018-11-23T17:33:25.817" v="12358" actId="14"/>
-        <pc:sldMkLst>
-          <pc:docMk/>
-          <pc:sldMk cId="429440805" sldId="304"/>
-        </pc:sldMkLst>
-        <pc:spChg chg="mod">
-          <ac:chgData name="William Thompson" userId="fa853bc974031eaf" providerId="LiveId" clId="{722E49B8-19C3-49B2-B7E3-ED1328E6F4DE}" dt="2018-11-23T17:33:25.817" v="12358" actId="14"/>
-          <ac:spMkLst>
-            <pc:docMk/>
-            <pc:sldMk cId="429440805" sldId="304"/>
-            <ac:spMk id="5" creationId="{7E51DEF6-E050-498F-ABF4-98B26239A99F}"/>
-          </ac:spMkLst>
-        </pc:spChg>
-        <pc:spChg chg="mod">
-          <ac:chgData name="William Thompson" userId="fa853bc974031eaf" providerId="LiveId" clId="{722E49B8-19C3-49B2-B7E3-ED1328E6F4DE}" dt="2018-11-23T17:30:16.564" v="12311" actId="20577"/>
-          <ac:spMkLst>
-            <pc:docMk/>
-            <pc:sldMk cId="429440805" sldId="304"/>
-            <ac:spMk id="6" creationId="{E3B730E1-5111-49DF-AFD9-B32CF91F7404}"/>
-          </ac:spMkLst>
-        </pc:spChg>
-        <pc:picChg chg="add del mod">
-          <ac:chgData name="William Thompson" userId="fa853bc974031eaf" providerId="LiveId" clId="{722E49B8-19C3-49B2-B7E3-ED1328E6F4DE}" dt="2018-11-23T17:32:59.890" v="12315" actId="478"/>
-          <ac:picMkLst>
-            <pc:docMk/>
-            <pc:sldMk cId="429440805" sldId="304"/>
-            <ac:picMk id="2" creationId="{57315A61-AB0A-41C0-A531-0C194878E759}"/>
-          </ac:picMkLst>
-        </pc:picChg>
-        <pc:picChg chg="add del">
-          <ac:chgData name="William Thompson" userId="fa853bc974031eaf" providerId="LiveId" clId="{722E49B8-19C3-49B2-B7E3-ED1328E6F4DE}" dt="2018-11-23T17:33:00.927" v="12317"/>
-          <ac:picMkLst>
-            <pc:docMk/>
-            <pc:sldMk cId="429440805" sldId="304"/>
-            <ac:picMk id="3" creationId="{EC6C6F14-89C7-4835-ABCD-2A0FFE8765F2}"/>
-          </ac:picMkLst>
-        </pc:picChg>
-        <pc:picChg chg="add mod">
-          <ac:chgData name="William Thompson" userId="fa853bc974031eaf" providerId="LiveId" clId="{722E49B8-19C3-49B2-B7E3-ED1328E6F4DE}" dt="2018-11-23T17:33:05.726" v="12319" actId="1076"/>
-          <ac:picMkLst>
-            <pc:docMk/>
-            <pc:sldMk cId="429440805" sldId="304"/>
-            <ac:picMk id="4" creationId="{E3E4F21F-6E71-4A87-803D-4C39B87AC41D}"/>
-          </ac:picMkLst>
-        </pc:picChg>
-        <pc:picChg chg="add mod modCrop">
-          <ac:chgData name="William Thompson" userId="fa853bc974031eaf" providerId="LiveId" clId="{722E49B8-19C3-49B2-B7E3-ED1328E6F4DE}" dt="2018-11-23T17:33:16.894" v="12323" actId="14100"/>
-          <ac:picMkLst>
-            <pc:docMk/>
-            <pc:sldMk cId="429440805" sldId="304"/>
-            <ac:picMk id="7" creationId="{22C23756-28A5-445E-A34A-2D59BBF4A881}"/>
-          </ac:picMkLst>
-        </pc:picChg>
-      </pc:sldChg>
-      <pc:sldChg chg="modSp add modNotesTx">
-        <pc:chgData name="William Thompson" userId="fa853bc974031eaf" providerId="LiveId" clId="{722E49B8-19C3-49B2-B7E3-ED1328E6F4DE}" dt="2018-11-23T17:34:24.240" v="12448" actId="20577"/>
-        <pc:sldMkLst>
-          <pc:docMk/>
-          <pc:sldMk cId="3068577485" sldId="305"/>
-        </pc:sldMkLst>
-        <pc:spChg chg="mod">
-          <ac:chgData name="William Thompson" userId="fa853bc974031eaf" providerId="LiveId" clId="{722E49B8-19C3-49B2-B7E3-ED1328E6F4DE}" dt="2018-11-23T17:34:24.240" v="12448" actId="20577"/>
-          <ac:spMkLst>
-            <pc:docMk/>
-            <pc:sldMk cId="3068577485" sldId="305"/>
-            <ac:spMk id="5" creationId="{7E51DEF6-E050-498F-ABF4-98B26239A99F}"/>
-          </ac:spMkLst>
-        </pc:spChg>
-        <pc:spChg chg="mod">
-          <ac:chgData name="William Thompson" userId="fa853bc974031eaf" providerId="LiveId" clId="{722E49B8-19C3-49B2-B7E3-ED1328E6F4DE}" dt="2018-11-23T17:34:02.251" v="12375" actId="20577"/>
-          <ac:spMkLst>
-            <pc:docMk/>
-            <pc:sldMk cId="3068577485" sldId="305"/>
-            <ac:spMk id="6" creationId="{E3B730E1-5111-49DF-AFD9-B32CF91F7404}"/>
-          </ac:spMkLst>
-        </pc:spChg>
-      </pc:sldChg>
-      <pc:sldChg chg="modSp add">
-        <pc:chgData name="William Thompson" userId="fa853bc974031eaf" providerId="LiveId" clId="{722E49B8-19C3-49B2-B7E3-ED1328E6F4DE}" dt="2018-11-23T17:36:56.508" v="12836" actId="113"/>
-        <pc:sldMkLst>
-          <pc:docMk/>
-          <pc:sldMk cId="1085082659" sldId="306"/>
-        </pc:sldMkLst>
-        <pc:spChg chg="mod">
-          <ac:chgData name="William Thompson" userId="fa853bc974031eaf" providerId="LiveId" clId="{722E49B8-19C3-49B2-B7E3-ED1328E6F4DE}" dt="2018-11-23T17:36:56.508" v="12836" actId="113"/>
-          <ac:spMkLst>
-            <pc:docMk/>
-            <pc:sldMk cId="1085082659" sldId="306"/>
-            <ac:spMk id="5" creationId="{7E51DEF6-E050-498F-ABF4-98B26239A99F}"/>
-          </ac:spMkLst>
-        </pc:spChg>
-      </pc:sldChg>
-      <pc:sldChg chg="modSp add">
-        <pc:chgData name="William Thompson" userId="fa853bc974031eaf" providerId="LiveId" clId="{722E49B8-19C3-49B2-B7E3-ED1328E6F4DE}" dt="2018-11-23T17:38:57.484" v="13252" actId="20577"/>
-        <pc:sldMkLst>
-          <pc:docMk/>
-          <pc:sldMk cId="258689943" sldId="307"/>
-        </pc:sldMkLst>
-        <pc:spChg chg="mod">
-          <ac:chgData name="William Thompson" userId="fa853bc974031eaf" providerId="LiveId" clId="{722E49B8-19C3-49B2-B7E3-ED1328E6F4DE}" dt="2018-11-23T17:38:57.484" v="13252" actId="20577"/>
-          <ac:spMkLst>
-            <pc:docMk/>
-            <pc:sldMk cId="258689943" sldId="307"/>
-            <ac:spMk id="5" creationId="{7E51DEF6-E050-498F-ABF4-98B26239A99F}"/>
-          </ac:spMkLst>
-        </pc:spChg>
-      </pc:sldChg>
-      <pc:sldChg chg="modSp add">
-        <pc:chgData name="William Thompson" userId="fa853bc974031eaf" providerId="LiveId" clId="{722E49B8-19C3-49B2-B7E3-ED1328E6F4DE}" dt="2018-11-23T17:40:03.457" v="13521" actId="20577"/>
-        <pc:sldMkLst>
-          <pc:docMk/>
-          <pc:sldMk cId="2027678200" sldId="308"/>
-        </pc:sldMkLst>
-        <pc:spChg chg="mod">
-          <ac:chgData name="William Thompson" userId="fa853bc974031eaf" providerId="LiveId" clId="{722E49B8-19C3-49B2-B7E3-ED1328E6F4DE}" dt="2018-11-23T17:40:03.457" v="13521" actId="20577"/>
-          <ac:spMkLst>
-            <pc:docMk/>
-            <pc:sldMk cId="2027678200" sldId="308"/>
-            <ac:spMk id="5" creationId="{7E51DEF6-E050-498F-ABF4-98B26239A99F}"/>
-          </ac:spMkLst>
-        </pc:spChg>
-        <pc:spChg chg="mod">
-          <ac:chgData name="William Thompson" userId="fa853bc974031eaf" providerId="LiveId" clId="{722E49B8-19C3-49B2-B7E3-ED1328E6F4DE}" dt="2018-11-23T17:39:03.094" v="13261" actId="20577"/>
-          <ac:spMkLst>
-            <pc:docMk/>
-            <pc:sldMk cId="2027678200" sldId="308"/>
-            <ac:spMk id="6" creationId="{E3B730E1-5111-49DF-AFD9-B32CF91F7404}"/>
-          </ac:spMkLst>
-        </pc:spChg>
-      </pc:sldChg>
-      <pc:sldChg chg="delSp modSp add del">
-        <pc:chgData name="William Thompson" userId="fa853bc974031eaf" providerId="LiveId" clId="{722E49B8-19C3-49B2-B7E3-ED1328E6F4DE}" dt="2018-11-23T18:15:02.130" v="15179" actId="2696"/>
-        <pc:sldMkLst>
-          <pc:docMk/>
-          <pc:sldMk cId="3609442668" sldId="309"/>
-        </pc:sldMkLst>
-        <pc:spChg chg="mod">
-          <ac:chgData name="William Thompson" userId="fa853bc974031eaf" providerId="LiveId" clId="{722E49B8-19C3-49B2-B7E3-ED1328E6F4DE}" dt="2018-11-23T17:40:44.507" v="13537" actId="20577"/>
-          <ac:spMkLst>
-            <pc:docMk/>
-            <pc:sldMk cId="3609442668" sldId="309"/>
-            <ac:spMk id="2" creationId="{E8E45410-54AE-4D5F-9BB2-E186196C3ACC}"/>
-          </ac:spMkLst>
-        </pc:spChg>
-        <pc:spChg chg="mod">
-          <ac:chgData name="William Thompson" userId="fa853bc974031eaf" providerId="LiveId" clId="{722E49B8-19C3-49B2-B7E3-ED1328E6F4DE}" dt="2018-11-23T17:40:52.986" v="13546" actId="20577"/>
-          <ac:spMkLst>
-            <pc:docMk/>
-            <pc:sldMk cId="3609442668" sldId="309"/>
-            <ac:spMk id="3" creationId="{0BD1822A-671C-40B8-B74F-D8193A3FACFF}"/>
-          </ac:spMkLst>
-        </pc:spChg>
-        <pc:picChg chg="del">
-          <ac:chgData name="William Thompson" userId="fa853bc974031eaf" providerId="LiveId" clId="{722E49B8-19C3-49B2-B7E3-ED1328E6F4DE}" dt="2018-11-23T17:40:41.187" v="13525" actId="478"/>
-          <ac:picMkLst>
-            <pc:docMk/>
-            <pc:sldMk cId="3609442668" sldId="309"/>
-            <ac:picMk id="5" creationId="{515FE0B9-CB3F-4651-86A0-EE5B0D13040D}"/>
-          </ac:picMkLst>
-        </pc:picChg>
-      </pc:sldChg>
-      <pc:sldChg chg="add del ord">
-        <pc:chgData name="William Thompson" userId="fa853bc974031eaf" providerId="LiveId" clId="{722E49B8-19C3-49B2-B7E3-ED1328E6F4DE}" dt="2018-11-23T18:15:07.742" v="15181" actId="2696"/>
-        <pc:sldMkLst>
-          <pc:docMk/>
-          <pc:sldMk cId="2729836154" sldId="310"/>
-        </pc:sldMkLst>
-      </pc:sldChg>
-      <pc:sldChg chg="add">
-        <pc:chgData name="William Thompson" userId="fa853bc974031eaf" providerId="LiveId" clId="{722E49B8-19C3-49B2-B7E3-ED1328E6F4DE}" dt="2018-11-23T17:41:02.794" v="13548"/>
-        <pc:sldMkLst>
-          <pc:docMk/>
-          <pc:sldMk cId="2979748157" sldId="311"/>
-        </pc:sldMkLst>
-      </pc:sldChg>
-      <pc:sldChg chg="add del">
-        <pc:chgData name="William Thompson" userId="fa853bc974031eaf" providerId="LiveId" clId="{722E49B8-19C3-49B2-B7E3-ED1328E6F4DE}" dt="2018-11-23T17:41:20.354" v="13550"/>
-        <pc:sldMkLst>
-          <pc:docMk/>
-          <pc:sldMk cId="406550375" sldId="312"/>
-        </pc:sldMkLst>
-      </pc:sldChg>
-      <pc:sldChg chg="modSp add ord">
-        <pc:chgData name="William Thompson" userId="fa853bc974031eaf" providerId="LiveId" clId="{722E49B8-19C3-49B2-B7E3-ED1328E6F4DE}" dt="2018-11-23T18:40:48.610" v="16322" actId="20577"/>
-        <pc:sldMkLst>
-          <pc:docMk/>
-          <pc:sldMk cId="1063670628" sldId="312"/>
-        </pc:sldMkLst>
-        <pc:spChg chg="mod">
-          <ac:chgData name="William Thompson" userId="fa853bc974031eaf" providerId="LiveId" clId="{722E49B8-19C3-49B2-B7E3-ED1328E6F4DE}" dt="2018-11-23T18:40:48.610" v="16322" actId="20577"/>
-          <ac:spMkLst>
-            <pc:docMk/>
-            <pc:sldMk cId="1063670628" sldId="312"/>
-            <ac:spMk id="5" creationId="{7E51DEF6-E050-498F-ABF4-98B26239A99F}"/>
-          </ac:spMkLst>
-        </pc:spChg>
-        <pc:spChg chg="mod">
-          <ac:chgData name="William Thompson" userId="fa853bc974031eaf" providerId="LiveId" clId="{722E49B8-19C3-49B2-B7E3-ED1328E6F4DE}" dt="2018-11-23T17:41:38.154" v="13588" actId="20577"/>
-          <ac:spMkLst>
-            <pc:docMk/>
-            <pc:sldMk cId="1063670628" sldId="312"/>
-            <ac:spMk id="6" creationId="{E3B730E1-5111-49DF-AFD9-B32CF91F7404}"/>
-          </ac:spMkLst>
-        </pc:spChg>
-      </pc:sldChg>
-      <pc:sldChg chg="addSp delSp modSp add">
-        <pc:chgData name="William Thompson" userId="fa853bc974031eaf" providerId="LiveId" clId="{722E49B8-19C3-49B2-B7E3-ED1328E6F4DE}" dt="2018-11-23T18:39:05.270" v="16228" actId="20577"/>
-        <pc:sldMkLst>
-          <pc:docMk/>
-          <pc:sldMk cId="896969176" sldId="313"/>
-        </pc:sldMkLst>
-        <pc:spChg chg="add del mod">
-          <ac:chgData name="William Thompson" userId="fa853bc974031eaf" providerId="LiveId" clId="{722E49B8-19C3-49B2-B7E3-ED1328E6F4DE}" dt="2018-11-23T17:53:42.410" v="14891"/>
-          <ac:spMkLst>
-            <pc:docMk/>
-            <pc:sldMk cId="896969176" sldId="313"/>
-            <ac:spMk id="4" creationId="{7247DAEF-0121-4B44-89D2-AA20213C3D6F}"/>
-          </ac:spMkLst>
-        </pc:spChg>
-        <pc:spChg chg="del mod">
-          <ac:chgData name="William Thompson" userId="fa853bc974031eaf" providerId="LiveId" clId="{722E49B8-19C3-49B2-B7E3-ED1328E6F4DE}" dt="2018-11-23T17:53:06.874" v="14886"/>
-          <ac:spMkLst>
-            <pc:docMk/>
-            <pc:sldMk cId="896969176" sldId="313"/>
-            <ac:spMk id="5" creationId="{7E51DEF6-E050-498F-ABF4-98B26239A99F}"/>
-          </ac:spMkLst>
-        </pc:spChg>
-        <pc:spChg chg="mod">
-          <ac:chgData name="William Thompson" userId="fa853bc974031eaf" providerId="LiveId" clId="{722E49B8-19C3-49B2-B7E3-ED1328E6F4DE}" dt="2018-11-23T17:53:55.895" v="14894" actId="20577"/>
-          <ac:spMkLst>
-            <pc:docMk/>
-            <pc:sldMk cId="896969176" sldId="313"/>
-            <ac:spMk id="6" creationId="{E3B730E1-5111-49DF-AFD9-B32CF91F7404}"/>
-          </ac:spMkLst>
-        </pc:spChg>
-        <pc:spChg chg="add mod">
-          <ac:chgData name="William Thompson" userId="fa853bc974031eaf" providerId="LiveId" clId="{722E49B8-19C3-49B2-B7E3-ED1328E6F4DE}" dt="2018-11-23T18:39:05.270" v="16228" actId="20577"/>
-          <ac:spMkLst>
-            <pc:docMk/>
-            <pc:sldMk cId="896969176" sldId="313"/>
-            <ac:spMk id="8" creationId="{2BB38EC5-94FF-4B9C-8A24-F42624949A60}"/>
-          </ac:spMkLst>
-        </pc:spChg>
-        <pc:spChg chg="add del mod">
-          <ac:chgData name="William Thompson" userId="fa853bc974031eaf" providerId="LiveId" clId="{722E49B8-19C3-49B2-B7E3-ED1328E6F4DE}" dt="2018-11-23T17:54:30.553" v="14917" actId="478"/>
-          <ac:spMkLst>
-            <pc:docMk/>
-            <pc:sldMk cId="896969176" sldId="313"/>
-            <ac:spMk id="10" creationId="{2BDE4FFF-DE8B-4FAE-B4B6-8B37A707723D}"/>
-          </ac:spMkLst>
-        </pc:spChg>
-        <pc:spChg chg="add del">
-          <ac:chgData name="William Thompson" userId="fa853bc974031eaf" providerId="LiveId" clId="{722E49B8-19C3-49B2-B7E3-ED1328E6F4DE}" dt="2018-11-23T17:54:33.162" v="14919"/>
-          <ac:spMkLst>
-            <pc:docMk/>
-            <pc:sldMk cId="896969176" sldId="313"/>
-            <ac:spMk id="11" creationId="{0852ACD9-68E8-4493-B282-797006047AD8}"/>
-          </ac:spMkLst>
-        </pc:spChg>
-        <pc:picChg chg="add del mod">
-          <ac:chgData name="William Thompson" userId="fa853bc974031eaf" providerId="LiveId" clId="{722E49B8-19C3-49B2-B7E3-ED1328E6F4DE}" dt="2018-11-23T17:53:41.191" v="14890" actId="478"/>
-          <ac:picMkLst>
-            <pc:docMk/>
-            <pc:sldMk cId="896969176" sldId="313"/>
-            <ac:picMk id="2" creationId="{74A85589-5E46-41D7-BAC9-A5257A5A182E}"/>
-          </ac:picMkLst>
-        </pc:picChg>
-        <pc:picChg chg="add del mod">
-          <ac:chgData name="William Thompson" userId="fa853bc974031eaf" providerId="LiveId" clId="{722E49B8-19C3-49B2-B7E3-ED1328E6F4DE}" dt="2018-11-23T17:54:27.933" v="14916" actId="478"/>
-          <ac:picMkLst>
-            <pc:docMk/>
-            <pc:sldMk cId="896969176" sldId="313"/>
-            <ac:picMk id="7" creationId="{8E1E1B56-18C7-44A0-ADB0-2F68B0B8D499}"/>
-          </ac:picMkLst>
-        </pc:picChg>
-      </pc:sldChg>
-      <pc:sldChg chg="modSp add">
-        <pc:chgData name="William Thompson" userId="fa853bc974031eaf" providerId="LiveId" clId="{722E49B8-19C3-49B2-B7E3-ED1328E6F4DE}" dt="2018-11-23T17:45:25.421" v="13876" actId="20577"/>
-        <pc:sldMkLst>
-          <pc:docMk/>
-          <pc:sldMk cId="1509420422" sldId="314"/>
-        </pc:sldMkLst>
-        <pc:spChg chg="mod">
-          <ac:chgData name="William Thompson" userId="fa853bc974031eaf" providerId="LiveId" clId="{722E49B8-19C3-49B2-B7E3-ED1328E6F4DE}" dt="2018-11-23T17:45:25.421" v="13876" actId="20577"/>
-          <ac:spMkLst>
-            <pc:docMk/>
-            <pc:sldMk cId="1509420422" sldId="314"/>
-            <ac:spMk id="2" creationId="{E8E45410-54AE-4D5F-9BB2-E186196C3ACC}"/>
-          </ac:spMkLst>
-        </pc:spChg>
-      </pc:sldChg>
-      <pc:sldChg chg="modSp add">
-        <pc:chgData name="William Thompson" userId="fa853bc974031eaf" providerId="LiveId" clId="{722E49B8-19C3-49B2-B7E3-ED1328E6F4DE}" dt="2018-11-23T17:59:35.476" v="15057" actId="20577"/>
-        <pc:sldMkLst>
-          <pc:docMk/>
-          <pc:sldMk cId="2435427372" sldId="315"/>
-        </pc:sldMkLst>
-        <pc:spChg chg="mod">
-          <ac:chgData name="William Thompson" userId="fa853bc974031eaf" providerId="LiveId" clId="{722E49B8-19C3-49B2-B7E3-ED1328E6F4DE}" dt="2018-11-23T17:59:35.476" v="15057" actId="20577"/>
-          <ac:spMkLst>
-            <pc:docMk/>
-            <pc:sldMk cId="2435427372" sldId="315"/>
-            <ac:spMk id="5" creationId="{7E51DEF6-E050-498F-ABF4-98B26239A99F}"/>
-          </ac:spMkLst>
-        </pc:spChg>
-        <pc:spChg chg="mod">
-          <ac:chgData name="William Thompson" userId="fa853bc974031eaf" providerId="LiveId" clId="{722E49B8-19C3-49B2-B7E3-ED1328E6F4DE}" dt="2018-11-23T17:45:52.888" v="13924" actId="20577"/>
-          <ac:spMkLst>
-            <pc:docMk/>
-            <pc:sldMk cId="2435427372" sldId="315"/>
-            <ac:spMk id="6" creationId="{E3B730E1-5111-49DF-AFD9-B32CF91F7404}"/>
-          </ac:spMkLst>
-        </pc:spChg>
-      </pc:sldChg>
-      <pc:sldChg chg="modSp add">
-        <pc:chgData name="William Thompson" userId="fa853bc974031eaf" providerId="LiveId" clId="{722E49B8-19C3-49B2-B7E3-ED1328E6F4DE}" dt="2018-11-23T17:46:34.364" v="13970" actId="20577"/>
-        <pc:sldMkLst>
-          <pc:docMk/>
-          <pc:sldMk cId="2274687974" sldId="316"/>
-        </pc:sldMkLst>
-        <pc:spChg chg="mod">
-          <ac:chgData name="William Thompson" userId="fa853bc974031eaf" providerId="LiveId" clId="{722E49B8-19C3-49B2-B7E3-ED1328E6F4DE}" dt="2018-11-23T17:46:31.442" v="13965" actId="20577"/>
-          <ac:spMkLst>
-            <pc:docMk/>
-            <pc:sldMk cId="2274687974" sldId="316"/>
-            <ac:spMk id="2" creationId="{E8E45410-54AE-4D5F-9BB2-E186196C3ACC}"/>
-          </ac:spMkLst>
-        </pc:spChg>
-        <pc:spChg chg="mod">
-          <ac:chgData name="William Thompson" userId="fa853bc974031eaf" providerId="LiveId" clId="{722E49B8-19C3-49B2-B7E3-ED1328E6F4DE}" dt="2018-11-23T17:46:34.364" v="13970" actId="20577"/>
-          <ac:spMkLst>
-            <pc:docMk/>
-            <pc:sldMk cId="2274687974" sldId="316"/>
-            <ac:spMk id="3" creationId="{0BD1822A-671C-40B8-B74F-D8193A3FACFF}"/>
-          </ac:spMkLst>
-        </pc:spChg>
-      </pc:sldChg>
-      <pc:sldChg chg="modSp add">
-        <pc:chgData name="William Thompson" userId="fa853bc974031eaf" providerId="LiveId" clId="{722E49B8-19C3-49B2-B7E3-ED1328E6F4DE}" dt="2018-11-23T17:49:15.038" v="14465" actId="6549"/>
-        <pc:sldMkLst>
-          <pc:docMk/>
-          <pc:sldMk cId="2109355232" sldId="317"/>
-        </pc:sldMkLst>
-        <pc:spChg chg="mod">
-          <ac:chgData name="William Thompson" userId="fa853bc974031eaf" providerId="LiveId" clId="{722E49B8-19C3-49B2-B7E3-ED1328E6F4DE}" dt="2018-11-23T17:49:11.921" v="14464" actId="27636"/>
-          <ac:spMkLst>
-            <pc:docMk/>
-            <pc:sldMk cId="2109355232" sldId="317"/>
-            <ac:spMk id="5" creationId="{7E51DEF6-E050-498F-ABF4-98B26239A99F}"/>
-          </ac:spMkLst>
-        </pc:spChg>
-        <pc:spChg chg="mod">
-          <ac:chgData name="William Thompson" userId="fa853bc974031eaf" providerId="LiveId" clId="{722E49B8-19C3-49B2-B7E3-ED1328E6F4DE}" dt="2018-11-23T17:49:15.038" v="14465" actId="6549"/>
-          <ac:spMkLst>
-            <pc:docMk/>
-            <pc:sldMk cId="2109355232" sldId="317"/>
-            <ac:spMk id="6" creationId="{E3B730E1-5111-49DF-AFD9-B32CF91F7404}"/>
-          </ac:spMkLst>
-        </pc:spChg>
-      </pc:sldChg>
-      <pc:sldChg chg="modSp add">
-        <pc:chgData name="William Thompson" userId="fa853bc974031eaf" providerId="LiveId" clId="{722E49B8-19C3-49B2-B7E3-ED1328E6F4DE}" dt="2018-11-23T17:50:28.059" v="14719" actId="20577"/>
-        <pc:sldMkLst>
-          <pc:docMk/>
-          <pc:sldMk cId="852970330" sldId="318"/>
-        </pc:sldMkLst>
-        <pc:spChg chg="mod">
-          <ac:chgData name="William Thompson" userId="fa853bc974031eaf" providerId="LiveId" clId="{722E49B8-19C3-49B2-B7E3-ED1328E6F4DE}" dt="2018-11-23T17:50:28.059" v="14719" actId="20577"/>
-          <ac:spMkLst>
-            <pc:docMk/>
-            <pc:sldMk cId="852970330" sldId="318"/>
-            <ac:spMk id="5" creationId="{7E51DEF6-E050-498F-ABF4-98B26239A99F}"/>
-          </ac:spMkLst>
-        </pc:spChg>
-      </pc:sldChg>
-      <pc:sldChg chg="modSp add">
-        <pc:chgData name="William Thompson" userId="fa853bc974031eaf" providerId="LiveId" clId="{722E49B8-19C3-49B2-B7E3-ED1328E6F4DE}" dt="2018-11-23T17:51:40.101" v="14883" actId="20577"/>
-        <pc:sldMkLst>
-          <pc:docMk/>
-          <pc:sldMk cId="717897984" sldId="319"/>
-        </pc:sldMkLst>
-        <pc:spChg chg="mod">
-          <ac:chgData name="William Thompson" userId="fa853bc974031eaf" providerId="LiveId" clId="{722E49B8-19C3-49B2-B7E3-ED1328E6F4DE}" dt="2018-11-23T17:51:40.101" v="14883" actId="20577"/>
-          <ac:spMkLst>
-            <pc:docMk/>
-            <pc:sldMk cId="717897984" sldId="319"/>
-            <ac:spMk id="5" creationId="{7E51DEF6-E050-498F-ABF4-98B26239A99F}"/>
-          </ac:spMkLst>
-        </pc:spChg>
-        <pc:spChg chg="mod">
-          <ac:chgData name="William Thompson" userId="fa853bc974031eaf" providerId="LiveId" clId="{722E49B8-19C3-49B2-B7E3-ED1328E6F4DE}" dt="2018-11-23T17:50:43.699" v="14726" actId="20577"/>
-          <ac:spMkLst>
-            <pc:docMk/>
-            <pc:sldMk cId="717897984" sldId="319"/>
-            <ac:spMk id="6" creationId="{E3B730E1-5111-49DF-AFD9-B32CF91F7404}"/>
-          </ac:spMkLst>
-        </pc:spChg>
-      </pc:sldChg>
-      <pc:sldChg chg="add del">
-        <pc:chgData name="William Thompson" userId="fa853bc974031eaf" providerId="LiveId" clId="{722E49B8-19C3-49B2-B7E3-ED1328E6F4DE}" dt="2018-11-23T17:59:53.513" v="15060"/>
-        <pc:sldMkLst>
-          <pc:docMk/>
-          <pc:sldMk cId="1915056718" sldId="320"/>
-        </pc:sldMkLst>
-      </pc:sldChg>
-      <pc:sldChg chg="modSp add">
-        <pc:chgData name="William Thompson" userId="fa853bc974031eaf" providerId="LiveId" clId="{722E49B8-19C3-49B2-B7E3-ED1328E6F4DE}" dt="2018-11-23T18:00:02.398" v="15071" actId="20577"/>
-        <pc:sldMkLst>
-          <pc:docMk/>
-          <pc:sldMk cId="3490382439" sldId="320"/>
-        </pc:sldMkLst>
-        <pc:spChg chg="mod">
-          <ac:chgData name="William Thompson" userId="fa853bc974031eaf" providerId="LiveId" clId="{722E49B8-19C3-49B2-B7E3-ED1328E6F4DE}" dt="2018-11-23T18:00:02.398" v="15071" actId="20577"/>
-          <ac:spMkLst>
-            <pc:docMk/>
-            <pc:sldMk cId="3490382439" sldId="320"/>
-            <ac:spMk id="6" creationId="{E3B730E1-5111-49DF-AFD9-B32CF91F7404}"/>
-          </ac:spMkLst>
-        </pc:spChg>
-      </pc:sldChg>
-      <pc:sldChg chg="modSp add modNotesTx">
-        <pc:chgData name="William Thompson" userId="fa853bc974031eaf" providerId="LiveId" clId="{722E49B8-19C3-49B2-B7E3-ED1328E6F4DE}" dt="2018-11-23T20:22:29.645" v="16557" actId="20577"/>
-        <pc:sldMkLst>
-          <pc:docMk/>
-          <pc:sldMk cId="3926830590" sldId="321"/>
-        </pc:sldMkLst>
-        <pc:spChg chg="mod">
-          <ac:chgData name="William Thompson" userId="fa853bc974031eaf" providerId="LiveId" clId="{722E49B8-19C3-49B2-B7E3-ED1328E6F4DE}" dt="2018-11-23T20:22:29.645" v="16557" actId="20577"/>
-          <ac:spMkLst>
-            <pc:docMk/>
-            <pc:sldMk cId="3926830590" sldId="321"/>
-            <ac:spMk id="5" creationId="{7E51DEF6-E050-498F-ABF4-98B26239A99F}"/>
-          </ac:spMkLst>
-        </pc:spChg>
-        <pc:spChg chg="mod">
-          <ac:chgData name="William Thompson" userId="fa853bc974031eaf" providerId="LiveId" clId="{722E49B8-19C3-49B2-B7E3-ED1328E6F4DE}" dt="2018-11-23T18:10:57.357" v="15097" actId="313"/>
-          <ac:spMkLst>
-            <pc:docMk/>
-            <pc:sldMk cId="3926830590" sldId="321"/>
-            <ac:spMk id="6" creationId="{E3B730E1-5111-49DF-AFD9-B32CF91F7404}"/>
-          </ac:spMkLst>
-        </pc:spChg>
-      </pc:sldChg>
-      <pc:sldChg chg="modSp add">
-        <pc:chgData name="William Thompson" userId="fa853bc974031eaf" providerId="LiveId" clId="{722E49B8-19C3-49B2-B7E3-ED1328E6F4DE}" dt="2018-11-23T18:23:20.792" v="15884" actId="20577"/>
-        <pc:sldMkLst>
-          <pc:docMk/>
-          <pc:sldMk cId="1512190731" sldId="322"/>
-        </pc:sldMkLst>
-        <pc:spChg chg="mod">
-          <ac:chgData name="William Thompson" userId="fa853bc974031eaf" providerId="LiveId" clId="{722E49B8-19C3-49B2-B7E3-ED1328E6F4DE}" dt="2018-11-23T18:23:20.792" v="15884" actId="20577"/>
-          <ac:spMkLst>
-            <pc:docMk/>
-            <pc:sldMk cId="1512190731" sldId="322"/>
-            <ac:spMk id="5" creationId="{7E51DEF6-E050-498F-ABF4-98B26239A99F}"/>
-          </ac:spMkLst>
-        </pc:spChg>
-        <pc:spChg chg="mod">
-          <ac:chgData name="William Thompson" userId="fa853bc974031eaf" providerId="LiveId" clId="{722E49B8-19C3-49B2-B7E3-ED1328E6F4DE}" dt="2018-11-23T18:19:53.768" v="15682" actId="20577"/>
-          <ac:spMkLst>
-            <pc:docMk/>
-            <pc:sldMk cId="1512190731" sldId="322"/>
-            <ac:spMk id="6" creationId="{E3B730E1-5111-49DF-AFD9-B32CF91F7404}"/>
-          </ac:spMkLst>
-        </pc:spChg>
-      </pc:sldChg>
-      <pc:sldChg chg="add">
-        <pc:chgData name="William Thompson" userId="fa853bc974031eaf" providerId="LiveId" clId="{722E49B8-19C3-49B2-B7E3-ED1328E6F4DE}" dt="2018-11-23T18:23:51.341" v="15885"/>
-        <pc:sldMkLst>
-          <pc:docMk/>
-          <pc:sldMk cId="4050865676" sldId="323"/>
-        </pc:sldMkLst>
-      </pc:sldChg>
-      <pc:sldChg chg="addSp delSp modSp add">
-        <pc:chgData name="William Thompson" userId="fa853bc974031eaf" providerId="LiveId" clId="{722E49B8-19C3-49B2-B7E3-ED1328E6F4DE}" dt="2018-11-23T18:33:33.875" v="16002" actId="403"/>
-        <pc:sldMkLst>
-          <pc:docMk/>
-          <pc:sldMk cId="3487417003" sldId="324"/>
-        </pc:sldMkLst>
-        <pc:spChg chg="del">
-          <ac:chgData name="William Thompson" userId="fa853bc974031eaf" providerId="LiveId" clId="{722E49B8-19C3-49B2-B7E3-ED1328E6F4DE}" dt="2018-11-23T18:26:55.753" v="15954" actId="478"/>
-          <ac:spMkLst>
-            <pc:docMk/>
-            <pc:sldMk cId="3487417003" sldId="324"/>
-            <ac:spMk id="2" creationId="{92E369FC-1C3B-4771-A6E0-107FE61E2513}"/>
-          </ac:spMkLst>
-        </pc:spChg>
-        <pc:spChg chg="mod">
-          <ac:chgData name="William Thompson" userId="fa853bc974031eaf" providerId="LiveId" clId="{722E49B8-19C3-49B2-B7E3-ED1328E6F4DE}" dt="2018-11-23T18:33:33.875" v="16002" actId="403"/>
-          <ac:spMkLst>
-            <pc:docMk/>
-            <pc:sldMk cId="3487417003" sldId="324"/>
-            <ac:spMk id="3" creationId="{A8CA56B2-C12D-42F3-A4E1-395CB6CEBECC}"/>
-          </ac:spMkLst>
-        </pc:spChg>
-        <pc:spChg chg="add del mod">
-          <ac:chgData name="William Thompson" userId="fa853bc974031eaf" providerId="LiveId" clId="{722E49B8-19C3-49B2-B7E3-ED1328E6F4DE}" dt="2018-11-23T18:26:57.795" v="15955" actId="478"/>
-          <ac:spMkLst>
-            <pc:docMk/>
-            <pc:sldMk cId="3487417003" sldId="324"/>
-            <ac:spMk id="5" creationId="{C82B6F3B-A669-44C9-9773-8AAC1B064BBC}"/>
-          </ac:spMkLst>
-        </pc:spChg>
-      </pc:sldChg>
-      <pc:sldChg chg="modSp add">
-        <pc:chgData name="William Thompson" userId="fa853bc974031eaf" providerId="LiveId" clId="{722E49B8-19C3-49B2-B7E3-ED1328E6F4DE}" dt="2018-11-23T18:43:51.008" v="16494" actId="313"/>
-        <pc:sldMkLst>
-          <pc:docMk/>
-          <pc:sldMk cId="3026693865" sldId="325"/>
-        </pc:sldMkLst>
-        <pc:spChg chg="mod">
-          <ac:chgData name="William Thompson" userId="fa853bc974031eaf" providerId="LiveId" clId="{722E49B8-19C3-49B2-B7E3-ED1328E6F4DE}" dt="2018-11-23T18:43:51.008" v="16494" actId="313"/>
-          <ac:spMkLst>
-            <pc:docMk/>
-            <pc:sldMk cId="3026693865" sldId="325"/>
-            <ac:spMk id="5" creationId="{7E51DEF6-E050-498F-ABF4-98B26239A99F}"/>
-          </ac:spMkLst>
-        </pc:spChg>
-        <pc:spChg chg="mod">
-          <ac:chgData name="William Thompson" userId="fa853bc974031eaf" providerId="LiveId" clId="{722E49B8-19C3-49B2-B7E3-ED1328E6F4DE}" dt="2018-11-23T18:39:51.544" v="16307" actId="313"/>
-          <ac:spMkLst>
-            <pc:docMk/>
-            <pc:sldMk cId="3026693865" sldId="325"/>
-            <ac:spMk id="6" creationId="{E3B730E1-5111-49DF-AFD9-B32CF91F7404}"/>
-          </ac:spMkLst>
-        </pc:spChg>
-      </pc:sldChg>
-      <pc:sldMasterChg chg="addSp delSp modSp setBg modSldLayout">
-        <pc:chgData name="William Thompson" userId="fa853bc974031eaf" providerId="LiveId" clId="{722E49B8-19C3-49B2-B7E3-ED1328E6F4DE}" dt="2018-11-22T23:58:55.245" v="7285" actId="14100"/>
-        <pc:sldMasterMkLst>
-          <pc:docMk/>
-          <pc:sldMasterMk cId="550240014" sldId="2147483684"/>
-        </pc:sldMasterMkLst>
-        <pc:spChg chg="mod">
-          <ac:chgData name="William Thompson" userId="fa853bc974031eaf" providerId="LiveId" clId="{722E49B8-19C3-49B2-B7E3-ED1328E6F4DE}" dt="2018-11-22T23:53:05.578" v="7098" actId="207"/>
-          <ac:spMkLst>
-            <pc:docMk/>
-            <pc:sldMasterMk cId="550240014" sldId="2147483684"/>
-            <ac:spMk id="2" creationId="{00000000-0000-0000-0000-000000000000}"/>
-          </ac:spMkLst>
-        </pc:spChg>
-        <pc:spChg chg="mod">
-          <ac:chgData name="William Thompson" userId="fa853bc974031eaf" providerId="LiveId" clId="{722E49B8-19C3-49B2-B7E3-ED1328E6F4DE}" dt="2018-11-22T23:53:05.578" v="7098" actId="207"/>
-          <ac:spMkLst>
-            <pc:docMk/>
-            <pc:sldMasterMk cId="550240014" sldId="2147483684"/>
-            <ac:spMk id="3" creationId="{00000000-0000-0000-0000-000000000000}"/>
-          </ac:spMkLst>
-        </pc:spChg>
-        <pc:spChg chg="mod">
-          <ac:chgData name="William Thompson" userId="fa853bc974031eaf" providerId="LiveId" clId="{722E49B8-19C3-49B2-B7E3-ED1328E6F4DE}" dt="2018-11-22T23:53:05.578" v="7098" actId="207"/>
-          <ac:spMkLst>
-            <pc:docMk/>
-            <pc:sldMasterMk cId="550240014" sldId="2147483684"/>
-            <ac:spMk id="4" creationId="{00000000-0000-0000-0000-000000000000}"/>
-          </ac:spMkLst>
-        </pc:spChg>
-        <pc:spChg chg="mod">
-          <ac:chgData name="William Thompson" userId="fa853bc974031eaf" providerId="LiveId" clId="{722E49B8-19C3-49B2-B7E3-ED1328E6F4DE}" dt="2018-11-22T23:53:05.578" v="7098" actId="207"/>
-          <ac:spMkLst>
-            <pc:docMk/>
-            <pc:sldMasterMk cId="550240014" sldId="2147483684"/>
-            <ac:spMk id="5" creationId="{00000000-0000-0000-0000-000000000000}"/>
-          </ac:spMkLst>
-        </pc:spChg>
-        <pc:spChg chg="mod">
-          <ac:chgData name="William Thompson" userId="fa853bc974031eaf" providerId="LiveId" clId="{722E49B8-19C3-49B2-B7E3-ED1328E6F4DE}" dt="2018-11-22T23:53:05.578" v="7098" actId="207"/>
-          <ac:spMkLst>
-            <pc:docMk/>
-            <pc:sldMasterMk cId="550240014" sldId="2147483684"/>
-            <ac:spMk id="6" creationId="{00000000-0000-0000-0000-000000000000}"/>
-          </ac:spMkLst>
-        </pc:spChg>
-        <pc:spChg chg="add del mod">
-          <ac:chgData name="William Thompson" userId="fa853bc974031eaf" providerId="LiveId" clId="{722E49B8-19C3-49B2-B7E3-ED1328E6F4DE}" dt="2018-11-22T23:42:31.179" v="7001" actId="478"/>
-          <ac:spMkLst>
-            <pc:docMk/>
-            <pc:sldMasterMk cId="550240014" sldId="2147483684"/>
-            <ac:spMk id="7" creationId="{C45EC40C-EDB0-4655-9438-1C61A89EADFA}"/>
-          </ac:spMkLst>
-        </pc:spChg>
-        <pc:sldLayoutChg chg="addSp delSp modSp setBg">
-          <pc:chgData name="William Thompson" userId="fa853bc974031eaf" providerId="LiveId" clId="{722E49B8-19C3-49B2-B7E3-ED1328E6F4DE}" dt="2018-11-22T23:53:41.533" v="7141" actId="207"/>
-          <pc:sldLayoutMkLst>
-            <pc:docMk/>
-            <pc:sldMasterMk cId="550240014" sldId="2147483684"/>
-            <pc:sldLayoutMk cId="2040587021" sldId="2147483685"/>
-          </pc:sldLayoutMkLst>
-          <pc:spChg chg="mod">
-            <ac:chgData name="William Thompson" userId="fa853bc974031eaf" providerId="LiveId" clId="{722E49B8-19C3-49B2-B7E3-ED1328E6F4DE}" dt="2018-11-22T23:53:41.533" v="7141" actId="207"/>
-            <ac:spMkLst>
-              <pc:docMk/>
-              <pc:sldMasterMk cId="550240014" sldId="2147483684"/>
-              <pc:sldLayoutMk cId="2040587021" sldId="2147483685"/>
-              <ac:spMk id="2" creationId="{00000000-0000-0000-0000-000000000000}"/>
-            </ac:spMkLst>
-          </pc:spChg>
-          <pc:spChg chg="add del">
-            <ac:chgData name="William Thompson" userId="fa853bc974031eaf" providerId="LiveId" clId="{722E49B8-19C3-49B2-B7E3-ED1328E6F4DE}" dt="2018-11-22T23:42:34.851" v="7002" actId="478"/>
-            <ac:spMkLst>
-              <pc:docMk/>
-              <pc:sldMasterMk cId="550240014" sldId="2147483684"/>
-              <pc:sldLayoutMk cId="2040587021" sldId="2147483685"/>
-              <ac:spMk id="7" creationId="{FCA677BD-8CA0-4616-8506-D9D92C51F251}"/>
-            </ac:spMkLst>
-          </pc:spChg>
-        </pc:sldLayoutChg>
-        <pc:sldLayoutChg chg="delSp modSp setBg">
-          <pc:chgData name="William Thompson" userId="fa853bc974031eaf" providerId="LiveId" clId="{722E49B8-19C3-49B2-B7E3-ED1328E6F4DE}" dt="2018-11-22T23:58:55.245" v="7285" actId="14100"/>
-          <pc:sldLayoutMkLst>
-            <pc:docMk/>
-            <pc:sldMasterMk cId="550240014" sldId="2147483684"/>
-            <pc:sldLayoutMk cId="373547374" sldId="2147483686"/>
-          </pc:sldLayoutMkLst>
-          <pc:spChg chg="mod">
-            <ac:chgData name="William Thompson" userId="fa853bc974031eaf" providerId="LiveId" clId="{722E49B8-19C3-49B2-B7E3-ED1328E6F4DE}" dt="2018-11-22T23:53:24.945" v="7120" actId="14100"/>
-            <ac:spMkLst>
-              <pc:docMk/>
-              <pc:sldMasterMk cId="550240014" sldId="2147483684"/>
-              <pc:sldLayoutMk cId="373547374" sldId="2147483686"/>
-              <ac:spMk id="2" creationId="{00000000-0000-0000-0000-000000000000}"/>
-            </ac:spMkLst>
-          </pc:spChg>
-          <pc:spChg chg="mod">
-            <ac:chgData name="William Thompson" userId="fa853bc974031eaf" providerId="LiveId" clId="{722E49B8-19C3-49B2-B7E3-ED1328E6F4DE}" dt="2018-11-22T23:58:55.245" v="7285" actId="14100"/>
-            <ac:spMkLst>
-              <pc:docMk/>
-              <pc:sldMasterMk cId="550240014" sldId="2147483684"/>
-              <pc:sldLayoutMk cId="373547374" sldId="2147483686"/>
-              <ac:spMk id="3" creationId="{00000000-0000-0000-0000-000000000000}"/>
-            </ac:spMkLst>
-          </pc:spChg>
-          <pc:spChg chg="del">
-            <ac:chgData name="William Thompson" userId="fa853bc974031eaf" providerId="LiveId" clId="{722E49B8-19C3-49B2-B7E3-ED1328E6F4DE}" dt="2018-11-22T23:58:51.011" v="7284" actId="478"/>
-            <ac:spMkLst>
-              <pc:docMk/>
-              <pc:sldMasterMk cId="550240014" sldId="2147483684"/>
-              <pc:sldLayoutMk cId="373547374" sldId="2147483686"/>
-              <ac:spMk id="4" creationId="{00000000-0000-0000-0000-000000000000}"/>
-            </ac:spMkLst>
-          </pc:spChg>
-          <pc:spChg chg="del">
-            <ac:chgData name="William Thompson" userId="fa853bc974031eaf" providerId="LiveId" clId="{722E49B8-19C3-49B2-B7E3-ED1328E6F4DE}" dt="2018-11-22T23:58:51.011" v="7284" actId="478"/>
-            <ac:spMkLst>
-              <pc:docMk/>
-              <pc:sldMasterMk cId="550240014" sldId="2147483684"/>
-              <pc:sldLayoutMk cId="373547374" sldId="2147483686"/>
-              <ac:spMk id="5" creationId="{00000000-0000-0000-0000-000000000000}"/>
-            </ac:spMkLst>
-          </pc:spChg>
-          <pc:spChg chg="del">
-            <ac:chgData name="William Thompson" userId="fa853bc974031eaf" providerId="LiveId" clId="{722E49B8-19C3-49B2-B7E3-ED1328E6F4DE}" dt="2018-11-22T23:58:51.011" v="7284" actId="478"/>
-            <ac:spMkLst>
-              <pc:docMk/>
-              <pc:sldMasterMk cId="550240014" sldId="2147483684"/>
-              <pc:sldLayoutMk cId="373547374" sldId="2147483686"/>
-              <ac:spMk id="6" creationId="{00000000-0000-0000-0000-000000000000}"/>
-            </ac:spMkLst>
-          </pc:spChg>
-        </pc:sldLayoutChg>
-        <pc:sldLayoutChg chg="setBg">
-          <pc:chgData name="William Thompson" userId="fa853bc974031eaf" providerId="LiveId" clId="{722E49B8-19C3-49B2-B7E3-ED1328E6F4DE}" dt="2018-11-22T23:04:15.802" v="6570"/>
-          <pc:sldLayoutMkLst>
-            <pc:docMk/>
-            <pc:sldMasterMk cId="550240014" sldId="2147483684"/>
-            <pc:sldLayoutMk cId="1502272561" sldId="2147483687"/>
-          </pc:sldLayoutMkLst>
-        </pc:sldLayoutChg>
-        <pc:sldLayoutChg chg="setBg">
-          <pc:chgData name="William Thompson" userId="fa853bc974031eaf" providerId="LiveId" clId="{722E49B8-19C3-49B2-B7E3-ED1328E6F4DE}" dt="2018-11-22T23:04:15.802" v="6570"/>
-          <pc:sldLayoutMkLst>
-            <pc:docMk/>
-            <pc:sldMasterMk cId="550240014" sldId="2147483684"/>
-            <pc:sldLayoutMk cId="1256801248" sldId="2147483688"/>
-          </pc:sldLayoutMkLst>
-        </pc:sldLayoutChg>
-        <pc:sldLayoutChg chg="setBg">
-          <pc:chgData name="William Thompson" userId="fa853bc974031eaf" providerId="LiveId" clId="{722E49B8-19C3-49B2-B7E3-ED1328E6F4DE}" dt="2018-11-22T23:04:15.802" v="6570"/>
-          <pc:sldLayoutMkLst>
-            <pc:docMk/>
-            <pc:sldMasterMk cId="550240014" sldId="2147483684"/>
-            <pc:sldLayoutMk cId="679165396" sldId="2147483689"/>
-          </pc:sldLayoutMkLst>
-        </pc:sldLayoutChg>
-        <pc:sldLayoutChg chg="setBg">
-          <pc:chgData name="William Thompson" userId="fa853bc974031eaf" providerId="LiveId" clId="{722E49B8-19C3-49B2-B7E3-ED1328E6F4DE}" dt="2018-11-22T23:04:15.802" v="6570"/>
-          <pc:sldLayoutMkLst>
-            <pc:docMk/>
-            <pc:sldMasterMk cId="550240014" sldId="2147483684"/>
-            <pc:sldLayoutMk cId="2008395756" sldId="2147483690"/>
-          </pc:sldLayoutMkLst>
-        </pc:sldLayoutChg>
-        <pc:sldLayoutChg chg="setBg">
-          <pc:chgData name="William Thompson" userId="fa853bc974031eaf" providerId="LiveId" clId="{722E49B8-19C3-49B2-B7E3-ED1328E6F4DE}" dt="2018-11-22T23:04:15.802" v="6570"/>
-          <pc:sldLayoutMkLst>
-            <pc:docMk/>
-            <pc:sldMasterMk cId="550240014" sldId="2147483684"/>
-            <pc:sldLayoutMk cId="3714785998" sldId="2147483691"/>
-          </pc:sldLayoutMkLst>
-        </pc:sldLayoutChg>
-        <pc:sldLayoutChg chg="setBg">
-          <pc:chgData name="William Thompson" userId="fa853bc974031eaf" providerId="LiveId" clId="{722E49B8-19C3-49B2-B7E3-ED1328E6F4DE}" dt="2018-11-22T23:04:15.802" v="6570"/>
-          <pc:sldLayoutMkLst>
-            <pc:docMk/>
-            <pc:sldMasterMk cId="550240014" sldId="2147483684"/>
-            <pc:sldLayoutMk cId="1113808575" sldId="2147483692"/>
-          </pc:sldLayoutMkLst>
-        </pc:sldLayoutChg>
-        <pc:sldLayoutChg chg="setBg">
-          <pc:chgData name="William Thompson" userId="fa853bc974031eaf" providerId="LiveId" clId="{722E49B8-19C3-49B2-B7E3-ED1328E6F4DE}" dt="2018-11-22T23:04:15.802" v="6570"/>
-          <pc:sldLayoutMkLst>
-            <pc:docMk/>
-            <pc:sldMasterMk cId="550240014" sldId="2147483684"/>
-            <pc:sldLayoutMk cId="3330027250" sldId="2147483693"/>
-          </pc:sldLayoutMkLst>
-        </pc:sldLayoutChg>
-        <pc:sldLayoutChg chg="modSp setBg">
-          <pc:chgData name="William Thompson" userId="fa853bc974031eaf" providerId="LiveId" clId="{722E49B8-19C3-49B2-B7E3-ED1328E6F4DE}" dt="2018-11-22T23:52:56.440" v="7097" actId="113"/>
-          <pc:sldLayoutMkLst>
-            <pc:docMk/>
-            <pc:sldMasterMk cId="550240014" sldId="2147483684"/>
-            <pc:sldLayoutMk cId="318814106" sldId="2147483694"/>
-          </pc:sldLayoutMkLst>
-          <pc:spChg chg="mod">
-            <ac:chgData name="William Thompson" userId="fa853bc974031eaf" providerId="LiveId" clId="{722E49B8-19C3-49B2-B7E3-ED1328E6F4DE}" dt="2018-11-22T23:52:56.440" v="7097" actId="113"/>
-            <ac:spMkLst>
-              <pc:docMk/>
-              <pc:sldMasterMk cId="550240014" sldId="2147483684"/>
-              <pc:sldLayoutMk cId="318814106" sldId="2147483694"/>
-              <ac:spMk id="2" creationId="{00000000-0000-0000-0000-000000000000}"/>
-            </ac:spMkLst>
-          </pc:spChg>
-        </pc:sldLayoutChg>
-        <pc:sldLayoutChg chg="setBg">
-          <pc:chgData name="William Thompson" userId="fa853bc974031eaf" providerId="LiveId" clId="{722E49B8-19C3-49B2-B7E3-ED1328E6F4DE}" dt="2018-11-22T23:04:15.802" v="6570"/>
-          <pc:sldLayoutMkLst>
-            <pc:docMk/>
-            <pc:sldMasterMk cId="550240014" sldId="2147483684"/>
-            <pc:sldLayoutMk cId="1499033870" sldId="2147483695"/>
-          </pc:sldLayoutMkLst>
-        </pc:sldLayoutChg>
-      </pc:sldMasterChg>
-      <pc:sldMasterChg chg="addSp modSldLayout">
-        <pc:chgData name="William Thompson" userId="fa853bc974031eaf" providerId="LiveId" clId="{722E49B8-19C3-49B2-B7E3-ED1328E6F4DE}" dt="2018-11-22T23:07:12.814" v="6601"/>
-        <pc:sldMasterMkLst>
-          <pc:docMk/>
-          <pc:sldMasterMk cId="6115606" sldId="2147483696"/>
-        </pc:sldMasterMkLst>
-        <pc:spChg chg="add">
-          <ac:chgData name="William Thompson" userId="fa853bc974031eaf" providerId="LiveId" clId="{722E49B8-19C3-49B2-B7E3-ED1328E6F4DE}" dt="2018-11-22T23:07:12.814" v="6601"/>
-          <ac:spMkLst>
-            <pc:docMk/>
-            <pc:sldMasterMk cId="6115606" sldId="2147483696"/>
-            <ac:spMk id="7" creationId="{1BDA6E4B-BAD2-4042-8073-52EE25E38103}"/>
-          </ac:spMkLst>
-        </pc:spChg>
-        <pc:sldLayoutChg chg="addSp">
-          <pc:chgData name="William Thompson" userId="fa853bc974031eaf" providerId="LiveId" clId="{722E49B8-19C3-49B2-B7E3-ED1328E6F4DE}" dt="2018-11-22T23:07:12.814" v="6601"/>
-          <pc:sldLayoutMkLst>
-            <pc:docMk/>
-            <pc:sldMasterMk cId="6115606" sldId="2147483696"/>
-            <pc:sldLayoutMk cId="535106811" sldId="2147483697"/>
-          </pc:sldLayoutMkLst>
-          <pc:spChg chg="add">
-            <ac:chgData name="William Thompson" userId="fa853bc974031eaf" providerId="LiveId" clId="{722E49B8-19C3-49B2-B7E3-ED1328E6F4DE}" dt="2018-11-22T23:07:12.814" v="6601"/>
-            <ac:spMkLst>
-              <pc:docMk/>
-              <pc:sldMasterMk cId="6115606" sldId="2147483696"/>
-              <pc:sldLayoutMk cId="535106811" sldId="2147483697"/>
-              <ac:spMk id="7" creationId="{4BB2A445-E501-4DC0-A686-10914CC78D03}"/>
-            </ac:spMkLst>
-          </pc:spChg>
-        </pc:sldLayoutChg>
-      </pc:sldMasterChg>
-      <pc:sldMasterChg chg="addSp modSldLayout">
-        <pc:chgData name="William Thompson" userId="fa853bc974031eaf" providerId="LiveId" clId="{722E49B8-19C3-49B2-B7E3-ED1328E6F4DE}" dt="2018-11-22T23:07:41.256" v="6621"/>
-        <pc:sldMasterMkLst>
-          <pc:docMk/>
-          <pc:sldMasterMk cId="494333778" sldId="2147483696"/>
-        </pc:sldMasterMkLst>
-        <pc:spChg chg="add">
-          <ac:chgData name="William Thompson" userId="fa853bc974031eaf" providerId="LiveId" clId="{722E49B8-19C3-49B2-B7E3-ED1328E6F4DE}" dt="2018-11-22T23:07:41.256" v="6621"/>
-          <ac:spMkLst>
-            <pc:docMk/>
-            <pc:sldMasterMk cId="494333778" sldId="2147483696"/>
-            <ac:spMk id="18" creationId="{6FFEF2AF-3835-4467-825F-AEB41A22A6E6}"/>
-          </ac:spMkLst>
-        </pc:spChg>
-        <pc:sldLayoutChg chg="addSp">
-          <pc:chgData name="William Thompson" userId="fa853bc974031eaf" providerId="LiveId" clId="{722E49B8-19C3-49B2-B7E3-ED1328E6F4DE}" dt="2018-11-22T23:07:41.256" v="6621"/>
-          <pc:sldLayoutMkLst>
-            <pc:docMk/>
-            <pc:sldMasterMk cId="494333778" sldId="2147483696"/>
-            <pc:sldLayoutMk cId="2825569865" sldId="2147483697"/>
-          </pc:sldLayoutMkLst>
-          <pc:spChg chg="add">
-            <ac:chgData name="William Thompson" userId="fa853bc974031eaf" providerId="LiveId" clId="{722E49B8-19C3-49B2-B7E3-ED1328E6F4DE}" dt="2018-11-22T23:07:41.256" v="6621"/>
-            <ac:spMkLst>
-              <pc:docMk/>
-              <pc:sldMasterMk cId="494333778" sldId="2147483696"/>
-              <pc:sldLayoutMk cId="2825569865" sldId="2147483697"/>
-              <ac:spMk id="26" creationId="{C619759B-071D-408D-A4DE-5B3C1BCFC042}"/>
-            </ac:spMkLst>
-          </pc:spChg>
-        </pc:sldLayoutChg>
-      </pc:sldMasterChg>
-      <pc:sldMasterChg chg="addSp modSldLayout">
-        <pc:chgData name="William Thompson" userId="fa853bc974031eaf" providerId="LiveId" clId="{722E49B8-19C3-49B2-B7E3-ED1328E6F4DE}" dt="2018-11-22T23:07:18.455" v="6602"/>
-        <pc:sldMasterMkLst>
-          <pc:docMk/>
-          <pc:sldMasterMk cId="725046711" sldId="2147483696"/>
-        </pc:sldMasterMkLst>
-        <pc:spChg chg="add">
-          <ac:chgData name="William Thompson" userId="fa853bc974031eaf" providerId="LiveId" clId="{722E49B8-19C3-49B2-B7E3-ED1328E6F4DE}" dt="2018-11-22T23:07:18.455" v="6602"/>
-          <ac:spMkLst>
-            <pc:docMk/>
-            <pc:sldMasterMk cId="725046711" sldId="2147483696"/>
-            <ac:spMk id="11" creationId="{4BB3C15C-CB7E-411B-BF72-B15EC35789E4}"/>
-          </ac:spMkLst>
-        </pc:spChg>
-        <pc:sldLayoutChg chg="addSp">
-          <pc:chgData name="William Thompson" userId="fa853bc974031eaf" providerId="LiveId" clId="{722E49B8-19C3-49B2-B7E3-ED1328E6F4DE}" dt="2018-11-22T23:07:18.455" v="6602"/>
-          <pc:sldLayoutMkLst>
-            <pc:docMk/>
-            <pc:sldMasterMk cId="725046711" sldId="2147483696"/>
-            <pc:sldLayoutMk cId="1951423336" sldId="2147483697"/>
-          </pc:sldLayoutMkLst>
-          <pc:spChg chg="add">
-            <ac:chgData name="William Thompson" userId="fa853bc974031eaf" providerId="LiveId" clId="{722E49B8-19C3-49B2-B7E3-ED1328E6F4DE}" dt="2018-11-22T23:07:18.455" v="6602"/>
-            <ac:spMkLst>
-              <pc:docMk/>
-              <pc:sldMasterMk cId="725046711" sldId="2147483696"/>
-              <pc:sldLayoutMk cId="1951423336" sldId="2147483697"/>
-              <ac:spMk id="8" creationId="{141D4FF6-E629-49FE-A853-7B85B0FFCA4B}"/>
-            </ac:spMkLst>
-          </pc:spChg>
-        </pc:sldLayoutChg>
-      </pc:sldMasterChg>
-      <pc:sldMasterChg chg="addSp modSldLayout">
-        <pc:chgData name="William Thompson" userId="fa853bc974031eaf" providerId="LiveId" clId="{722E49B8-19C3-49B2-B7E3-ED1328E6F4DE}" dt="2018-11-22T23:07:33.665" v="6612"/>
-        <pc:sldMasterMkLst>
-          <pc:docMk/>
-          <pc:sldMasterMk cId="3777666515" sldId="2147483696"/>
-        </pc:sldMasterMkLst>
-        <pc:spChg chg="add">
-          <ac:chgData name="William Thompson" userId="fa853bc974031eaf" providerId="LiveId" clId="{722E49B8-19C3-49B2-B7E3-ED1328E6F4DE}" dt="2018-11-22T23:07:33.665" v="6612"/>
-          <ac:spMkLst>
-            <pc:docMk/>
-            <pc:sldMasterMk cId="3777666515" sldId="2147483696"/>
-            <ac:spMk id="7" creationId="{FDC476BF-13AF-4B65-BAB2-30C9B36BC3DB}"/>
-          </ac:spMkLst>
-        </pc:spChg>
-        <pc:sldLayoutChg chg="addSp">
-          <pc:chgData name="William Thompson" userId="fa853bc974031eaf" providerId="LiveId" clId="{722E49B8-19C3-49B2-B7E3-ED1328E6F4DE}" dt="2018-11-22T23:07:33.665" v="6612"/>
-          <pc:sldLayoutMkLst>
-            <pc:docMk/>
-            <pc:sldMasterMk cId="3777666515" sldId="2147483696"/>
-            <pc:sldLayoutMk cId="3414324220" sldId="2147483697"/>
-          </pc:sldLayoutMkLst>
-          <pc:spChg chg="add">
-            <ac:chgData name="William Thompson" userId="fa853bc974031eaf" providerId="LiveId" clId="{722E49B8-19C3-49B2-B7E3-ED1328E6F4DE}" dt="2018-11-22T23:07:33.665" v="6612"/>
-            <ac:spMkLst>
-              <pc:docMk/>
-              <pc:sldMasterMk cId="3777666515" sldId="2147483696"/>
-              <pc:sldLayoutMk cId="3414324220" sldId="2147483697"/>
-              <ac:spMk id="7" creationId="{6F1B9F36-9015-4C9A-83CE-3A57A06EB423}"/>
-            </ac:spMkLst>
-          </pc:spChg>
-        </pc:sldLayoutChg>
-      </pc:sldMasterChg>
-      <pc:sldMasterChg chg="addSp modSldLayout">
-        <pc:chgData name="William Thompson" userId="fa853bc974031eaf" providerId="LiveId" clId="{722E49B8-19C3-49B2-B7E3-ED1328E6F4DE}" dt="2018-11-22T23:07:43.293" v="6628"/>
-        <pc:sldMasterMkLst>
-          <pc:docMk/>
-          <pc:sldMasterMk cId="467882399" sldId="2147483713"/>
-        </pc:sldMasterMkLst>
-        <pc:spChg chg="add">
-          <ac:chgData name="William Thompson" userId="fa853bc974031eaf" providerId="LiveId" clId="{722E49B8-19C3-49B2-B7E3-ED1328E6F4DE}" dt="2018-11-22T23:07:43.293" v="6628"/>
-          <ac:spMkLst>
-            <pc:docMk/>
-            <pc:sldMasterMk cId="467882399" sldId="2147483713"/>
-            <ac:spMk id="7" creationId="{72543BA8-AD07-4C97-A4CB-2313819E3BEB}"/>
-          </ac:spMkLst>
-        </pc:spChg>
-        <pc:sldLayoutChg chg="addSp">
-          <pc:chgData name="William Thompson" userId="fa853bc974031eaf" providerId="LiveId" clId="{722E49B8-19C3-49B2-B7E3-ED1328E6F4DE}" dt="2018-11-22T23:07:43.293" v="6628"/>
-          <pc:sldLayoutMkLst>
-            <pc:docMk/>
-            <pc:sldMasterMk cId="467882399" sldId="2147483713"/>
-            <pc:sldLayoutMk cId="941297926" sldId="2147483714"/>
-          </pc:sldLayoutMkLst>
-          <pc:spChg chg="add">
-            <ac:chgData name="William Thompson" userId="fa853bc974031eaf" providerId="LiveId" clId="{722E49B8-19C3-49B2-B7E3-ED1328E6F4DE}" dt="2018-11-22T23:07:43.293" v="6628"/>
-            <ac:spMkLst>
-              <pc:docMk/>
-              <pc:sldMasterMk cId="467882399" sldId="2147483713"/>
-              <pc:sldLayoutMk cId="941297926" sldId="2147483714"/>
-              <ac:spMk id="7" creationId="{34F47DA9-3FEA-41B7-95EE-97088865FFA8}"/>
-            </ac:spMkLst>
-          </pc:spChg>
-        </pc:sldLayoutChg>
-      </pc:sldMasterChg>
-    </pc:docChg>
   </pc:docChgLst>
 </pc:chgInfo>
 </file>
@@ -4463,7 +668,7 @@
           <a:p>
             <a:fld id="{8BCE3C20-E6C1-43A4-9552-694641340930}" type="slidenum">
               <a:rPr lang="en-US" smtClean="0"/>
-              <a:t>14</a:t>
+              <a:t>15</a:t>
             </a:fld>
             <a:endParaRPr lang="en-US"/>
           </a:p>
@@ -4547,7 +752,7 @@
           <a:p>
             <a:fld id="{8BCE3C20-E6C1-43A4-9552-694641340930}" type="slidenum">
               <a:rPr lang="en-US" smtClean="0"/>
-              <a:t>15</a:t>
+              <a:t>16</a:t>
             </a:fld>
             <a:endParaRPr lang="en-US"/>
           </a:p>
@@ -4631,7 +836,7 @@
           <a:p>
             <a:fld id="{8BCE3C20-E6C1-43A4-9552-694641340930}" type="slidenum">
               <a:rPr lang="en-US" smtClean="0"/>
-              <a:t>16</a:t>
+              <a:t>17</a:t>
             </a:fld>
             <a:endParaRPr lang="en-US"/>
           </a:p>
@@ -4725,7 +930,7 @@
           <a:p>
             <a:fld id="{8BCE3C20-E6C1-43A4-9552-694641340930}" type="slidenum">
               <a:rPr lang="en-US" smtClean="0"/>
-              <a:t>17</a:t>
+              <a:t>18</a:t>
             </a:fld>
             <a:endParaRPr lang="en-US"/>
           </a:p>
@@ -4819,7 +1024,7 @@
           <a:p>
             <a:fld id="{8BCE3C20-E6C1-43A4-9552-694641340930}" type="slidenum">
               <a:rPr lang="en-US" smtClean="0"/>
-              <a:t>18</a:t>
+              <a:t>19</a:t>
             </a:fld>
             <a:endParaRPr lang="en-US"/>
           </a:p>
@@ -4933,7 +1138,7 @@
           <a:p>
             <a:fld id="{8BCE3C20-E6C1-43A4-9552-694641340930}" type="slidenum">
               <a:rPr lang="en-US" smtClean="0"/>
-              <a:t>20</a:t>
+              <a:t>21</a:t>
             </a:fld>
             <a:endParaRPr lang="en-US"/>
           </a:p>
@@ -5047,7 +1252,7 @@
           <a:p>
             <a:fld id="{8BCE3C20-E6C1-43A4-9552-694641340930}" type="slidenum">
               <a:rPr lang="en-US" smtClean="0"/>
-              <a:t>21</a:t>
+              <a:t>22</a:t>
             </a:fld>
             <a:endParaRPr lang="en-US"/>
           </a:p>
@@ -5134,7 +1339,7 @@
           <a:p>
             <a:fld id="{8BCE3C20-E6C1-43A4-9552-694641340930}" type="slidenum">
               <a:rPr lang="en-US" smtClean="0"/>
-              <a:t>22</a:t>
+              <a:t>23</a:t>
             </a:fld>
             <a:endParaRPr lang="en-US"/>
           </a:p>
@@ -5218,7 +1423,7 @@
           <a:p>
             <a:fld id="{8BCE3C20-E6C1-43A4-9552-694641340930}" type="slidenum">
               <a:rPr lang="en-US" smtClean="0"/>
-              <a:t>23</a:t>
+              <a:t>24</a:t>
             </a:fld>
             <a:endParaRPr lang="en-US"/>
           </a:p>
@@ -5302,7 +1507,7 @@
           <a:p>
             <a:fld id="{8BCE3C20-E6C1-43A4-9552-694641340930}" type="slidenum">
               <a:rPr lang="en-US" smtClean="0"/>
-              <a:t>24</a:t>
+              <a:t>25</a:t>
             </a:fld>
             <a:endParaRPr lang="en-US"/>
           </a:p>
@@ -5442,7 +1647,7 @@
           <a:p>
             <a:fld id="{8BCE3C20-E6C1-43A4-9552-694641340930}" type="slidenum">
               <a:rPr lang="en-US" smtClean="0"/>
-              <a:t>5</a:t>
+              <a:t>6</a:t>
             </a:fld>
             <a:endParaRPr lang="en-US"/>
           </a:p>
@@ -5535,7 +1740,7 @@
           <a:p>
             <a:fld id="{8BCE3C20-E6C1-43A4-9552-694641340930}" type="slidenum">
               <a:rPr lang="en-US" smtClean="0"/>
-              <a:t>25</a:t>
+              <a:t>26</a:t>
             </a:fld>
             <a:endParaRPr lang="en-US"/>
           </a:p>
@@ -5622,7 +1827,7 @@
           <a:p>
             <a:fld id="{8BCE3C20-E6C1-43A4-9552-694641340930}" type="slidenum">
               <a:rPr lang="en-US" smtClean="0"/>
-              <a:t>27</a:t>
+              <a:t>28</a:t>
             </a:fld>
             <a:endParaRPr lang="en-US"/>
           </a:p>
@@ -5706,7 +1911,7 @@
           <a:p>
             <a:fld id="{8BCE3C20-E6C1-43A4-9552-694641340930}" type="slidenum">
               <a:rPr lang="en-US" smtClean="0"/>
-              <a:t>28</a:t>
+              <a:t>29</a:t>
             </a:fld>
             <a:endParaRPr lang="en-US"/>
           </a:p>
@@ -5790,7 +1995,7 @@
           <a:p>
             <a:fld id="{8BCE3C20-E6C1-43A4-9552-694641340930}" type="slidenum">
               <a:rPr lang="en-US" smtClean="0"/>
-              <a:t>29</a:t>
+              <a:t>30</a:t>
             </a:fld>
             <a:endParaRPr lang="en-US"/>
           </a:p>
@@ -5874,7 +2079,7 @@
           <a:p>
             <a:fld id="{8BCE3C20-E6C1-43A4-9552-694641340930}" type="slidenum">
               <a:rPr lang="en-US" smtClean="0"/>
-              <a:t>30</a:t>
+              <a:t>31</a:t>
             </a:fld>
             <a:endParaRPr lang="en-US"/>
           </a:p>
@@ -5958,7 +2163,7 @@
           <a:p>
             <a:fld id="{8BCE3C20-E6C1-43A4-9552-694641340930}" type="slidenum">
               <a:rPr lang="en-US" smtClean="0"/>
-              <a:t>31</a:t>
+              <a:t>32</a:t>
             </a:fld>
             <a:endParaRPr lang="en-US"/>
           </a:p>
@@ -6042,7 +2247,7 @@
           <a:p>
             <a:fld id="{8BCE3C20-E6C1-43A4-9552-694641340930}" type="slidenum">
               <a:rPr lang="en-US" smtClean="0"/>
-              <a:t>32</a:t>
+              <a:t>33</a:t>
             </a:fld>
             <a:endParaRPr lang="en-US"/>
           </a:p>
@@ -6126,7 +2331,7 @@
           <a:p>
             <a:fld id="{8BCE3C20-E6C1-43A4-9552-694641340930}" type="slidenum">
               <a:rPr lang="en-US" smtClean="0"/>
-              <a:t>33</a:t>
+              <a:t>34</a:t>
             </a:fld>
             <a:endParaRPr lang="en-US"/>
           </a:p>
@@ -6210,7 +2415,7 @@
           <a:p>
             <a:fld id="{8BCE3C20-E6C1-43A4-9552-694641340930}" type="slidenum">
               <a:rPr lang="en-US" smtClean="0"/>
-              <a:t>34</a:t>
+              <a:t>35</a:t>
             </a:fld>
             <a:endParaRPr lang="en-US"/>
           </a:p>
@@ -6349,7 +2554,7 @@
           <a:p>
             <a:fld id="{8BCE3C20-E6C1-43A4-9552-694641340930}" type="slidenum">
               <a:rPr lang="en-US" smtClean="0"/>
-              <a:t>35</a:t>
+              <a:t>36</a:t>
             </a:fld>
             <a:endParaRPr lang="en-US"/>
           </a:p>
@@ -6548,7 +2753,7 @@
           <a:p>
             <a:fld id="{8BCE3C20-E6C1-43A4-9552-694641340930}" type="slidenum">
               <a:rPr lang="en-US" smtClean="0"/>
-              <a:t>7</a:t>
+              <a:t>8</a:t>
             </a:fld>
             <a:endParaRPr lang="en-US"/>
           </a:p>
@@ -6558,6 +2763,284 @@
     <p:extLst>
       <p:ext uri="{BB962C8B-B14F-4D97-AF65-F5344CB8AC3E}">
         <p14:creationId xmlns:p14="http://schemas.microsoft.com/office/powerpoint/2010/main" val="2499719234"/>
+      </p:ext>
+    </p:extLst>
+  </p:cSld>
+  <p:clrMapOvr>
+    <a:masterClrMapping/>
+  </p:clrMapOvr>
+</p:notes>
+</file>
+
+<file path=ppt/notesSlides/notesSlide30.xml><?xml version="1.0" encoding="utf-8"?>
+<p:notes xmlns:a="http://schemas.openxmlformats.org/drawingml/2006/main" xmlns:r="http://schemas.openxmlformats.org/officeDocument/2006/relationships" xmlns:p="http://schemas.openxmlformats.org/presentationml/2006/main">
+  <p:cSld>
+    <p:spTree>
+      <p:nvGrpSpPr>
+        <p:cNvPr id="1" name=""/>
+        <p:cNvGrpSpPr/>
+        <p:nvPr/>
+      </p:nvGrpSpPr>
+      <p:grpSpPr>
+        <a:xfrm>
+          <a:off x="0" y="0"/>
+          <a:ext cx="0" cy="0"/>
+          <a:chOff x="0" y="0"/>
+          <a:chExt cx="0" cy="0"/>
+        </a:xfrm>
+      </p:grpSpPr>
+      <p:sp>
+        <p:nvSpPr>
+          <p:cNvPr id="2" name="Slide Image Placeholder 1"/>
+          <p:cNvSpPr>
+            <a:spLocks noGrp="1" noRot="1" noChangeAspect="1"/>
+          </p:cNvSpPr>
+          <p:nvPr>
+            <p:ph type="sldImg"/>
+          </p:nvPr>
+        </p:nvSpPr>
+        <p:spPr/>
+      </p:sp>
+      <p:sp>
+        <p:nvSpPr>
+          <p:cNvPr id="3" name="Notes Placeholder 2"/>
+          <p:cNvSpPr>
+            <a:spLocks noGrp="1"/>
+          </p:cNvSpPr>
+          <p:nvPr>
+            <p:ph type="body" idx="1"/>
+          </p:nvPr>
+        </p:nvSpPr>
+        <p:spPr/>
+        <p:txBody>
+          <a:bodyPr/>
+          <a:lstStyle/>
+          <a:p>
+            <a:endParaRPr lang="en-US" sz="4400" dirty="0"/>
+          </a:p>
+          <a:p>
+            <a:r>
+              <a:rPr lang="en-US" sz="4400" dirty="0"/>
+              <a:t>Uvic.syzygy.ca</a:t>
+            </a:r>
+          </a:p>
+          <a:p>
+            <a:endParaRPr lang="en-US" sz="4400" dirty="0"/>
+          </a:p>
+          <a:p>
+            <a:pPr marL="0" marR="0" lvl="0" indent="0" algn="l" defTabSz="914400" rtl="0" eaLnBrk="1" fontAlgn="auto" latinLnBrk="0" hangingPunct="1">
+              <a:lnSpc>
+                <a:spcPct val="100000"/>
+              </a:lnSpc>
+              <a:spcBef>
+                <a:spcPts val="0"/>
+              </a:spcBef>
+              <a:spcAft>
+                <a:spcPts val="0"/>
+              </a:spcAft>
+              <a:buClrTx/>
+              <a:buSzTx/>
+              <a:buFontTx/>
+              <a:buNone/>
+              <a:tabLst/>
+              <a:defRPr/>
+            </a:pPr>
+            <a:r>
+              <a:rPr lang="en-US" sz="4400" b="1" dirty="0">
+                <a:solidFill>
+                  <a:schemeClr val="accent6">
+                    <a:lumMod val="75000"/>
+                  </a:schemeClr>
+                </a:solidFill>
+                <a:latin typeface="Courier New" panose="02070309020205020404" pitchFamily="49" charset="0"/>
+                <a:ea typeface="Cambria" panose="02040503050406030204" pitchFamily="18" charset="0"/>
+                <a:cs typeface="Courier New" panose="02070309020205020404" pitchFamily="49" charset="0"/>
+                <a:hlinkClick r:id="rId3"/>
+              </a:rPr>
+              <a:t>bit.ly/2ScFewN</a:t>
+            </a:r>
+            <a:endParaRPr lang="en-US" sz="4400" b="1" dirty="0">
+              <a:solidFill>
+                <a:schemeClr val="accent6">
+                  <a:lumMod val="75000"/>
+                </a:schemeClr>
+              </a:solidFill>
+              <a:latin typeface="Courier New" panose="02070309020205020404" pitchFamily="49" charset="0"/>
+              <a:ea typeface="Cambria" panose="02040503050406030204" pitchFamily="18" charset="0"/>
+              <a:cs typeface="Courier New" panose="02070309020205020404" pitchFamily="49" charset="0"/>
+            </a:endParaRPr>
+          </a:p>
+          <a:p>
+            <a:endParaRPr lang="en-US" sz="2800" dirty="0"/>
+          </a:p>
+        </p:txBody>
+      </p:sp>
+      <p:sp>
+        <p:nvSpPr>
+          <p:cNvPr id="4" name="Slide Number Placeholder 3"/>
+          <p:cNvSpPr>
+            <a:spLocks noGrp="1"/>
+          </p:cNvSpPr>
+          <p:nvPr>
+            <p:ph type="sldNum" sz="quarter" idx="5"/>
+          </p:nvPr>
+        </p:nvSpPr>
+        <p:spPr/>
+        <p:txBody>
+          <a:bodyPr/>
+          <a:lstStyle/>
+          <a:p>
+            <a:fld id="{8BCE3C20-E6C1-43A4-9552-694641340930}" type="slidenum">
+              <a:rPr lang="en-US" smtClean="0"/>
+              <a:t>38</a:t>
+            </a:fld>
+            <a:endParaRPr lang="en-US"/>
+          </a:p>
+        </p:txBody>
+      </p:sp>
+    </p:spTree>
+    <p:extLst>
+      <p:ext uri="{BB962C8B-B14F-4D97-AF65-F5344CB8AC3E}">
+        <p14:creationId xmlns:p14="http://schemas.microsoft.com/office/powerpoint/2010/main" val="2180228152"/>
+      </p:ext>
+    </p:extLst>
+  </p:cSld>
+  <p:clrMapOvr>
+    <a:masterClrMapping/>
+  </p:clrMapOvr>
+</p:notes>
+</file>
+
+<file path=ppt/notesSlides/notesSlide31.xml><?xml version="1.0" encoding="utf-8"?>
+<p:notes xmlns:a="http://schemas.openxmlformats.org/drawingml/2006/main" xmlns:r="http://schemas.openxmlformats.org/officeDocument/2006/relationships" xmlns:p="http://schemas.openxmlformats.org/presentationml/2006/main">
+  <p:cSld>
+    <p:spTree>
+      <p:nvGrpSpPr>
+        <p:cNvPr id="1" name=""/>
+        <p:cNvGrpSpPr/>
+        <p:nvPr/>
+      </p:nvGrpSpPr>
+      <p:grpSpPr>
+        <a:xfrm>
+          <a:off x="0" y="0"/>
+          <a:ext cx="0" cy="0"/>
+          <a:chOff x="0" y="0"/>
+          <a:chExt cx="0" cy="0"/>
+        </a:xfrm>
+      </p:grpSpPr>
+      <p:sp>
+        <p:nvSpPr>
+          <p:cNvPr id="2" name="Slide Image Placeholder 1"/>
+          <p:cNvSpPr>
+            <a:spLocks noGrp="1" noRot="1" noChangeAspect="1"/>
+          </p:cNvSpPr>
+          <p:nvPr>
+            <p:ph type="sldImg"/>
+          </p:nvPr>
+        </p:nvSpPr>
+        <p:spPr/>
+      </p:sp>
+      <p:sp>
+        <p:nvSpPr>
+          <p:cNvPr id="3" name="Notes Placeholder 2"/>
+          <p:cNvSpPr>
+            <a:spLocks noGrp="1"/>
+          </p:cNvSpPr>
+          <p:nvPr>
+            <p:ph type="body" idx="1"/>
+          </p:nvPr>
+        </p:nvSpPr>
+        <p:spPr/>
+        <p:txBody>
+          <a:bodyPr/>
+          <a:lstStyle/>
+          <a:p>
+            <a:endParaRPr lang="en-US" sz="4400" dirty="0"/>
+          </a:p>
+          <a:p>
+            <a:r>
+              <a:rPr lang="en-US" sz="4400" dirty="0"/>
+              <a:t>Uvic.syzygy.ca</a:t>
+            </a:r>
+          </a:p>
+          <a:p>
+            <a:endParaRPr lang="en-US" sz="4400" dirty="0"/>
+          </a:p>
+          <a:p>
+            <a:pPr marL="0" marR="0" lvl="0" indent="0" algn="l" defTabSz="914400" rtl="0" eaLnBrk="1" fontAlgn="auto" latinLnBrk="0" hangingPunct="1">
+              <a:lnSpc>
+                <a:spcPct val="100000"/>
+              </a:lnSpc>
+              <a:spcBef>
+                <a:spcPts val="0"/>
+              </a:spcBef>
+              <a:spcAft>
+                <a:spcPts val="0"/>
+              </a:spcAft>
+              <a:buClrTx/>
+              <a:buSzTx/>
+              <a:buFontTx/>
+              <a:buNone/>
+              <a:tabLst/>
+              <a:defRPr/>
+            </a:pPr>
+            <a:r>
+              <a:rPr lang="en-US" sz="4400" b="1" dirty="0">
+                <a:solidFill>
+                  <a:schemeClr val="accent6">
+                    <a:lumMod val="75000"/>
+                  </a:schemeClr>
+                </a:solidFill>
+                <a:latin typeface="Courier New" panose="02070309020205020404" pitchFamily="49" charset="0"/>
+                <a:ea typeface="Cambria" panose="02040503050406030204" pitchFamily="18" charset="0"/>
+                <a:cs typeface="Courier New" panose="02070309020205020404" pitchFamily="49" charset="0"/>
+                <a:hlinkClick r:id="rId3"/>
+              </a:rPr>
+              <a:t>bit.ly/2ScFewN</a:t>
+            </a:r>
+            <a:endParaRPr lang="en-US" sz="4400" b="1" dirty="0">
+              <a:solidFill>
+                <a:schemeClr val="accent6">
+                  <a:lumMod val="75000"/>
+                </a:schemeClr>
+              </a:solidFill>
+              <a:latin typeface="Courier New" panose="02070309020205020404" pitchFamily="49" charset="0"/>
+              <a:ea typeface="Cambria" panose="02040503050406030204" pitchFamily="18" charset="0"/>
+              <a:cs typeface="Courier New" panose="02070309020205020404" pitchFamily="49" charset="0"/>
+            </a:endParaRPr>
+          </a:p>
+          <a:p>
+            <a:endParaRPr lang="en-US" sz="2800" dirty="0"/>
+          </a:p>
+        </p:txBody>
+      </p:sp>
+      <p:sp>
+        <p:nvSpPr>
+          <p:cNvPr id="4" name="Slide Number Placeholder 3"/>
+          <p:cNvSpPr>
+            <a:spLocks noGrp="1"/>
+          </p:cNvSpPr>
+          <p:nvPr>
+            <p:ph type="sldNum" sz="quarter" idx="5"/>
+          </p:nvPr>
+        </p:nvSpPr>
+        <p:spPr/>
+        <p:txBody>
+          <a:bodyPr/>
+          <a:lstStyle/>
+          <a:p>
+            <a:fld id="{8BCE3C20-E6C1-43A4-9552-694641340930}" type="slidenum">
+              <a:rPr lang="en-US" smtClean="0"/>
+              <a:t>39</a:t>
+            </a:fld>
+            <a:endParaRPr lang="en-US"/>
+          </a:p>
+        </p:txBody>
+      </p:sp>
+    </p:spTree>
+    <p:extLst>
+      <p:ext uri="{BB962C8B-B14F-4D97-AF65-F5344CB8AC3E}">
+        <p14:creationId xmlns:p14="http://schemas.microsoft.com/office/powerpoint/2010/main" val="3072710981"/>
       </p:ext>
     </p:extLst>
   </p:cSld>
@@ -6632,7 +3115,7 @@
           <a:p>
             <a:fld id="{8BCE3C20-E6C1-43A4-9552-694641340930}" type="slidenum">
               <a:rPr lang="en-US" smtClean="0"/>
-              <a:t>8</a:t>
+              <a:t>9</a:t>
             </a:fld>
             <a:endParaRPr lang="en-US"/>
           </a:p>
@@ -6722,7 +3205,7 @@
           <a:p>
             <a:fld id="{8BCE3C20-E6C1-43A4-9552-694641340930}" type="slidenum">
               <a:rPr lang="en-US" smtClean="0"/>
-              <a:t>9</a:t>
+              <a:t>10</a:t>
             </a:fld>
             <a:endParaRPr lang="en-US"/>
           </a:p>
@@ -6812,7 +3295,7 @@
           <a:p>
             <a:fld id="{8BCE3C20-E6C1-43A4-9552-694641340930}" type="slidenum">
               <a:rPr lang="en-US" smtClean="0"/>
-              <a:t>10</a:t>
+              <a:t>11</a:t>
             </a:fld>
             <a:endParaRPr lang="en-US"/>
           </a:p>
@@ -6896,7 +3379,7 @@
           <a:p>
             <a:fld id="{8BCE3C20-E6C1-43A4-9552-694641340930}" type="slidenum">
               <a:rPr lang="en-US" smtClean="0"/>
-              <a:t>11</a:t>
+              <a:t>12</a:t>
             </a:fld>
             <a:endParaRPr lang="en-US"/>
           </a:p>
@@ -6980,7 +3463,7 @@
           <a:p>
             <a:fld id="{8BCE3C20-E6C1-43A4-9552-694641340930}" type="slidenum">
               <a:rPr lang="en-US" smtClean="0"/>
-              <a:t>12</a:t>
+              <a:t>13</a:t>
             </a:fld>
             <a:endParaRPr lang="en-US"/>
           </a:p>
@@ -7064,7 +3547,7 @@
           <a:p>
             <a:fld id="{8BCE3C20-E6C1-43A4-9552-694641340930}" type="slidenum">
               <a:rPr lang="en-US" smtClean="0"/>
-              <a:t>13</a:t>
+              <a:t>14</a:t>
             </a:fld>
             <a:endParaRPr lang="en-US"/>
           </a:p>
@@ -10080,6 +6563,169 @@
             <p:ph type="title"/>
           </p:nvPr>
         </p:nvSpPr>
+        <p:spPr/>
+        <p:txBody>
+          <a:bodyPr>
+            <a:normAutofit/>
+          </a:bodyPr>
+          <a:lstStyle/>
+          <a:p>
+            <a:r>
+              <a:rPr lang="en-US" sz="3200" dirty="0">
+                <a:solidFill>
+                  <a:srgbClr val="E7E6E6">
+                    <a:lumMod val="50000"/>
+                  </a:srgbClr>
+                </a:solidFill>
+                <a:ea typeface="Cambria" panose="02040503050406030204" pitchFamily="18" charset="0"/>
+              </a:rPr>
+              <a:t>Topic 1</a:t>
+            </a:r>
+            <a:br>
+              <a:rPr lang="en-US" dirty="0">
+                <a:solidFill>
+                  <a:prstClr val="black"/>
+                </a:solidFill>
+                <a:ea typeface="Cambria" panose="02040503050406030204" pitchFamily="18" charset="0"/>
+              </a:rPr>
+            </a:br>
+            <a:r>
+              <a:rPr lang="en-US" dirty="0">
+                <a:solidFill>
+                  <a:srgbClr val="5B9BD5">
+                    <a:lumMod val="75000"/>
+                  </a:srgbClr>
+                </a:solidFill>
+                <a:ea typeface="Cambria" panose="02040503050406030204" pitchFamily="18" charset="0"/>
+              </a:rPr>
+              <a:t>Data Structures</a:t>
+            </a:r>
+            <a:endParaRPr lang="en-US" sz="4800" dirty="0">
+              <a:solidFill>
+                <a:schemeClr val="bg1"/>
+              </a:solidFill>
+            </a:endParaRPr>
+          </a:p>
+        </p:txBody>
+      </p:sp>
+      <p:sp>
+        <p:nvSpPr>
+          <p:cNvPr id="6" name="Text Placeholder 5">
+            <a:extLst>
+              <a:ext uri="{FF2B5EF4-FFF2-40B4-BE49-F238E27FC236}">
+                <a16:creationId xmlns:a16="http://schemas.microsoft.com/office/drawing/2014/main" id="{07D384C6-7A31-4EBF-AE74-659F837E76C1}"/>
+              </a:ext>
+            </a:extLst>
+          </p:cNvPr>
+          <p:cNvSpPr>
+            <a:spLocks noGrp="1"/>
+          </p:cNvSpPr>
+          <p:nvPr>
+            <p:ph type="body" idx="1"/>
+          </p:nvPr>
+        </p:nvSpPr>
+        <p:spPr/>
+        <p:txBody>
+          <a:bodyPr/>
+          <a:lstStyle/>
+          <a:p>
+            <a:endParaRPr lang="en-US" dirty="0"/>
+          </a:p>
+        </p:txBody>
+      </p:sp>
+      <p:pic>
+        <p:nvPicPr>
+          <p:cNvPr id="7" name="Picture 6">
+            <a:extLst>
+              <a:ext uri="{FF2B5EF4-FFF2-40B4-BE49-F238E27FC236}">
+                <a16:creationId xmlns:a16="http://schemas.microsoft.com/office/drawing/2014/main" id="{8BE2BEE9-F689-447A-818E-36F27C02E8C4}"/>
+              </a:ext>
+            </a:extLst>
+          </p:cNvPr>
+          <p:cNvPicPr>
+            <a:picLocks noChangeAspect="1"/>
+          </p:cNvPicPr>
+          <p:nvPr/>
+        </p:nvPicPr>
+        <p:blipFill rotWithShape="1">
+          <a:blip r:embed="rId3">
+            <a:extLst>
+              <a:ext uri="{BEBA8EAE-BF5A-486C-A8C5-ECC9F3942E4B}">
+                <a14:imgProps xmlns:a14="http://schemas.microsoft.com/office/drawing/2010/main">
+                  <a14:imgLayer r:embed="rId4">
+                    <a14:imgEffect>
+                      <a14:brightnessContrast bright="20000" contrast="-40000"/>
+                    </a14:imgEffect>
+                  </a14:imgLayer>
+                </a14:imgProps>
+              </a:ext>
+              <a:ext uri="{28A0092B-C50C-407E-A947-70E740481C1C}">
+                <a14:useLocalDpi xmlns:a14="http://schemas.microsoft.com/office/drawing/2010/main" val="0"/>
+              </a:ext>
+            </a:extLst>
+          </a:blip>
+          <a:srcRect l="24825" t="18956" r="25491" b="36330"/>
+          <a:stretch/>
+        </p:blipFill>
+        <p:spPr>
+          <a:xfrm>
+            <a:off x="198437" y="768349"/>
+            <a:ext cx="4969163" cy="2211478"/>
+          </a:xfrm>
+          <a:prstGeom prst="rect">
+            <a:avLst/>
+          </a:prstGeom>
+        </p:spPr>
+      </p:pic>
+    </p:spTree>
+    <p:extLst>
+      <p:ext uri="{BB962C8B-B14F-4D97-AF65-F5344CB8AC3E}">
+        <p14:creationId xmlns:p14="http://schemas.microsoft.com/office/powerpoint/2010/main" val="3896416850"/>
+      </p:ext>
+    </p:extLst>
+  </p:cSld>
+  <p:clrMapOvr>
+    <a:masterClrMapping/>
+  </p:clrMapOvr>
+  <p:transition spd="slow">
+    <p:push dir="u"/>
+  </p:transition>
+</p:sld>
+</file>
+
+<file path=ppt/slides/slide11.xml><?xml version="1.0" encoding="utf-8"?>
+<p:sld xmlns:a="http://schemas.openxmlformats.org/drawingml/2006/main" xmlns:r="http://schemas.openxmlformats.org/officeDocument/2006/relationships" xmlns:p="http://schemas.openxmlformats.org/presentationml/2006/main">
+  <p:cSld>
+    <p:spTree>
+      <p:nvGrpSpPr>
+        <p:cNvPr id="1" name=""/>
+        <p:cNvGrpSpPr/>
+        <p:nvPr/>
+      </p:nvGrpSpPr>
+      <p:grpSpPr>
+        <a:xfrm>
+          <a:off x="0" y="0"/>
+          <a:ext cx="0" cy="0"/>
+          <a:chOff x="0" y="0"/>
+          <a:chExt cx="0" cy="0"/>
+        </a:xfrm>
+      </p:grpSpPr>
+      <p:sp>
+        <p:nvSpPr>
+          <p:cNvPr id="2" name="Title 1">
+            <a:extLst>
+              <a:ext uri="{FF2B5EF4-FFF2-40B4-BE49-F238E27FC236}">
+                <a16:creationId xmlns:a16="http://schemas.microsoft.com/office/drawing/2014/main" id="{0D53B860-A63D-4129-89D7-9BAD17BA6B66}"/>
+              </a:ext>
+            </a:extLst>
+          </p:cNvPr>
+          <p:cNvSpPr>
+            <a:spLocks noGrp="1"/>
+          </p:cNvSpPr>
+          <p:nvPr>
+            <p:ph type="title"/>
+          </p:nvPr>
+        </p:nvSpPr>
         <p:spPr>
           <a:xfrm>
             <a:off x="628650" y="365126"/>
@@ -10381,7 +7027,7 @@
 </p:sld>
 </file>
 
-<file path=ppt/slides/slide11.xml><?xml version="1.0" encoding="utf-8"?>
+<file path=ppt/slides/slide12.xml><?xml version="1.0" encoding="utf-8"?>
 <p:sld xmlns:a="http://schemas.openxmlformats.org/drawingml/2006/main" xmlns:r="http://schemas.openxmlformats.org/officeDocument/2006/relationships" xmlns:p="http://schemas.openxmlformats.org/presentationml/2006/main">
   <p:cSld>
     <p:spTree>
@@ -10673,7 +7319,7 @@
 </p:sld>
 </file>
 
-<file path=ppt/slides/slide12.xml><?xml version="1.0" encoding="utf-8"?>
+<file path=ppt/slides/slide13.xml><?xml version="1.0" encoding="utf-8"?>
 <p:sld xmlns:a="http://schemas.openxmlformats.org/drawingml/2006/main" xmlns:r="http://schemas.openxmlformats.org/officeDocument/2006/relationships" xmlns:p="http://schemas.openxmlformats.org/presentationml/2006/main">
   <p:cSld>
     <p:spTree>
@@ -10864,7 +7510,7 @@
 </p:sld>
 </file>
 
-<file path=ppt/slides/slide13.xml><?xml version="1.0" encoding="utf-8"?>
+<file path=ppt/slides/slide14.xml><?xml version="1.0" encoding="utf-8"?>
 <p:sld xmlns:a="http://schemas.openxmlformats.org/drawingml/2006/main" xmlns:r="http://schemas.openxmlformats.org/officeDocument/2006/relationships" xmlns:p="http://schemas.openxmlformats.org/presentationml/2006/main">
   <p:cSld>
     <p:spTree>
@@ -11085,7 +7731,7 @@
 </p:sld>
 </file>
 
-<file path=ppt/slides/slide14.xml><?xml version="1.0" encoding="utf-8"?>
+<file path=ppt/slides/slide15.xml><?xml version="1.0" encoding="utf-8"?>
 <p:sld xmlns:a="http://schemas.openxmlformats.org/drawingml/2006/main" xmlns:r="http://schemas.openxmlformats.org/officeDocument/2006/relationships" xmlns:p="http://schemas.openxmlformats.org/presentationml/2006/main">
   <p:cSld>
     <p:spTree>
@@ -11310,7 +7956,7 @@
 </p:sld>
 </file>
 
-<file path=ppt/slides/slide15.xml><?xml version="1.0" encoding="utf-8"?>
+<file path=ppt/slides/slide16.xml><?xml version="1.0" encoding="utf-8"?>
 <p:sld xmlns:a="http://schemas.openxmlformats.org/drawingml/2006/main" xmlns:r="http://schemas.openxmlformats.org/officeDocument/2006/relationships" xmlns:p="http://schemas.openxmlformats.org/presentationml/2006/main">
   <p:cSld>
     <p:spTree>
@@ -11486,7 +8132,7 @@
 </p:sld>
 </file>
 
-<file path=ppt/slides/slide16.xml><?xml version="1.0" encoding="utf-8"?>
+<file path=ppt/slides/slide17.xml><?xml version="1.0" encoding="utf-8"?>
 <p:sld xmlns:a="http://schemas.openxmlformats.org/drawingml/2006/main" xmlns:r="http://schemas.openxmlformats.org/officeDocument/2006/relationships" xmlns:p="http://schemas.openxmlformats.org/presentationml/2006/main">
   <p:cSld>
     <p:spTree>
@@ -11770,7 +8416,7 @@
 </p:sld>
 </file>
 
-<file path=ppt/slides/slide17.xml><?xml version="1.0" encoding="utf-8"?>
+<file path=ppt/slides/slide18.xml><?xml version="1.0" encoding="utf-8"?>
 <p:sld xmlns:a="http://schemas.openxmlformats.org/drawingml/2006/main" xmlns:r="http://schemas.openxmlformats.org/officeDocument/2006/relationships" xmlns:p="http://schemas.openxmlformats.org/presentationml/2006/main">
   <p:cSld>
     <p:spTree>
@@ -12067,7 +8713,7 @@
 </p:sld>
 </file>
 
-<file path=ppt/slides/slide18.xml><?xml version="1.0" encoding="utf-8"?>
+<file path=ppt/slides/slide19.xml><?xml version="1.0" encoding="utf-8"?>
 <p:sld xmlns:a="http://schemas.openxmlformats.org/drawingml/2006/main" xmlns:r="http://schemas.openxmlformats.org/officeDocument/2006/relationships" xmlns:p="http://schemas.openxmlformats.org/presentationml/2006/main">
   <p:cSld>
     <p:spTree>
@@ -12194,7 +8840,209 @@
 </p:sld>
 </file>
 
-<file path=ppt/slides/slide19.xml><?xml version="1.0" encoding="utf-8"?>
+<file path=ppt/slides/slide2.xml><?xml version="1.0" encoding="utf-8"?>
+<p:sld xmlns:a="http://schemas.openxmlformats.org/drawingml/2006/main" xmlns:r="http://schemas.openxmlformats.org/officeDocument/2006/relationships" xmlns:p="http://schemas.openxmlformats.org/presentationml/2006/main">
+  <p:cSld>
+    <p:spTree>
+      <p:nvGrpSpPr>
+        <p:cNvPr id="1" name=""/>
+        <p:cNvGrpSpPr/>
+        <p:nvPr/>
+      </p:nvGrpSpPr>
+      <p:grpSpPr>
+        <a:xfrm>
+          <a:off x="0" y="0"/>
+          <a:ext cx="0" cy="0"/>
+          <a:chOff x="0" y="0"/>
+          <a:chExt cx="0" cy="0"/>
+        </a:xfrm>
+      </p:grpSpPr>
+      <p:sp>
+        <p:nvSpPr>
+          <p:cNvPr id="2" name="Title 1">
+            <a:extLst>
+              <a:ext uri="{FF2B5EF4-FFF2-40B4-BE49-F238E27FC236}">
+                <a16:creationId xmlns:a16="http://schemas.microsoft.com/office/drawing/2014/main" id="{92E369FC-1C3B-4771-A6E0-107FE61E2513}"/>
+              </a:ext>
+            </a:extLst>
+          </p:cNvPr>
+          <p:cNvSpPr>
+            <a:spLocks noGrp="1"/>
+          </p:cNvSpPr>
+          <p:nvPr>
+            <p:ph type="title"/>
+          </p:nvPr>
+        </p:nvSpPr>
+        <p:spPr/>
+        <p:txBody>
+          <a:bodyPr/>
+          <a:lstStyle/>
+          <a:p>
+            <a:r>
+              <a:rPr lang="en-US" b="1" dirty="0">
+                <a:latin typeface="+mn-lt"/>
+                <a:ea typeface="Verdana" panose="020B0604030504040204" pitchFamily="34" charset="0"/>
+                <a:cs typeface="Arial" panose="020B0604020202020204" pitchFamily="34" charset="0"/>
+              </a:rPr>
+              <a:t>Topics</a:t>
+            </a:r>
+          </a:p>
+        </p:txBody>
+      </p:sp>
+      <p:sp>
+        <p:nvSpPr>
+          <p:cNvPr id="3" name="Content Placeholder 2">
+            <a:extLst>
+              <a:ext uri="{FF2B5EF4-FFF2-40B4-BE49-F238E27FC236}">
+                <a16:creationId xmlns:a16="http://schemas.microsoft.com/office/drawing/2014/main" id="{A8CA56B2-C12D-42F3-A4E1-395CB6CEBECC}"/>
+              </a:ext>
+            </a:extLst>
+          </p:cNvPr>
+          <p:cNvSpPr>
+            <a:spLocks noGrp="1"/>
+          </p:cNvSpPr>
+          <p:nvPr>
+            <p:ph idx="1"/>
+          </p:nvPr>
+        </p:nvSpPr>
+        <p:spPr>
+          <a:xfrm>
+            <a:off x="628650" y="1386038"/>
+            <a:ext cx="7886700" cy="5332395"/>
+          </a:xfrm>
+        </p:spPr>
+        <p:txBody>
+          <a:bodyPr>
+            <a:normAutofit/>
+          </a:bodyPr>
+          <a:lstStyle/>
+          <a:p>
+            <a:pPr marL="0" indent="0">
+              <a:buNone/>
+            </a:pPr>
+            <a:r>
+              <a:rPr lang="en-US" sz="3600" dirty="0">
+                <a:ea typeface="Cambria" panose="02040503050406030204" pitchFamily="18" charset="0"/>
+              </a:rPr>
+              <a:t>Prelude </a:t>
+            </a:r>
+            <a:endParaRPr lang="en-US" sz="3600" dirty="0">
+              <a:solidFill>
+                <a:schemeClr val="bg1"/>
+              </a:solidFill>
+              <a:ea typeface="Cambria" panose="02040503050406030204" pitchFamily="18" charset="0"/>
+            </a:endParaRPr>
+          </a:p>
+          <a:p>
+            <a:pPr marL="0" indent="0">
+              <a:buNone/>
+            </a:pPr>
+            <a:r>
+              <a:rPr lang="en-US" sz="3600" dirty="0">
+                <a:solidFill>
+                  <a:schemeClr val="bg1"/>
+                </a:solidFill>
+                <a:ea typeface="Cambria" panose="02040503050406030204" pitchFamily="18" charset="0"/>
+              </a:rPr>
+              <a:t>Data structures</a:t>
+            </a:r>
+          </a:p>
+          <a:p>
+            <a:pPr marL="0" indent="0">
+              <a:buNone/>
+            </a:pPr>
+            <a:r>
+              <a:rPr lang="en-US" sz="3600" dirty="0">
+                <a:solidFill>
+                  <a:schemeClr val="bg1"/>
+                </a:solidFill>
+                <a:ea typeface="Cambria" panose="02040503050406030204" pitchFamily="18" charset="0"/>
+              </a:rPr>
+              <a:t>Iterators</a:t>
+            </a:r>
+          </a:p>
+          <a:p>
+            <a:pPr marL="0" indent="0">
+              <a:buNone/>
+            </a:pPr>
+            <a:r>
+              <a:rPr lang="en-US" sz="3600" dirty="0">
+                <a:solidFill>
+                  <a:schemeClr val="bg1"/>
+                </a:solidFill>
+                <a:ea typeface="Cambria" panose="02040503050406030204" pitchFamily="18" charset="0"/>
+              </a:rPr>
+              <a:t>Functions</a:t>
+            </a:r>
+          </a:p>
+          <a:p>
+            <a:pPr marL="0" indent="0">
+              <a:buNone/>
+            </a:pPr>
+            <a:r>
+              <a:rPr lang="en-US" sz="3600" b="1" dirty="0">
+                <a:solidFill>
+                  <a:schemeClr val="accent6">
+                    <a:lumMod val="75000"/>
+                  </a:schemeClr>
+                </a:solidFill>
+                <a:ea typeface="Cambria" panose="02040503050406030204" pitchFamily="18" charset="0"/>
+              </a:rPr>
+              <a:t>Exercises</a:t>
+            </a:r>
+            <a:endParaRPr lang="en-US" sz="3600" dirty="0">
+              <a:solidFill>
+                <a:schemeClr val="bg1"/>
+              </a:solidFill>
+              <a:ea typeface="Cambria" panose="02040503050406030204" pitchFamily="18" charset="0"/>
+            </a:endParaRPr>
+          </a:p>
+          <a:p>
+            <a:pPr marL="0" indent="0">
+              <a:buNone/>
+            </a:pPr>
+            <a:r>
+              <a:rPr lang="en-US" sz="3600" dirty="0">
+                <a:ea typeface="Cambria" panose="02040503050406030204" pitchFamily="18" charset="0"/>
+              </a:rPr>
+              <a:t>Plotting</a:t>
+            </a:r>
+          </a:p>
+          <a:p>
+            <a:pPr marL="0" indent="0">
+              <a:buNone/>
+            </a:pPr>
+            <a:r>
+              <a:rPr lang="en-US" sz="3600" b="1" dirty="0">
+                <a:solidFill>
+                  <a:schemeClr val="accent6">
+                    <a:lumMod val="75000"/>
+                  </a:schemeClr>
+                </a:solidFill>
+                <a:ea typeface="Cambria" panose="02040503050406030204" pitchFamily="18" charset="0"/>
+              </a:rPr>
+              <a:t>Exercises</a:t>
+            </a:r>
+            <a:endParaRPr lang="en-US" sz="3600" dirty="0">
+              <a:ea typeface="Cambria" panose="02040503050406030204" pitchFamily="18" charset="0"/>
+            </a:endParaRPr>
+          </a:p>
+        </p:txBody>
+      </p:sp>
+    </p:spTree>
+    <p:extLst>
+      <p:ext uri="{BB962C8B-B14F-4D97-AF65-F5344CB8AC3E}">
+        <p14:creationId xmlns:p14="http://schemas.microsoft.com/office/powerpoint/2010/main" val="2205402762"/>
+      </p:ext>
+    </p:extLst>
+  </p:cSld>
+  <p:clrMapOvr>
+    <a:masterClrMapping/>
+  </p:clrMapOvr>
+</p:sld>
+</file>
+
+<file path=ppt/slides/slide20.xml><?xml version="1.0" encoding="utf-8"?>
 <p:sld xmlns:a="http://schemas.openxmlformats.org/drawingml/2006/main" xmlns:r="http://schemas.openxmlformats.org/officeDocument/2006/relationships" xmlns:p="http://schemas.openxmlformats.org/presentationml/2006/main">
   <p:cSld>
     <p:spTree>
@@ -12342,179 +9190,7 @@
 </p:sld>
 </file>
 
-<file path=ppt/slides/slide2.xml><?xml version="1.0" encoding="utf-8"?>
-<p:sld xmlns:a="http://schemas.openxmlformats.org/drawingml/2006/main" xmlns:r="http://schemas.openxmlformats.org/officeDocument/2006/relationships" xmlns:p="http://schemas.openxmlformats.org/presentationml/2006/main">
-  <p:cSld>
-    <p:spTree>
-      <p:nvGrpSpPr>
-        <p:cNvPr id="1" name=""/>
-        <p:cNvGrpSpPr/>
-        <p:nvPr/>
-      </p:nvGrpSpPr>
-      <p:grpSpPr>
-        <a:xfrm>
-          <a:off x="0" y="0"/>
-          <a:ext cx="0" cy="0"/>
-          <a:chOff x="0" y="0"/>
-          <a:chExt cx="0" cy="0"/>
-        </a:xfrm>
-      </p:grpSpPr>
-      <p:sp>
-        <p:nvSpPr>
-          <p:cNvPr id="2" name="Title 1">
-            <a:extLst>
-              <a:ext uri="{FF2B5EF4-FFF2-40B4-BE49-F238E27FC236}">
-                <a16:creationId xmlns:a16="http://schemas.microsoft.com/office/drawing/2014/main" id="{92E369FC-1C3B-4771-A6E0-107FE61E2513}"/>
-              </a:ext>
-            </a:extLst>
-          </p:cNvPr>
-          <p:cNvSpPr>
-            <a:spLocks noGrp="1"/>
-          </p:cNvSpPr>
-          <p:nvPr>
-            <p:ph type="title"/>
-          </p:nvPr>
-        </p:nvSpPr>
-        <p:spPr/>
-        <p:txBody>
-          <a:bodyPr/>
-          <a:lstStyle/>
-          <a:p>
-            <a:r>
-              <a:rPr lang="en-US" b="1" dirty="0">
-                <a:latin typeface="+mn-lt"/>
-                <a:ea typeface="Verdana" panose="020B0604030504040204" pitchFamily="34" charset="0"/>
-                <a:cs typeface="Arial" panose="020B0604020202020204" pitchFamily="34" charset="0"/>
-              </a:rPr>
-              <a:t>Topics</a:t>
-            </a:r>
-          </a:p>
-        </p:txBody>
-      </p:sp>
-      <p:sp>
-        <p:nvSpPr>
-          <p:cNvPr id="3" name="Content Placeholder 2">
-            <a:extLst>
-              <a:ext uri="{FF2B5EF4-FFF2-40B4-BE49-F238E27FC236}">
-                <a16:creationId xmlns:a16="http://schemas.microsoft.com/office/drawing/2014/main" id="{A8CA56B2-C12D-42F3-A4E1-395CB6CEBECC}"/>
-              </a:ext>
-            </a:extLst>
-          </p:cNvPr>
-          <p:cNvSpPr>
-            <a:spLocks noGrp="1"/>
-          </p:cNvSpPr>
-          <p:nvPr>
-            <p:ph idx="1"/>
-          </p:nvPr>
-        </p:nvSpPr>
-        <p:spPr>
-          <a:xfrm>
-            <a:off x="628650" y="1386038"/>
-            <a:ext cx="7886700" cy="5332395"/>
-          </a:xfrm>
-        </p:spPr>
-        <p:txBody>
-          <a:bodyPr>
-            <a:normAutofit/>
-          </a:bodyPr>
-          <a:lstStyle/>
-          <a:p>
-            <a:pPr marL="0" indent="0">
-              <a:buNone/>
-            </a:pPr>
-            <a:r>
-              <a:rPr lang="en-US" sz="3600" dirty="0">
-                <a:ea typeface="Cambria" panose="02040503050406030204" pitchFamily="18" charset="0"/>
-              </a:rPr>
-              <a:t>Prelude </a:t>
-            </a:r>
-            <a:endParaRPr lang="en-US" sz="3600" dirty="0">
-              <a:solidFill>
-                <a:schemeClr val="bg1"/>
-              </a:solidFill>
-              <a:ea typeface="Cambria" panose="02040503050406030204" pitchFamily="18" charset="0"/>
-            </a:endParaRPr>
-          </a:p>
-          <a:p>
-            <a:pPr marL="0" indent="0">
-              <a:buNone/>
-            </a:pPr>
-            <a:r>
-              <a:rPr lang="en-US" sz="3600" dirty="0">
-                <a:solidFill>
-                  <a:schemeClr val="bg1"/>
-                </a:solidFill>
-                <a:ea typeface="Cambria" panose="02040503050406030204" pitchFamily="18" charset="0"/>
-              </a:rPr>
-              <a:t>Data structures</a:t>
-            </a:r>
-          </a:p>
-          <a:p>
-            <a:pPr marL="0" indent="0">
-              <a:buNone/>
-            </a:pPr>
-            <a:r>
-              <a:rPr lang="en-US" sz="3600" dirty="0">
-                <a:solidFill>
-                  <a:schemeClr val="bg1"/>
-                </a:solidFill>
-                <a:ea typeface="Cambria" panose="02040503050406030204" pitchFamily="18" charset="0"/>
-              </a:rPr>
-              <a:t>Iterators</a:t>
-            </a:r>
-          </a:p>
-          <a:p>
-            <a:pPr marL="0" indent="0">
-              <a:buNone/>
-            </a:pPr>
-            <a:r>
-              <a:rPr lang="en-US" sz="3600" dirty="0">
-                <a:solidFill>
-                  <a:schemeClr val="bg1"/>
-                </a:solidFill>
-                <a:ea typeface="Cambria" panose="02040503050406030204" pitchFamily="18" charset="0"/>
-              </a:rPr>
-              <a:t>Functions</a:t>
-            </a:r>
-            <a:endParaRPr lang="en-US" sz="3600" dirty="0">
-              <a:ea typeface="Cambria" panose="02040503050406030204" pitchFamily="18" charset="0"/>
-            </a:endParaRPr>
-          </a:p>
-          <a:p>
-            <a:pPr marL="0" indent="0">
-              <a:buNone/>
-            </a:pPr>
-            <a:r>
-              <a:rPr lang="en-US" sz="3600" b="1" dirty="0">
-                <a:solidFill>
-                  <a:schemeClr val="accent6">
-                    <a:lumMod val="75000"/>
-                  </a:schemeClr>
-                </a:solidFill>
-                <a:ea typeface="Cambria" panose="02040503050406030204" pitchFamily="18" charset="0"/>
-              </a:rPr>
-              <a:t>Exercises</a:t>
-            </a:r>
-            <a:endParaRPr lang="en-US" sz="3600" dirty="0">
-              <a:ea typeface="Cambria" panose="02040503050406030204" pitchFamily="18" charset="0"/>
-            </a:endParaRPr>
-          </a:p>
-        </p:txBody>
-      </p:sp>
-    </p:spTree>
-    <p:extLst>
-      <p:ext uri="{BB962C8B-B14F-4D97-AF65-F5344CB8AC3E}">
-        <p14:creationId xmlns:p14="http://schemas.microsoft.com/office/powerpoint/2010/main" val="2205402762"/>
-      </p:ext>
-    </p:extLst>
-  </p:cSld>
-  <p:clrMapOvr>
-    <a:masterClrMapping/>
-  </p:clrMapOvr>
-</p:sld>
-</file>
-
-<file path=ppt/slides/slide20.xml><?xml version="1.0" encoding="utf-8"?>
+<file path=ppt/slides/slide21.xml><?xml version="1.0" encoding="utf-8"?>
 <p:sld xmlns:a="http://schemas.openxmlformats.org/drawingml/2006/main" xmlns:r="http://schemas.openxmlformats.org/officeDocument/2006/relationships" xmlns:p="http://schemas.openxmlformats.org/presentationml/2006/main">
   <p:cSld>
     <p:spTree>
@@ -12772,7 +9448,7 @@
 </p:sld>
 </file>
 
-<file path=ppt/slides/slide21.xml><?xml version="1.0" encoding="utf-8"?>
+<file path=ppt/slides/slide22.xml><?xml version="1.0" encoding="utf-8"?>
 <p:sld xmlns:a="http://schemas.openxmlformats.org/drawingml/2006/main" xmlns:r="http://schemas.openxmlformats.org/officeDocument/2006/relationships" xmlns:p="http://schemas.openxmlformats.org/presentationml/2006/main">
   <p:cSld>
     <p:spTree>
@@ -13065,7 +9741,7 @@
 </p:sld>
 </file>
 
-<file path=ppt/slides/slide22.xml><?xml version="1.0" encoding="utf-8"?>
+<file path=ppt/slides/slide23.xml><?xml version="1.0" encoding="utf-8"?>
 <p:sld xmlns:a="http://schemas.openxmlformats.org/drawingml/2006/main" xmlns:r="http://schemas.openxmlformats.org/officeDocument/2006/relationships" xmlns:p="http://schemas.openxmlformats.org/presentationml/2006/main">
   <p:cSld>
     <p:spTree>
@@ -13236,7 +9912,7 @@
 </p:sld>
 </file>
 
-<file path=ppt/slides/slide23.xml><?xml version="1.0" encoding="utf-8"?>
+<file path=ppt/slides/slide24.xml><?xml version="1.0" encoding="utf-8"?>
 <p:sld xmlns:a="http://schemas.openxmlformats.org/drawingml/2006/main" xmlns:r="http://schemas.openxmlformats.org/officeDocument/2006/relationships" xmlns:p="http://schemas.openxmlformats.org/presentationml/2006/main">
   <p:cSld>
     <p:spTree>
@@ -13407,7 +10083,7 @@
 </p:sld>
 </file>
 
-<file path=ppt/slides/slide24.xml><?xml version="1.0" encoding="utf-8"?>
+<file path=ppt/slides/slide25.xml><?xml version="1.0" encoding="utf-8"?>
 <p:sld xmlns:a="http://schemas.openxmlformats.org/drawingml/2006/main" xmlns:r="http://schemas.openxmlformats.org/officeDocument/2006/relationships" xmlns:p="http://schemas.openxmlformats.org/presentationml/2006/main">
   <p:cSld>
     <p:spTree>
@@ -13593,7 +10269,7 @@
 </p:sld>
 </file>
 
-<file path=ppt/slides/slide25.xml><?xml version="1.0" encoding="utf-8"?>
+<file path=ppt/slides/slide26.xml><?xml version="1.0" encoding="utf-8"?>
 <p:sld xmlns:a="http://schemas.openxmlformats.org/drawingml/2006/main" xmlns:r="http://schemas.openxmlformats.org/officeDocument/2006/relationships" xmlns:p="http://schemas.openxmlformats.org/presentationml/2006/main">
   <p:cSld>
     <p:spTree>
@@ -13811,7 +10487,7 @@
 </p:sld>
 </file>
 
-<file path=ppt/slides/slide26.xml><?xml version="1.0" encoding="utf-8"?>
+<file path=ppt/slides/slide27.xml><?xml version="1.0" encoding="utf-8"?>
 <p:sld xmlns:a="http://schemas.openxmlformats.org/drawingml/2006/main" xmlns:r="http://schemas.openxmlformats.org/officeDocument/2006/relationships" xmlns:p="http://schemas.openxmlformats.org/presentationml/2006/main">
   <p:cSld>
     <p:spTree>
@@ -13957,7 +10633,7 @@
 </p:sld>
 </file>
 
-<file path=ppt/slides/slide27.xml><?xml version="1.0" encoding="utf-8"?>
+<file path=ppt/slides/slide28.xml><?xml version="1.0" encoding="utf-8"?>
 <p:sld xmlns:a="http://schemas.openxmlformats.org/drawingml/2006/main" xmlns:r="http://schemas.openxmlformats.org/officeDocument/2006/relationships" xmlns:p="http://schemas.openxmlformats.org/presentationml/2006/main">
   <p:cSld>
     <p:spTree>
@@ -14204,7 +10880,7 @@
 </p:sld>
 </file>
 
-<file path=ppt/slides/slide28.xml><?xml version="1.0" encoding="utf-8"?>
+<file path=ppt/slides/slide29.xml><?xml version="1.0" encoding="utf-8"?>
 <p:sld xmlns:a="http://schemas.openxmlformats.org/drawingml/2006/main" xmlns:r="http://schemas.openxmlformats.org/officeDocument/2006/relationships" xmlns:p="http://schemas.openxmlformats.org/presentationml/2006/main">
   <p:cSld>
     <p:spTree>
@@ -14560,208 +11236,6 @@
 </p:sld>
 </file>
 
-<file path=ppt/slides/slide29.xml><?xml version="1.0" encoding="utf-8"?>
-<p:sld xmlns:a="http://schemas.openxmlformats.org/drawingml/2006/main" xmlns:r="http://schemas.openxmlformats.org/officeDocument/2006/relationships" xmlns:p="http://schemas.openxmlformats.org/presentationml/2006/main">
-  <p:cSld>
-    <p:spTree>
-      <p:nvGrpSpPr>
-        <p:cNvPr id="1" name=""/>
-        <p:cNvGrpSpPr/>
-        <p:nvPr/>
-      </p:nvGrpSpPr>
-      <p:grpSpPr>
-        <a:xfrm>
-          <a:off x="0" y="0"/>
-          <a:ext cx="0" cy="0"/>
-          <a:chOff x="0" y="0"/>
-          <a:chExt cx="0" cy="0"/>
-        </a:xfrm>
-      </p:grpSpPr>
-      <p:sp>
-        <p:nvSpPr>
-          <p:cNvPr id="5" name="Content Placeholder 4">
-            <a:extLst>
-              <a:ext uri="{FF2B5EF4-FFF2-40B4-BE49-F238E27FC236}">
-                <a16:creationId xmlns:a16="http://schemas.microsoft.com/office/drawing/2014/main" id="{7E51DEF6-E050-498F-ABF4-98B26239A99F}"/>
-              </a:ext>
-            </a:extLst>
-          </p:cNvPr>
-          <p:cNvSpPr>
-            <a:spLocks noGrp="1"/>
-          </p:cNvSpPr>
-          <p:nvPr>
-            <p:ph idx="1"/>
-          </p:nvPr>
-        </p:nvSpPr>
-        <p:spPr>
-          <a:xfrm>
-            <a:off x="628650" y="1609724"/>
-            <a:ext cx="7886700" cy="4667249"/>
-          </a:xfrm>
-        </p:spPr>
-        <p:txBody>
-          <a:bodyPr>
-            <a:normAutofit/>
-          </a:bodyPr>
-          <a:lstStyle/>
-          <a:p>
-            <a:pPr marL="0" indent="0">
-              <a:buNone/>
-            </a:pPr>
-            <a:r>
-              <a:rPr lang="en-US" dirty="0"/>
-              <a:t>“Magic Functions”</a:t>
-            </a:r>
-          </a:p>
-          <a:p>
-            <a:pPr lvl="1"/>
-            <a:r>
-              <a:rPr lang="en-US" dirty="0"/>
-              <a:t>It does different things, based on parameters</a:t>
-            </a:r>
-          </a:p>
-          <a:p>
-            <a:pPr lvl="1"/>
-            <a:endParaRPr lang="en-US" dirty="0"/>
-          </a:p>
-          <a:p>
-            <a:pPr marL="0" indent="0">
-              <a:buNone/>
-            </a:pPr>
-            <a:r>
-              <a:rPr lang="en-US" dirty="0"/>
-              <a:t>Symptoms:</a:t>
-            </a:r>
-          </a:p>
-          <a:p>
-            <a:pPr lvl="1"/>
-            <a:r>
-              <a:rPr lang="en-US" dirty="0"/>
-              <a:t>19+ parameters</a:t>
-            </a:r>
-          </a:p>
-          <a:p>
-            <a:pPr lvl="1"/>
-            <a:r>
-              <a:rPr lang="en-US" dirty="0"/>
-              <a:t>Some parameters can’t be used with others</a:t>
-            </a:r>
-          </a:p>
-          <a:p>
-            <a:pPr lvl="1"/>
-            <a:r>
-              <a:rPr lang="en-US" dirty="0"/>
-              <a:t>matplotlib...</a:t>
-            </a:r>
-          </a:p>
-          <a:p>
-            <a:pPr marL="0" indent="0">
-              <a:buNone/>
-            </a:pPr>
-            <a:endParaRPr lang="en-US" dirty="0"/>
-          </a:p>
-          <a:p>
-            <a:pPr marL="0" indent="0">
-              <a:buNone/>
-            </a:pPr>
-            <a:r>
-              <a:rPr lang="en-US" sz="2400" dirty="0"/>
-              <a:t>IMO scientists are particularly prone to this</a:t>
-            </a:r>
-          </a:p>
-          <a:p>
-            <a:pPr marL="0" indent="0">
-              <a:buNone/>
-            </a:pPr>
-            <a:r>
-              <a:rPr lang="en-US" dirty="0"/>
-              <a:t>Split it up!</a:t>
-            </a:r>
-          </a:p>
-          <a:p>
-            <a:pPr lvl="1"/>
-            <a:endParaRPr lang="en-US" dirty="0"/>
-          </a:p>
-          <a:p>
-            <a:pPr lvl="1"/>
-            <a:endParaRPr lang="en-US" dirty="0"/>
-          </a:p>
-        </p:txBody>
-      </p:sp>
-      <p:sp>
-        <p:nvSpPr>
-          <p:cNvPr id="6" name="Title 5">
-            <a:extLst>
-              <a:ext uri="{FF2B5EF4-FFF2-40B4-BE49-F238E27FC236}">
-                <a16:creationId xmlns:a16="http://schemas.microsoft.com/office/drawing/2014/main" id="{E3B730E1-5111-49DF-AFD9-B32CF91F7404}"/>
-              </a:ext>
-            </a:extLst>
-          </p:cNvPr>
-          <p:cNvSpPr>
-            <a:spLocks noGrp="1"/>
-          </p:cNvSpPr>
-          <p:nvPr>
-            <p:ph type="title"/>
-          </p:nvPr>
-        </p:nvSpPr>
-        <p:spPr/>
-        <p:txBody>
-          <a:bodyPr>
-            <a:normAutofit fontScale="90000"/>
-          </a:bodyPr>
-          <a:lstStyle/>
-          <a:p>
-            <a:r>
-              <a:rPr lang="en-US" sz="3600" dirty="0">
-                <a:solidFill>
-                  <a:srgbClr val="E7E6E6">
-                    <a:lumMod val="50000"/>
-                  </a:srgbClr>
-                </a:solidFill>
-                <a:ea typeface="Cambria" panose="02040503050406030204" pitchFamily="18" charset="0"/>
-              </a:rPr>
-              <a:t>Functions</a:t>
-            </a:r>
-            <a:br>
-              <a:rPr lang="en-US" sz="4000" dirty="0">
-                <a:solidFill>
-                  <a:prstClr val="black"/>
-                </a:solidFill>
-                <a:ea typeface="Cambria" panose="02040503050406030204" pitchFamily="18" charset="0"/>
-              </a:rPr>
-            </a:br>
-            <a:r>
-              <a:rPr lang="en-US" dirty="0">
-                <a:solidFill>
-                  <a:srgbClr val="5B9BD5">
-                    <a:lumMod val="75000"/>
-                  </a:srgbClr>
-                </a:solidFill>
-                <a:ea typeface="Cambria" panose="02040503050406030204" pitchFamily="18" charset="0"/>
-              </a:rPr>
-              <a:t>Rules of Thumb (to avoid)</a:t>
-            </a:r>
-            <a:endParaRPr lang="en-US" sz="6600" dirty="0">
-              <a:solidFill>
-                <a:schemeClr val="bg1"/>
-              </a:solidFill>
-            </a:endParaRPr>
-          </a:p>
-        </p:txBody>
-      </p:sp>
-    </p:spTree>
-    <p:extLst>
-      <p:ext uri="{BB962C8B-B14F-4D97-AF65-F5344CB8AC3E}">
-        <p14:creationId xmlns:p14="http://schemas.microsoft.com/office/powerpoint/2010/main" val="3966221228"/>
-      </p:ext>
-    </p:extLst>
-  </p:cSld>
-  <p:clrMapOvr>
-    <a:masterClrMapping/>
-  </p:clrMapOvr>
-</p:sld>
-</file>
-
 <file path=ppt/slides/slide3.xml><?xml version="1.0" encoding="utf-8"?>
 <p:sld xmlns:a="http://schemas.openxmlformats.org/drawingml/2006/main" xmlns:r="http://schemas.openxmlformats.org/officeDocument/2006/relationships" xmlns:p="http://schemas.openxmlformats.org/presentationml/2006/main">
   <p:cSld>
@@ -14814,19 +11288,14 @@
               <a:rPr lang="en-US" sz="3600" dirty="0">
                 <a:ea typeface="Cambria" panose="02040503050406030204" pitchFamily="18" charset="0"/>
               </a:rPr>
-              <a:t>Code snippets, if you want to follow along:</a:t>
+              <a:t>Go to syzygy:</a:t>
             </a:r>
           </a:p>
           <a:p>
             <a:pPr marL="0" indent="0">
               <a:buNone/>
             </a:pPr>
-            <a:endParaRPr lang="en-US" sz="3600" b="1" dirty="0">
-              <a:solidFill>
-                <a:schemeClr val="accent6">
-                  <a:lumMod val="75000"/>
-                </a:schemeClr>
-              </a:solidFill>
+            <a:endParaRPr lang="en-US" sz="3600" dirty="0">
               <a:ea typeface="Cambria" panose="02040503050406030204" pitchFamily="18" charset="0"/>
             </a:endParaRPr>
           </a:p>
@@ -14834,34 +11303,15 @@
             <a:pPr marL="0" indent="0">
               <a:buNone/>
             </a:pPr>
-            <a:endParaRPr lang="en-US" sz="4400" b="1" dirty="0">
-              <a:solidFill>
-                <a:schemeClr val="accent6">
-                  <a:lumMod val="75000"/>
-                </a:schemeClr>
-              </a:solidFill>
-              <a:ea typeface="Cambria" panose="02040503050406030204" pitchFamily="18" charset="0"/>
-            </a:endParaRPr>
-          </a:p>
-          <a:p>
-            <a:pPr marL="0" indent="0">
-              <a:buNone/>
-            </a:pPr>
-            <a:r>
-              <a:rPr lang="en-US" sz="6000" b="1" dirty="0">
-                <a:solidFill>
-                  <a:schemeClr val="accent6">
-                    <a:lumMod val="75000"/>
-                  </a:schemeClr>
-                </a:solidFill>
+            <a:r>
+              <a:rPr lang="en-CA" sz="4000" b="1" dirty="0">
                 <a:latin typeface="Courier New" panose="02070309020205020404" pitchFamily="49" charset="0"/>
-                <a:ea typeface="Cambria" panose="02040503050406030204" pitchFamily="18" charset="0"/>
                 <a:cs typeface="Courier New" panose="02070309020205020404" pitchFamily="49" charset="0"/>
                 <a:hlinkClick r:id="rId2"/>
               </a:rPr>
-              <a:t>bit.ly/2ScFewN</a:t>
-            </a:r>
-            <a:endParaRPr lang="en-US" sz="6000" b="1" dirty="0">
+              <a:t>https://uvic.syzygy.ca/</a:t>
+            </a:r>
+            <a:endParaRPr lang="en-US" sz="4000" b="1" dirty="0">
               <a:solidFill>
                 <a:schemeClr val="accent6">
                   <a:lumMod val="75000"/>
@@ -14870,19 +11320,6 @@
               <a:latin typeface="Courier New" panose="02070309020205020404" pitchFamily="49" charset="0"/>
               <a:ea typeface="Cambria" panose="02040503050406030204" pitchFamily="18" charset="0"/>
               <a:cs typeface="Courier New" panose="02070309020205020404" pitchFamily="49" charset="0"/>
-            </a:endParaRPr>
-          </a:p>
-          <a:p>
-            <a:pPr marL="0" indent="0">
-              <a:buNone/>
-            </a:pPr>
-            <a:endParaRPr lang="en-US" sz="3600" b="1" dirty="0">
-              <a:solidFill>
-                <a:schemeClr val="accent6">
-                  <a:lumMod val="75000"/>
-                </a:schemeClr>
-              </a:solidFill>
-              <a:ea typeface="Cambria" panose="02040503050406030204" pitchFamily="18" charset="0"/>
             </a:endParaRPr>
           </a:p>
         </p:txBody>
@@ -14945,6 +11382,208 @@
           </a:bodyPr>
           <a:lstStyle/>
           <a:p>
+            <a:pPr marL="0" indent="0">
+              <a:buNone/>
+            </a:pPr>
+            <a:r>
+              <a:rPr lang="en-US" dirty="0"/>
+              <a:t>“Magic Functions”</a:t>
+            </a:r>
+          </a:p>
+          <a:p>
+            <a:pPr lvl="1"/>
+            <a:r>
+              <a:rPr lang="en-US" dirty="0"/>
+              <a:t>It does different things, based on parameters</a:t>
+            </a:r>
+          </a:p>
+          <a:p>
+            <a:pPr lvl="1"/>
+            <a:endParaRPr lang="en-US" dirty="0"/>
+          </a:p>
+          <a:p>
+            <a:pPr marL="0" indent="0">
+              <a:buNone/>
+            </a:pPr>
+            <a:r>
+              <a:rPr lang="en-US" dirty="0"/>
+              <a:t>Symptoms:</a:t>
+            </a:r>
+          </a:p>
+          <a:p>
+            <a:pPr lvl="1"/>
+            <a:r>
+              <a:rPr lang="en-US" dirty="0"/>
+              <a:t>19+ parameters</a:t>
+            </a:r>
+          </a:p>
+          <a:p>
+            <a:pPr lvl="1"/>
+            <a:r>
+              <a:rPr lang="en-US" dirty="0"/>
+              <a:t>Some parameters can’t be used with others</a:t>
+            </a:r>
+          </a:p>
+          <a:p>
+            <a:pPr lvl="1"/>
+            <a:r>
+              <a:rPr lang="en-US" dirty="0"/>
+              <a:t>matplotlib...</a:t>
+            </a:r>
+          </a:p>
+          <a:p>
+            <a:pPr marL="0" indent="0">
+              <a:buNone/>
+            </a:pPr>
+            <a:endParaRPr lang="en-US" dirty="0"/>
+          </a:p>
+          <a:p>
+            <a:pPr marL="0" indent="0">
+              <a:buNone/>
+            </a:pPr>
+            <a:r>
+              <a:rPr lang="en-US" sz="2400" dirty="0"/>
+              <a:t>IMO scientists are particularly prone to this</a:t>
+            </a:r>
+          </a:p>
+          <a:p>
+            <a:pPr marL="0" indent="0">
+              <a:buNone/>
+            </a:pPr>
+            <a:r>
+              <a:rPr lang="en-US" dirty="0"/>
+              <a:t>Split it up!</a:t>
+            </a:r>
+          </a:p>
+          <a:p>
+            <a:pPr lvl="1"/>
+            <a:endParaRPr lang="en-US" dirty="0"/>
+          </a:p>
+          <a:p>
+            <a:pPr lvl="1"/>
+            <a:endParaRPr lang="en-US" dirty="0"/>
+          </a:p>
+        </p:txBody>
+      </p:sp>
+      <p:sp>
+        <p:nvSpPr>
+          <p:cNvPr id="6" name="Title 5">
+            <a:extLst>
+              <a:ext uri="{FF2B5EF4-FFF2-40B4-BE49-F238E27FC236}">
+                <a16:creationId xmlns:a16="http://schemas.microsoft.com/office/drawing/2014/main" id="{E3B730E1-5111-49DF-AFD9-B32CF91F7404}"/>
+              </a:ext>
+            </a:extLst>
+          </p:cNvPr>
+          <p:cNvSpPr>
+            <a:spLocks noGrp="1"/>
+          </p:cNvSpPr>
+          <p:nvPr>
+            <p:ph type="title"/>
+          </p:nvPr>
+        </p:nvSpPr>
+        <p:spPr/>
+        <p:txBody>
+          <a:bodyPr>
+            <a:normAutofit fontScale="90000"/>
+          </a:bodyPr>
+          <a:lstStyle/>
+          <a:p>
+            <a:r>
+              <a:rPr lang="en-US" sz="3600" dirty="0">
+                <a:solidFill>
+                  <a:srgbClr val="E7E6E6">
+                    <a:lumMod val="50000"/>
+                  </a:srgbClr>
+                </a:solidFill>
+                <a:ea typeface="Cambria" panose="02040503050406030204" pitchFamily="18" charset="0"/>
+              </a:rPr>
+              <a:t>Functions</a:t>
+            </a:r>
+            <a:br>
+              <a:rPr lang="en-US" sz="4000" dirty="0">
+                <a:solidFill>
+                  <a:prstClr val="black"/>
+                </a:solidFill>
+                <a:ea typeface="Cambria" panose="02040503050406030204" pitchFamily="18" charset="0"/>
+              </a:rPr>
+            </a:br>
+            <a:r>
+              <a:rPr lang="en-US" dirty="0">
+                <a:solidFill>
+                  <a:srgbClr val="5B9BD5">
+                    <a:lumMod val="75000"/>
+                  </a:srgbClr>
+                </a:solidFill>
+                <a:ea typeface="Cambria" panose="02040503050406030204" pitchFamily="18" charset="0"/>
+              </a:rPr>
+              <a:t>Rules of Thumb (to avoid)</a:t>
+            </a:r>
+            <a:endParaRPr lang="en-US" sz="6600" dirty="0">
+              <a:solidFill>
+                <a:schemeClr val="bg1"/>
+              </a:solidFill>
+            </a:endParaRPr>
+          </a:p>
+        </p:txBody>
+      </p:sp>
+    </p:spTree>
+    <p:extLst>
+      <p:ext uri="{BB962C8B-B14F-4D97-AF65-F5344CB8AC3E}">
+        <p14:creationId xmlns:p14="http://schemas.microsoft.com/office/powerpoint/2010/main" val="3966221228"/>
+      </p:ext>
+    </p:extLst>
+  </p:cSld>
+  <p:clrMapOvr>
+    <a:masterClrMapping/>
+  </p:clrMapOvr>
+</p:sld>
+</file>
+
+<file path=ppt/slides/slide31.xml><?xml version="1.0" encoding="utf-8"?>
+<p:sld xmlns:a="http://schemas.openxmlformats.org/drawingml/2006/main" xmlns:r="http://schemas.openxmlformats.org/officeDocument/2006/relationships" xmlns:p="http://schemas.openxmlformats.org/presentationml/2006/main">
+  <p:cSld>
+    <p:spTree>
+      <p:nvGrpSpPr>
+        <p:cNvPr id="1" name=""/>
+        <p:cNvGrpSpPr/>
+        <p:nvPr/>
+      </p:nvGrpSpPr>
+      <p:grpSpPr>
+        <a:xfrm>
+          <a:off x="0" y="0"/>
+          <a:ext cx="0" cy="0"/>
+          <a:chOff x="0" y="0"/>
+          <a:chExt cx="0" cy="0"/>
+        </a:xfrm>
+      </p:grpSpPr>
+      <p:sp>
+        <p:nvSpPr>
+          <p:cNvPr id="5" name="Content Placeholder 4">
+            <a:extLst>
+              <a:ext uri="{FF2B5EF4-FFF2-40B4-BE49-F238E27FC236}">
+                <a16:creationId xmlns:a16="http://schemas.microsoft.com/office/drawing/2014/main" id="{7E51DEF6-E050-498F-ABF4-98B26239A99F}"/>
+              </a:ext>
+            </a:extLst>
+          </p:cNvPr>
+          <p:cNvSpPr>
+            <a:spLocks noGrp="1"/>
+          </p:cNvSpPr>
+          <p:nvPr>
+            <p:ph idx="1"/>
+          </p:nvPr>
+        </p:nvSpPr>
+        <p:spPr>
+          <a:xfrm>
+            <a:off x="628650" y="1609724"/>
+            <a:ext cx="7886700" cy="4667249"/>
+          </a:xfrm>
+        </p:spPr>
+        <p:txBody>
+          <a:bodyPr>
+            <a:normAutofit/>
+          </a:bodyPr>
+          <a:lstStyle/>
+          <a:p>
             <a:pPr marL="457200" lvl="1" indent="0">
               <a:buNone/>
             </a:pPr>
@@ -15060,7 +11699,7 @@
 </p:sld>
 </file>
 
-<file path=ppt/slides/slide31.xml><?xml version="1.0" encoding="utf-8"?>
+<file path=ppt/slides/slide32.xml><?xml version="1.0" encoding="utf-8"?>
 <p:sld xmlns:a="http://schemas.openxmlformats.org/drawingml/2006/main" xmlns:r="http://schemas.openxmlformats.org/officeDocument/2006/relationships" xmlns:p="http://schemas.openxmlformats.org/presentationml/2006/main">
   <p:cSld>
     <p:spTree>
@@ -15241,263 +11880,6 @@
 </p:sld>
 </file>
 
-<file path=ppt/slides/slide32.xml><?xml version="1.0" encoding="utf-8"?>
-<p:sld xmlns:a="http://schemas.openxmlformats.org/drawingml/2006/main" xmlns:r="http://schemas.openxmlformats.org/officeDocument/2006/relationships" xmlns:p="http://schemas.openxmlformats.org/presentationml/2006/main">
-  <p:cSld>
-    <p:spTree>
-      <p:nvGrpSpPr>
-        <p:cNvPr id="1" name=""/>
-        <p:cNvGrpSpPr/>
-        <p:nvPr/>
-      </p:nvGrpSpPr>
-      <p:grpSpPr>
-        <a:xfrm>
-          <a:off x="0" y="0"/>
-          <a:ext cx="0" cy="0"/>
-          <a:chOff x="0" y="0"/>
-          <a:chExt cx="0" cy="0"/>
-        </a:xfrm>
-      </p:grpSpPr>
-      <p:sp>
-        <p:nvSpPr>
-          <p:cNvPr id="5" name="Content Placeholder 4">
-            <a:extLst>
-              <a:ext uri="{FF2B5EF4-FFF2-40B4-BE49-F238E27FC236}">
-                <a16:creationId xmlns:a16="http://schemas.microsoft.com/office/drawing/2014/main" id="{7E51DEF6-E050-498F-ABF4-98B26239A99F}"/>
-              </a:ext>
-            </a:extLst>
-          </p:cNvPr>
-          <p:cNvSpPr>
-            <a:spLocks noGrp="1"/>
-          </p:cNvSpPr>
-          <p:nvPr>
-            <p:ph idx="1"/>
-          </p:nvPr>
-        </p:nvSpPr>
-        <p:spPr>
-          <a:xfrm>
-            <a:off x="628650" y="1609724"/>
-            <a:ext cx="7886700" cy="4667249"/>
-          </a:xfrm>
-        </p:spPr>
-        <p:txBody>
-          <a:bodyPr>
-            <a:normAutofit/>
-          </a:bodyPr>
-          <a:lstStyle/>
-          <a:p>
-            <a:r>
-              <a:rPr lang="en-US" dirty="0">
-                <a:solidFill>
-                  <a:schemeClr val="bg1"/>
-                </a:solidFill>
-              </a:rPr>
-              <a:t>Make a text file, give it a </a:t>
-            </a:r>
-            <a:r>
-              <a:rPr lang="en-US" b="1" dirty="0">
-                <a:solidFill>
-                  <a:schemeClr val="bg1"/>
-                </a:solidFill>
-              </a:rPr>
-              <a:t>.</a:t>
-            </a:r>
-            <a:r>
-              <a:rPr lang="en-US" b="1" dirty="0" err="1">
-                <a:solidFill>
-                  <a:schemeClr val="bg1"/>
-                </a:solidFill>
-              </a:rPr>
-              <a:t>py</a:t>
-            </a:r>
-            <a:r>
-              <a:rPr lang="en-US" dirty="0">
-                <a:solidFill>
-                  <a:schemeClr val="bg1"/>
-                </a:solidFill>
-              </a:rPr>
-              <a:t> extension</a:t>
-            </a:r>
-          </a:p>
-          <a:p>
-            <a:r>
-              <a:rPr lang="en-US" dirty="0"/>
-              <a:t>Congrats, you made a module!</a:t>
-            </a:r>
-          </a:p>
-          <a:p>
-            <a:endParaRPr lang="en-US" dirty="0">
-              <a:solidFill>
-                <a:schemeClr val="bg1"/>
-              </a:solidFill>
-            </a:endParaRPr>
-          </a:p>
-          <a:p>
-            <a:r>
-              <a:rPr lang="en-US" dirty="0"/>
-              <a:t>Any python file is a </a:t>
-            </a:r>
-            <a:r>
-              <a:rPr lang="en-US" b="1" dirty="0"/>
-              <a:t>module</a:t>
-            </a:r>
-            <a:r>
-              <a:rPr lang="en-US" dirty="0"/>
-              <a:t> that can be </a:t>
-            </a:r>
-            <a:r>
-              <a:rPr lang="en-US" b="1" dirty="0"/>
-              <a:t>import</a:t>
-            </a:r>
-            <a:r>
-              <a:rPr lang="en-US" dirty="0"/>
-              <a:t>ed</a:t>
-            </a:r>
-          </a:p>
-          <a:p>
-            <a:r>
-              <a:rPr lang="en-US" dirty="0"/>
-              <a:t>Python looks for modules in your current directory, and PYTHONPATH (that’s where e.g. </a:t>
-            </a:r>
-            <a:r>
-              <a:rPr lang="en-US" dirty="0" err="1"/>
-              <a:t>numpy</a:t>
-            </a:r>
-            <a:r>
-              <a:rPr lang="en-US" dirty="0"/>
-              <a:t> is)</a:t>
-            </a:r>
-          </a:p>
-          <a:p>
-            <a:endParaRPr lang="en-US" dirty="0">
-              <a:solidFill>
-                <a:schemeClr val="bg1"/>
-              </a:solidFill>
-            </a:endParaRPr>
-          </a:p>
-          <a:p>
-            <a:r>
-              <a:rPr lang="en-US" dirty="0">
-                <a:solidFill>
-                  <a:schemeClr val="bg1"/>
-                </a:solidFill>
-              </a:rPr>
-              <a:t>If you want to find where a module is:</a:t>
-            </a:r>
-          </a:p>
-          <a:p>
-            <a:pPr lvl="1"/>
-            <a:r>
-              <a:rPr lang="en-US" dirty="0"/>
-              <a:t>Import it, and </a:t>
-            </a:r>
-            <a:r>
-              <a:rPr lang="en-US" b="1" dirty="0">
-                <a:latin typeface="Courier New" panose="02070309020205020404" pitchFamily="49" charset="0"/>
-                <a:cs typeface="Courier New" panose="02070309020205020404" pitchFamily="49" charset="0"/>
-              </a:rPr>
-              <a:t>print(</a:t>
-            </a:r>
-            <a:r>
-              <a:rPr lang="en-US" b="1" dirty="0" err="1">
-                <a:latin typeface="Courier New" panose="02070309020205020404" pitchFamily="49" charset="0"/>
-                <a:cs typeface="Courier New" panose="02070309020205020404" pitchFamily="49" charset="0"/>
-              </a:rPr>
-              <a:t>somemodule</a:t>
-            </a:r>
-            <a:r>
-              <a:rPr lang="en-US" b="1" dirty="0">
-                <a:latin typeface="Courier New" panose="02070309020205020404" pitchFamily="49" charset="0"/>
-                <a:cs typeface="Courier New" panose="02070309020205020404" pitchFamily="49" charset="0"/>
-              </a:rPr>
-              <a:t>).__file__</a:t>
-            </a:r>
-            <a:endParaRPr lang="en-US" b="1" dirty="0">
-              <a:solidFill>
-                <a:schemeClr val="bg1"/>
-              </a:solidFill>
-              <a:latin typeface="Courier New" panose="02070309020205020404" pitchFamily="49" charset="0"/>
-              <a:cs typeface="Courier New" panose="02070309020205020404" pitchFamily="49" charset="0"/>
-            </a:endParaRPr>
-          </a:p>
-        </p:txBody>
-      </p:sp>
-      <p:sp>
-        <p:nvSpPr>
-          <p:cNvPr id="6" name="Title 5">
-            <a:extLst>
-              <a:ext uri="{FF2B5EF4-FFF2-40B4-BE49-F238E27FC236}">
-                <a16:creationId xmlns:a16="http://schemas.microsoft.com/office/drawing/2014/main" id="{E3B730E1-5111-49DF-AFD9-B32CF91F7404}"/>
-              </a:ext>
-            </a:extLst>
-          </p:cNvPr>
-          <p:cNvSpPr>
-            <a:spLocks noGrp="1"/>
-          </p:cNvSpPr>
-          <p:nvPr>
-            <p:ph type="title"/>
-          </p:nvPr>
-        </p:nvSpPr>
-        <p:spPr/>
-        <p:txBody>
-          <a:bodyPr>
-            <a:normAutofit fontScale="90000"/>
-          </a:bodyPr>
-          <a:lstStyle/>
-          <a:p>
-            <a:r>
-              <a:rPr lang="en-US" sz="3600" dirty="0">
-                <a:solidFill>
-                  <a:srgbClr val="E7E6E6">
-                    <a:lumMod val="50000"/>
-                  </a:srgbClr>
-                </a:solidFill>
-                <a:ea typeface="Cambria" panose="02040503050406030204" pitchFamily="18" charset="0"/>
-              </a:rPr>
-              <a:t>Topic 3</a:t>
-            </a:r>
-            <a:br>
-              <a:rPr lang="en-US" dirty="0">
-                <a:solidFill>
-                  <a:srgbClr val="5B9BD5">
-                    <a:lumMod val="75000"/>
-                  </a:srgbClr>
-                </a:solidFill>
-                <a:ea typeface="Cambria" panose="02040503050406030204" pitchFamily="18" charset="0"/>
-              </a:rPr>
-            </a:br>
-            <a:r>
-              <a:rPr lang="en-US" dirty="0">
-                <a:solidFill>
-                  <a:srgbClr val="5B9BD5">
-                    <a:lumMod val="75000"/>
-                  </a:srgbClr>
-                </a:solidFill>
-                <a:ea typeface="Cambria" panose="02040503050406030204" pitchFamily="18" charset="0"/>
-              </a:rPr>
-              <a:t>Files &amp; Modules</a:t>
-            </a:r>
-            <a:endParaRPr lang="en-US" sz="6600" dirty="0">
-              <a:solidFill>
-                <a:schemeClr val="bg1"/>
-              </a:solidFill>
-            </a:endParaRPr>
-          </a:p>
-        </p:txBody>
-      </p:sp>
-    </p:spTree>
-    <p:extLst>
-      <p:ext uri="{BB962C8B-B14F-4D97-AF65-F5344CB8AC3E}">
-        <p14:creationId xmlns:p14="http://schemas.microsoft.com/office/powerpoint/2010/main" val="1085082659"/>
-      </p:ext>
-    </p:extLst>
-  </p:cSld>
-  <p:clrMapOvr>
-    <a:masterClrMapping/>
-  </p:clrMapOvr>
-</p:sld>
-</file>
-
 <file path=ppt/slides/slide33.xml><?xml version="1.0" encoding="utf-8"?>
 <p:sld xmlns:a="http://schemas.openxmlformats.org/drawingml/2006/main" xmlns:r="http://schemas.openxmlformats.org/officeDocument/2006/relationships" xmlns:p="http://schemas.openxmlformats.org/presentationml/2006/main">
   <p:cSld>
@@ -15549,7 +11931,37 @@
                   <a:schemeClr val="bg1"/>
                 </a:solidFill>
               </a:rPr>
-              <a:t>Importing things should have no side-effects</a:t>
+              <a:t>Make a text file, give it a </a:t>
+            </a:r>
+            <a:r>
+              <a:rPr lang="en-US" b="1" dirty="0">
+                <a:solidFill>
+                  <a:schemeClr val="bg1"/>
+                </a:solidFill>
+              </a:rPr>
+              <a:t>.</a:t>
+            </a:r>
+            <a:r>
+              <a:rPr lang="en-US" b="1" dirty="0" err="1">
+                <a:solidFill>
+                  <a:schemeClr val="bg1"/>
+                </a:solidFill>
+              </a:rPr>
+              <a:t>py</a:t>
+            </a:r>
+            <a:r>
+              <a:rPr lang="en-US" dirty="0">
+                <a:solidFill>
+                  <a:schemeClr val="bg1"/>
+                </a:solidFill>
+              </a:rPr>
+              <a:t> extension</a:t>
+            </a:r>
+          </a:p>
+          <a:p>
+            <a:r>
+              <a:rPr lang="en-US" dirty="0"/>
+              <a:t>Congrats, you made a module!</a:t>
             </a:r>
           </a:p>
           <a:p>
@@ -15561,41 +11973,41 @@
           </a:p>
           <a:p>
             <a:r>
-              <a:rPr lang="en-US" dirty="0">
-                <a:solidFill>
-                  <a:schemeClr val="bg1"/>
-                </a:solidFill>
-              </a:rPr>
-              <a:t>At the top level, modules should only include:</a:t>
-            </a:r>
-          </a:p>
-          <a:p>
-            <a:pPr lvl="1"/>
-            <a:r>
               <a:rPr lang="en-US" dirty="0"/>
-              <a:t>Constants</a:t>
-            </a:r>
-          </a:p>
-          <a:p>
-            <a:pPr lvl="1"/>
-            <a:r>
-              <a:rPr lang="en-US" dirty="0">
-                <a:solidFill>
-                  <a:schemeClr val="bg1"/>
-                </a:solidFill>
-              </a:rPr>
-              <a:t>Functions</a:t>
-            </a:r>
-          </a:p>
-          <a:p>
-            <a:pPr lvl="1"/>
+              <a:t>Any python file is a </a:t>
+            </a:r>
+            <a:r>
+              <a:rPr lang="en-US" b="1" dirty="0"/>
+              <a:t>module</a:t>
+            </a:r>
             <a:r>
               <a:rPr lang="en-US" dirty="0"/>
-              <a:t>Classes</a:t>
-            </a:r>
-          </a:p>
-          <a:p>
-            <a:pPr lvl="1"/>
+              <a:t> that can be </a:t>
+            </a:r>
+            <a:r>
+              <a:rPr lang="en-US" b="1" dirty="0"/>
+              <a:t>import</a:t>
+            </a:r>
+            <a:r>
+              <a:rPr lang="en-US" dirty="0"/>
+              <a:t>ed</a:t>
+            </a:r>
+          </a:p>
+          <a:p>
+            <a:r>
+              <a:rPr lang="en-US" dirty="0"/>
+              <a:t>Python looks for modules in your current directory, and PYTHONPATH (that’s where e.g. </a:t>
+            </a:r>
+            <a:r>
+              <a:rPr lang="en-US" dirty="0" err="1"/>
+              <a:t>numpy</a:t>
+            </a:r>
+            <a:r>
+              <a:rPr lang="en-US" dirty="0"/>
+              <a:t> is)</a:t>
+            </a:r>
+          </a:p>
+          <a:p>
             <a:endParaRPr lang="en-US" dirty="0">
               <a:solidFill>
                 <a:schemeClr val="bg1"/>
@@ -15609,15 +12021,42 @@
                   <a:schemeClr val="bg1"/>
                 </a:solidFill>
               </a:rPr>
-              <a:t>Bad design: importing the module makes a plot show up</a:t>
-            </a:r>
-            <a:endParaRPr lang="en-US" dirty="0"/>
-          </a:p>
-          <a:p>
-            <a:endParaRPr lang="en-US" dirty="0">
+              <a:t>If you want to find where a module is:</a:t>
+            </a:r>
+          </a:p>
+          <a:p>
+            <a:pPr lvl="1"/>
+            <a:r>
+              <a:rPr lang="en-US" dirty="0"/>
+              <a:t>Import it, and </a:t>
+            </a:r>
+            <a:r>
+              <a:rPr lang="en-US" b="1" dirty="0">
+                <a:latin typeface="Courier New" panose="02070309020205020404" pitchFamily="49" charset="0"/>
+                <a:cs typeface="Courier New" panose="02070309020205020404" pitchFamily="49" charset="0"/>
+              </a:rPr>
+              <a:t>print(</a:t>
+            </a:r>
+            <a:r>
+              <a:rPr lang="en-US" b="1" dirty="0" err="1">
+                <a:latin typeface="Courier New" panose="02070309020205020404" pitchFamily="49" charset="0"/>
+                <a:cs typeface="Courier New" panose="02070309020205020404" pitchFamily="49" charset="0"/>
+              </a:rPr>
+              <a:t>somemodule</a:t>
+            </a:r>
+            <a:r>
+              <a:rPr lang="en-US" b="1" dirty="0">
+                <a:latin typeface="Courier New" panose="02070309020205020404" pitchFamily="49" charset="0"/>
+                <a:cs typeface="Courier New" panose="02070309020205020404" pitchFamily="49" charset="0"/>
+              </a:rPr>
+              <a:t>).__file__</a:t>
+            </a:r>
+            <a:endParaRPr lang="en-US" b="1" dirty="0">
               <a:solidFill>
                 <a:schemeClr val="bg1"/>
               </a:solidFill>
+              <a:latin typeface="Courier New" panose="02070309020205020404" pitchFamily="49" charset="0"/>
+              <a:cs typeface="Courier New" panose="02070309020205020404" pitchFamily="49" charset="0"/>
             </a:endParaRPr>
           </a:p>
         </p:txBody>
@@ -15688,7 +12127,7 @@
     </p:spTree>
     <p:extLst>
       <p:ext uri="{BB962C8B-B14F-4D97-AF65-F5344CB8AC3E}">
-        <p14:creationId xmlns:p14="http://schemas.microsoft.com/office/powerpoint/2010/main" val="258689943"/>
+        <p14:creationId xmlns:p14="http://schemas.microsoft.com/office/powerpoint/2010/main" val="1085082659"/>
       </p:ext>
     </p:extLst>
   </p:cSld>
@@ -15749,23 +12188,7 @@
                   <a:schemeClr val="bg1"/>
                 </a:solidFill>
               </a:rPr>
-              <a:t>Put a group of modules in a folder</a:t>
-            </a:r>
-          </a:p>
-          <a:p>
-            <a:r>
-              <a:rPr lang="en-US" dirty="0"/>
-              <a:t>Add a file named “__init__.py”</a:t>
-            </a:r>
-          </a:p>
-          <a:p>
-            <a:r>
-              <a:rPr lang="en-US" dirty="0">
-                <a:solidFill>
-                  <a:schemeClr val="bg1"/>
-                </a:solidFill>
-              </a:rPr>
-              <a:t>Congrats, you have a package!</a:t>
+              <a:t>Importing things should have no side-effects</a:t>
             </a:r>
           </a:p>
           <a:p>
@@ -15782,16 +12205,36 @@
                   <a:schemeClr val="bg1"/>
                 </a:solidFill>
               </a:rPr>
-              <a:t>Now you can group your modules together, e.g. </a:t>
-            </a:r>
-            <a:r>
-              <a:rPr lang="en-US" dirty="0" err="1">
+              <a:t>At the top level, modules should only include:</a:t>
+            </a:r>
+          </a:p>
+          <a:p>
+            <a:pPr lvl="1"/>
+            <a:r>
+              <a:rPr lang="en-US" dirty="0"/>
+              <a:t>Constants</a:t>
+            </a:r>
+          </a:p>
+          <a:p>
+            <a:pPr lvl="1"/>
+            <a:r>
+              <a:rPr lang="en-US" dirty="0">
                 <a:solidFill>
                   <a:schemeClr val="bg1"/>
                 </a:solidFill>
               </a:rPr>
-              <a:t>scipy</a:t>
-            </a:r>
+              <a:t>Functions</a:t>
+            </a:r>
+          </a:p>
+          <a:p>
+            <a:pPr lvl="1"/>
+            <a:r>
+              <a:rPr lang="en-US" dirty="0"/>
+              <a:t>Classes</a:t>
+            </a:r>
+          </a:p>
+          <a:p>
+            <a:pPr lvl="1"/>
             <a:endParaRPr lang="en-US" dirty="0">
               <a:solidFill>
                 <a:schemeClr val="bg1"/>
@@ -15805,16 +12248,11 @@
                   <a:schemeClr val="bg1"/>
                 </a:solidFill>
               </a:rPr>
-              <a:t>You could even publish your package to </a:t>
-            </a:r>
-            <a:r>
-              <a:rPr lang="en-US" dirty="0" err="1">
-                <a:solidFill>
-                  <a:schemeClr val="bg1"/>
-                </a:solidFill>
-              </a:rPr>
-              <a:t>pypi</a:t>
-            </a:r>
+              <a:t>Bad design: importing the module makes a plot show up</a:t>
+            </a:r>
+            <a:endParaRPr lang="en-US" dirty="0"/>
+          </a:p>
+          <a:p>
             <a:endParaRPr lang="en-US" dirty="0">
               <a:solidFill>
                 <a:schemeClr val="bg1"/>
@@ -15876,7 +12314,7 @@
                 </a:solidFill>
                 <a:ea typeface="Cambria" panose="02040503050406030204" pitchFamily="18" charset="0"/>
               </a:rPr>
-              <a:t>Packages</a:t>
+              <a:t>Files &amp; Modules</a:t>
             </a:r>
             <a:endParaRPr lang="en-US" sz="6600" dirty="0">
               <a:solidFill>
@@ -15889,7 +12327,7 @@
     </p:spTree>
     <p:extLst>
       <p:ext uri="{BB962C8B-B14F-4D97-AF65-F5344CB8AC3E}">
-        <p14:creationId xmlns:p14="http://schemas.microsoft.com/office/powerpoint/2010/main" val="2027678200"/>
+        <p14:creationId xmlns:p14="http://schemas.microsoft.com/office/powerpoint/2010/main" val="258689943"/>
       </p:ext>
     </p:extLst>
   </p:cSld>
@@ -15934,8 +12372,8 @@
         </p:nvSpPr>
         <p:spPr>
           <a:xfrm>
-            <a:off x="628650" y="1135781"/>
-            <a:ext cx="7886700" cy="5722219"/>
+            <a:off x="628650" y="1609724"/>
+            <a:ext cx="7886700" cy="4667249"/>
           </a:xfrm>
         </p:spPr>
         <p:txBody>
@@ -15950,46 +12388,26 @@
                   <a:schemeClr val="bg1"/>
                 </a:solidFill>
               </a:rPr>
-              <a:t>Make a function that:</a:t>
-            </a:r>
-          </a:p>
-          <a:p>
-            <a:pPr lvl="1"/>
+              <a:t>Put a group of modules in a folder</a:t>
+            </a:r>
+          </a:p>
+          <a:p>
+            <a:r>
+              <a:rPr lang="en-US" dirty="0"/>
+              <a:t>Add a file named “__init__.py”</a:t>
+            </a:r>
+          </a:p>
+          <a:p>
             <a:r>
               <a:rPr lang="en-US" dirty="0">
                 <a:solidFill>
                   <a:schemeClr val="bg1"/>
                 </a:solidFill>
               </a:rPr>
-              <a:t>Takes three arguments (</a:t>
-            </a:r>
-            <a:r>
-              <a:rPr lang="en-US" dirty="0" err="1">
-                <a:solidFill>
-                  <a:schemeClr val="bg1"/>
-                </a:solidFill>
-              </a:rPr>
-              <a:t>x,y,z</a:t>
-            </a:r>
-            <a:r>
-              <a:rPr lang="en-US" dirty="0"/>
-              <a:t>)</a:t>
-            </a:r>
-            <a:r>
-              <a:rPr lang="en-US" dirty="0">
-                <a:solidFill>
-                  <a:schemeClr val="bg1"/>
-                </a:solidFill>
-              </a:rPr>
-              <a:t> </a:t>
-            </a:r>
-          </a:p>
-          <a:p>
-            <a:pPr lvl="1"/>
-            <a:r>
-              <a:rPr lang="en-US" dirty="0"/>
-              <a:t>Returns the distance of the vector</a:t>
-            </a:r>
+              <a:t>Congrats, you have a package!</a:t>
+            </a:r>
+          </a:p>
+          <a:p>
             <a:endParaRPr lang="en-US" dirty="0">
               <a:solidFill>
                 <a:schemeClr val="bg1"/>
@@ -16003,84 +12421,39 @@
                   <a:schemeClr val="bg1"/>
                 </a:solidFill>
               </a:rPr>
-              <a:t>Make a function that:</a:t>
-            </a:r>
-          </a:p>
-          <a:p>
-            <a:pPr lvl="1"/>
+              <a:t>Now you can group your modules together, e.g. </a:t>
+            </a:r>
+            <a:r>
+              <a:rPr lang="en-US" dirty="0" err="1">
+                <a:solidFill>
+                  <a:schemeClr val="bg1"/>
+                </a:solidFill>
+              </a:rPr>
+              <a:t>scipy</a:t>
+            </a:r>
+            <a:endParaRPr lang="en-US" dirty="0">
+              <a:solidFill>
+                <a:schemeClr val="bg1"/>
+              </a:solidFill>
+            </a:endParaRPr>
+          </a:p>
+          <a:p>
             <a:r>
               <a:rPr lang="en-US" dirty="0">
                 <a:solidFill>
                   <a:schemeClr val="bg1"/>
                 </a:solidFill>
               </a:rPr>
-              <a:t>Takes two points as dictionaries</a:t>
-            </a:r>
-          </a:p>
-          <a:p>
-            <a:pPr lvl="1"/>
-            <a:r>
-              <a:rPr lang="en-US" dirty="0"/>
-              <a:t>Returns the distance between them</a:t>
-            </a:r>
-          </a:p>
-          <a:p>
-            <a:r>
-              <a:rPr lang="en-US" dirty="0">
+              <a:t>You could even publish your package to </a:t>
+            </a:r>
+            <a:r>
+              <a:rPr lang="en-US" dirty="0" err="1">
                 <a:solidFill>
                   <a:schemeClr val="bg1"/>
                 </a:solidFill>
               </a:rPr>
-              <a:t>Put your functions in a module</a:t>
-            </a:r>
-          </a:p>
-          <a:p>
-            <a:r>
-              <a:rPr lang="en-US" dirty="0">
-                <a:solidFill>
-                  <a:schemeClr val="bg1"/>
-                </a:solidFill>
-              </a:rPr>
-              <a:t>Document them!</a:t>
-            </a:r>
-          </a:p>
-          <a:p>
-            <a:r>
-              <a:rPr lang="en-US" dirty="0"/>
-              <a:t>Import your module, and use it!</a:t>
-            </a:r>
-          </a:p>
-          <a:p>
-            <a:r>
-              <a:rPr lang="en-US" dirty="0">
-                <a:solidFill>
-                  <a:schemeClr val="bg1"/>
-                </a:solidFill>
-              </a:rPr>
-              <a:t>Extra: </a:t>
-            </a:r>
-            <a:r>
-              <a:rPr lang="en-US" dirty="0"/>
-              <a:t>Make a function that works over </a:t>
-            </a:r>
-            <a:r>
-              <a:rPr lang="en-US" dirty="0" err="1"/>
-              <a:t>numpy</a:t>
-            </a:r>
-            <a:r>
-              <a:rPr lang="en-US" dirty="0"/>
-              <a:t> arrays of the vectors (@</a:t>
-            </a:r>
-            <a:r>
-              <a:rPr lang="en-US" dirty="0" err="1"/>
-              <a:t>np.vectorize</a:t>
-            </a:r>
-            <a:r>
-              <a:rPr lang="en-US" dirty="0"/>
-              <a:t>)</a:t>
-            </a:r>
-          </a:p>
-          <a:p>
+              <a:t>pypi</a:t>
+            </a:r>
             <a:endParaRPr lang="en-US" dirty="0">
               <a:solidFill>
                 <a:schemeClr val="bg1"/>
@@ -16108,16 +12481,265 @@
         <p:spPr/>
         <p:txBody>
           <a:bodyPr>
-            <a:normAutofit/>
+            <a:normAutofit fontScale="90000"/>
           </a:bodyPr>
           <a:lstStyle/>
           <a:p>
             <a:r>
+              <a:rPr lang="en-US" sz="3600" dirty="0">
+                <a:solidFill>
+                  <a:srgbClr val="E7E6E6">
+                    <a:lumMod val="50000"/>
+                  </a:srgbClr>
+                </a:solidFill>
+                <a:ea typeface="Cambria" panose="02040503050406030204" pitchFamily="18" charset="0"/>
+              </a:rPr>
+              <a:t>Topic 3</a:t>
+            </a:r>
+            <a:br>
               <a:rPr lang="en-US" dirty="0">
                 <a:solidFill>
                   <a:srgbClr val="5B9BD5">
                     <a:lumMod val="75000"/>
                   </a:srgbClr>
+                </a:solidFill>
+                <a:ea typeface="Cambria" panose="02040503050406030204" pitchFamily="18" charset="0"/>
+              </a:rPr>
+            </a:br>
+            <a:r>
+              <a:rPr lang="en-US" dirty="0">
+                <a:solidFill>
+                  <a:srgbClr val="5B9BD5">
+                    <a:lumMod val="75000"/>
+                  </a:srgbClr>
+                </a:solidFill>
+                <a:ea typeface="Cambria" panose="02040503050406030204" pitchFamily="18" charset="0"/>
+              </a:rPr>
+              <a:t>Packages</a:t>
+            </a:r>
+            <a:endParaRPr lang="en-US" sz="6600" dirty="0">
+              <a:solidFill>
+                <a:schemeClr val="bg1"/>
+              </a:solidFill>
+            </a:endParaRPr>
+          </a:p>
+        </p:txBody>
+      </p:sp>
+    </p:spTree>
+    <p:extLst>
+      <p:ext uri="{BB962C8B-B14F-4D97-AF65-F5344CB8AC3E}">
+        <p14:creationId xmlns:p14="http://schemas.microsoft.com/office/powerpoint/2010/main" val="2027678200"/>
+      </p:ext>
+    </p:extLst>
+  </p:cSld>
+  <p:clrMapOvr>
+    <a:masterClrMapping/>
+  </p:clrMapOvr>
+</p:sld>
+</file>
+
+<file path=ppt/slides/slide36.xml><?xml version="1.0" encoding="utf-8"?>
+<p:sld xmlns:a="http://schemas.openxmlformats.org/drawingml/2006/main" xmlns:r="http://schemas.openxmlformats.org/officeDocument/2006/relationships" xmlns:p="http://schemas.openxmlformats.org/presentationml/2006/main">
+  <p:cSld>
+    <p:spTree>
+      <p:nvGrpSpPr>
+        <p:cNvPr id="1" name=""/>
+        <p:cNvGrpSpPr/>
+        <p:nvPr/>
+      </p:nvGrpSpPr>
+      <p:grpSpPr>
+        <a:xfrm>
+          <a:off x="0" y="0"/>
+          <a:ext cx="0" cy="0"/>
+          <a:chOff x="0" y="0"/>
+          <a:chExt cx="0" cy="0"/>
+        </a:xfrm>
+      </p:grpSpPr>
+      <p:sp>
+        <p:nvSpPr>
+          <p:cNvPr id="5" name="Content Placeholder 4">
+            <a:extLst>
+              <a:ext uri="{FF2B5EF4-FFF2-40B4-BE49-F238E27FC236}">
+                <a16:creationId xmlns:a16="http://schemas.microsoft.com/office/drawing/2014/main" id="{7E51DEF6-E050-498F-ABF4-98B26239A99F}"/>
+              </a:ext>
+            </a:extLst>
+          </p:cNvPr>
+          <p:cNvSpPr>
+            <a:spLocks noGrp="1"/>
+          </p:cNvSpPr>
+          <p:nvPr>
+            <p:ph idx="1"/>
+          </p:nvPr>
+        </p:nvSpPr>
+        <p:spPr>
+          <a:xfrm>
+            <a:off x="628650" y="1135781"/>
+            <a:ext cx="7886700" cy="5722219"/>
+          </a:xfrm>
+        </p:spPr>
+        <p:txBody>
+          <a:bodyPr>
+            <a:normAutofit/>
+          </a:bodyPr>
+          <a:lstStyle/>
+          <a:p>
+            <a:pPr marL="514350" indent="-514350">
+              <a:buFont typeface="+mj-lt"/>
+              <a:buAutoNum type="arabicPeriod"/>
+            </a:pPr>
+            <a:r>
+              <a:rPr lang="en-US" dirty="0">
+                <a:solidFill>
+                  <a:schemeClr val="bg1"/>
+                </a:solidFill>
+              </a:rPr>
+              <a:t>Make a function that:</a:t>
+            </a:r>
+          </a:p>
+          <a:p>
+            <a:pPr lvl="1"/>
+            <a:r>
+              <a:rPr lang="en-US" dirty="0">
+                <a:solidFill>
+                  <a:schemeClr val="bg1"/>
+                </a:solidFill>
+              </a:rPr>
+              <a:t>Takes three arguments (</a:t>
+            </a:r>
+            <a:r>
+              <a:rPr lang="en-US" dirty="0" err="1">
+                <a:solidFill>
+                  <a:schemeClr val="bg1"/>
+                </a:solidFill>
+              </a:rPr>
+              <a:t>x,y,z</a:t>
+            </a:r>
+            <a:r>
+              <a:rPr lang="en-US" dirty="0"/>
+              <a:t>)</a:t>
+            </a:r>
+            <a:r>
+              <a:rPr lang="en-US" dirty="0">
+                <a:solidFill>
+                  <a:schemeClr val="bg1"/>
+                </a:solidFill>
+              </a:rPr>
+              <a:t> </a:t>
+            </a:r>
+          </a:p>
+          <a:p>
+            <a:pPr lvl="1"/>
+            <a:r>
+              <a:rPr lang="en-US" dirty="0"/>
+              <a:t>Returns the distance of the vector</a:t>
+            </a:r>
+            <a:endParaRPr lang="en-US" dirty="0">
+              <a:solidFill>
+                <a:schemeClr val="bg1"/>
+              </a:solidFill>
+            </a:endParaRPr>
+          </a:p>
+          <a:p>
+            <a:pPr marL="514350" indent="-514350">
+              <a:buFont typeface="+mj-lt"/>
+              <a:buAutoNum type="arabicPeriod"/>
+            </a:pPr>
+            <a:r>
+              <a:rPr lang="en-US" dirty="0">
+                <a:solidFill>
+                  <a:schemeClr val="bg1"/>
+                </a:solidFill>
+              </a:rPr>
+              <a:t>Make a function that:</a:t>
+            </a:r>
+          </a:p>
+          <a:p>
+            <a:pPr lvl="1"/>
+            <a:r>
+              <a:rPr lang="en-US" dirty="0">
+                <a:solidFill>
+                  <a:schemeClr val="bg1"/>
+                </a:solidFill>
+              </a:rPr>
+              <a:t>Takes two points as dictionaries</a:t>
+            </a:r>
+          </a:p>
+          <a:p>
+            <a:pPr lvl="1"/>
+            <a:r>
+              <a:rPr lang="en-US" dirty="0"/>
+              <a:t>Returns the distance between them</a:t>
+            </a:r>
+          </a:p>
+          <a:p>
+            <a:pPr marL="514350" indent="-514350">
+              <a:buFont typeface="+mj-lt"/>
+              <a:buAutoNum type="arabicPeriod"/>
+            </a:pPr>
+            <a:r>
+              <a:rPr lang="en-US" dirty="0">
+                <a:solidFill>
+                  <a:schemeClr val="bg1"/>
+                </a:solidFill>
+              </a:rPr>
+              <a:t>Put your functions in a module</a:t>
+            </a:r>
+          </a:p>
+          <a:p>
+            <a:pPr marL="514350" indent="-514350">
+              <a:buFont typeface="+mj-lt"/>
+              <a:buAutoNum type="arabicPeriod"/>
+            </a:pPr>
+            <a:r>
+              <a:rPr lang="en-US" dirty="0">
+                <a:solidFill>
+                  <a:schemeClr val="bg1"/>
+                </a:solidFill>
+              </a:rPr>
+              <a:t>Document them!</a:t>
+            </a:r>
+          </a:p>
+          <a:p>
+            <a:pPr marL="514350" indent="-514350">
+              <a:buFont typeface="+mj-lt"/>
+              <a:buAutoNum type="arabicPeriod"/>
+            </a:pPr>
+            <a:r>
+              <a:rPr lang="en-US" dirty="0"/>
+              <a:t>Import your module, and use it!</a:t>
+            </a:r>
+          </a:p>
+        </p:txBody>
+      </p:sp>
+      <p:sp>
+        <p:nvSpPr>
+          <p:cNvPr id="6" name="Title 5">
+            <a:extLst>
+              <a:ext uri="{FF2B5EF4-FFF2-40B4-BE49-F238E27FC236}">
+                <a16:creationId xmlns:a16="http://schemas.microsoft.com/office/drawing/2014/main" id="{E3B730E1-5111-49DF-AFD9-B32CF91F7404}"/>
+              </a:ext>
+            </a:extLst>
+          </p:cNvPr>
+          <p:cNvSpPr>
+            <a:spLocks noGrp="1"/>
+          </p:cNvSpPr>
+          <p:nvPr>
+            <p:ph type="title"/>
+          </p:nvPr>
+        </p:nvSpPr>
+        <p:spPr/>
+        <p:txBody>
+          <a:bodyPr>
+            <a:normAutofit/>
+          </a:bodyPr>
+          <a:lstStyle/>
+          <a:p>
+            <a:r>
+              <a:rPr lang="en-US" dirty="0">
+                <a:solidFill>
+                  <a:schemeClr val="accent6">
+                    <a:lumMod val="75000"/>
+                  </a:schemeClr>
                 </a:solidFill>
                 <a:ea typeface="Cambria" panose="02040503050406030204" pitchFamily="18" charset="0"/>
               </a:rPr>
@@ -16144,7 +12766,679 @@
 </p:sld>
 </file>
 
+<file path=ppt/slides/slide37.xml><?xml version="1.0" encoding="utf-8"?>
+<p:sld xmlns:a="http://schemas.openxmlformats.org/drawingml/2006/main" xmlns:r="http://schemas.openxmlformats.org/officeDocument/2006/relationships" xmlns:p="http://schemas.openxmlformats.org/presentationml/2006/main">
+  <p:cSld>
+    <p:spTree>
+      <p:nvGrpSpPr>
+        <p:cNvPr id="1" name=""/>
+        <p:cNvGrpSpPr/>
+        <p:nvPr/>
+      </p:nvGrpSpPr>
+      <p:grpSpPr>
+        <a:xfrm>
+          <a:off x="0" y="0"/>
+          <a:ext cx="0" cy="0"/>
+          <a:chOff x="0" y="0"/>
+          <a:chExt cx="0" cy="0"/>
+        </a:xfrm>
+      </p:grpSpPr>
+      <p:sp>
+        <p:nvSpPr>
+          <p:cNvPr id="2" name="Title 1">
+            <a:extLst>
+              <a:ext uri="{FF2B5EF4-FFF2-40B4-BE49-F238E27FC236}">
+                <a16:creationId xmlns:a16="http://schemas.microsoft.com/office/drawing/2014/main" id="{E8E45410-54AE-4D5F-9BB2-E186196C3ACC}"/>
+              </a:ext>
+            </a:extLst>
+          </p:cNvPr>
+          <p:cNvSpPr>
+            <a:spLocks noGrp="1"/>
+          </p:cNvSpPr>
+          <p:nvPr>
+            <p:ph type="title"/>
+          </p:nvPr>
+        </p:nvSpPr>
+        <p:spPr/>
+        <p:txBody>
+          <a:bodyPr/>
+          <a:lstStyle/>
+          <a:p>
+            <a:r>
+              <a:rPr lang="en-US" sz="3200" dirty="0">
+                <a:solidFill>
+                  <a:srgbClr val="E7E6E6">
+                    <a:lumMod val="50000"/>
+                  </a:srgbClr>
+                </a:solidFill>
+                <a:ea typeface="Cambria" panose="02040503050406030204" pitchFamily="18" charset="0"/>
+              </a:rPr>
+              <a:t>Topic 4</a:t>
+            </a:r>
+            <a:br>
+              <a:rPr lang="en-US" dirty="0">
+                <a:solidFill>
+                  <a:prstClr val="black"/>
+                </a:solidFill>
+                <a:ea typeface="Cambria" panose="02040503050406030204" pitchFamily="18" charset="0"/>
+              </a:rPr>
+            </a:br>
+            <a:r>
+              <a:rPr lang="en-US" dirty="0">
+                <a:solidFill>
+                  <a:srgbClr val="5B9BD5">
+                    <a:lumMod val="75000"/>
+                  </a:srgbClr>
+                </a:solidFill>
+                <a:ea typeface="Cambria" panose="02040503050406030204" pitchFamily="18" charset="0"/>
+              </a:rPr>
+              <a:t>Plotting</a:t>
+            </a:r>
+            <a:endParaRPr lang="en-US" dirty="0"/>
+          </a:p>
+        </p:txBody>
+      </p:sp>
+      <p:sp>
+        <p:nvSpPr>
+          <p:cNvPr id="3" name="Text Placeholder 2">
+            <a:extLst>
+              <a:ext uri="{FF2B5EF4-FFF2-40B4-BE49-F238E27FC236}">
+                <a16:creationId xmlns:a16="http://schemas.microsoft.com/office/drawing/2014/main" id="{0BD1822A-671C-40B8-B74F-D8193A3FACFF}"/>
+              </a:ext>
+            </a:extLst>
+          </p:cNvPr>
+          <p:cNvSpPr>
+            <a:spLocks noGrp="1"/>
+          </p:cNvSpPr>
+          <p:nvPr>
+            <p:ph type="body" idx="1"/>
+          </p:nvPr>
+        </p:nvSpPr>
+        <p:spPr/>
+        <p:txBody>
+          <a:bodyPr/>
+          <a:lstStyle/>
+          <a:p>
+            <a:endParaRPr lang="en-US" dirty="0"/>
+          </a:p>
+        </p:txBody>
+      </p:sp>
+      <p:pic>
+        <p:nvPicPr>
+          <p:cNvPr id="4" name="Picture 3">
+            <a:extLst>
+              <a:ext uri="{FF2B5EF4-FFF2-40B4-BE49-F238E27FC236}">
+                <a16:creationId xmlns:a16="http://schemas.microsoft.com/office/drawing/2014/main" id="{EC067D42-520E-6C4D-B6BB-D09428D0350E}"/>
+              </a:ext>
+            </a:extLst>
+          </p:cNvPr>
+          <p:cNvPicPr>
+            <a:picLocks noChangeAspect="1"/>
+          </p:cNvPicPr>
+          <p:nvPr/>
+        </p:nvPicPr>
+        <p:blipFill>
+          <a:blip r:embed="rId2"/>
+          <a:stretch>
+            <a:fillRect/>
+          </a:stretch>
+        </p:blipFill>
+        <p:spPr>
+          <a:xfrm>
+            <a:off x="4307840" y="170180"/>
+            <a:ext cx="3933190" cy="3933190"/>
+          </a:xfrm>
+          <a:prstGeom prst="rect">
+            <a:avLst/>
+          </a:prstGeom>
+        </p:spPr>
+      </p:pic>
+    </p:spTree>
+    <p:extLst>
+      <p:ext uri="{BB962C8B-B14F-4D97-AF65-F5344CB8AC3E}">
+        <p14:creationId xmlns:p14="http://schemas.microsoft.com/office/powerpoint/2010/main" val="1869571228"/>
+      </p:ext>
+    </p:extLst>
+  </p:cSld>
+  <p:clrMapOvr>
+    <a:masterClrMapping/>
+  </p:clrMapOvr>
+</p:sld>
+</file>
+
+<file path=ppt/slides/slide38.xml><?xml version="1.0" encoding="utf-8"?>
+<p:sld xmlns:a="http://schemas.openxmlformats.org/drawingml/2006/main" xmlns:r="http://schemas.openxmlformats.org/officeDocument/2006/relationships" xmlns:p="http://schemas.openxmlformats.org/presentationml/2006/main">
+  <p:cSld>
+    <p:spTree>
+      <p:nvGrpSpPr>
+        <p:cNvPr id="1" name=""/>
+        <p:cNvGrpSpPr/>
+        <p:nvPr/>
+      </p:nvGrpSpPr>
+      <p:grpSpPr>
+        <a:xfrm>
+          <a:off x="0" y="0"/>
+          <a:ext cx="0" cy="0"/>
+          <a:chOff x="0" y="0"/>
+          <a:chExt cx="0" cy="0"/>
+        </a:xfrm>
+      </p:grpSpPr>
+      <p:sp>
+        <p:nvSpPr>
+          <p:cNvPr id="5" name="Content Placeholder 4">
+            <a:extLst>
+              <a:ext uri="{FF2B5EF4-FFF2-40B4-BE49-F238E27FC236}">
+                <a16:creationId xmlns:a16="http://schemas.microsoft.com/office/drawing/2014/main" id="{7E51DEF6-E050-498F-ABF4-98B26239A99F}"/>
+              </a:ext>
+            </a:extLst>
+          </p:cNvPr>
+          <p:cNvSpPr>
+            <a:spLocks noGrp="1"/>
+          </p:cNvSpPr>
+          <p:nvPr>
+            <p:ph idx="1"/>
+          </p:nvPr>
+        </p:nvSpPr>
+        <p:spPr>
+          <a:xfrm>
+            <a:off x="628650" y="1135781"/>
+            <a:ext cx="7886700" cy="5722219"/>
+          </a:xfrm>
+        </p:spPr>
+        <p:txBody>
+          <a:bodyPr>
+            <a:normAutofit/>
+          </a:bodyPr>
+          <a:lstStyle/>
+          <a:p>
+            <a:pPr marL="0" indent="0">
+              <a:buNone/>
+            </a:pPr>
+            <a:r>
+              <a:rPr lang="en-US" dirty="0">
+                <a:solidFill>
+                  <a:schemeClr val="bg1"/>
+                </a:solidFill>
+                <a:hlinkClick r:id="rId3"/>
+              </a:rPr>
+              <a:t>matplotlib</a:t>
+            </a:r>
+            <a:endParaRPr lang="en-US" dirty="0">
+              <a:solidFill>
+                <a:schemeClr val="bg1"/>
+              </a:solidFill>
+            </a:endParaRPr>
+          </a:p>
+          <a:p>
+            <a:pPr lvl="1"/>
+            <a:r>
+              <a:rPr lang="en-US" dirty="0">
+                <a:solidFill>
+                  <a:schemeClr val="bg1"/>
+                </a:solidFill>
+              </a:rPr>
+              <a:t>Standard</a:t>
+            </a:r>
+            <a:br>
+              <a:rPr lang="en-US" dirty="0">
+                <a:solidFill>
+                  <a:schemeClr val="bg1"/>
+                </a:solidFill>
+              </a:rPr>
+            </a:br>
+            <a:endParaRPr lang="en-US" dirty="0">
+              <a:solidFill>
+                <a:schemeClr val="bg1"/>
+              </a:solidFill>
+            </a:endParaRPr>
+          </a:p>
+          <a:p>
+            <a:pPr marL="0" indent="0">
+              <a:buNone/>
+            </a:pPr>
+            <a:r>
+              <a:rPr lang="en-US" dirty="0">
+                <a:solidFill>
+                  <a:schemeClr val="bg1"/>
+                </a:solidFill>
+                <a:hlinkClick r:id="rId4"/>
+              </a:rPr>
+              <a:t>Seaborn</a:t>
+            </a:r>
+            <a:endParaRPr lang="en-US" dirty="0">
+              <a:solidFill>
+                <a:schemeClr val="bg1"/>
+              </a:solidFill>
+            </a:endParaRPr>
+          </a:p>
+          <a:p>
+            <a:pPr lvl="1"/>
+            <a:r>
+              <a:rPr lang="en-US" dirty="0"/>
+              <a:t>Great for statistics</a:t>
+            </a:r>
+            <a:br>
+              <a:rPr lang="en-US" dirty="0"/>
+            </a:br>
+            <a:endParaRPr lang="en-US" dirty="0"/>
+          </a:p>
+          <a:p>
+            <a:pPr marL="0" indent="0">
+              <a:buNone/>
+            </a:pPr>
+            <a:r>
+              <a:rPr lang="en-US" dirty="0">
+                <a:solidFill>
+                  <a:schemeClr val="bg1"/>
+                </a:solidFill>
+                <a:hlinkClick r:id="rId5"/>
+              </a:rPr>
+              <a:t>ProPlot</a:t>
+            </a:r>
+            <a:endParaRPr lang="en-US" dirty="0">
+              <a:solidFill>
+                <a:schemeClr val="bg1"/>
+              </a:solidFill>
+            </a:endParaRPr>
+          </a:p>
+          <a:p>
+            <a:pPr lvl="1"/>
+            <a:r>
+              <a:rPr lang="en-US" dirty="0">
+                <a:solidFill>
+                  <a:schemeClr val="bg1"/>
+                </a:solidFill>
+              </a:rPr>
+              <a:t>Possibly good? </a:t>
+            </a:r>
+            <a:br>
+              <a:rPr lang="en-US" dirty="0">
+                <a:solidFill>
+                  <a:schemeClr val="bg1"/>
+                </a:solidFill>
+              </a:rPr>
+            </a:br>
+            <a:br>
+              <a:rPr lang="en-US" dirty="0">
+                <a:solidFill>
+                  <a:schemeClr val="bg1"/>
+                </a:solidFill>
+              </a:rPr>
+            </a:br>
+            <a:br>
+              <a:rPr lang="en-US" dirty="0">
+                <a:solidFill>
+                  <a:schemeClr val="bg1"/>
+                </a:solidFill>
+              </a:rPr>
+            </a:br>
+            <a:endParaRPr lang="en-US" dirty="0"/>
+          </a:p>
+          <a:p>
+            <a:pPr marL="0" indent="0">
+              <a:buNone/>
+            </a:pPr>
+            <a:r>
+              <a:rPr lang="en-US" dirty="0"/>
+              <a:t>Check out the </a:t>
+            </a:r>
+            <a:r>
+              <a:rPr lang="en-US" b="1" dirty="0" err="1">
+                <a:latin typeface="Courier New" panose="02070309020205020404" pitchFamily="49" charset="0"/>
+                <a:cs typeface="Courier New" panose="02070309020205020404" pitchFamily="49" charset="0"/>
+              </a:rPr>
+              <a:t>matplotlib_basics.ipynb</a:t>
+            </a:r>
+            <a:r>
+              <a:rPr lang="en-US" b="1" dirty="0">
+                <a:latin typeface="Courier New" panose="02070309020205020404" pitchFamily="49" charset="0"/>
+                <a:cs typeface="Courier New" panose="02070309020205020404" pitchFamily="49" charset="0"/>
+              </a:rPr>
+              <a:t> </a:t>
+            </a:r>
+            <a:r>
+              <a:rPr lang="en-US" dirty="0"/>
+              <a:t>and </a:t>
+            </a:r>
+            <a:r>
+              <a:rPr lang="en-US" b="1" dirty="0" err="1">
+                <a:latin typeface="Courier New" panose="02070309020205020404" pitchFamily="49" charset="0"/>
+                <a:cs typeface="Courier New" panose="02070309020205020404" pitchFamily="49" charset="0"/>
+              </a:rPr>
+              <a:t>plot_template.ipynb</a:t>
+            </a:r>
+            <a:r>
+              <a:rPr lang="en-US" b="1" dirty="0">
+                <a:latin typeface="Courier New" panose="02070309020205020404" pitchFamily="49" charset="0"/>
+                <a:cs typeface="Courier New" panose="02070309020205020404" pitchFamily="49" charset="0"/>
+              </a:rPr>
+              <a:t> </a:t>
+            </a:r>
+            <a:r>
+              <a:rPr lang="en-US" dirty="0"/>
+              <a:t>files!</a:t>
+            </a:r>
+          </a:p>
+        </p:txBody>
+      </p:sp>
+      <p:sp>
+        <p:nvSpPr>
+          <p:cNvPr id="6" name="Title 5">
+            <a:extLst>
+              <a:ext uri="{FF2B5EF4-FFF2-40B4-BE49-F238E27FC236}">
+                <a16:creationId xmlns:a16="http://schemas.microsoft.com/office/drawing/2014/main" id="{E3B730E1-5111-49DF-AFD9-B32CF91F7404}"/>
+              </a:ext>
+            </a:extLst>
+          </p:cNvPr>
+          <p:cNvSpPr>
+            <a:spLocks noGrp="1"/>
+          </p:cNvSpPr>
+          <p:nvPr>
+            <p:ph type="title"/>
+          </p:nvPr>
+        </p:nvSpPr>
+        <p:spPr/>
+        <p:txBody>
+          <a:bodyPr>
+            <a:normAutofit/>
+          </a:bodyPr>
+          <a:lstStyle/>
+          <a:p>
+            <a:r>
+              <a:rPr lang="en-US" dirty="0">
+                <a:solidFill>
+                  <a:srgbClr val="5B9BD5">
+                    <a:lumMod val="75000"/>
+                  </a:srgbClr>
+                </a:solidFill>
+                <a:ea typeface="Cambria" panose="02040503050406030204" pitchFamily="18" charset="0"/>
+              </a:rPr>
+              <a:t>Available Packages</a:t>
+            </a:r>
+            <a:endParaRPr lang="en-US" sz="6600" dirty="0">
+              <a:solidFill>
+                <a:schemeClr val="bg1"/>
+              </a:solidFill>
+            </a:endParaRPr>
+          </a:p>
+        </p:txBody>
+      </p:sp>
+    </p:spTree>
+    <p:extLst>
+      <p:ext uri="{BB962C8B-B14F-4D97-AF65-F5344CB8AC3E}">
+        <p14:creationId xmlns:p14="http://schemas.microsoft.com/office/powerpoint/2010/main" val="1546396310"/>
+      </p:ext>
+    </p:extLst>
+  </p:cSld>
+  <p:clrMapOvr>
+    <a:masterClrMapping/>
+  </p:clrMapOvr>
+</p:sld>
+</file>
+
+<file path=ppt/slides/slide39.xml><?xml version="1.0" encoding="utf-8"?>
+<p:sld xmlns:a="http://schemas.openxmlformats.org/drawingml/2006/main" xmlns:r="http://schemas.openxmlformats.org/officeDocument/2006/relationships" xmlns:p="http://schemas.openxmlformats.org/presentationml/2006/main">
+  <p:cSld>
+    <p:spTree>
+      <p:nvGrpSpPr>
+        <p:cNvPr id="1" name=""/>
+        <p:cNvGrpSpPr/>
+        <p:nvPr/>
+      </p:nvGrpSpPr>
+      <p:grpSpPr>
+        <a:xfrm>
+          <a:off x="0" y="0"/>
+          <a:ext cx="0" cy="0"/>
+          <a:chOff x="0" y="0"/>
+          <a:chExt cx="0" cy="0"/>
+        </a:xfrm>
+      </p:grpSpPr>
+      <p:sp>
+        <p:nvSpPr>
+          <p:cNvPr id="5" name="Content Placeholder 4">
+            <a:extLst>
+              <a:ext uri="{FF2B5EF4-FFF2-40B4-BE49-F238E27FC236}">
+                <a16:creationId xmlns:a16="http://schemas.microsoft.com/office/drawing/2014/main" id="{7E51DEF6-E050-498F-ABF4-98B26239A99F}"/>
+              </a:ext>
+            </a:extLst>
+          </p:cNvPr>
+          <p:cNvSpPr>
+            <a:spLocks noGrp="1"/>
+          </p:cNvSpPr>
+          <p:nvPr>
+            <p:ph idx="1"/>
+          </p:nvPr>
+        </p:nvSpPr>
+        <p:spPr>
+          <a:xfrm>
+            <a:off x="628650" y="1135781"/>
+            <a:ext cx="8206740" cy="5722219"/>
+          </a:xfrm>
+        </p:spPr>
+        <p:txBody>
+          <a:bodyPr>
+            <a:normAutofit/>
+          </a:bodyPr>
+          <a:lstStyle/>
+          <a:p>
+            <a:pPr marL="514350" indent="-514350">
+              <a:buFont typeface="+mj-lt"/>
+              <a:buAutoNum type="arabicPeriod"/>
+            </a:pPr>
+            <a:r>
+              <a:rPr lang="en-US" dirty="0"/>
+              <a:t>Open </a:t>
+            </a:r>
+            <a:r>
+              <a:rPr lang="en-CA" b="1" dirty="0">
+                <a:latin typeface="Courier New" panose="02070309020205020404" pitchFamily="49" charset="0"/>
+                <a:cs typeface="Courier New" panose="02070309020205020404" pitchFamily="49" charset="0"/>
+              </a:rPr>
+              <a:t>star_formation_rate_exercise.ipynb</a:t>
+            </a:r>
+          </a:p>
+          <a:p>
+            <a:pPr marL="514350" indent="-514350">
+              <a:buFont typeface="+mj-lt"/>
+              <a:buAutoNum type="arabicPeriod"/>
+            </a:pPr>
+            <a:r>
+              <a:rPr lang="en-CA" dirty="0">
+                <a:solidFill>
+                  <a:schemeClr val="bg1"/>
+                </a:solidFill>
+                <a:cs typeface="Courier New" panose="02070309020205020404" pitchFamily="49" charset="0"/>
+              </a:rPr>
+              <a:t>Follow the instructions</a:t>
+            </a:r>
+            <a:r>
+              <a:rPr lang="en-CA" dirty="0">
+                <a:cs typeface="Courier New" panose="02070309020205020404" pitchFamily="49" charset="0"/>
+              </a:rPr>
+              <a:t> and use notebooks below to guide your plotting.</a:t>
+            </a:r>
+            <a:br>
+              <a:rPr lang="en-US" dirty="0">
+                <a:cs typeface="Courier New" panose="02070309020205020404" pitchFamily="49" charset="0"/>
+              </a:rPr>
+            </a:br>
+            <a:br>
+              <a:rPr lang="en-US" dirty="0">
+                <a:cs typeface="Courier New" panose="02070309020205020404" pitchFamily="49" charset="0"/>
+              </a:rPr>
+            </a:br>
+            <a:r>
+              <a:rPr lang="en-US" b="1" dirty="0">
+                <a:latin typeface="Courier New" panose="02070309020205020404" pitchFamily="49" charset="0"/>
+                <a:cs typeface="Courier New" panose="02070309020205020404" pitchFamily="49" charset="0"/>
+              </a:rPr>
+              <a:t>matplotlib_basics.ipynb plot_template.ipynb</a:t>
+            </a:r>
+          </a:p>
+          <a:p>
+            <a:pPr marL="514350" indent="-514350">
+              <a:buFont typeface="+mj-lt"/>
+              <a:buAutoNum type="arabicPeriod"/>
+            </a:pPr>
+            <a:r>
+              <a:rPr lang="en-US" dirty="0"/>
+              <a:t>We will go through step-by-step after some time.</a:t>
+            </a:r>
+          </a:p>
+        </p:txBody>
+      </p:sp>
+      <p:sp>
+        <p:nvSpPr>
+          <p:cNvPr id="6" name="Title 5">
+            <a:extLst>
+              <a:ext uri="{FF2B5EF4-FFF2-40B4-BE49-F238E27FC236}">
+                <a16:creationId xmlns:a16="http://schemas.microsoft.com/office/drawing/2014/main" id="{E3B730E1-5111-49DF-AFD9-B32CF91F7404}"/>
+              </a:ext>
+            </a:extLst>
+          </p:cNvPr>
+          <p:cNvSpPr>
+            <a:spLocks noGrp="1"/>
+          </p:cNvSpPr>
+          <p:nvPr>
+            <p:ph type="title"/>
+          </p:nvPr>
+        </p:nvSpPr>
+        <p:spPr/>
+        <p:txBody>
+          <a:bodyPr>
+            <a:normAutofit/>
+          </a:bodyPr>
+          <a:lstStyle/>
+          <a:p>
+            <a:r>
+              <a:rPr lang="en-US" dirty="0">
+                <a:solidFill>
+                  <a:schemeClr val="accent6">
+                    <a:lumMod val="75000"/>
+                  </a:schemeClr>
+                </a:solidFill>
+                <a:ea typeface="Cambria" panose="02040503050406030204" pitchFamily="18" charset="0"/>
+              </a:rPr>
+              <a:t>Exercise</a:t>
+            </a:r>
+            <a:endParaRPr lang="en-US" dirty="0">
+              <a:solidFill>
+                <a:schemeClr val="bg1"/>
+              </a:solidFill>
+              <a:ea typeface="Cambria" panose="02040503050406030204" pitchFamily="18" charset="0"/>
+            </a:endParaRPr>
+          </a:p>
+        </p:txBody>
+      </p:sp>
+    </p:spTree>
+    <p:extLst>
+      <p:ext uri="{BB962C8B-B14F-4D97-AF65-F5344CB8AC3E}">
+        <p14:creationId xmlns:p14="http://schemas.microsoft.com/office/powerpoint/2010/main" val="3229037260"/>
+      </p:ext>
+    </p:extLst>
+  </p:cSld>
+  <p:clrMapOvr>
+    <a:masterClrMapping/>
+  </p:clrMapOvr>
+</p:sld>
+</file>
+
 <file path=ppt/slides/slide4.xml><?xml version="1.0" encoding="utf-8"?>
+<p:sld xmlns:a="http://schemas.openxmlformats.org/drawingml/2006/main" xmlns:r="http://schemas.openxmlformats.org/officeDocument/2006/relationships" xmlns:p="http://schemas.openxmlformats.org/presentationml/2006/main">
+  <p:cSld>
+    <p:spTree>
+      <p:nvGrpSpPr>
+        <p:cNvPr id="1" name=""/>
+        <p:cNvGrpSpPr/>
+        <p:nvPr/>
+      </p:nvGrpSpPr>
+      <p:grpSpPr>
+        <a:xfrm>
+          <a:off x="0" y="0"/>
+          <a:ext cx="0" cy="0"/>
+          <a:chOff x="0" y="0"/>
+          <a:chExt cx="0" cy="0"/>
+        </a:xfrm>
+      </p:grpSpPr>
+      <p:sp>
+        <p:nvSpPr>
+          <p:cNvPr id="3" name="Content Placeholder 2">
+            <a:extLst>
+              <a:ext uri="{FF2B5EF4-FFF2-40B4-BE49-F238E27FC236}">
+                <a16:creationId xmlns:a16="http://schemas.microsoft.com/office/drawing/2014/main" id="{A8CA56B2-C12D-42F3-A4E1-395CB6CEBECC}"/>
+              </a:ext>
+            </a:extLst>
+          </p:cNvPr>
+          <p:cNvSpPr>
+            <a:spLocks noGrp="1"/>
+          </p:cNvSpPr>
+          <p:nvPr>
+            <p:ph idx="1"/>
+          </p:nvPr>
+        </p:nvSpPr>
+        <p:spPr>
+          <a:xfrm>
+            <a:off x="628650" y="1386038"/>
+            <a:ext cx="7886700" cy="5332395"/>
+          </a:xfrm>
+        </p:spPr>
+        <p:txBody>
+          <a:bodyPr>
+            <a:normAutofit/>
+          </a:bodyPr>
+          <a:lstStyle/>
+          <a:p>
+            <a:pPr marL="0" indent="0">
+              <a:buNone/>
+            </a:pPr>
+            <a:r>
+              <a:rPr lang="en-US" sz="3600" dirty="0">
+                <a:ea typeface="Cambria" panose="02040503050406030204" pitchFamily="18" charset="0"/>
+              </a:rPr>
+              <a:t>Open a new terminal and clone this repository:</a:t>
+            </a:r>
+          </a:p>
+          <a:p>
+            <a:pPr marL="0" indent="0">
+              <a:buNone/>
+            </a:pPr>
+            <a:endParaRPr lang="en-US" sz="3600" dirty="0">
+              <a:ea typeface="Cambria" panose="02040503050406030204" pitchFamily="18" charset="0"/>
+            </a:endParaRPr>
+          </a:p>
+          <a:p>
+            <a:pPr marL="0" indent="0">
+              <a:buNone/>
+            </a:pPr>
+            <a:r>
+              <a:rPr lang="en-CA" sz="4000" b="1" dirty="0">
+                <a:latin typeface="Courier New" panose="02070309020205020404" pitchFamily="49" charset="0"/>
+                <a:cs typeface="Courier New" panose="02070309020205020404" pitchFamily="49" charset="0"/>
+                <a:hlinkClick r:id="rId2"/>
+              </a:rPr>
+              <a:t>https://bit.ly/2pp5kDx</a:t>
+            </a:r>
+            <a:endParaRPr lang="en-CA" sz="4000" b="1" dirty="0">
+              <a:latin typeface="Courier New" panose="02070309020205020404" pitchFamily="49" charset="0"/>
+              <a:cs typeface="Courier New" panose="02070309020205020404" pitchFamily="49" charset="0"/>
+            </a:endParaRPr>
+          </a:p>
+        </p:txBody>
+      </p:sp>
+    </p:spTree>
+    <p:extLst>
+      <p:ext uri="{BB962C8B-B14F-4D97-AF65-F5344CB8AC3E}">
+        <p14:creationId xmlns:p14="http://schemas.microsoft.com/office/powerpoint/2010/main" val="1572653042"/>
+      </p:ext>
+    </p:extLst>
+  </p:cSld>
+  <p:clrMapOvr>
+    <a:masterClrMapping/>
+  </p:clrMapOvr>
+</p:sld>
+</file>
+
+<file path=ppt/slides/slide5.xml><?xml version="1.0" encoding="utf-8"?>
 <p:sld xmlns:a="http://schemas.openxmlformats.org/drawingml/2006/main" xmlns:r="http://schemas.openxmlformats.org/officeDocument/2006/relationships" xmlns:p="http://schemas.openxmlformats.org/presentationml/2006/main">
   <p:cSld>
     <p:spTree>
@@ -16295,7 +13589,7 @@
 </p:sld>
 </file>
 
-<file path=ppt/slides/slide5.xml><?xml version="1.0" encoding="utf-8"?>
+<file path=ppt/slides/slide6.xml><?xml version="1.0" encoding="utf-8"?>
 <p:sld xmlns:a="http://schemas.openxmlformats.org/drawingml/2006/main" xmlns:r="http://schemas.openxmlformats.org/officeDocument/2006/relationships" xmlns:p="http://schemas.openxmlformats.org/presentationml/2006/main">
   <p:cSld>
     <p:spTree>
@@ -16534,7 +13828,7 @@
 </p:sld>
 </file>
 
-<file path=ppt/slides/slide6.xml><?xml version="1.0" encoding="utf-8"?>
+<file path=ppt/slides/slide7.xml><?xml version="1.0" encoding="utf-8"?>
 <p:sld xmlns:a="http://schemas.openxmlformats.org/drawingml/2006/main" xmlns:r="http://schemas.openxmlformats.org/officeDocument/2006/relationships" xmlns:p="http://schemas.openxmlformats.org/presentationml/2006/main">
   <p:cSld>
     <p:spTree>
@@ -17054,7 +14348,7 @@
 </p:sld>
 </file>
 
-<file path=ppt/slides/slide7.xml><?xml version="1.0" encoding="utf-8"?>
+<file path=ppt/slides/slide8.xml><?xml version="1.0" encoding="utf-8"?>
 <p:sld xmlns:a="http://schemas.openxmlformats.org/drawingml/2006/main" xmlns:r="http://schemas.openxmlformats.org/officeDocument/2006/relationships" xmlns:p="http://schemas.openxmlformats.org/presentationml/2006/main">
   <p:cSld>
     <p:spTree>
@@ -17483,7 +14777,7 @@
 </p:sld>
 </file>
 
-<file path=ppt/slides/slide8.xml><?xml version="1.0" encoding="utf-8"?>
+<file path=ppt/slides/slide9.xml><?xml version="1.0" encoding="utf-8"?>
 <p:sld xmlns:a="http://schemas.openxmlformats.org/drawingml/2006/main" xmlns:r="http://schemas.openxmlformats.org/officeDocument/2006/relationships" xmlns:p="http://schemas.openxmlformats.org/presentationml/2006/main">
   <p:cSld>
     <p:spTree>
@@ -17650,169 +14944,6 @@
   <p:clrMapOvr>
     <a:masterClrMapping/>
   </p:clrMapOvr>
-</p:sld>
-</file>
-
-<file path=ppt/slides/slide9.xml><?xml version="1.0" encoding="utf-8"?>
-<p:sld xmlns:a="http://schemas.openxmlformats.org/drawingml/2006/main" xmlns:r="http://schemas.openxmlformats.org/officeDocument/2006/relationships" xmlns:p="http://schemas.openxmlformats.org/presentationml/2006/main">
-  <p:cSld>
-    <p:spTree>
-      <p:nvGrpSpPr>
-        <p:cNvPr id="1" name=""/>
-        <p:cNvGrpSpPr/>
-        <p:nvPr/>
-      </p:nvGrpSpPr>
-      <p:grpSpPr>
-        <a:xfrm>
-          <a:off x="0" y="0"/>
-          <a:ext cx="0" cy="0"/>
-          <a:chOff x="0" y="0"/>
-          <a:chExt cx="0" cy="0"/>
-        </a:xfrm>
-      </p:grpSpPr>
-      <p:sp>
-        <p:nvSpPr>
-          <p:cNvPr id="2" name="Title 1">
-            <a:extLst>
-              <a:ext uri="{FF2B5EF4-FFF2-40B4-BE49-F238E27FC236}">
-                <a16:creationId xmlns:a16="http://schemas.microsoft.com/office/drawing/2014/main" id="{0D53B860-A63D-4129-89D7-9BAD17BA6B66}"/>
-              </a:ext>
-            </a:extLst>
-          </p:cNvPr>
-          <p:cNvSpPr>
-            <a:spLocks noGrp="1"/>
-          </p:cNvSpPr>
-          <p:nvPr>
-            <p:ph type="title"/>
-          </p:nvPr>
-        </p:nvSpPr>
-        <p:spPr/>
-        <p:txBody>
-          <a:bodyPr>
-            <a:normAutofit/>
-          </a:bodyPr>
-          <a:lstStyle/>
-          <a:p>
-            <a:r>
-              <a:rPr lang="en-US" sz="3200" dirty="0">
-                <a:solidFill>
-                  <a:srgbClr val="E7E6E6">
-                    <a:lumMod val="50000"/>
-                  </a:srgbClr>
-                </a:solidFill>
-                <a:ea typeface="Cambria" panose="02040503050406030204" pitchFamily="18" charset="0"/>
-              </a:rPr>
-              <a:t>Topic 1</a:t>
-            </a:r>
-            <a:br>
-              <a:rPr lang="en-US" dirty="0">
-                <a:solidFill>
-                  <a:prstClr val="black"/>
-                </a:solidFill>
-                <a:ea typeface="Cambria" panose="02040503050406030204" pitchFamily="18" charset="0"/>
-              </a:rPr>
-            </a:br>
-            <a:r>
-              <a:rPr lang="en-US" dirty="0">
-                <a:solidFill>
-                  <a:srgbClr val="5B9BD5">
-                    <a:lumMod val="75000"/>
-                  </a:srgbClr>
-                </a:solidFill>
-                <a:ea typeface="Cambria" panose="02040503050406030204" pitchFamily="18" charset="0"/>
-              </a:rPr>
-              <a:t>Data Structures</a:t>
-            </a:r>
-            <a:endParaRPr lang="en-US" sz="4800" dirty="0">
-              <a:solidFill>
-                <a:schemeClr val="bg1"/>
-              </a:solidFill>
-            </a:endParaRPr>
-          </a:p>
-        </p:txBody>
-      </p:sp>
-      <p:sp>
-        <p:nvSpPr>
-          <p:cNvPr id="6" name="Text Placeholder 5">
-            <a:extLst>
-              <a:ext uri="{FF2B5EF4-FFF2-40B4-BE49-F238E27FC236}">
-                <a16:creationId xmlns:a16="http://schemas.microsoft.com/office/drawing/2014/main" id="{07D384C6-7A31-4EBF-AE74-659F837E76C1}"/>
-              </a:ext>
-            </a:extLst>
-          </p:cNvPr>
-          <p:cNvSpPr>
-            <a:spLocks noGrp="1"/>
-          </p:cNvSpPr>
-          <p:nvPr>
-            <p:ph type="body" idx="1"/>
-          </p:nvPr>
-        </p:nvSpPr>
-        <p:spPr/>
-        <p:txBody>
-          <a:bodyPr/>
-          <a:lstStyle/>
-          <a:p>
-            <a:endParaRPr lang="en-US" dirty="0"/>
-          </a:p>
-        </p:txBody>
-      </p:sp>
-      <p:pic>
-        <p:nvPicPr>
-          <p:cNvPr id="7" name="Picture 6">
-            <a:extLst>
-              <a:ext uri="{FF2B5EF4-FFF2-40B4-BE49-F238E27FC236}">
-                <a16:creationId xmlns:a16="http://schemas.microsoft.com/office/drawing/2014/main" id="{8BE2BEE9-F689-447A-818E-36F27C02E8C4}"/>
-              </a:ext>
-            </a:extLst>
-          </p:cNvPr>
-          <p:cNvPicPr>
-            <a:picLocks noChangeAspect="1"/>
-          </p:cNvPicPr>
-          <p:nvPr/>
-        </p:nvPicPr>
-        <p:blipFill rotWithShape="1">
-          <a:blip r:embed="rId3">
-            <a:extLst>
-              <a:ext uri="{BEBA8EAE-BF5A-486C-A8C5-ECC9F3942E4B}">
-                <a14:imgProps xmlns:a14="http://schemas.microsoft.com/office/drawing/2010/main">
-                  <a14:imgLayer r:embed="rId4">
-                    <a14:imgEffect>
-                      <a14:brightnessContrast bright="20000" contrast="-40000"/>
-                    </a14:imgEffect>
-                  </a14:imgLayer>
-                </a14:imgProps>
-              </a:ext>
-              <a:ext uri="{28A0092B-C50C-407E-A947-70E740481C1C}">
-                <a14:useLocalDpi xmlns:a14="http://schemas.microsoft.com/office/drawing/2010/main" val="0"/>
-              </a:ext>
-            </a:extLst>
-          </a:blip>
-          <a:srcRect l="24825" t="18956" r="25491" b="36330"/>
-          <a:stretch/>
-        </p:blipFill>
-        <p:spPr>
-          <a:xfrm>
-            <a:off x="198437" y="768349"/>
-            <a:ext cx="4969163" cy="2211478"/>
-          </a:xfrm>
-          <a:prstGeom prst="rect">
-            <a:avLst/>
-          </a:prstGeom>
-        </p:spPr>
-      </p:pic>
-    </p:spTree>
-    <p:extLst>
-      <p:ext uri="{BB962C8B-B14F-4D97-AF65-F5344CB8AC3E}">
-        <p14:creationId xmlns:p14="http://schemas.microsoft.com/office/powerpoint/2010/main" val="3896416850"/>
-      </p:ext>
-    </p:extLst>
-  </p:cSld>
-  <p:clrMapOvr>
-    <a:masterClrMapping/>
-  </p:clrMapOvr>
-  <p:transition spd="slow">
-    <p:push dir="u"/>
-  </p:transition>
 </p:sld>
 </file>
 
